--- a/Presentations/Fall Review Meeting/A FRAMEWORK TO EVALUATE MARINE RESERVES IN MEXICO.pptx
+++ b/Presentations/Fall Review Meeting/A FRAMEWORK TO EVALUATE MARINE RESERVES IN MEXICO.pptx
@@ -7,14 +7,15 @@
   <p:sldIdLst>
     <p:sldId id="256" r:id="rId2"/>
     <p:sldId id="257" r:id="rId3"/>
-    <p:sldId id="258" r:id="rId4"/>
-    <p:sldId id="266" r:id="rId5"/>
-    <p:sldId id="265" r:id="rId6"/>
-    <p:sldId id="264" r:id="rId7"/>
-    <p:sldId id="262" r:id="rId8"/>
+    <p:sldId id="268" r:id="rId4"/>
+    <p:sldId id="258" r:id="rId5"/>
+    <p:sldId id="266" r:id="rId6"/>
+    <p:sldId id="267" r:id="rId7"/>
+    <p:sldId id="264" r:id="rId8"/>
     <p:sldId id="261" r:id="rId9"/>
     <p:sldId id="259" r:id="rId10"/>
     <p:sldId id="263" r:id="rId11"/>
+    <p:sldId id="269" r:id="rId12"/>
   </p:sldIdLst>
   <p:sldSz cx="12192000" cy="6858000"/>
   <p:notesSz cx="6858000" cy="9144000"/>
@@ -113,6 +114,22 @@
       </a:defRPr>
     </a:lvl9pPr>
   </p:defaultTextStyle>
+  <p:extLst>
+    <p:ext uri="{EFAFB233-063F-42B5-8137-9DF3F51BA10A}">
+      <p15:sldGuideLst xmlns:p15="http://schemas.microsoft.com/office/powerpoint/2012/main">
+        <p15:guide id="1" orient="horz" pos="2160" userDrawn="1">
+          <p15:clr>
+            <a:srgbClr val="A4A3A4"/>
+          </p15:clr>
+        </p15:guide>
+        <p15:guide id="2" pos="3840" userDrawn="1">
+          <p15:clr>
+            <a:srgbClr val="A4A3A4"/>
+          </p15:clr>
+        </p15:guide>
+      </p15:sldGuideLst>
+    </p:ext>
+  </p:extLst>
 </p:presentation>
 </file>
 
@@ -289,7 +306,7 @@
           <a:p>
             <a:fld id="{39BF4E2C-A457-4710-B803-1D491CC7BF60}" type="slidenum">
               <a:rPr lang="en-US" smtClean="0"/>
-              <a:t>‹#›</a:t>
+              <a:t>‹nº›</a:t>
             </a:fld>
             <a:endParaRPr lang="en-US"/>
           </a:p>
@@ -459,7 +476,7 @@
           <a:p>
             <a:fld id="{39BF4E2C-A457-4710-B803-1D491CC7BF60}" type="slidenum">
               <a:rPr lang="en-US" smtClean="0"/>
-              <a:t>‹#›</a:t>
+              <a:t>‹nº›</a:t>
             </a:fld>
             <a:endParaRPr lang="en-US"/>
           </a:p>
@@ -639,7 +656,7 @@
           <a:p>
             <a:fld id="{39BF4E2C-A457-4710-B803-1D491CC7BF60}" type="slidenum">
               <a:rPr lang="en-US" smtClean="0"/>
-              <a:t>‹#›</a:t>
+              <a:t>‹nº›</a:t>
             </a:fld>
             <a:endParaRPr lang="en-US"/>
           </a:p>
@@ -809,7 +826,7 @@
           <a:p>
             <a:fld id="{39BF4E2C-A457-4710-B803-1D491CC7BF60}" type="slidenum">
               <a:rPr lang="en-US" smtClean="0"/>
-              <a:t>‹#›</a:t>
+              <a:t>‹nº›</a:t>
             </a:fld>
             <a:endParaRPr lang="en-US"/>
           </a:p>
@@ -1055,7 +1072,7 @@
           <a:p>
             <a:fld id="{39BF4E2C-A457-4710-B803-1D491CC7BF60}" type="slidenum">
               <a:rPr lang="en-US" smtClean="0"/>
-              <a:t>‹#›</a:t>
+              <a:t>‹nº›</a:t>
             </a:fld>
             <a:endParaRPr lang="en-US"/>
           </a:p>
@@ -1287,7 +1304,7 @@
           <a:p>
             <a:fld id="{39BF4E2C-A457-4710-B803-1D491CC7BF60}" type="slidenum">
               <a:rPr lang="en-US" smtClean="0"/>
-              <a:t>‹#›</a:t>
+              <a:t>‹nº›</a:t>
             </a:fld>
             <a:endParaRPr lang="en-US"/>
           </a:p>
@@ -1654,7 +1671,7 @@
           <a:p>
             <a:fld id="{39BF4E2C-A457-4710-B803-1D491CC7BF60}" type="slidenum">
               <a:rPr lang="en-US" smtClean="0"/>
-              <a:t>‹#›</a:t>
+              <a:t>‹nº›</a:t>
             </a:fld>
             <a:endParaRPr lang="en-US"/>
           </a:p>
@@ -1772,7 +1789,7 @@
           <a:p>
             <a:fld id="{39BF4E2C-A457-4710-B803-1D491CC7BF60}" type="slidenum">
               <a:rPr lang="en-US" smtClean="0"/>
-              <a:t>‹#›</a:t>
+              <a:t>‹nº›</a:t>
             </a:fld>
             <a:endParaRPr lang="en-US"/>
           </a:p>
@@ -1867,7 +1884,7 @@
           <a:p>
             <a:fld id="{39BF4E2C-A457-4710-B803-1D491CC7BF60}" type="slidenum">
               <a:rPr lang="en-US" smtClean="0"/>
-              <a:t>‹#›</a:t>
+              <a:t>‹nº›</a:t>
             </a:fld>
             <a:endParaRPr lang="en-US"/>
           </a:p>
@@ -2144,7 +2161,7 @@
           <a:p>
             <a:fld id="{39BF4E2C-A457-4710-B803-1D491CC7BF60}" type="slidenum">
               <a:rPr lang="en-US" smtClean="0"/>
-              <a:t>‹#›</a:t>
+              <a:t>‹nº›</a:t>
             </a:fld>
             <a:endParaRPr lang="en-US"/>
           </a:p>
@@ -2397,7 +2414,7 @@
           <a:p>
             <a:fld id="{39BF4E2C-A457-4710-B803-1D491CC7BF60}" type="slidenum">
               <a:rPr lang="en-US" smtClean="0"/>
-              <a:t>‹#›</a:t>
+              <a:t>‹nº›</a:t>
             </a:fld>
             <a:endParaRPr lang="en-US"/>
           </a:p>
@@ -2655,7 +2672,7 @@
           <a:p>
             <a:fld id="{39BF4E2C-A457-4710-B803-1D491CC7BF60}" type="slidenum">
               <a:rPr lang="en-US" smtClean="0"/>
-              <a:t>‹#›</a:t>
+              <a:t>‹nº›</a:t>
             </a:fld>
             <a:endParaRPr lang="en-US"/>
           </a:p>
@@ -3155,14 +3172,6 @@
           <a:lstStyle/>
           <a:p>
             <a:pPr algn="ctr"/>
-            <a:r>
-              <a:rPr lang="en-US" b="1" dirty="0" smtClean="0">
-                <a:solidFill>
-                  <a:schemeClr val="bg1"/>
-                </a:solidFill>
-              </a:rPr>
-              <a:t>Thank you!</a:t>
-            </a:r>
             <a:endParaRPr lang="en-US" b="1" dirty="0">
               <a:solidFill>
                 <a:schemeClr val="bg1"/>
@@ -3191,7 +3200,48 @@
           <a:bodyPr/>
           <a:lstStyle/>
           <a:p>
+            <a:pPr marL="0" indent="0" algn="ctr">
+              <a:buNone/>
+            </a:pPr>
+            <a:endParaRPr lang="en-US" dirty="0" smtClean="0">
+              <a:solidFill>
+                <a:schemeClr val="bg1"/>
+              </a:solidFill>
+            </a:endParaRPr>
+          </a:p>
+          <a:p>
+            <a:pPr marL="0" indent="0" algn="ctr">
+              <a:buNone/>
+            </a:pPr>
             <a:endParaRPr lang="en-US" dirty="0">
+              <a:solidFill>
+                <a:schemeClr val="bg1"/>
+              </a:solidFill>
+            </a:endParaRPr>
+          </a:p>
+          <a:p>
+            <a:pPr marL="0" indent="0" algn="ctr">
+              <a:buNone/>
+            </a:pPr>
+            <a:endParaRPr lang="en-US" dirty="0" smtClean="0">
+              <a:solidFill>
+                <a:schemeClr val="bg1"/>
+              </a:solidFill>
+            </a:endParaRPr>
+          </a:p>
+          <a:p>
+            <a:pPr marL="0" indent="0" algn="ctr">
+              <a:buNone/>
+            </a:pPr>
+            <a:r>
+              <a:rPr lang="en-US" sz="6000" b="1" dirty="0" smtClean="0">
+                <a:solidFill>
+                  <a:schemeClr val="bg1"/>
+                </a:solidFill>
+              </a:rPr>
+              <a:t>Questions?</a:t>
+            </a:r>
+            <a:endParaRPr lang="en-US" sz="6000" b="1" dirty="0">
               <a:solidFill>
                 <a:schemeClr val="bg1"/>
               </a:solidFill>
@@ -3203,6 +3253,141 @@
     <p:extLst>
       <p:ext uri="{BB962C8B-B14F-4D97-AF65-F5344CB8AC3E}">
         <p14:creationId xmlns:p14="http://schemas.microsoft.com/office/powerpoint/2010/main" val="3037420474"/>
+      </p:ext>
+    </p:extLst>
+  </p:cSld>
+  <p:clrMapOvr>
+    <a:masterClrMapping/>
+  </p:clrMapOvr>
+  <p:timing>
+    <p:tnLst>
+      <p:par>
+        <p:cTn id="1" dur="indefinite" restart="never" nodeType="tmRoot"/>
+      </p:par>
+    </p:tnLst>
+  </p:timing>
+</p:sld>
+</file>
+
+<file path=ppt/slides/slide11.xml><?xml version="1.0" encoding="utf-8"?>
+<p:sld xmlns:a="http://schemas.openxmlformats.org/drawingml/2006/main" xmlns:r="http://schemas.openxmlformats.org/officeDocument/2006/relationships" xmlns:p="http://schemas.openxmlformats.org/presentationml/2006/main">
+  <p:cSld>
+    <p:spTree>
+      <p:nvGrpSpPr>
+        <p:cNvPr id="1" name=""/>
+        <p:cNvGrpSpPr/>
+        <p:nvPr/>
+      </p:nvGrpSpPr>
+      <p:grpSpPr>
+        <a:xfrm>
+          <a:off x="0" y="0"/>
+          <a:ext cx="0" cy="0"/>
+          <a:chOff x="0" y="0"/>
+          <a:chExt cx="0" cy="0"/>
+        </a:xfrm>
+      </p:grpSpPr>
+      <p:sp>
+        <p:nvSpPr>
+          <p:cNvPr id="2" name="Title 1"/>
+          <p:cNvSpPr>
+            <a:spLocks noGrp="1"/>
+          </p:cNvSpPr>
+          <p:nvPr>
+            <p:ph type="title"/>
+          </p:nvPr>
+        </p:nvSpPr>
+        <p:spPr>
+          <a:xfrm>
+            <a:off x="838200" y="891340"/>
+            <a:ext cx="10515600" cy="1325563"/>
+          </a:xfrm>
+        </p:spPr>
+        <p:txBody>
+          <a:bodyPr/>
+          <a:lstStyle/>
+          <a:p>
+            <a:pPr algn="ctr"/>
+            <a:endParaRPr lang="en-US" b="1" dirty="0">
+              <a:solidFill>
+                <a:schemeClr val="bg1"/>
+              </a:solidFill>
+            </a:endParaRPr>
+          </a:p>
+        </p:txBody>
+      </p:sp>
+      <p:sp>
+        <p:nvSpPr>
+          <p:cNvPr id="3" name="Content Placeholder 2"/>
+          <p:cNvSpPr>
+            <a:spLocks noGrp="1"/>
+          </p:cNvSpPr>
+          <p:nvPr>
+            <p:ph idx="1"/>
+          </p:nvPr>
+        </p:nvSpPr>
+        <p:spPr>
+          <a:xfrm>
+            <a:off x="838200" y="2216903"/>
+            <a:ext cx="10515600" cy="4351338"/>
+          </a:xfrm>
+        </p:spPr>
+        <p:txBody>
+          <a:bodyPr/>
+          <a:lstStyle/>
+          <a:p>
+            <a:pPr marL="0" indent="0" algn="ctr">
+              <a:buNone/>
+            </a:pPr>
+            <a:endParaRPr lang="en-US" dirty="0" smtClean="0">
+              <a:solidFill>
+                <a:schemeClr val="bg1"/>
+              </a:solidFill>
+            </a:endParaRPr>
+          </a:p>
+          <a:p>
+            <a:pPr marL="0" indent="0" algn="ctr">
+              <a:buNone/>
+            </a:pPr>
+            <a:endParaRPr lang="en-US" dirty="0">
+              <a:solidFill>
+                <a:schemeClr val="bg1"/>
+              </a:solidFill>
+            </a:endParaRPr>
+          </a:p>
+          <a:p>
+            <a:pPr marL="0" indent="0" algn="ctr">
+              <a:buNone/>
+            </a:pPr>
+            <a:endParaRPr lang="en-US" dirty="0" smtClean="0">
+              <a:solidFill>
+                <a:schemeClr val="bg1"/>
+              </a:solidFill>
+            </a:endParaRPr>
+          </a:p>
+          <a:p>
+            <a:pPr marL="0" indent="0" algn="ctr">
+              <a:buNone/>
+            </a:pPr>
+            <a:r>
+              <a:rPr lang="en-US" sz="6000" b="1" dirty="0">
+                <a:solidFill>
+                  <a:schemeClr val="bg1"/>
+                </a:solidFill>
+              </a:rPr>
+              <a:t>Thank you!</a:t>
+            </a:r>
+            <a:endParaRPr lang="en-US" sz="6000" dirty="0">
+              <a:solidFill>
+                <a:schemeClr val="bg1"/>
+              </a:solidFill>
+            </a:endParaRPr>
+          </a:p>
+        </p:txBody>
+      </p:sp>
+    </p:spTree>
+    <p:extLst>
+      <p:ext uri="{BB962C8B-B14F-4D97-AF65-F5344CB8AC3E}">
+        <p14:creationId xmlns:p14="http://schemas.microsoft.com/office/powerpoint/2010/main" val="3573836430"/>
       </p:ext>
     </p:extLst>
   </p:cSld>
@@ -3293,7 +3478,75 @@
           <a:bodyPr/>
           <a:lstStyle/>
           <a:p>
-            <a:endParaRPr lang="en-US">
+            <a:r>
+              <a:rPr lang="en-US" dirty="0">
+                <a:solidFill>
+                  <a:schemeClr val="bg1"/>
+                </a:solidFill>
+              </a:rPr>
+              <a:t>1. Determine a set of biophysical, socioeconomic and governance indicators that can be used to evaluate the effectiveness of no-take marine reserves in Mexico.</a:t>
+            </a:r>
+            <a:br>
+              <a:rPr lang="en-US" dirty="0">
+                <a:solidFill>
+                  <a:schemeClr val="bg1"/>
+                </a:solidFill>
+              </a:rPr>
+            </a:br>
+            <a:r>
+              <a:rPr lang="en-US" dirty="0">
+                <a:solidFill>
+                  <a:schemeClr val="bg1"/>
+                </a:solidFill>
+              </a:rPr>
+              <a:t/>
+            </a:r>
+            <a:br>
+              <a:rPr lang="en-US" dirty="0">
+                <a:solidFill>
+                  <a:schemeClr val="bg1"/>
+                </a:solidFill>
+              </a:rPr>
+            </a:br>
+            <a:r>
+              <a:rPr lang="en-US" dirty="0">
+                <a:solidFill>
+                  <a:schemeClr val="bg1"/>
+                </a:solidFill>
+              </a:rPr>
+              <a:t>2. Use the selected indicators to propose a framework for evaluating the effectiveness of no-take marine reserves in Mexico.</a:t>
+            </a:r>
+            <a:br>
+              <a:rPr lang="en-US" dirty="0">
+                <a:solidFill>
+                  <a:schemeClr val="bg1"/>
+                </a:solidFill>
+              </a:rPr>
+            </a:br>
+            <a:r>
+              <a:rPr lang="en-US" dirty="0">
+                <a:solidFill>
+                  <a:schemeClr val="bg1"/>
+                </a:solidFill>
+              </a:rPr>
+              <a:t/>
+            </a:r>
+            <a:br>
+              <a:rPr lang="en-US" dirty="0">
+                <a:solidFill>
+                  <a:schemeClr val="bg1"/>
+                </a:solidFill>
+              </a:rPr>
+            </a:br>
+            <a:r>
+              <a:rPr lang="en-US" dirty="0">
+                <a:solidFill>
+                  <a:schemeClr val="bg1"/>
+                </a:solidFill>
+              </a:rPr>
+              <a:t>3. Develop an English/Spanish guidebook with the selected indicators that walks the user through implementing our framework.</a:t>
+            </a:r>
+            <a:endParaRPr lang="en-US" dirty="0">
               <a:solidFill>
                 <a:schemeClr val="bg1"/>
               </a:solidFill>
@@ -3365,7 +3618,7 @@
                   <a:schemeClr val="bg1"/>
                 </a:solidFill>
               </a:rPr>
-              <a:t>Summer and Fall Progress</a:t>
+              <a:t>Upcoming Academic Deliverables</a:t>
             </a:r>
             <a:endParaRPr lang="en-US" b="1" dirty="0">
               <a:solidFill>
@@ -3401,8 +3654,15 @@
                   <a:schemeClr val="bg1"/>
                 </a:solidFill>
               </a:rPr>
-              <a:t>Data Collection</a:t>
-            </a:r>
+              <a:t>Academic defense</a:t>
+            </a:r>
+          </a:p>
+          <a:p>
+            <a:endParaRPr lang="en-US" dirty="0">
+              <a:solidFill>
+                <a:schemeClr val="bg1"/>
+              </a:solidFill>
+            </a:endParaRPr>
           </a:p>
           <a:p>
             <a:r>
@@ -3411,8 +3671,15 @@
                   <a:schemeClr val="bg1"/>
                 </a:solidFill>
               </a:rPr>
-              <a:t>Indicators and Reserves Objectives</a:t>
-            </a:r>
+              <a:t>Final report</a:t>
+            </a:r>
+          </a:p>
+          <a:p>
+            <a:endParaRPr lang="en-US" dirty="0">
+              <a:solidFill>
+                <a:schemeClr val="bg1"/>
+              </a:solidFill>
+            </a:endParaRPr>
           </a:p>
           <a:p>
             <a:r>
@@ -3421,8 +3688,15 @@
                   <a:schemeClr val="bg1"/>
                 </a:solidFill>
               </a:rPr>
-              <a:t>Survey</a:t>
-            </a:r>
+              <a:t>Project brief and poster</a:t>
+            </a:r>
+          </a:p>
+          <a:p>
+            <a:endParaRPr lang="en-US" dirty="0">
+              <a:solidFill>
+                <a:schemeClr val="bg1"/>
+              </a:solidFill>
+            </a:endParaRPr>
           </a:p>
           <a:p>
             <a:r>
@@ -3431,17 +3705,7 @@
                   <a:schemeClr val="bg1"/>
                 </a:solidFill>
               </a:rPr>
-              <a:t>Data Analysis</a:t>
-            </a:r>
-          </a:p>
-          <a:p>
-            <a:r>
-              <a:rPr lang="en-US" dirty="0" smtClean="0">
-                <a:solidFill>
-                  <a:schemeClr val="bg1"/>
-                </a:solidFill>
-              </a:rPr>
-              <a:t>Outreach and Feedback</a:t>
+              <a:t>Public presentation</a:t>
             </a:r>
             <a:endParaRPr lang="en-US" dirty="0">
               <a:solidFill>
@@ -3454,7 +3718,7 @@
     </p:spTree>
     <p:extLst>
       <p:ext uri="{BB962C8B-B14F-4D97-AF65-F5344CB8AC3E}">
-        <p14:creationId xmlns:p14="http://schemas.microsoft.com/office/powerpoint/2010/main" val="4184595680"/>
+        <p14:creationId xmlns:p14="http://schemas.microsoft.com/office/powerpoint/2010/main" val="2570335663"/>
       </p:ext>
     </p:extLst>
   </p:cSld>
@@ -3517,22 +3781,7 @@
               </a:rPr>
               <a:t>Summer and Fall Progress</a:t>
             </a:r>
-            <a:br>
-              <a:rPr lang="en-US" b="1" dirty="0" smtClean="0">
-                <a:solidFill>
-                  <a:schemeClr val="bg1"/>
-                </a:solidFill>
-              </a:rPr>
-            </a:br>
-            <a:r>
-              <a:rPr lang="en-US" sz="2400" b="1" dirty="0" smtClean="0">
-                <a:solidFill>
-                  <a:schemeClr val="bg1"/>
-                </a:solidFill>
-              </a:rPr>
-              <a:t>Data Collection</a:t>
-            </a:r>
-            <a:endParaRPr lang="en-US" sz="2400" b="1" dirty="0">
+            <a:endParaRPr lang="en-US" b="1" dirty="0">
               <a:solidFill>
                 <a:schemeClr val="bg1"/>
               </a:solidFill>
@@ -3566,54 +3815,60 @@
                   <a:schemeClr val="bg1"/>
                 </a:solidFill>
               </a:rPr>
-              <a:t>Juan Carlos over the summer</a:t>
-            </a:r>
-          </a:p>
-          <a:p>
+              <a:t>Data Collection</a:t>
+            </a:r>
+          </a:p>
+          <a:p>
+            <a:r>
+              <a:rPr lang="en-US" dirty="0" smtClean="0">
+                <a:solidFill>
+                  <a:schemeClr val="bg1"/>
+                </a:solidFill>
+              </a:rPr>
+              <a:t>Indicators and Reserves Objectives</a:t>
+            </a:r>
+          </a:p>
+          <a:p>
+            <a:r>
+              <a:rPr lang="en-US" dirty="0" smtClean="0">
+                <a:solidFill>
+                  <a:schemeClr val="bg1"/>
+                </a:solidFill>
+              </a:rPr>
+              <a:t>Survey</a:t>
+            </a:r>
+          </a:p>
+          <a:p>
+            <a:r>
+              <a:rPr lang="en-US" dirty="0" smtClean="0">
+                <a:solidFill>
+                  <a:schemeClr val="bg1"/>
+                </a:solidFill>
+              </a:rPr>
+              <a:t>Data Analysis</a:t>
+            </a:r>
+          </a:p>
+          <a:p>
+            <a:r>
+              <a:rPr lang="en-US" dirty="0" smtClean="0">
+                <a:solidFill>
+                  <a:schemeClr val="bg1"/>
+                </a:solidFill>
+              </a:rPr>
+              <a:t>Outreach and Feedback</a:t>
+            </a:r>
             <a:endParaRPr lang="en-US" dirty="0">
               <a:solidFill>
                 <a:schemeClr val="bg1"/>
               </a:solidFill>
             </a:endParaRPr>
           </a:p>
-          <a:p>
-            <a:r>
-              <a:rPr lang="en-US" dirty="0" smtClean="0">
-                <a:solidFill>
-                  <a:schemeClr val="bg1"/>
-                </a:solidFill>
-              </a:rPr>
-              <a:t>Jael and the ETJ</a:t>
-            </a:r>
-          </a:p>
-          <a:p>
-            <a:endParaRPr lang="en-US" dirty="0">
-              <a:solidFill>
-                <a:schemeClr val="bg1"/>
-              </a:solidFill>
-            </a:endParaRPr>
-          </a:p>
-          <a:p>
-            <a:r>
-              <a:rPr lang="en-US" dirty="0" smtClean="0">
-                <a:solidFill>
-                  <a:schemeClr val="bg1"/>
-                </a:solidFill>
-              </a:rPr>
-              <a:t>CPI</a:t>
-            </a:r>
-            <a:endParaRPr lang="en-US" dirty="0">
-              <a:solidFill>
-                <a:schemeClr val="bg1"/>
-              </a:solidFill>
-            </a:endParaRPr>
-          </a:p>
         </p:txBody>
       </p:sp>
     </p:spTree>
     <p:extLst>
       <p:ext uri="{BB962C8B-B14F-4D97-AF65-F5344CB8AC3E}">
-        <p14:creationId xmlns:p14="http://schemas.microsoft.com/office/powerpoint/2010/main" val="2792796210"/>
+        <p14:creationId xmlns:p14="http://schemas.microsoft.com/office/powerpoint/2010/main" val="4184595680"/>
       </p:ext>
     </p:extLst>
   </p:cSld>
@@ -3674,22 +3929,15 @@
                   <a:schemeClr val="bg1"/>
                 </a:solidFill>
               </a:rPr>
-              <a:t>Summer and Fall Progress</a:t>
-            </a:r>
-            <a:br>
+              <a:t>Summer and Fall </a:t>
+            </a:r>
+            <a:r>
               <a:rPr lang="en-US" b="1" dirty="0" smtClean="0">
                 <a:solidFill>
                   <a:schemeClr val="bg1"/>
                 </a:solidFill>
               </a:rPr>
-            </a:br>
-            <a:r>
-              <a:rPr lang="en-US" sz="2400" b="1" dirty="0" smtClean="0">
-                <a:solidFill>
-                  <a:schemeClr val="bg1"/>
-                </a:solidFill>
-              </a:rPr>
-              <a:t>Indicators and Reserves’ Objectives</a:t>
+              <a:t>Progress</a:t>
             </a:r>
             <a:endParaRPr lang="en-US" sz="2400" b="1" dirty="0">
               <a:solidFill>
@@ -3719,6 +3967,88 @@
           <a:bodyPr/>
           <a:lstStyle/>
           <a:p>
+            <a:r>
+              <a:rPr lang="en-US" dirty="0" smtClean="0">
+                <a:solidFill>
+                  <a:schemeClr val="bg1"/>
+                </a:solidFill>
+              </a:rPr>
+              <a:t>Data Collection</a:t>
+            </a:r>
+          </a:p>
+          <a:p>
+            <a:pPr lvl="1"/>
+            <a:r>
+              <a:rPr lang="en-US" dirty="0" smtClean="0">
+                <a:solidFill>
+                  <a:schemeClr val="bg1"/>
+                </a:solidFill>
+              </a:rPr>
+              <a:t>Started during Spring quarter and continued over the summer</a:t>
+            </a:r>
+            <a:endParaRPr lang="en-US" dirty="0" smtClean="0">
+              <a:solidFill>
+                <a:schemeClr val="bg1"/>
+              </a:solidFill>
+            </a:endParaRPr>
+          </a:p>
+          <a:p>
+            <a:pPr lvl="1"/>
+            <a:r>
+              <a:rPr lang="en-US" dirty="0" smtClean="0">
+                <a:solidFill>
+                  <a:schemeClr val="bg1"/>
+                </a:solidFill>
+              </a:rPr>
+              <a:t>Jael </a:t>
+            </a:r>
+            <a:r>
+              <a:rPr lang="en-US" dirty="0" smtClean="0">
+                <a:solidFill>
+                  <a:schemeClr val="bg1"/>
+                </a:solidFill>
+              </a:rPr>
+              <a:t>and the ETJ</a:t>
+            </a:r>
+          </a:p>
+          <a:p>
+            <a:endParaRPr lang="en-US" dirty="0" smtClean="0">
+              <a:solidFill>
+                <a:schemeClr val="bg1"/>
+              </a:solidFill>
+            </a:endParaRPr>
+          </a:p>
+          <a:p>
+            <a:r>
+              <a:rPr lang="en-US" dirty="0" smtClean="0">
+                <a:solidFill>
+                  <a:schemeClr val="bg1"/>
+                </a:solidFill>
+              </a:rPr>
+              <a:t>Indicators and Reserves’ Objectives</a:t>
+            </a:r>
+          </a:p>
+          <a:p>
+            <a:pPr lvl="1"/>
+            <a:r>
+              <a:rPr lang="en-US" dirty="0" smtClean="0">
+                <a:solidFill>
+                  <a:schemeClr val="bg1"/>
+                </a:solidFill>
+              </a:rPr>
+              <a:t>Redefined indicators</a:t>
+            </a:r>
+          </a:p>
+          <a:p>
+            <a:pPr lvl="1"/>
+            <a:r>
+              <a:rPr lang="en-US" dirty="0" smtClean="0">
+                <a:solidFill>
+                  <a:schemeClr val="bg1"/>
+                </a:solidFill>
+              </a:rPr>
+              <a:t>Matched indicators with objectives</a:t>
+            </a:r>
             <a:endParaRPr lang="en-US" dirty="0">
               <a:solidFill>
                 <a:schemeClr val="bg1"/>
@@ -3730,7 +4060,7 @@
     </p:spTree>
     <p:extLst>
       <p:ext uri="{BB962C8B-B14F-4D97-AF65-F5344CB8AC3E}">
-        <p14:creationId xmlns:p14="http://schemas.microsoft.com/office/powerpoint/2010/main" val="210289055"/>
+        <p14:creationId xmlns:p14="http://schemas.microsoft.com/office/powerpoint/2010/main" val="2792796210"/>
       </p:ext>
     </p:extLst>
   </p:cSld>
@@ -3764,145 +4094,4540 @@
           <a:chExt cx="0" cy="0"/>
         </a:xfrm>
       </p:grpSpPr>
-      <p:sp>
-        <p:nvSpPr>
-          <p:cNvPr id="2" name="Title 1"/>
-          <p:cNvSpPr>
-            <a:spLocks noGrp="1"/>
-          </p:cNvSpPr>
+      <p:graphicFrame>
+        <p:nvGraphicFramePr>
+          <p:cNvPr id="4" name="Tabela 3"/>
+          <p:cNvGraphicFramePr>
+            <a:graphicFrameLocks noGrp="1"/>
+          </p:cNvGraphicFramePr>
           <p:nvPr>
-            <p:ph type="title"/>
+            <p:extLst>
+              <p:ext uri="{D42A27DB-BD31-4B8C-83A1-F6EECF244321}">
+                <p14:modId xmlns:p14="http://schemas.microsoft.com/office/powerpoint/2010/main" val="509087630"/>
+              </p:ext>
+            </p:extLst>
           </p:nvPr>
-        </p:nvSpPr>
-        <p:spPr>
-          <a:xfrm>
-            <a:off x="838200" y="891340"/>
-            <a:ext cx="10515600" cy="1325563"/>
-          </a:xfrm>
-        </p:spPr>
-        <p:txBody>
-          <a:bodyPr/>
-          <a:lstStyle/>
-          <a:p>
-            <a:pPr algn="ctr"/>
-            <a:r>
-              <a:rPr lang="en-US" b="1" dirty="0" smtClean="0">
-                <a:solidFill>
-                  <a:schemeClr val="bg1"/>
-                </a:solidFill>
-              </a:rPr>
-              <a:t>Summer and Fall Progress</a:t>
-            </a:r>
-            <a:br>
-              <a:rPr lang="en-US" b="1" dirty="0" smtClean="0">
-                <a:solidFill>
-                  <a:schemeClr val="bg1"/>
-                </a:solidFill>
-              </a:rPr>
-            </a:br>
-            <a:r>
-              <a:rPr lang="en-US" sz="2400" b="1" dirty="0" smtClean="0">
-                <a:solidFill>
-                  <a:schemeClr val="bg1"/>
-                </a:solidFill>
-              </a:rPr>
-              <a:t>Survey</a:t>
-            </a:r>
-            <a:endParaRPr lang="en-US" sz="2400" b="1" dirty="0">
-              <a:solidFill>
-                <a:schemeClr val="bg1"/>
-              </a:solidFill>
-            </a:endParaRPr>
-          </a:p>
-        </p:txBody>
-      </p:sp>
-      <p:sp>
-        <p:nvSpPr>
-          <p:cNvPr id="3" name="Content Placeholder 2"/>
-          <p:cNvSpPr>
-            <a:spLocks noGrp="1"/>
-          </p:cNvSpPr>
-          <p:nvPr>
-            <p:ph idx="1"/>
-          </p:nvPr>
-        </p:nvSpPr>
-        <p:spPr>
-          <a:xfrm>
-            <a:off x="838200" y="2216903"/>
-            <a:ext cx="10515600" cy="4351338"/>
-          </a:xfrm>
-        </p:spPr>
-        <p:txBody>
-          <a:bodyPr/>
-          <a:lstStyle/>
-          <a:p>
-            <a:r>
-              <a:rPr lang="en-US" dirty="0" smtClean="0">
-                <a:solidFill>
-                  <a:schemeClr val="bg1"/>
-                </a:solidFill>
-              </a:rPr>
-              <a:t>Application over the summer</a:t>
-            </a:r>
-          </a:p>
-          <a:p>
-            <a:endParaRPr lang="en-US" dirty="0">
-              <a:solidFill>
-                <a:schemeClr val="bg1"/>
-              </a:solidFill>
-            </a:endParaRPr>
-          </a:p>
-          <a:p>
-            <a:r>
-              <a:rPr lang="en-US" dirty="0" smtClean="0">
-                <a:solidFill>
-                  <a:schemeClr val="bg1"/>
-                </a:solidFill>
-              </a:rPr>
-              <a:t>Review and Improvement</a:t>
-            </a:r>
-          </a:p>
-          <a:p>
-            <a:endParaRPr lang="en-US" dirty="0">
-              <a:solidFill>
-                <a:schemeClr val="bg1"/>
-              </a:solidFill>
-            </a:endParaRPr>
-          </a:p>
-          <a:p>
-            <a:r>
-              <a:rPr lang="en-US" dirty="0" smtClean="0">
-                <a:solidFill>
-                  <a:schemeClr val="bg1"/>
-                </a:solidFill>
-              </a:rPr>
-              <a:t>New tests in 1 week</a:t>
-            </a:r>
-            <a:endParaRPr lang="en-US" dirty="0">
-              <a:solidFill>
-                <a:schemeClr val="bg1"/>
-              </a:solidFill>
-            </a:endParaRPr>
-          </a:p>
-        </p:txBody>
-      </p:sp>
+        </p:nvGraphicFramePr>
+        <p:xfrm>
+          <a:off x="838199" y="1304209"/>
+          <a:ext cx="10515601" cy="4249582"/>
+        </p:xfrm>
+        <a:graphic>
+          <a:graphicData uri="http://schemas.openxmlformats.org/drawingml/2006/table">
+            <a:tbl>
+              <a:tblPr>
+                <a:tableStyleId>{5C22544A-7EE6-4342-B048-85BDC9FD1C3A}</a:tableStyleId>
+              </a:tblPr>
+              <a:tblGrid>
+                <a:gridCol w="733426"/>
+                <a:gridCol w="3339841"/>
+                <a:gridCol w="475254"/>
+                <a:gridCol w="331238"/>
+                <a:gridCol w="192022"/>
+                <a:gridCol w="192022"/>
+                <a:gridCol w="192022"/>
+                <a:gridCol w="192022"/>
+                <a:gridCol w="336038"/>
+                <a:gridCol w="480055"/>
+                <a:gridCol w="475254"/>
+                <a:gridCol w="331238"/>
+                <a:gridCol w="336038"/>
+                <a:gridCol w="331238"/>
+                <a:gridCol w="192022"/>
+                <a:gridCol w="192022"/>
+                <a:gridCol w="336038"/>
+                <a:gridCol w="331238"/>
+                <a:gridCol w="336038"/>
+                <a:gridCol w="336038"/>
+                <a:gridCol w="336038"/>
+                <a:gridCol w="331238"/>
+                <a:gridCol w="187221"/>
+              </a:tblGrid>
+              <a:tr h="197874">
+                <a:tc rowSpan="2">
+                  <a:txBody>
+                    <a:bodyPr/>
+                    <a:lstStyle/>
+                    <a:p>
+                      <a:pPr algn="ctr" rtl="0" fontAlgn="ctr"/>
+                      <a:r>
+                        <a:rPr lang="en-US" sz="1100" u="none" strike="noStrike" dirty="0" err="1">
+                          <a:effectLst/>
+                        </a:rPr>
+                        <a:t>Tipo</a:t>
+                      </a:r>
+                      <a:endParaRPr lang="en-US" sz="1100" b="0" i="0" u="none" strike="noStrike" dirty="0">
+                        <a:solidFill>
+                          <a:srgbClr val="000000"/>
+                        </a:solidFill>
+                        <a:effectLst/>
+                        <a:latin typeface="Calibri" panose="020F0502020204030204" pitchFamily="34" charset="0"/>
+                      </a:endParaRPr>
+                    </a:p>
+                  </a:txBody>
+                  <a:tcPr marL="9423" marR="9423" marT="9423" marB="0" anchor="ctr"/>
+                </a:tc>
+                <a:tc rowSpan="2">
+                  <a:txBody>
+                    <a:bodyPr/>
+                    <a:lstStyle/>
+                    <a:p>
+                      <a:pPr algn="ctr" rtl="0" fontAlgn="ctr"/>
+                      <a:r>
+                        <a:rPr lang="en-US" sz="1100" u="none" strike="noStrike">
+                          <a:effectLst/>
+                        </a:rPr>
+                        <a:t>Objetivos </a:t>
+                      </a:r>
+                      <a:endParaRPr lang="en-US" sz="1100" b="0" i="0" u="none" strike="noStrike">
+                        <a:solidFill>
+                          <a:srgbClr val="000000"/>
+                        </a:solidFill>
+                        <a:effectLst/>
+                        <a:latin typeface="Calibri" panose="020F0502020204030204" pitchFamily="34" charset="0"/>
+                      </a:endParaRPr>
+                    </a:p>
+                  </a:txBody>
+                  <a:tcPr marL="9423" marR="9423" marT="9423" marB="0" anchor="ctr"/>
+                </a:tc>
+                <a:tc gridSpan="6">
+                  <a:txBody>
+                    <a:bodyPr/>
+                    <a:lstStyle/>
+                    <a:p>
+                      <a:pPr algn="ctr" rtl="0" fontAlgn="b"/>
+                      <a:r>
+                        <a:rPr lang="en-US" sz="1100" u="none" strike="noStrike">
+                          <a:effectLst/>
+                        </a:rPr>
+                        <a:t>Biophysical</a:t>
+                      </a:r>
+                      <a:endParaRPr lang="en-US" sz="1100" b="0" i="0" u="none" strike="noStrike">
+                        <a:solidFill>
+                          <a:srgbClr val="000000"/>
+                        </a:solidFill>
+                        <a:effectLst/>
+                        <a:latin typeface="Calibri" panose="020F0502020204030204" pitchFamily="34" charset="0"/>
+                      </a:endParaRPr>
+                    </a:p>
+                  </a:txBody>
+                  <a:tcPr marL="9423" marR="9423" marT="9423" marB="0" anchor="b"/>
+                </a:tc>
+                <a:tc hMerge="1">
+                  <a:txBody>
+                    <a:bodyPr/>
+                    <a:lstStyle/>
+                    <a:p>
+                      <a:endParaRPr lang="en-US"/>
+                    </a:p>
+                  </a:txBody>
+                  <a:tcPr/>
+                </a:tc>
+                <a:tc hMerge="1">
+                  <a:txBody>
+                    <a:bodyPr/>
+                    <a:lstStyle/>
+                    <a:p>
+                      <a:endParaRPr lang="en-US"/>
+                    </a:p>
+                  </a:txBody>
+                  <a:tcPr/>
+                </a:tc>
+                <a:tc hMerge="1">
+                  <a:txBody>
+                    <a:bodyPr/>
+                    <a:lstStyle/>
+                    <a:p>
+                      <a:endParaRPr lang="en-US"/>
+                    </a:p>
+                  </a:txBody>
+                  <a:tcPr/>
+                </a:tc>
+                <a:tc hMerge="1">
+                  <a:txBody>
+                    <a:bodyPr/>
+                    <a:lstStyle/>
+                    <a:p>
+                      <a:endParaRPr lang="en-US"/>
+                    </a:p>
+                  </a:txBody>
+                  <a:tcPr/>
+                </a:tc>
+                <a:tc hMerge="1">
+                  <a:txBody>
+                    <a:bodyPr/>
+                    <a:lstStyle/>
+                    <a:p>
+                      <a:endParaRPr lang="en-US"/>
+                    </a:p>
+                  </a:txBody>
+                  <a:tcPr/>
+                </a:tc>
+                <a:tc gridSpan="3">
+                  <a:txBody>
+                    <a:bodyPr/>
+                    <a:lstStyle/>
+                    <a:p>
+                      <a:pPr algn="ctr" rtl="0" fontAlgn="b"/>
+                      <a:r>
+                        <a:rPr lang="en-US" sz="1100" u="none" strike="noStrike">
+                          <a:effectLst/>
+                        </a:rPr>
+                        <a:t>Socio-economical</a:t>
+                      </a:r>
+                      <a:endParaRPr lang="en-US" sz="1100" b="0" i="0" u="none" strike="noStrike">
+                        <a:solidFill>
+                          <a:srgbClr val="000000"/>
+                        </a:solidFill>
+                        <a:effectLst/>
+                        <a:latin typeface="Calibri" panose="020F0502020204030204" pitchFamily="34" charset="0"/>
+                      </a:endParaRPr>
+                    </a:p>
+                  </a:txBody>
+                  <a:tcPr marL="9423" marR="9423" marT="9423" marB="0" anchor="b"/>
+                </a:tc>
+                <a:tc hMerge="1">
+                  <a:txBody>
+                    <a:bodyPr/>
+                    <a:lstStyle/>
+                    <a:p>
+                      <a:endParaRPr lang="en-US"/>
+                    </a:p>
+                  </a:txBody>
+                  <a:tcPr/>
+                </a:tc>
+                <a:tc hMerge="1">
+                  <a:txBody>
+                    <a:bodyPr/>
+                    <a:lstStyle/>
+                    <a:p>
+                      <a:endParaRPr lang="en-US"/>
+                    </a:p>
+                  </a:txBody>
+                  <a:tcPr/>
+                </a:tc>
+                <a:tc gridSpan="12">
+                  <a:txBody>
+                    <a:bodyPr/>
+                    <a:lstStyle/>
+                    <a:p>
+                      <a:pPr algn="ctr" rtl="0" fontAlgn="b"/>
+                      <a:r>
+                        <a:rPr lang="en-US" sz="1100" u="none" strike="noStrike">
+                          <a:effectLst/>
+                        </a:rPr>
+                        <a:t>Governance</a:t>
+                      </a:r>
+                      <a:endParaRPr lang="en-US" sz="1100" b="0" i="0" u="none" strike="noStrike">
+                        <a:solidFill>
+                          <a:srgbClr val="000000"/>
+                        </a:solidFill>
+                        <a:effectLst/>
+                        <a:latin typeface="Calibri" panose="020F0502020204030204" pitchFamily="34" charset="0"/>
+                      </a:endParaRPr>
+                    </a:p>
+                  </a:txBody>
+                  <a:tcPr marL="9423" marR="9423" marT="9423" marB="0" anchor="b"/>
+                </a:tc>
+                <a:tc hMerge="1">
+                  <a:txBody>
+                    <a:bodyPr/>
+                    <a:lstStyle/>
+                    <a:p>
+                      <a:endParaRPr lang="en-US"/>
+                    </a:p>
+                  </a:txBody>
+                  <a:tcPr/>
+                </a:tc>
+                <a:tc hMerge="1">
+                  <a:txBody>
+                    <a:bodyPr/>
+                    <a:lstStyle/>
+                    <a:p>
+                      <a:endParaRPr lang="en-US"/>
+                    </a:p>
+                  </a:txBody>
+                  <a:tcPr/>
+                </a:tc>
+                <a:tc hMerge="1">
+                  <a:txBody>
+                    <a:bodyPr/>
+                    <a:lstStyle/>
+                    <a:p>
+                      <a:endParaRPr lang="en-US"/>
+                    </a:p>
+                  </a:txBody>
+                  <a:tcPr/>
+                </a:tc>
+                <a:tc hMerge="1">
+                  <a:txBody>
+                    <a:bodyPr/>
+                    <a:lstStyle/>
+                    <a:p>
+                      <a:endParaRPr lang="en-US"/>
+                    </a:p>
+                  </a:txBody>
+                  <a:tcPr/>
+                </a:tc>
+                <a:tc hMerge="1">
+                  <a:txBody>
+                    <a:bodyPr/>
+                    <a:lstStyle/>
+                    <a:p>
+                      <a:endParaRPr lang="en-US"/>
+                    </a:p>
+                  </a:txBody>
+                  <a:tcPr/>
+                </a:tc>
+                <a:tc hMerge="1">
+                  <a:txBody>
+                    <a:bodyPr/>
+                    <a:lstStyle/>
+                    <a:p>
+                      <a:endParaRPr lang="en-US"/>
+                    </a:p>
+                  </a:txBody>
+                  <a:tcPr/>
+                </a:tc>
+                <a:tc hMerge="1">
+                  <a:txBody>
+                    <a:bodyPr/>
+                    <a:lstStyle/>
+                    <a:p>
+                      <a:endParaRPr lang="en-US"/>
+                    </a:p>
+                  </a:txBody>
+                  <a:tcPr/>
+                </a:tc>
+                <a:tc hMerge="1">
+                  <a:txBody>
+                    <a:bodyPr/>
+                    <a:lstStyle/>
+                    <a:p>
+                      <a:endParaRPr lang="en-US"/>
+                    </a:p>
+                  </a:txBody>
+                  <a:tcPr/>
+                </a:tc>
+                <a:tc hMerge="1">
+                  <a:txBody>
+                    <a:bodyPr/>
+                    <a:lstStyle/>
+                    <a:p>
+                      <a:endParaRPr lang="en-US"/>
+                    </a:p>
+                  </a:txBody>
+                  <a:tcPr/>
+                </a:tc>
+                <a:tc hMerge="1">
+                  <a:txBody>
+                    <a:bodyPr/>
+                    <a:lstStyle/>
+                    <a:p>
+                      <a:endParaRPr lang="en-US"/>
+                    </a:p>
+                  </a:txBody>
+                  <a:tcPr/>
+                </a:tc>
+                <a:tc hMerge="1">
+                  <a:txBody>
+                    <a:bodyPr/>
+                    <a:lstStyle/>
+                    <a:p>
+                      <a:endParaRPr lang="en-US"/>
+                    </a:p>
+                  </a:txBody>
+                  <a:tcPr/>
+                </a:tc>
+              </a:tr>
+              <a:tr h="1215513">
+                <a:tc vMerge="1">
+                  <a:txBody>
+                    <a:bodyPr/>
+                    <a:lstStyle/>
+                    <a:p>
+                      <a:endParaRPr lang="en-US"/>
+                    </a:p>
+                  </a:txBody>
+                  <a:tcPr/>
+                </a:tc>
+                <a:tc vMerge="1">
+                  <a:txBody>
+                    <a:bodyPr/>
+                    <a:lstStyle/>
+                    <a:p>
+                      <a:endParaRPr lang="en-US"/>
+                    </a:p>
+                  </a:txBody>
+                  <a:tcPr/>
+                </a:tc>
+                <a:tc>
+                  <a:txBody>
+                    <a:bodyPr/>
+                    <a:lstStyle/>
+                    <a:p>
+                      <a:pPr algn="r" fontAlgn="b"/>
+                      <a:r>
+                        <a:rPr lang="en-US" sz="1100" u="none" strike="noStrike">
+                          <a:effectLst/>
+                        </a:rPr>
+                        <a:t>Diversity index (Richness, Shannon, Simpson)</a:t>
+                      </a:r>
+                      <a:endParaRPr lang="en-US" sz="1100" b="0" i="0" u="none" strike="noStrike">
+                        <a:solidFill>
+                          <a:srgbClr val="000000"/>
+                        </a:solidFill>
+                        <a:effectLst/>
+                        <a:latin typeface="Calibri" panose="020F0502020204030204" pitchFamily="34" charset="0"/>
+                      </a:endParaRPr>
+                    </a:p>
+                  </a:txBody>
+                  <a:tcPr marL="9423" marR="9423" marT="9423" marB="0" vert="vert270" anchor="b"/>
+                </a:tc>
+                <a:tc>
+                  <a:txBody>
+                    <a:bodyPr/>
+                    <a:lstStyle/>
+                    <a:p>
+                      <a:pPr algn="r" fontAlgn="b"/>
+                      <a:r>
+                        <a:rPr lang="en-US" sz="1100" u="none" strike="noStrike">
+                          <a:effectLst/>
+                        </a:rPr>
+                        <a:t>Density of mature organisms</a:t>
+                      </a:r>
+                      <a:endParaRPr lang="en-US" sz="1100" b="0" i="0" u="none" strike="noStrike">
+                        <a:solidFill>
+                          <a:srgbClr val="000000"/>
+                        </a:solidFill>
+                        <a:effectLst/>
+                        <a:latin typeface="Calibri" panose="020F0502020204030204" pitchFamily="34" charset="0"/>
+                      </a:endParaRPr>
+                    </a:p>
+                  </a:txBody>
+                  <a:tcPr marL="9423" marR="9423" marT="9423" marB="0" vert="vert270" anchor="b"/>
+                </a:tc>
+                <a:tc>
+                  <a:txBody>
+                    <a:bodyPr/>
+                    <a:lstStyle/>
+                    <a:p>
+                      <a:pPr algn="r" fontAlgn="b"/>
+                      <a:r>
+                        <a:rPr lang="en-US" sz="1100" u="none" strike="noStrike">
+                          <a:effectLst/>
+                        </a:rPr>
+                        <a:t>Density *</a:t>
+                      </a:r>
+                      <a:endParaRPr lang="en-US" sz="1100" b="0" i="0" u="none" strike="noStrike">
+                        <a:solidFill>
+                          <a:srgbClr val="000000"/>
+                        </a:solidFill>
+                        <a:effectLst/>
+                        <a:latin typeface="Calibri" panose="020F0502020204030204" pitchFamily="34" charset="0"/>
+                      </a:endParaRPr>
+                    </a:p>
+                  </a:txBody>
+                  <a:tcPr marL="9423" marR="9423" marT="9423" marB="0" vert="vert270" anchor="b"/>
+                </a:tc>
+                <a:tc>
+                  <a:txBody>
+                    <a:bodyPr/>
+                    <a:lstStyle/>
+                    <a:p>
+                      <a:pPr algn="r" fontAlgn="b"/>
+                      <a:r>
+                        <a:rPr lang="en-US" sz="1100" u="none" strike="noStrike">
+                          <a:effectLst/>
+                        </a:rPr>
+                        <a:t>Natural Disturbance</a:t>
+                      </a:r>
+                      <a:endParaRPr lang="en-US" sz="1100" b="0" i="0" u="none" strike="noStrike">
+                        <a:solidFill>
+                          <a:srgbClr val="000000"/>
+                        </a:solidFill>
+                        <a:effectLst/>
+                        <a:latin typeface="Calibri" panose="020F0502020204030204" pitchFamily="34" charset="0"/>
+                      </a:endParaRPr>
+                    </a:p>
+                  </a:txBody>
+                  <a:tcPr marL="9423" marR="9423" marT="9423" marB="0" vert="vert270" anchor="b"/>
+                </a:tc>
+                <a:tc>
+                  <a:txBody>
+                    <a:bodyPr/>
+                    <a:lstStyle/>
+                    <a:p>
+                      <a:pPr algn="r" fontAlgn="b"/>
+                      <a:r>
+                        <a:rPr lang="en-US" sz="1100" u="none" strike="noStrike">
+                          <a:effectLst/>
+                        </a:rPr>
+                        <a:t>Trophic level</a:t>
+                      </a:r>
+                      <a:endParaRPr lang="en-US" sz="1100" b="0" i="0" u="none" strike="noStrike">
+                        <a:solidFill>
+                          <a:srgbClr val="000000"/>
+                        </a:solidFill>
+                        <a:effectLst/>
+                        <a:latin typeface="Calibri" panose="020F0502020204030204" pitchFamily="34" charset="0"/>
+                      </a:endParaRPr>
+                    </a:p>
+                  </a:txBody>
+                  <a:tcPr marL="9423" marR="9423" marT="9423" marB="0" vert="vert270" anchor="b"/>
+                </a:tc>
+                <a:tc>
+                  <a:txBody>
+                    <a:bodyPr/>
+                    <a:lstStyle/>
+                    <a:p>
+                      <a:pPr algn="r" fontAlgn="b"/>
+                      <a:r>
+                        <a:rPr lang="en-US" sz="1100" u="none" strike="noStrike">
+                          <a:effectLst/>
+                        </a:rPr>
+                        <a:t>Biomass *</a:t>
+                      </a:r>
+                      <a:endParaRPr lang="en-US" sz="1100" b="0" i="0" u="none" strike="noStrike">
+                        <a:solidFill>
+                          <a:srgbClr val="000000"/>
+                        </a:solidFill>
+                        <a:effectLst/>
+                        <a:latin typeface="Calibri" panose="020F0502020204030204" pitchFamily="34" charset="0"/>
+                      </a:endParaRPr>
+                    </a:p>
+                  </a:txBody>
+                  <a:tcPr marL="9423" marR="9423" marT="9423" marB="0" vert="vert270" anchor="b"/>
+                </a:tc>
+                <a:tc>
+                  <a:txBody>
+                    <a:bodyPr/>
+                    <a:lstStyle/>
+                    <a:p>
+                      <a:pPr algn="r" fontAlgn="b"/>
+                      <a:r>
+                        <a:rPr lang="en-US" sz="1100" u="none" strike="noStrike">
+                          <a:effectLst/>
+                        </a:rPr>
+                        <a:t>Landings</a:t>
+                      </a:r>
+                      <a:endParaRPr lang="en-US" sz="1100" b="0" i="0" u="none" strike="noStrike">
+                        <a:solidFill>
+                          <a:srgbClr val="000000"/>
+                        </a:solidFill>
+                        <a:effectLst/>
+                        <a:latin typeface="Calibri" panose="020F0502020204030204" pitchFamily="34" charset="0"/>
+                      </a:endParaRPr>
+                    </a:p>
+                  </a:txBody>
+                  <a:tcPr marL="9423" marR="9423" marT="9423" marB="0" vert="vert270" anchor="b"/>
+                </a:tc>
+                <a:tc>
+                  <a:txBody>
+                    <a:bodyPr/>
+                    <a:lstStyle/>
+                    <a:p>
+                      <a:pPr algn="r" fontAlgn="b"/>
+                      <a:r>
+                        <a:rPr lang="en-US" sz="1100" u="none" strike="noStrike">
+                          <a:effectLst/>
+                        </a:rPr>
+                        <a:t>Income from landings</a:t>
+                      </a:r>
+                      <a:endParaRPr lang="en-US" sz="1100" b="0" i="0" u="none" strike="noStrike">
+                        <a:solidFill>
+                          <a:srgbClr val="000000"/>
+                        </a:solidFill>
+                        <a:effectLst/>
+                        <a:latin typeface="Calibri" panose="020F0502020204030204" pitchFamily="34" charset="0"/>
+                      </a:endParaRPr>
+                    </a:p>
+                  </a:txBody>
+                  <a:tcPr marL="9423" marR="9423" marT="9423" marB="0" vert="vert270" anchor="b"/>
+                </a:tc>
+                <a:tc>
+                  <a:txBody>
+                    <a:bodyPr/>
+                    <a:lstStyle/>
+                    <a:p>
+                      <a:pPr algn="r" fontAlgn="b"/>
+                      <a:r>
+                        <a:rPr lang="en-US" sz="1100" u="none" strike="noStrike">
+                          <a:effectLst/>
+                        </a:rPr>
+                        <a:t>Alternative economic opportunities</a:t>
+                      </a:r>
+                      <a:endParaRPr lang="en-US" sz="1100" b="0" i="0" u="none" strike="noStrike">
+                        <a:solidFill>
+                          <a:srgbClr val="000000"/>
+                        </a:solidFill>
+                        <a:effectLst/>
+                        <a:latin typeface="Calibri" panose="020F0502020204030204" pitchFamily="34" charset="0"/>
+                      </a:endParaRPr>
+                    </a:p>
+                  </a:txBody>
+                  <a:tcPr marL="9423" marR="9423" marT="9423" marB="0" vert="vert270" anchor="b"/>
+                </a:tc>
+                <a:tc>
+                  <a:txBody>
+                    <a:bodyPr/>
+                    <a:lstStyle/>
+                    <a:p>
+                      <a:pPr algn="r" fontAlgn="b"/>
+                      <a:r>
+                        <a:rPr lang="en-US" sz="1100" u="none" strike="noStrike">
+                          <a:effectLst/>
+                        </a:rPr>
+                        <a:t>Access to the fishery</a:t>
+                      </a:r>
+                      <a:endParaRPr lang="en-US" sz="1100" b="0" i="0" u="none" strike="noStrike">
+                        <a:solidFill>
+                          <a:srgbClr val="000000"/>
+                        </a:solidFill>
+                        <a:effectLst/>
+                        <a:latin typeface="Calibri" panose="020F0502020204030204" pitchFamily="34" charset="0"/>
+                      </a:endParaRPr>
+                    </a:p>
+                  </a:txBody>
+                  <a:tcPr marL="9423" marR="9423" marT="9423" marB="0" vert="vert270" anchor="b"/>
+                </a:tc>
+                <a:tc>
+                  <a:txBody>
+                    <a:bodyPr/>
+                    <a:lstStyle/>
+                    <a:p>
+                      <a:pPr algn="r" fontAlgn="b"/>
+                      <a:r>
+                        <a:rPr lang="en-US" sz="1100" u="none" strike="noStrike">
+                          <a:effectLst/>
+                        </a:rPr>
+                        <a:t>Number of fishers</a:t>
+                      </a:r>
+                      <a:endParaRPr lang="en-US" sz="1100" b="0" i="0" u="none" strike="noStrike">
+                        <a:solidFill>
+                          <a:srgbClr val="000000"/>
+                        </a:solidFill>
+                        <a:effectLst/>
+                        <a:latin typeface="Calibri" panose="020F0502020204030204" pitchFamily="34" charset="0"/>
+                      </a:endParaRPr>
+                    </a:p>
+                  </a:txBody>
+                  <a:tcPr marL="9423" marR="9423" marT="9423" marB="0" vert="vert270" anchor="b"/>
+                </a:tc>
+                <a:tc>
+                  <a:txBody>
+                    <a:bodyPr/>
+                    <a:lstStyle/>
+                    <a:p>
+                      <a:pPr algn="r" fontAlgn="b"/>
+                      <a:r>
+                        <a:rPr lang="en-US" sz="1100" u="none" strike="noStrike">
+                          <a:effectLst/>
+                        </a:rPr>
+                        <a:t>Legal recognition of reserve</a:t>
+                      </a:r>
+                      <a:endParaRPr lang="en-US" sz="1100" b="0" i="0" u="none" strike="noStrike">
+                        <a:solidFill>
+                          <a:srgbClr val="000000"/>
+                        </a:solidFill>
+                        <a:effectLst/>
+                        <a:latin typeface="Calibri" panose="020F0502020204030204" pitchFamily="34" charset="0"/>
+                      </a:endParaRPr>
+                    </a:p>
+                  </a:txBody>
+                  <a:tcPr marL="9423" marR="9423" marT="9423" marB="0" vert="vert270" anchor="b"/>
+                </a:tc>
+                <a:tc>
+                  <a:txBody>
+                    <a:bodyPr/>
+                    <a:lstStyle/>
+                    <a:p>
+                      <a:pPr algn="r" fontAlgn="b"/>
+                      <a:r>
+                        <a:rPr lang="en-US" sz="1100" u="none" strike="noStrike">
+                          <a:effectLst/>
+                        </a:rPr>
+                        <a:t>Reserve type</a:t>
+                      </a:r>
+                      <a:endParaRPr lang="en-US" sz="1100" b="0" i="0" u="none" strike="noStrike">
+                        <a:solidFill>
+                          <a:srgbClr val="000000"/>
+                        </a:solidFill>
+                        <a:effectLst/>
+                        <a:latin typeface="Calibri" panose="020F0502020204030204" pitchFamily="34" charset="0"/>
+                      </a:endParaRPr>
+                    </a:p>
+                  </a:txBody>
+                  <a:tcPr marL="9423" marR="9423" marT="9423" marB="0" vert="vert270" anchor="b"/>
+                </a:tc>
+                <a:tc>
+                  <a:txBody>
+                    <a:bodyPr/>
+                    <a:lstStyle/>
+                    <a:p>
+                      <a:pPr algn="r" fontAlgn="b"/>
+                      <a:r>
+                        <a:rPr lang="en-US" sz="1100" u="none" strike="noStrike">
+                          <a:effectLst/>
+                        </a:rPr>
+                        <a:t>Illegal harvesting</a:t>
+                      </a:r>
+                      <a:endParaRPr lang="en-US" sz="1100" b="0" i="0" u="none" strike="noStrike">
+                        <a:solidFill>
+                          <a:srgbClr val="000000"/>
+                        </a:solidFill>
+                        <a:effectLst/>
+                        <a:latin typeface="Calibri" panose="020F0502020204030204" pitchFamily="34" charset="0"/>
+                      </a:endParaRPr>
+                    </a:p>
+                  </a:txBody>
+                  <a:tcPr marL="9423" marR="9423" marT="9423" marB="0" vert="vert270" anchor="b"/>
+                </a:tc>
+                <a:tc>
+                  <a:txBody>
+                    <a:bodyPr/>
+                    <a:lstStyle/>
+                    <a:p>
+                      <a:pPr algn="r" fontAlgn="b"/>
+                      <a:r>
+                        <a:rPr lang="en-US" sz="1100" u="none" strike="noStrike">
+                          <a:effectLst/>
+                        </a:rPr>
+                        <a:t>Management plan</a:t>
+                      </a:r>
+                      <a:endParaRPr lang="en-US" sz="1100" b="0" i="0" u="none" strike="noStrike">
+                        <a:solidFill>
+                          <a:srgbClr val="000000"/>
+                        </a:solidFill>
+                        <a:effectLst/>
+                        <a:latin typeface="Calibri" panose="020F0502020204030204" pitchFamily="34" charset="0"/>
+                      </a:endParaRPr>
+                    </a:p>
+                  </a:txBody>
+                  <a:tcPr marL="9423" marR="9423" marT="9423" marB="0" vert="vert270" anchor="b"/>
+                </a:tc>
+                <a:tc>
+                  <a:txBody>
+                    <a:bodyPr/>
+                    <a:lstStyle/>
+                    <a:p>
+                      <a:pPr algn="r" fontAlgn="b"/>
+                      <a:r>
+                        <a:rPr lang="en-US" sz="1100" u="none" strike="noStrike">
+                          <a:effectLst/>
+                        </a:rPr>
+                        <a:t>Reserve enforcement</a:t>
+                      </a:r>
+                      <a:endParaRPr lang="en-US" sz="1100" b="0" i="0" u="none" strike="noStrike">
+                        <a:solidFill>
+                          <a:srgbClr val="000000"/>
+                        </a:solidFill>
+                        <a:effectLst/>
+                        <a:latin typeface="Calibri" panose="020F0502020204030204" pitchFamily="34" charset="0"/>
+                      </a:endParaRPr>
+                    </a:p>
+                  </a:txBody>
+                  <a:tcPr marL="9423" marR="9423" marT="9423" marB="0" vert="vert270" anchor="b"/>
+                </a:tc>
+                <a:tc>
+                  <a:txBody>
+                    <a:bodyPr/>
+                    <a:lstStyle/>
+                    <a:p>
+                      <a:pPr algn="r" fontAlgn="b"/>
+                      <a:r>
+                        <a:rPr lang="en-US" sz="1100" u="none" strike="noStrike">
+                          <a:effectLst/>
+                        </a:rPr>
+                        <a:t>Size of reserve</a:t>
+                      </a:r>
+                      <a:endParaRPr lang="en-US" sz="1100" b="0" i="0" u="none" strike="noStrike">
+                        <a:solidFill>
+                          <a:srgbClr val="000000"/>
+                        </a:solidFill>
+                        <a:effectLst/>
+                        <a:latin typeface="Calibri" panose="020F0502020204030204" pitchFamily="34" charset="0"/>
+                      </a:endParaRPr>
+                    </a:p>
+                  </a:txBody>
+                  <a:tcPr marL="9423" marR="9423" marT="9423" marB="0" vert="vert270" anchor="b"/>
+                </a:tc>
+                <a:tc>
+                  <a:txBody>
+                    <a:bodyPr/>
+                    <a:lstStyle/>
+                    <a:p>
+                      <a:pPr algn="r" fontAlgn="b"/>
+                      <a:r>
+                        <a:rPr lang="en-US" sz="1100" u="none" strike="noStrike">
+                          <a:effectLst/>
+                        </a:rPr>
+                        <a:t>Reasoning for reserve location</a:t>
+                      </a:r>
+                      <a:endParaRPr lang="en-US" sz="1100" b="0" i="0" u="none" strike="noStrike">
+                        <a:solidFill>
+                          <a:srgbClr val="000000"/>
+                        </a:solidFill>
+                        <a:effectLst/>
+                        <a:latin typeface="Calibri" panose="020F0502020204030204" pitchFamily="34" charset="0"/>
+                      </a:endParaRPr>
+                    </a:p>
+                  </a:txBody>
+                  <a:tcPr marL="9423" marR="9423" marT="9423" marB="0" vert="vert270" anchor="b"/>
+                </a:tc>
+                <a:tc>
+                  <a:txBody>
+                    <a:bodyPr/>
+                    <a:lstStyle/>
+                    <a:p>
+                      <a:pPr algn="r" fontAlgn="b"/>
+                      <a:r>
+                        <a:rPr lang="en-US" sz="1100" u="none" strike="noStrike">
+                          <a:effectLst/>
+                        </a:rPr>
+                        <a:t>Membership to fisher organizations</a:t>
+                      </a:r>
+                      <a:endParaRPr lang="en-US" sz="1100" b="0" i="0" u="none" strike="noStrike">
+                        <a:solidFill>
+                          <a:srgbClr val="000000"/>
+                        </a:solidFill>
+                        <a:effectLst/>
+                        <a:latin typeface="Calibri" panose="020F0502020204030204" pitchFamily="34" charset="0"/>
+                      </a:endParaRPr>
+                    </a:p>
+                  </a:txBody>
+                  <a:tcPr marL="9423" marR="9423" marT="9423" marB="0" vert="vert270" anchor="b"/>
+                </a:tc>
+                <a:tc>
+                  <a:txBody>
+                    <a:bodyPr/>
+                    <a:lstStyle/>
+                    <a:p>
+                      <a:pPr algn="r" fontAlgn="b"/>
+                      <a:r>
+                        <a:rPr lang="en-US" sz="1100" u="none" strike="noStrike">
+                          <a:effectLst/>
+                        </a:rPr>
+                        <a:t>Type of fisher organizations</a:t>
+                      </a:r>
+                      <a:endParaRPr lang="en-US" sz="1100" b="0" i="0" u="none" strike="noStrike">
+                        <a:solidFill>
+                          <a:srgbClr val="000000"/>
+                        </a:solidFill>
+                        <a:effectLst/>
+                        <a:latin typeface="Calibri" panose="020F0502020204030204" pitchFamily="34" charset="0"/>
+                      </a:endParaRPr>
+                    </a:p>
+                  </a:txBody>
+                  <a:tcPr marL="9423" marR="9423" marT="9423" marB="0" vert="vert270" anchor="b"/>
+                </a:tc>
+                <a:tc>
+                  <a:txBody>
+                    <a:bodyPr/>
+                    <a:lstStyle/>
+                    <a:p>
+                      <a:pPr algn="r" fontAlgn="b"/>
+                      <a:r>
+                        <a:rPr lang="en-US" sz="1100" u="none" strike="noStrike">
+                          <a:effectLst/>
+                        </a:rPr>
+                        <a:t>Representation</a:t>
+                      </a:r>
+                      <a:endParaRPr lang="en-US" sz="1100" b="0" i="0" u="none" strike="noStrike">
+                        <a:solidFill>
+                          <a:srgbClr val="000000"/>
+                        </a:solidFill>
+                        <a:effectLst/>
+                        <a:latin typeface="Calibri" panose="020F0502020204030204" pitchFamily="34" charset="0"/>
+                      </a:endParaRPr>
+                    </a:p>
+                  </a:txBody>
+                  <a:tcPr marL="9423" marR="9423" marT="9423" marB="0" vert="vert270" anchor="b"/>
+                </a:tc>
+              </a:tr>
+              <a:tr h="341097">
+                <a:tc rowSpan="7">
+                  <a:txBody>
+                    <a:bodyPr/>
+                    <a:lstStyle/>
+                    <a:p>
+                      <a:pPr algn="ctr" rtl="0" fontAlgn="ctr"/>
+                      <a:r>
+                        <a:rPr lang="en-US" sz="1100" u="none" strike="noStrike">
+                          <a:effectLst/>
+                        </a:rPr>
+                        <a:t>ZRP</a:t>
+                      </a:r>
+                      <a:endParaRPr lang="en-US" sz="1100" b="0" i="0" u="none" strike="noStrike">
+                        <a:solidFill>
+                          <a:srgbClr val="000000"/>
+                        </a:solidFill>
+                        <a:effectLst/>
+                        <a:latin typeface="Calibri" panose="020F0502020204030204" pitchFamily="34" charset="0"/>
+                      </a:endParaRPr>
+                    </a:p>
+                  </a:txBody>
+                  <a:tcPr marL="9423" marR="9423" marT="9423" marB="0" anchor="ctr"/>
+                </a:tc>
+                <a:tc>
+                  <a:txBody>
+                    <a:bodyPr/>
+                    <a:lstStyle/>
+                    <a:p>
+                      <a:pPr algn="l" rtl="0" fontAlgn="t"/>
+                      <a:r>
+                        <a:rPr lang="es-ES" sz="1100" u="none" strike="noStrike">
+                          <a:effectLst/>
+                        </a:rPr>
+                        <a:t>Recuperar especies de interés comercial </a:t>
+                      </a:r>
+                      <a:endParaRPr lang="es-ES" sz="1100" b="0" i="0" u="none" strike="noStrike">
+                        <a:solidFill>
+                          <a:srgbClr val="000000"/>
+                        </a:solidFill>
+                        <a:effectLst/>
+                        <a:latin typeface="Calibri" panose="020F0502020204030204" pitchFamily="34" charset="0"/>
+                      </a:endParaRPr>
+                    </a:p>
+                  </a:txBody>
+                  <a:tcPr marL="9423" marR="9423" marT="9423" marB="0"/>
+                </a:tc>
+                <a:tc>
+                  <a:txBody>
+                    <a:bodyPr/>
+                    <a:lstStyle/>
+                    <a:p>
+                      <a:pPr algn="l" rtl="0" fontAlgn="b"/>
+                      <a:r>
+                        <a:rPr lang="en-US" sz="1100" u="none" strike="noStrike">
+                          <a:effectLst/>
+                        </a:rPr>
+                        <a:t> </a:t>
+                      </a:r>
+                      <a:endParaRPr lang="en-US" sz="1100" b="0" i="0" u="none" strike="noStrike">
+                        <a:solidFill>
+                          <a:srgbClr val="000000"/>
+                        </a:solidFill>
+                        <a:effectLst/>
+                        <a:latin typeface="Calibri" panose="020F0502020204030204" pitchFamily="34" charset="0"/>
+                      </a:endParaRPr>
+                    </a:p>
+                  </a:txBody>
+                  <a:tcPr marL="9423" marR="9423" marT="9423" marB="0" anchor="b"/>
+                </a:tc>
+                <a:tc>
+                  <a:txBody>
+                    <a:bodyPr/>
+                    <a:lstStyle/>
+                    <a:p>
+                      <a:pPr algn="l" rtl="0" fontAlgn="b"/>
+                      <a:r>
+                        <a:rPr lang="en-US" sz="1100" u="none" strike="noStrike">
+                          <a:effectLst/>
+                        </a:rPr>
+                        <a:t>*</a:t>
+                      </a:r>
+                      <a:endParaRPr lang="en-US" sz="1100" b="0" i="0" u="none" strike="noStrike">
+                        <a:solidFill>
+                          <a:srgbClr val="000000"/>
+                        </a:solidFill>
+                        <a:effectLst/>
+                        <a:latin typeface="Calibri" panose="020F0502020204030204" pitchFamily="34" charset="0"/>
+                      </a:endParaRPr>
+                    </a:p>
+                  </a:txBody>
+                  <a:tcPr marL="9423" marR="9423" marT="9423" marB="0" anchor="b"/>
+                </a:tc>
+                <a:tc>
+                  <a:txBody>
+                    <a:bodyPr/>
+                    <a:lstStyle/>
+                    <a:p>
+                      <a:pPr algn="l" rtl="0" fontAlgn="b"/>
+                      <a:r>
+                        <a:rPr lang="en-US" sz="1100" u="none" strike="noStrike">
+                          <a:effectLst/>
+                        </a:rPr>
+                        <a:t>*</a:t>
+                      </a:r>
+                      <a:endParaRPr lang="en-US" sz="1100" b="0" i="0" u="none" strike="noStrike">
+                        <a:solidFill>
+                          <a:srgbClr val="000000"/>
+                        </a:solidFill>
+                        <a:effectLst/>
+                        <a:latin typeface="Calibri" panose="020F0502020204030204" pitchFamily="34" charset="0"/>
+                      </a:endParaRPr>
+                    </a:p>
+                  </a:txBody>
+                  <a:tcPr marL="9423" marR="9423" marT="9423" marB="0" anchor="b"/>
+                </a:tc>
+                <a:tc>
+                  <a:txBody>
+                    <a:bodyPr/>
+                    <a:lstStyle/>
+                    <a:p>
+                      <a:pPr algn="l" rtl="0" fontAlgn="b"/>
+                      <a:r>
+                        <a:rPr lang="en-US" sz="1100" u="none" strike="noStrike">
+                          <a:effectLst/>
+                        </a:rPr>
+                        <a:t>*</a:t>
+                      </a:r>
+                      <a:endParaRPr lang="en-US" sz="1100" b="0" i="0" u="none" strike="noStrike">
+                        <a:solidFill>
+                          <a:srgbClr val="000000"/>
+                        </a:solidFill>
+                        <a:effectLst/>
+                        <a:latin typeface="Calibri" panose="020F0502020204030204" pitchFamily="34" charset="0"/>
+                      </a:endParaRPr>
+                    </a:p>
+                  </a:txBody>
+                  <a:tcPr marL="9423" marR="9423" marT="9423" marB="0" anchor="b"/>
+                </a:tc>
+                <a:tc>
+                  <a:txBody>
+                    <a:bodyPr/>
+                    <a:lstStyle/>
+                    <a:p>
+                      <a:pPr algn="l" rtl="0" fontAlgn="b"/>
+                      <a:r>
+                        <a:rPr lang="en-US" sz="1100" u="none" strike="noStrike">
+                          <a:effectLst/>
+                        </a:rPr>
+                        <a:t> </a:t>
+                      </a:r>
+                      <a:endParaRPr lang="en-US" sz="1100" b="0" i="0" u="none" strike="noStrike">
+                        <a:solidFill>
+                          <a:srgbClr val="000000"/>
+                        </a:solidFill>
+                        <a:effectLst/>
+                        <a:latin typeface="Calibri" panose="020F0502020204030204" pitchFamily="34" charset="0"/>
+                      </a:endParaRPr>
+                    </a:p>
+                  </a:txBody>
+                  <a:tcPr marL="9423" marR="9423" marT="9423" marB="0" anchor="b"/>
+                </a:tc>
+                <a:tc>
+                  <a:txBody>
+                    <a:bodyPr/>
+                    <a:lstStyle/>
+                    <a:p>
+                      <a:pPr algn="l" rtl="0" fontAlgn="b"/>
+                      <a:r>
+                        <a:rPr lang="en-US" sz="1100" u="none" strike="noStrike">
+                          <a:effectLst/>
+                        </a:rPr>
+                        <a:t>*</a:t>
+                      </a:r>
+                      <a:endParaRPr lang="en-US" sz="1100" b="0" i="0" u="none" strike="noStrike">
+                        <a:solidFill>
+                          <a:srgbClr val="000000"/>
+                        </a:solidFill>
+                        <a:effectLst/>
+                        <a:latin typeface="Calibri" panose="020F0502020204030204" pitchFamily="34" charset="0"/>
+                      </a:endParaRPr>
+                    </a:p>
+                  </a:txBody>
+                  <a:tcPr marL="9423" marR="9423" marT="9423" marB="0" anchor="b"/>
+                </a:tc>
+                <a:tc>
+                  <a:txBody>
+                    <a:bodyPr/>
+                    <a:lstStyle/>
+                    <a:p>
+                      <a:pPr algn="l" rtl="0" fontAlgn="b"/>
+                      <a:r>
+                        <a:rPr lang="en-US" sz="1100" u="none" strike="noStrike">
+                          <a:effectLst/>
+                        </a:rPr>
+                        <a:t> </a:t>
+                      </a:r>
+                      <a:endParaRPr lang="en-US" sz="1100" b="0" i="0" u="none" strike="noStrike">
+                        <a:solidFill>
+                          <a:srgbClr val="000000"/>
+                        </a:solidFill>
+                        <a:effectLst/>
+                        <a:latin typeface="Calibri" panose="020F0502020204030204" pitchFamily="34" charset="0"/>
+                      </a:endParaRPr>
+                    </a:p>
+                  </a:txBody>
+                  <a:tcPr marL="9423" marR="9423" marT="9423" marB="0" anchor="b"/>
+                </a:tc>
+                <a:tc>
+                  <a:txBody>
+                    <a:bodyPr/>
+                    <a:lstStyle/>
+                    <a:p>
+                      <a:pPr algn="l" rtl="0" fontAlgn="b"/>
+                      <a:r>
+                        <a:rPr lang="en-US" sz="1100" u="none" strike="noStrike">
+                          <a:effectLst/>
+                        </a:rPr>
+                        <a:t> </a:t>
+                      </a:r>
+                      <a:endParaRPr lang="en-US" sz="1100" b="0" i="0" u="none" strike="noStrike">
+                        <a:solidFill>
+                          <a:srgbClr val="000000"/>
+                        </a:solidFill>
+                        <a:effectLst/>
+                        <a:latin typeface="Calibri" panose="020F0502020204030204" pitchFamily="34" charset="0"/>
+                      </a:endParaRPr>
+                    </a:p>
+                  </a:txBody>
+                  <a:tcPr marL="9423" marR="9423" marT="9423" marB="0" anchor="b"/>
+                </a:tc>
+                <a:tc>
+                  <a:txBody>
+                    <a:bodyPr/>
+                    <a:lstStyle/>
+                    <a:p>
+                      <a:pPr algn="l" rtl="0" fontAlgn="b"/>
+                      <a:r>
+                        <a:rPr lang="en-US" sz="1100" u="none" strike="noStrike">
+                          <a:effectLst/>
+                        </a:rPr>
+                        <a:t> </a:t>
+                      </a:r>
+                      <a:endParaRPr lang="en-US" sz="1100" b="0" i="0" u="none" strike="noStrike">
+                        <a:solidFill>
+                          <a:srgbClr val="000000"/>
+                        </a:solidFill>
+                        <a:effectLst/>
+                        <a:latin typeface="Calibri" panose="020F0502020204030204" pitchFamily="34" charset="0"/>
+                      </a:endParaRPr>
+                    </a:p>
+                  </a:txBody>
+                  <a:tcPr marL="9423" marR="9423" marT="9423" marB="0" anchor="b"/>
+                </a:tc>
+                <a:tc>
+                  <a:txBody>
+                    <a:bodyPr/>
+                    <a:lstStyle/>
+                    <a:p>
+                      <a:pPr algn="l" rtl="0" fontAlgn="b"/>
+                      <a:r>
+                        <a:rPr lang="en-US" sz="1100" u="none" strike="noStrike">
+                          <a:effectLst/>
+                        </a:rPr>
+                        <a:t> </a:t>
+                      </a:r>
+                      <a:endParaRPr lang="en-US" sz="1100" b="0" i="0" u="none" strike="noStrike">
+                        <a:solidFill>
+                          <a:srgbClr val="000000"/>
+                        </a:solidFill>
+                        <a:effectLst/>
+                        <a:latin typeface="Calibri" panose="020F0502020204030204" pitchFamily="34" charset="0"/>
+                      </a:endParaRPr>
+                    </a:p>
+                  </a:txBody>
+                  <a:tcPr marL="9423" marR="9423" marT="9423" marB="0" anchor="b"/>
+                </a:tc>
+                <a:tc>
+                  <a:txBody>
+                    <a:bodyPr/>
+                    <a:lstStyle/>
+                    <a:p>
+                      <a:pPr algn="l" rtl="0" fontAlgn="b"/>
+                      <a:r>
+                        <a:rPr lang="en-US" sz="1100" u="none" strike="noStrike">
+                          <a:effectLst/>
+                        </a:rPr>
+                        <a:t> </a:t>
+                      </a:r>
+                      <a:endParaRPr lang="en-US" sz="1100" b="0" i="0" u="none" strike="noStrike">
+                        <a:solidFill>
+                          <a:srgbClr val="000000"/>
+                        </a:solidFill>
+                        <a:effectLst/>
+                        <a:latin typeface="Calibri" panose="020F0502020204030204" pitchFamily="34" charset="0"/>
+                      </a:endParaRPr>
+                    </a:p>
+                  </a:txBody>
+                  <a:tcPr marL="9423" marR="9423" marT="9423" marB="0" anchor="b"/>
+                </a:tc>
+                <a:tc>
+                  <a:txBody>
+                    <a:bodyPr/>
+                    <a:lstStyle/>
+                    <a:p>
+                      <a:pPr algn="l" rtl="0" fontAlgn="b"/>
+                      <a:r>
+                        <a:rPr lang="en-US" sz="1100" u="none" strike="noStrike">
+                          <a:effectLst/>
+                        </a:rPr>
+                        <a:t> </a:t>
+                      </a:r>
+                      <a:endParaRPr lang="en-US" sz="1100" b="0" i="0" u="none" strike="noStrike">
+                        <a:solidFill>
+                          <a:srgbClr val="000000"/>
+                        </a:solidFill>
+                        <a:effectLst/>
+                        <a:latin typeface="Calibri" panose="020F0502020204030204" pitchFamily="34" charset="0"/>
+                      </a:endParaRPr>
+                    </a:p>
+                  </a:txBody>
+                  <a:tcPr marL="9423" marR="9423" marT="9423" marB="0" anchor="b"/>
+                </a:tc>
+                <a:tc>
+                  <a:txBody>
+                    <a:bodyPr/>
+                    <a:lstStyle/>
+                    <a:p>
+                      <a:pPr algn="l" rtl="0" fontAlgn="b"/>
+                      <a:r>
+                        <a:rPr lang="en-US" sz="1100" u="none" strike="noStrike">
+                          <a:effectLst/>
+                        </a:rPr>
+                        <a:t> </a:t>
+                      </a:r>
+                      <a:endParaRPr lang="en-US" sz="1100" b="0" i="0" u="none" strike="noStrike">
+                        <a:solidFill>
+                          <a:srgbClr val="000000"/>
+                        </a:solidFill>
+                        <a:effectLst/>
+                        <a:latin typeface="Calibri" panose="020F0502020204030204" pitchFamily="34" charset="0"/>
+                      </a:endParaRPr>
+                    </a:p>
+                  </a:txBody>
+                  <a:tcPr marL="9423" marR="9423" marT="9423" marB="0" anchor="b"/>
+                </a:tc>
+                <a:tc>
+                  <a:txBody>
+                    <a:bodyPr/>
+                    <a:lstStyle/>
+                    <a:p>
+                      <a:pPr algn="l" rtl="0" fontAlgn="b"/>
+                      <a:r>
+                        <a:rPr lang="en-US" sz="1100" u="none" strike="noStrike">
+                          <a:effectLst/>
+                        </a:rPr>
+                        <a:t> </a:t>
+                      </a:r>
+                      <a:endParaRPr lang="en-US" sz="1100" b="0" i="0" u="none" strike="noStrike">
+                        <a:solidFill>
+                          <a:srgbClr val="000000"/>
+                        </a:solidFill>
+                        <a:effectLst/>
+                        <a:latin typeface="Calibri" panose="020F0502020204030204" pitchFamily="34" charset="0"/>
+                      </a:endParaRPr>
+                    </a:p>
+                  </a:txBody>
+                  <a:tcPr marL="9423" marR="9423" marT="9423" marB="0" anchor="b"/>
+                </a:tc>
+                <a:tc>
+                  <a:txBody>
+                    <a:bodyPr/>
+                    <a:lstStyle/>
+                    <a:p>
+                      <a:pPr algn="l" rtl="0" fontAlgn="b"/>
+                      <a:r>
+                        <a:rPr lang="en-US" sz="1100" u="none" strike="noStrike">
+                          <a:effectLst/>
+                        </a:rPr>
+                        <a:t> </a:t>
+                      </a:r>
+                      <a:endParaRPr lang="en-US" sz="1100" b="0" i="0" u="none" strike="noStrike">
+                        <a:solidFill>
+                          <a:srgbClr val="000000"/>
+                        </a:solidFill>
+                        <a:effectLst/>
+                        <a:latin typeface="Calibri" panose="020F0502020204030204" pitchFamily="34" charset="0"/>
+                      </a:endParaRPr>
+                    </a:p>
+                  </a:txBody>
+                  <a:tcPr marL="9423" marR="9423" marT="9423" marB="0" anchor="b"/>
+                </a:tc>
+                <a:tc>
+                  <a:txBody>
+                    <a:bodyPr/>
+                    <a:lstStyle/>
+                    <a:p>
+                      <a:pPr algn="l" rtl="0" fontAlgn="b"/>
+                      <a:r>
+                        <a:rPr lang="en-US" sz="1100" u="none" strike="noStrike">
+                          <a:effectLst/>
+                        </a:rPr>
+                        <a:t> </a:t>
+                      </a:r>
+                      <a:endParaRPr lang="en-US" sz="1100" b="0" i="0" u="none" strike="noStrike">
+                        <a:solidFill>
+                          <a:srgbClr val="000000"/>
+                        </a:solidFill>
+                        <a:effectLst/>
+                        <a:latin typeface="Calibri" panose="020F0502020204030204" pitchFamily="34" charset="0"/>
+                      </a:endParaRPr>
+                    </a:p>
+                  </a:txBody>
+                  <a:tcPr marL="9423" marR="9423" marT="9423" marB="0" anchor="b"/>
+                </a:tc>
+                <a:tc>
+                  <a:txBody>
+                    <a:bodyPr/>
+                    <a:lstStyle/>
+                    <a:p>
+                      <a:pPr algn="l" rtl="0" fontAlgn="b"/>
+                      <a:r>
+                        <a:rPr lang="en-US" sz="1100" u="none" strike="noStrike">
+                          <a:effectLst/>
+                        </a:rPr>
+                        <a:t> </a:t>
+                      </a:r>
+                      <a:endParaRPr lang="en-US" sz="1100" b="0" i="0" u="none" strike="noStrike">
+                        <a:solidFill>
+                          <a:srgbClr val="000000"/>
+                        </a:solidFill>
+                        <a:effectLst/>
+                        <a:latin typeface="Calibri" panose="020F0502020204030204" pitchFamily="34" charset="0"/>
+                      </a:endParaRPr>
+                    </a:p>
+                  </a:txBody>
+                  <a:tcPr marL="9423" marR="9423" marT="9423" marB="0" anchor="b"/>
+                </a:tc>
+                <a:tc>
+                  <a:txBody>
+                    <a:bodyPr/>
+                    <a:lstStyle/>
+                    <a:p>
+                      <a:pPr algn="l" rtl="0" fontAlgn="b"/>
+                      <a:r>
+                        <a:rPr lang="en-US" sz="1100" u="none" strike="noStrike">
+                          <a:effectLst/>
+                        </a:rPr>
+                        <a:t> </a:t>
+                      </a:r>
+                      <a:endParaRPr lang="en-US" sz="1100" b="0" i="0" u="none" strike="noStrike">
+                        <a:solidFill>
+                          <a:srgbClr val="000000"/>
+                        </a:solidFill>
+                        <a:effectLst/>
+                        <a:latin typeface="Calibri" panose="020F0502020204030204" pitchFamily="34" charset="0"/>
+                      </a:endParaRPr>
+                    </a:p>
+                  </a:txBody>
+                  <a:tcPr marL="9423" marR="9423" marT="9423" marB="0" anchor="b"/>
+                </a:tc>
+                <a:tc>
+                  <a:txBody>
+                    <a:bodyPr/>
+                    <a:lstStyle/>
+                    <a:p>
+                      <a:pPr algn="l" rtl="0" fontAlgn="b"/>
+                      <a:r>
+                        <a:rPr lang="en-US" sz="1100" u="none" strike="noStrike">
+                          <a:effectLst/>
+                        </a:rPr>
+                        <a:t> </a:t>
+                      </a:r>
+                      <a:endParaRPr lang="en-US" sz="1100" b="0" i="0" u="none" strike="noStrike">
+                        <a:solidFill>
+                          <a:srgbClr val="000000"/>
+                        </a:solidFill>
+                        <a:effectLst/>
+                        <a:latin typeface="Calibri" panose="020F0502020204030204" pitchFamily="34" charset="0"/>
+                      </a:endParaRPr>
+                    </a:p>
+                  </a:txBody>
+                  <a:tcPr marL="9423" marR="9423" marT="9423" marB="0" anchor="b"/>
+                </a:tc>
+                <a:tc>
+                  <a:txBody>
+                    <a:bodyPr/>
+                    <a:lstStyle/>
+                    <a:p>
+                      <a:pPr algn="l" rtl="0" fontAlgn="b"/>
+                      <a:r>
+                        <a:rPr lang="en-US" sz="1100" u="none" strike="noStrike">
+                          <a:effectLst/>
+                        </a:rPr>
+                        <a:t> </a:t>
+                      </a:r>
+                      <a:endParaRPr lang="en-US" sz="1100" b="0" i="0" u="none" strike="noStrike">
+                        <a:solidFill>
+                          <a:srgbClr val="000000"/>
+                        </a:solidFill>
+                        <a:effectLst/>
+                        <a:latin typeface="Calibri" panose="020F0502020204030204" pitchFamily="34" charset="0"/>
+                      </a:endParaRPr>
+                    </a:p>
+                  </a:txBody>
+                  <a:tcPr marL="9423" marR="9423" marT="9423" marB="0" anchor="b"/>
+                </a:tc>
+                <a:tc>
+                  <a:txBody>
+                    <a:bodyPr/>
+                    <a:lstStyle/>
+                    <a:p>
+                      <a:pPr algn="l" rtl="0" fontAlgn="b"/>
+                      <a:r>
+                        <a:rPr lang="en-US" sz="1100" u="none" strike="noStrike">
+                          <a:effectLst/>
+                        </a:rPr>
+                        <a:t> </a:t>
+                      </a:r>
+                      <a:endParaRPr lang="en-US" sz="1100" b="0" i="0" u="none" strike="noStrike">
+                        <a:solidFill>
+                          <a:srgbClr val="000000"/>
+                        </a:solidFill>
+                        <a:effectLst/>
+                        <a:latin typeface="Calibri" panose="020F0502020204030204" pitchFamily="34" charset="0"/>
+                      </a:endParaRPr>
+                    </a:p>
+                  </a:txBody>
+                  <a:tcPr marL="9423" marR="9423" marT="9423" marB="0" anchor="b"/>
+                </a:tc>
+              </a:tr>
+              <a:tr h="376903">
+                <a:tc vMerge="1">
+                  <a:txBody>
+                    <a:bodyPr/>
+                    <a:lstStyle/>
+                    <a:p>
+                      <a:endParaRPr lang="en-US"/>
+                    </a:p>
+                  </a:txBody>
+                  <a:tcPr/>
+                </a:tc>
+                <a:tc>
+                  <a:txBody>
+                    <a:bodyPr/>
+                    <a:lstStyle/>
+                    <a:p>
+                      <a:pPr algn="l" rtl="0" fontAlgn="t"/>
+                      <a:r>
+                        <a:rPr lang="es-ES" sz="1100" u="none" strike="noStrike">
+                          <a:effectLst/>
+                        </a:rPr>
+                        <a:t>Conservar especies en régimen de protección especial </a:t>
+                      </a:r>
+                      <a:endParaRPr lang="es-ES" sz="1100" b="0" i="0" u="none" strike="noStrike">
+                        <a:solidFill>
+                          <a:srgbClr val="000000"/>
+                        </a:solidFill>
+                        <a:effectLst/>
+                        <a:latin typeface="Calibri" panose="020F0502020204030204" pitchFamily="34" charset="0"/>
+                      </a:endParaRPr>
+                    </a:p>
+                  </a:txBody>
+                  <a:tcPr marL="9423" marR="9423" marT="9423" marB="0"/>
+                </a:tc>
+                <a:tc>
+                  <a:txBody>
+                    <a:bodyPr/>
+                    <a:lstStyle/>
+                    <a:p>
+                      <a:pPr algn="l" rtl="0" fontAlgn="b"/>
+                      <a:r>
+                        <a:rPr lang="en-US" sz="1100" u="none" strike="noStrike">
+                          <a:effectLst/>
+                        </a:rPr>
+                        <a:t> </a:t>
+                      </a:r>
+                      <a:endParaRPr lang="en-US" sz="1100" b="0" i="0" u="none" strike="noStrike">
+                        <a:solidFill>
+                          <a:srgbClr val="000000"/>
+                        </a:solidFill>
+                        <a:effectLst/>
+                        <a:latin typeface="Calibri" panose="020F0502020204030204" pitchFamily="34" charset="0"/>
+                      </a:endParaRPr>
+                    </a:p>
+                  </a:txBody>
+                  <a:tcPr marL="9423" marR="9423" marT="9423" marB="0" anchor="b"/>
+                </a:tc>
+                <a:tc>
+                  <a:txBody>
+                    <a:bodyPr/>
+                    <a:lstStyle/>
+                    <a:p>
+                      <a:pPr algn="l" rtl="0" fontAlgn="b"/>
+                      <a:r>
+                        <a:rPr lang="en-US" sz="1100" u="none" strike="noStrike">
+                          <a:effectLst/>
+                        </a:rPr>
+                        <a:t>*</a:t>
+                      </a:r>
+                      <a:endParaRPr lang="en-US" sz="1100" b="0" i="0" u="none" strike="noStrike">
+                        <a:solidFill>
+                          <a:srgbClr val="000000"/>
+                        </a:solidFill>
+                        <a:effectLst/>
+                        <a:latin typeface="Calibri" panose="020F0502020204030204" pitchFamily="34" charset="0"/>
+                      </a:endParaRPr>
+                    </a:p>
+                  </a:txBody>
+                  <a:tcPr marL="9423" marR="9423" marT="9423" marB="0" anchor="b"/>
+                </a:tc>
+                <a:tc>
+                  <a:txBody>
+                    <a:bodyPr/>
+                    <a:lstStyle/>
+                    <a:p>
+                      <a:pPr algn="l" rtl="0" fontAlgn="b"/>
+                      <a:r>
+                        <a:rPr lang="en-US" sz="1100" u="none" strike="noStrike">
+                          <a:effectLst/>
+                        </a:rPr>
+                        <a:t>*</a:t>
+                      </a:r>
+                      <a:endParaRPr lang="en-US" sz="1100" b="0" i="0" u="none" strike="noStrike">
+                        <a:solidFill>
+                          <a:srgbClr val="000000"/>
+                        </a:solidFill>
+                        <a:effectLst/>
+                        <a:latin typeface="Calibri" panose="020F0502020204030204" pitchFamily="34" charset="0"/>
+                      </a:endParaRPr>
+                    </a:p>
+                  </a:txBody>
+                  <a:tcPr marL="9423" marR="9423" marT="9423" marB="0" anchor="b"/>
+                </a:tc>
+                <a:tc>
+                  <a:txBody>
+                    <a:bodyPr/>
+                    <a:lstStyle/>
+                    <a:p>
+                      <a:pPr algn="l" rtl="0" fontAlgn="b"/>
+                      <a:r>
+                        <a:rPr lang="en-US" sz="1100" u="none" strike="noStrike">
+                          <a:effectLst/>
+                        </a:rPr>
+                        <a:t>*</a:t>
+                      </a:r>
+                      <a:endParaRPr lang="en-US" sz="1100" b="0" i="0" u="none" strike="noStrike">
+                        <a:solidFill>
+                          <a:srgbClr val="000000"/>
+                        </a:solidFill>
+                        <a:effectLst/>
+                        <a:latin typeface="Calibri" panose="020F0502020204030204" pitchFamily="34" charset="0"/>
+                      </a:endParaRPr>
+                    </a:p>
+                  </a:txBody>
+                  <a:tcPr marL="9423" marR="9423" marT="9423" marB="0" anchor="b"/>
+                </a:tc>
+                <a:tc>
+                  <a:txBody>
+                    <a:bodyPr/>
+                    <a:lstStyle/>
+                    <a:p>
+                      <a:pPr algn="l" rtl="0" fontAlgn="b"/>
+                      <a:r>
+                        <a:rPr lang="en-US" sz="1100" u="none" strike="noStrike">
+                          <a:effectLst/>
+                        </a:rPr>
+                        <a:t> </a:t>
+                      </a:r>
+                      <a:endParaRPr lang="en-US" sz="1100" b="0" i="0" u="none" strike="noStrike">
+                        <a:solidFill>
+                          <a:srgbClr val="000000"/>
+                        </a:solidFill>
+                        <a:effectLst/>
+                        <a:latin typeface="Calibri" panose="020F0502020204030204" pitchFamily="34" charset="0"/>
+                      </a:endParaRPr>
+                    </a:p>
+                  </a:txBody>
+                  <a:tcPr marL="9423" marR="9423" marT="9423" marB="0" anchor="b"/>
+                </a:tc>
+                <a:tc>
+                  <a:txBody>
+                    <a:bodyPr/>
+                    <a:lstStyle/>
+                    <a:p>
+                      <a:pPr algn="l" rtl="0" fontAlgn="b"/>
+                      <a:r>
+                        <a:rPr lang="en-US" sz="1100" u="none" strike="noStrike">
+                          <a:effectLst/>
+                        </a:rPr>
+                        <a:t>*</a:t>
+                      </a:r>
+                      <a:endParaRPr lang="en-US" sz="1100" b="0" i="0" u="none" strike="noStrike">
+                        <a:solidFill>
+                          <a:srgbClr val="000000"/>
+                        </a:solidFill>
+                        <a:effectLst/>
+                        <a:latin typeface="Calibri" panose="020F0502020204030204" pitchFamily="34" charset="0"/>
+                      </a:endParaRPr>
+                    </a:p>
+                  </a:txBody>
+                  <a:tcPr marL="9423" marR="9423" marT="9423" marB="0" anchor="b"/>
+                </a:tc>
+                <a:tc>
+                  <a:txBody>
+                    <a:bodyPr/>
+                    <a:lstStyle/>
+                    <a:p>
+                      <a:pPr algn="l" rtl="0" fontAlgn="b"/>
+                      <a:r>
+                        <a:rPr lang="en-US" sz="1100" u="none" strike="noStrike">
+                          <a:effectLst/>
+                        </a:rPr>
+                        <a:t> </a:t>
+                      </a:r>
+                      <a:endParaRPr lang="en-US" sz="1100" b="0" i="0" u="none" strike="noStrike">
+                        <a:solidFill>
+                          <a:srgbClr val="000000"/>
+                        </a:solidFill>
+                        <a:effectLst/>
+                        <a:latin typeface="Calibri" panose="020F0502020204030204" pitchFamily="34" charset="0"/>
+                      </a:endParaRPr>
+                    </a:p>
+                  </a:txBody>
+                  <a:tcPr marL="9423" marR="9423" marT="9423" marB="0" anchor="b"/>
+                </a:tc>
+                <a:tc>
+                  <a:txBody>
+                    <a:bodyPr/>
+                    <a:lstStyle/>
+                    <a:p>
+                      <a:pPr algn="l" rtl="0" fontAlgn="b"/>
+                      <a:r>
+                        <a:rPr lang="en-US" sz="1100" u="none" strike="noStrike">
+                          <a:effectLst/>
+                        </a:rPr>
+                        <a:t> </a:t>
+                      </a:r>
+                      <a:endParaRPr lang="en-US" sz="1100" b="0" i="0" u="none" strike="noStrike">
+                        <a:solidFill>
+                          <a:srgbClr val="000000"/>
+                        </a:solidFill>
+                        <a:effectLst/>
+                        <a:latin typeface="Calibri" panose="020F0502020204030204" pitchFamily="34" charset="0"/>
+                      </a:endParaRPr>
+                    </a:p>
+                  </a:txBody>
+                  <a:tcPr marL="9423" marR="9423" marT="9423" marB="0" anchor="b"/>
+                </a:tc>
+                <a:tc>
+                  <a:txBody>
+                    <a:bodyPr/>
+                    <a:lstStyle/>
+                    <a:p>
+                      <a:pPr algn="l" rtl="0" fontAlgn="b"/>
+                      <a:r>
+                        <a:rPr lang="en-US" sz="1100" u="none" strike="noStrike">
+                          <a:effectLst/>
+                        </a:rPr>
+                        <a:t> </a:t>
+                      </a:r>
+                      <a:endParaRPr lang="en-US" sz="1100" b="0" i="0" u="none" strike="noStrike">
+                        <a:solidFill>
+                          <a:srgbClr val="000000"/>
+                        </a:solidFill>
+                        <a:effectLst/>
+                        <a:latin typeface="Calibri" panose="020F0502020204030204" pitchFamily="34" charset="0"/>
+                      </a:endParaRPr>
+                    </a:p>
+                  </a:txBody>
+                  <a:tcPr marL="9423" marR="9423" marT="9423" marB="0" anchor="b"/>
+                </a:tc>
+                <a:tc>
+                  <a:txBody>
+                    <a:bodyPr/>
+                    <a:lstStyle/>
+                    <a:p>
+                      <a:pPr algn="l" rtl="0" fontAlgn="b"/>
+                      <a:r>
+                        <a:rPr lang="en-US" sz="1100" u="none" strike="noStrike">
+                          <a:effectLst/>
+                        </a:rPr>
+                        <a:t> </a:t>
+                      </a:r>
+                      <a:endParaRPr lang="en-US" sz="1100" b="0" i="0" u="none" strike="noStrike">
+                        <a:solidFill>
+                          <a:srgbClr val="000000"/>
+                        </a:solidFill>
+                        <a:effectLst/>
+                        <a:latin typeface="Calibri" panose="020F0502020204030204" pitchFamily="34" charset="0"/>
+                      </a:endParaRPr>
+                    </a:p>
+                  </a:txBody>
+                  <a:tcPr marL="9423" marR="9423" marT="9423" marB="0" anchor="b"/>
+                </a:tc>
+                <a:tc>
+                  <a:txBody>
+                    <a:bodyPr/>
+                    <a:lstStyle/>
+                    <a:p>
+                      <a:pPr algn="l" rtl="0" fontAlgn="b"/>
+                      <a:r>
+                        <a:rPr lang="en-US" sz="1100" u="none" strike="noStrike">
+                          <a:effectLst/>
+                        </a:rPr>
+                        <a:t> </a:t>
+                      </a:r>
+                      <a:endParaRPr lang="en-US" sz="1100" b="0" i="0" u="none" strike="noStrike">
+                        <a:solidFill>
+                          <a:srgbClr val="000000"/>
+                        </a:solidFill>
+                        <a:effectLst/>
+                        <a:latin typeface="Calibri" panose="020F0502020204030204" pitchFamily="34" charset="0"/>
+                      </a:endParaRPr>
+                    </a:p>
+                  </a:txBody>
+                  <a:tcPr marL="9423" marR="9423" marT="9423" marB="0" anchor="b"/>
+                </a:tc>
+                <a:tc>
+                  <a:txBody>
+                    <a:bodyPr/>
+                    <a:lstStyle/>
+                    <a:p>
+                      <a:pPr algn="l" rtl="0" fontAlgn="b"/>
+                      <a:r>
+                        <a:rPr lang="en-US" sz="1100" u="none" strike="noStrike">
+                          <a:effectLst/>
+                        </a:rPr>
+                        <a:t> </a:t>
+                      </a:r>
+                      <a:endParaRPr lang="en-US" sz="1100" b="0" i="0" u="none" strike="noStrike">
+                        <a:solidFill>
+                          <a:srgbClr val="000000"/>
+                        </a:solidFill>
+                        <a:effectLst/>
+                        <a:latin typeface="Calibri" panose="020F0502020204030204" pitchFamily="34" charset="0"/>
+                      </a:endParaRPr>
+                    </a:p>
+                  </a:txBody>
+                  <a:tcPr marL="9423" marR="9423" marT="9423" marB="0" anchor="b"/>
+                </a:tc>
+                <a:tc>
+                  <a:txBody>
+                    <a:bodyPr/>
+                    <a:lstStyle/>
+                    <a:p>
+                      <a:pPr algn="l" rtl="0" fontAlgn="b"/>
+                      <a:r>
+                        <a:rPr lang="en-US" sz="1100" u="none" strike="noStrike">
+                          <a:effectLst/>
+                        </a:rPr>
+                        <a:t> </a:t>
+                      </a:r>
+                      <a:endParaRPr lang="en-US" sz="1100" b="0" i="0" u="none" strike="noStrike">
+                        <a:solidFill>
+                          <a:srgbClr val="000000"/>
+                        </a:solidFill>
+                        <a:effectLst/>
+                        <a:latin typeface="Calibri" panose="020F0502020204030204" pitchFamily="34" charset="0"/>
+                      </a:endParaRPr>
+                    </a:p>
+                  </a:txBody>
+                  <a:tcPr marL="9423" marR="9423" marT="9423" marB="0" anchor="b"/>
+                </a:tc>
+                <a:tc>
+                  <a:txBody>
+                    <a:bodyPr/>
+                    <a:lstStyle/>
+                    <a:p>
+                      <a:pPr algn="l" rtl="0" fontAlgn="b"/>
+                      <a:r>
+                        <a:rPr lang="en-US" sz="1100" u="none" strike="noStrike">
+                          <a:effectLst/>
+                        </a:rPr>
+                        <a:t> </a:t>
+                      </a:r>
+                      <a:endParaRPr lang="en-US" sz="1100" b="0" i="0" u="none" strike="noStrike">
+                        <a:solidFill>
+                          <a:srgbClr val="000000"/>
+                        </a:solidFill>
+                        <a:effectLst/>
+                        <a:latin typeface="Calibri" panose="020F0502020204030204" pitchFamily="34" charset="0"/>
+                      </a:endParaRPr>
+                    </a:p>
+                  </a:txBody>
+                  <a:tcPr marL="9423" marR="9423" marT="9423" marB="0" anchor="b"/>
+                </a:tc>
+                <a:tc>
+                  <a:txBody>
+                    <a:bodyPr/>
+                    <a:lstStyle/>
+                    <a:p>
+                      <a:pPr algn="l" rtl="0" fontAlgn="b"/>
+                      <a:r>
+                        <a:rPr lang="en-US" sz="1100" u="none" strike="noStrike">
+                          <a:effectLst/>
+                        </a:rPr>
+                        <a:t> </a:t>
+                      </a:r>
+                      <a:endParaRPr lang="en-US" sz="1100" b="0" i="0" u="none" strike="noStrike">
+                        <a:solidFill>
+                          <a:srgbClr val="000000"/>
+                        </a:solidFill>
+                        <a:effectLst/>
+                        <a:latin typeface="Calibri" panose="020F0502020204030204" pitchFamily="34" charset="0"/>
+                      </a:endParaRPr>
+                    </a:p>
+                  </a:txBody>
+                  <a:tcPr marL="9423" marR="9423" marT="9423" marB="0" anchor="b"/>
+                </a:tc>
+                <a:tc>
+                  <a:txBody>
+                    <a:bodyPr/>
+                    <a:lstStyle/>
+                    <a:p>
+                      <a:pPr algn="l" rtl="0" fontAlgn="b"/>
+                      <a:r>
+                        <a:rPr lang="en-US" sz="1100" u="none" strike="noStrike">
+                          <a:effectLst/>
+                        </a:rPr>
+                        <a:t> </a:t>
+                      </a:r>
+                      <a:endParaRPr lang="en-US" sz="1100" b="0" i="0" u="none" strike="noStrike">
+                        <a:solidFill>
+                          <a:srgbClr val="000000"/>
+                        </a:solidFill>
+                        <a:effectLst/>
+                        <a:latin typeface="Calibri" panose="020F0502020204030204" pitchFamily="34" charset="0"/>
+                      </a:endParaRPr>
+                    </a:p>
+                  </a:txBody>
+                  <a:tcPr marL="9423" marR="9423" marT="9423" marB="0" anchor="b"/>
+                </a:tc>
+                <a:tc>
+                  <a:txBody>
+                    <a:bodyPr/>
+                    <a:lstStyle/>
+                    <a:p>
+                      <a:pPr algn="l" rtl="0" fontAlgn="b"/>
+                      <a:r>
+                        <a:rPr lang="en-US" sz="1100" u="none" strike="noStrike">
+                          <a:effectLst/>
+                        </a:rPr>
+                        <a:t> </a:t>
+                      </a:r>
+                      <a:endParaRPr lang="en-US" sz="1100" b="0" i="0" u="none" strike="noStrike">
+                        <a:solidFill>
+                          <a:srgbClr val="000000"/>
+                        </a:solidFill>
+                        <a:effectLst/>
+                        <a:latin typeface="Calibri" panose="020F0502020204030204" pitchFamily="34" charset="0"/>
+                      </a:endParaRPr>
+                    </a:p>
+                  </a:txBody>
+                  <a:tcPr marL="9423" marR="9423" marT="9423" marB="0" anchor="b"/>
+                </a:tc>
+                <a:tc>
+                  <a:txBody>
+                    <a:bodyPr/>
+                    <a:lstStyle/>
+                    <a:p>
+                      <a:pPr algn="l" rtl="0" fontAlgn="b"/>
+                      <a:r>
+                        <a:rPr lang="en-US" sz="1100" u="none" strike="noStrike">
+                          <a:effectLst/>
+                        </a:rPr>
+                        <a:t> </a:t>
+                      </a:r>
+                      <a:endParaRPr lang="en-US" sz="1100" b="0" i="0" u="none" strike="noStrike">
+                        <a:solidFill>
+                          <a:srgbClr val="000000"/>
+                        </a:solidFill>
+                        <a:effectLst/>
+                        <a:latin typeface="Calibri" panose="020F0502020204030204" pitchFamily="34" charset="0"/>
+                      </a:endParaRPr>
+                    </a:p>
+                  </a:txBody>
+                  <a:tcPr marL="9423" marR="9423" marT="9423" marB="0" anchor="b"/>
+                </a:tc>
+                <a:tc>
+                  <a:txBody>
+                    <a:bodyPr/>
+                    <a:lstStyle/>
+                    <a:p>
+                      <a:pPr algn="l" rtl="0" fontAlgn="b"/>
+                      <a:r>
+                        <a:rPr lang="en-US" sz="1100" u="none" strike="noStrike">
+                          <a:effectLst/>
+                        </a:rPr>
+                        <a:t> </a:t>
+                      </a:r>
+                      <a:endParaRPr lang="en-US" sz="1100" b="0" i="0" u="none" strike="noStrike">
+                        <a:solidFill>
+                          <a:srgbClr val="000000"/>
+                        </a:solidFill>
+                        <a:effectLst/>
+                        <a:latin typeface="Calibri" panose="020F0502020204030204" pitchFamily="34" charset="0"/>
+                      </a:endParaRPr>
+                    </a:p>
+                  </a:txBody>
+                  <a:tcPr marL="9423" marR="9423" marT="9423" marB="0" anchor="b"/>
+                </a:tc>
+                <a:tc>
+                  <a:txBody>
+                    <a:bodyPr/>
+                    <a:lstStyle/>
+                    <a:p>
+                      <a:pPr algn="l" rtl="0" fontAlgn="b"/>
+                      <a:r>
+                        <a:rPr lang="en-US" sz="1100" u="none" strike="noStrike">
+                          <a:effectLst/>
+                        </a:rPr>
+                        <a:t> </a:t>
+                      </a:r>
+                      <a:endParaRPr lang="en-US" sz="1100" b="0" i="0" u="none" strike="noStrike">
+                        <a:solidFill>
+                          <a:srgbClr val="000000"/>
+                        </a:solidFill>
+                        <a:effectLst/>
+                        <a:latin typeface="Calibri" panose="020F0502020204030204" pitchFamily="34" charset="0"/>
+                      </a:endParaRPr>
+                    </a:p>
+                  </a:txBody>
+                  <a:tcPr marL="9423" marR="9423" marT="9423" marB="0" anchor="b"/>
+                </a:tc>
+                <a:tc>
+                  <a:txBody>
+                    <a:bodyPr/>
+                    <a:lstStyle/>
+                    <a:p>
+                      <a:pPr algn="l" rtl="0" fontAlgn="b"/>
+                      <a:r>
+                        <a:rPr lang="en-US" sz="1100" u="none" strike="noStrike">
+                          <a:effectLst/>
+                        </a:rPr>
+                        <a:t> </a:t>
+                      </a:r>
+                      <a:endParaRPr lang="en-US" sz="1100" b="0" i="0" u="none" strike="noStrike">
+                        <a:solidFill>
+                          <a:srgbClr val="000000"/>
+                        </a:solidFill>
+                        <a:effectLst/>
+                        <a:latin typeface="Calibri" panose="020F0502020204030204" pitchFamily="34" charset="0"/>
+                      </a:endParaRPr>
+                    </a:p>
+                  </a:txBody>
+                  <a:tcPr marL="9423" marR="9423" marT="9423" marB="0" anchor="b"/>
+                </a:tc>
+              </a:tr>
+              <a:tr h="376903">
+                <a:tc vMerge="1">
+                  <a:txBody>
+                    <a:bodyPr/>
+                    <a:lstStyle/>
+                    <a:p>
+                      <a:endParaRPr lang="en-US"/>
+                    </a:p>
+                  </a:txBody>
+                  <a:tcPr/>
+                </a:tc>
+                <a:tc>
+                  <a:txBody>
+                    <a:bodyPr/>
+                    <a:lstStyle/>
+                    <a:p>
+                      <a:pPr algn="l" rtl="0" fontAlgn="t"/>
+                      <a:r>
+                        <a:rPr lang="es-ES" sz="1100" u="none" strike="noStrike">
+                          <a:effectLst/>
+                        </a:rPr>
+                        <a:t>Mejorar la productividad pesquera en aguas adyacentes </a:t>
+                      </a:r>
+                      <a:endParaRPr lang="es-ES" sz="1100" b="0" i="0" u="none" strike="noStrike">
+                        <a:solidFill>
+                          <a:srgbClr val="000000"/>
+                        </a:solidFill>
+                        <a:effectLst/>
+                        <a:latin typeface="Calibri" panose="020F0502020204030204" pitchFamily="34" charset="0"/>
+                      </a:endParaRPr>
+                    </a:p>
+                  </a:txBody>
+                  <a:tcPr marL="9423" marR="9423" marT="9423" marB="0"/>
+                </a:tc>
+                <a:tc>
+                  <a:txBody>
+                    <a:bodyPr/>
+                    <a:lstStyle/>
+                    <a:p>
+                      <a:pPr algn="l" rtl="0" fontAlgn="b"/>
+                      <a:r>
+                        <a:rPr lang="en-US" sz="1100" u="none" strike="noStrike">
+                          <a:effectLst/>
+                        </a:rPr>
+                        <a:t> </a:t>
+                      </a:r>
+                      <a:endParaRPr lang="en-US" sz="1100" b="0" i="0" u="none" strike="noStrike">
+                        <a:solidFill>
+                          <a:srgbClr val="000000"/>
+                        </a:solidFill>
+                        <a:effectLst/>
+                        <a:latin typeface="Calibri" panose="020F0502020204030204" pitchFamily="34" charset="0"/>
+                      </a:endParaRPr>
+                    </a:p>
+                  </a:txBody>
+                  <a:tcPr marL="9423" marR="9423" marT="9423" marB="0" anchor="b"/>
+                </a:tc>
+                <a:tc>
+                  <a:txBody>
+                    <a:bodyPr/>
+                    <a:lstStyle/>
+                    <a:p>
+                      <a:pPr algn="l" rtl="0" fontAlgn="b"/>
+                      <a:r>
+                        <a:rPr lang="en-US" sz="1100" u="none" strike="noStrike">
+                          <a:effectLst/>
+                        </a:rPr>
+                        <a:t> </a:t>
+                      </a:r>
+                      <a:endParaRPr lang="en-US" sz="1100" b="0" i="0" u="none" strike="noStrike">
+                        <a:solidFill>
+                          <a:srgbClr val="000000"/>
+                        </a:solidFill>
+                        <a:effectLst/>
+                        <a:latin typeface="Calibri" panose="020F0502020204030204" pitchFamily="34" charset="0"/>
+                      </a:endParaRPr>
+                    </a:p>
+                  </a:txBody>
+                  <a:tcPr marL="9423" marR="9423" marT="9423" marB="0" anchor="b"/>
+                </a:tc>
+                <a:tc>
+                  <a:txBody>
+                    <a:bodyPr/>
+                    <a:lstStyle/>
+                    <a:p>
+                      <a:pPr algn="l" rtl="0" fontAlgn="b"/>
+                      <a:r>
+                        <a:rPr lang="en-US" sz="1100" u="none" strike="noStrike">
+                          <a:effectLst/>
+                        </a:rPr>
+                        <a:t>*</a:t>
+                      </a:r>
+                      <a:endParaRPr lang="en-US" sz="1100" b="0" i="0" u="none" strike="noStrike">
+                        <a:solidFill>
+                          <a:srgbClr val="000000"/>
+                        </a:solidFill>
+                        <a:effectLst/>
+                        <a:latin typeface="Calibri" panose="020F0502020204030204" pitchFamily="34" charset="0"/>
+                      </a:endParaRPr>
+                    </a:p>
+                  </a:txBody>
+                  <a:tcPr marL="9423" marR="9423" marT="9423" marB="0" anchor="b"/>
+                </a:tc>
+                <a:tc>
+                  <a:txBody>
+                    <a:bodyPr/>
+                    <a:lstStyle/>
+                    <a:p>
+                      <a:pPr algn="l" rtl="0" fontAlgn="b"/>
+                      <a:r>
+                        <a:rPr lang="en-US" sz="1100" u="none" strike="noStrike">
+                          <a:effectLst/>
+                        </a:rPr>
+                        <a:t>*</a:t>
+                      </a:r>
+                      <a:endParaRPr lang="en-US" sz="1100" b="0" i="0" u="none" strike="noStrike">
+                        <a:solidFill>
+                          <a:srgbClr val="000000"/>
+                        </a:solidFill>
+                        <a:effectLst/>
+                        <a:latin typeface="Calibri" panose="020F0502020204030204" pitchFamily="34" charset="0"/>
+                      </a:endParaRPr>
+                    </a:p>
+                  </a:txBody>
+                  <a:tcPr marL="9423" marR="9423" marT="9423" marB="0" anchor="b"/>
+                </a:tc>
+                <a:tc>
+                  <a:txBody>
+                    <a:bodyPr/>
+                    <a:lstStyle/>
+                    <a:p>
+                      <a:pPr algn="l" rtl="0" fontAlgn="b"/>
+                      <a:r>
+                        <a:rPr lang="en-US" sz="1100" u="none" strike="noStrike">
+                          <a:effectLst/>
+                        </a:rPr>
+                        <a:t> </a:t>
+                      </a:r>
+                      <a:endParaRPr lang="en-US" sz="1100" b="0" i="0" u="none" strike="noStrike">
+                        <a:solidFill>
+                          <a:srgbClr val="000000"/>
+                        </a:solidFill>
+                        <a:effectLst/>
+                        <a:latin typeface="Calibri" panose="020F0502020204030204" pitchFamily="34" charset="0"/>
+                      </a:endParaRPr>
+                    </a:p>
+                  </a:txBody>
+                  <a:tcPr marL="9423" marR="9423" marT="9423" marB="0" anchor="b"/>
+                </a:tc>
+                <a:tc>
+                  <a:txBody>
+                    <a:bodyPr/>
+                    <a:lstStyle/>
+                    <a:p>
+                      <a:pPr algn="l" rtl="0" fontAlgn="b"/>
+                      <a:r>
+                        <a:rPr lang="en-US" sz="1100" u="none" strike="noStrike">
+                          <a:effectLst/>
+                        </a:rPr>
+                        <a:t>*</a:t>
+                      </a:r>
+                      <a:endParaRPr lang="en-US" sz="1100" b="0" i="0" u="none" strike="noStrike">
+                        <a:solidFill>
+                          <a:srgbClr val="000000"/>
+                        </a:solidFill>
+                        <a:effectLst/>
+                        <a:latin typeface="Calibri" panose="020F0502020204030204" pitchFamily="34" charset="0"/>
+                      </a:endParaRPr>
+                    </a:p>
+                  </a:txBody>
+                  <a:tcPr marL="9423" marR="9423" marT="9423" marB="0" anchor="b"/>
+                </a:tc>
+                <a:tc>
+                  <a:txBody>
+                    <a:bodyPr/>
+                    <a:lstStyle/>
+                    <a:p>
+                      <a:pPr algn="l" rtl="0" fontAlgn="b"/>
+                      <a:r>
+                        <a:rPr lang="en-US" sz="1100" u="none" strike="noStrike">
+                          <a:effectLst/>
+                        </a:rPr>
+                        <a:t>*</a:t>
+                      </a:r>
+                      <a:endParaRPr lang="en-US" sz="1100" b="0" i="0" u="none" strike="noStrike">
+                        <a:solidFill>
+                          <a:srgbClr val="000000"/>
+                        </a:solidFill>
+                        <a:effectLst/>
+                        <a:latin typeface="Calibri" panose="020F0502020204030204" pitchFamily="34" charset="0"/>
+                      </a:endParaRPr>
+                    </a:p>
+                  </a:txBody>
+                  <a:tcPr marL="9423" marR="9423" marT="9423" marB="0" anchor="b"/>
+                </a:tc>
+                <a:tc>
+                  <a:txBody>
+                    <a:bodyPr/>
+                    <a:lstStyle/>
+                    <a:p>
+                      <a:pPr algn="l" rtl="0" fontAlgn="b"/>
+                      <a:r>
+                        <a:rPr lang="en-US" sz="1100" u="none" strike="noStrike">
+                          <a:effectLst/>
+                        </a:rPr>
+                        <a:t>*</a:t>
+                      </a:r>
+                      <a:endParaRPr lang="en-US" sz="1100" b="0" i="0" u="none" strike="noStrike">
+                        <a:solidFill>
+                          <a:srgbClr val="000000"/>
+                        </a:solidFill>
+                        <a:effectLst/>
+                        <a:latin typeface="Calibri" panose="020F0502020204030204" pitchFamily="34" charset="0"/>
+                      </a:endParaRPr>
+                    </a:p>
+                  </a:txBody>
+                  <a:tcPr marL="9423" marR="9423" marT="9423" marB="0" anchor="b"/>
+                </a:tc>
+                <a:tc>
+                  <a:txBody>
+                    <a:bodyPr/>
+                    <a:lstStyle/>
+                    <a:p>
+                      <a:pPr algn="l" rtl="0" fontAlgn="b"/>
+                      <a:r>
+                        <a:rPr lang="en-US" sz="1100" u="none" strike="noStrike">
+                          <a:effectLst/>
+                        </a:rPr>
+                        <a:t> </a:t>
+                      </a:r>
+                      <a:endParaRPr lang="en-US" sz="1100" b="0" i="0" u="none" strike="noStrike">
+                        <a:solidFill>
+                          <a:srgbClr val="000000"/>
+                        </a:solidFill>
+                        <a:effectLst/>
+                        <a:latin typeface="Calibri" panose="020F0502020204030204" pitchFamily="34" charset="0"/>
+                      </a:endParaRPr>
+                    </a:p>
+                  </a:txBody>
+                  <a:tcPr marL="9423" marR="9423" marT="9423" marB="0" anchor="b"/>
+                </a:tc>
+                <a:tc>
+                  <a:txBody>
+                    <a:bodyPr/>
+                    <a:lstStyle/>
+                    <a:p>
+                      <a:pPr algn="l" rtl="0" fontAlgn="b"/>
+                      <a:r>
+                        <a:rPr lang="en-US" sz="1100" u="none" strike="noStrike">
+                          <a:effectLst/>
+                        </a:rPr>
+                        <a:t> </a:t>
+                      </a:r>
+                      <a:endParaRPr lang="en-US" sz="1100" b="0" i="0" u="none" strike="noStrike">
+                        <a:solidFill>
+                          <a:srgbClr val="000000"/>
+                        </a:solidFill>
+                        <a:effectLst/>
+                        <a:latin typeface="Calibri" panose="020F0502020204030204" pitchFamily="34" charset="0"/>
+                      </a:endParaRPr>
+                    </a:p>
+                  </a:txBody>
+                  <a:tcPr marL="9423" marR="9423" marT="9423" marB="0" anchor="b"/>
+                </a:tc>
+                <a:tc>
+                  <a:txBody>
+                    <a:bodyPr/>
+                    <a:lstStyle/>
+                    <a:p>
+                      <a:pPr algn="l" rtl="0" fontAlgn="b"/>
+                      <a:r>
+                        <a:rPr lang="en-US" sz="1100" u="none" strike="noStrike">
+                          <a:effectLst/>
+                        </a:rPr>
+                        <a:t> </a:t>
+                      </a:r>
+                      <a:endParaRPr lang="en-US" sz="1100" b="0" i="0" u="none" strike="noStrike">
+                        <a:solidFill>
+                          <a:srgbClr val="000000"/>
+                        </a:solidFill>
+                        <a:effectLst/>
+                        <a:latin typeface="Calibri" panose="020F0502020204030204" pitchFamily="34" charset="0"/>
+                      </a:endParaRPr>
+                    </a:p>
+                  </a:txBody>
+                  <a:tcPr marL="9423" marR="9423" marT="9423" marB="0" anchor="b"/>
+                </a:tc>
+                <a:tc>
+                  <a:txBody>
+                    <a:bodyPr/>
+                    <a:lstStyle/>
+                    <a:p>
+                      <a:pPr algn="l" rtl="0" fontAlgn="b"/>
+                      <a:r>
+                        <a:rPr lang="en-US" sz="1100" u="none" strike="noStrike">
+                          <a:effectLst/>
+                        </a:rPr>
+                        <a:t> </a:t>
+                      </a:r>
+                      <a:endParaRPr lang="en-US" sz="1100" b="0" i="0" u="none" strike="noStrike">
+                        <a:solidFill>
+                          <a:srgbClr val="000000"/>
+                        </a:solidFill>
+                        <a:effectLst/>
+                        <a:latin typeface="Calibri" panose="020F0502020204030204" pitchFamily="34" charset="0"/>
+                      </a:endParaRPr>
+                    </a:p>
+                  </a:txBody>
+                  <a:tcPr marL="9423" marR="9423" marT="9423" marB="0" anchor="b"/>
+                </a:tc>
+                <a:tc>
+                  <a:txBody>
+                    <a:bodyPr/>
+                    <a:lstStyle/>
+                    <a:p>
+                      <a:pPr algn="l" rtl="0" fontAlgn="b"/>
+                      <a:r>
+                        <a:rPr lang="en-US" sz="1100" u="none" strike="noStrike">
+                          <a:effectLst/>
+                        </a:rPr>
+                        <a:t> </a:t>
+                      </a:r>
+                      <a:endParaRPr lang="en-US" sz="1100" b="0" i="0" u="none" strike="noStrike">
+                        <a:solidFill>
+                          <a:srgbClr val="000000"/>
+                        </a:solidFill>
+                        <a:effectLst/>
+                        <a:latin typeface="Calibri" panose="020F0502020204030204" pitchFamily="34" charset="0"/>
+                      </a:endParaRPr>
+                    </a:p>
+                  </a:txBody>
+                  <a:tcPr marL="9423" marR="9423" marT="9423" marB="0" anchor="b"/>
+                </a:tc>
+                <a:tc>
+                  <a:txBody>
+                    <a:bodyPr/>
+                    <a:lstStyle/>
+                    <a:p>
+                      <a:pPr algn="l" rtl="0" fontAlgn="b"/>
+                      <a:r>
+                        <a:rPr lang="en-US" sz="1100" u="none" strike="noStrike">
+                          <a:effectLst/>
+                        </a:rPr>
+                        <a:t> </a:t>
+                      </a:r>
+                      <a:endParaRPr lang="en-US" sz="1100" b="0" i="0" u="none" strike="noStrike">
+                        <a:solidFill>
+                          <a:srgbClr val="000000"/>
+                        </a:solidFill>
+                        <a:effectLst/>
+                        <a:latin typeface="Calibri" panose="020F0502020204030204" pitchFamily="34" charset="0"/>
+                      </a:endParaRPr>
+                    </a:p>
+                  </a:txBody>
+                  <a:tcPr marL="9423" marR="9423" marT="9423" marB="0" anchor="b"/>
+                </a:tc>
+                <a:tc>
+                  <a:txBody>
+                    <a:bodyPr/>
+                    <a:lstStyle/>
+                    <a:p>
+                      <a:pPr algn="l" rtl="0" fontAlgn="b"/>
+                      <a:r>
+                        <a:rPr lang="en-US" sz="1100" u="none" strike="noStrike">
+                          <a:effectLst/>
+                        </a:rPr>
+                        <a:t> </a:t>
+                      </a:r>
+                      <a:endParaRPr lang="en-US" sz="1100" b="0" i="0" u="none" strike="noStrike">
+                        <a:solidFill>
+                          <a:srgbClr val="000000"/>
+                        </a:solidFill>
+                        <a:effectLst/>
+                        <a:latin typeface="Calibri" panose="020F0502020204030204" pitchFamily="34" charset="0"/>
+                      </a:endParaRPr>
+                    </a:p>
+                  </a:txBody>
+                  <a:tcPr marL="9423" marR="9423" marT="9423" marB="0" anchor="b"/>
+                </a:tc>
+                <a:tc>
+                  <a:txBody>
+                    <a:bodyPr/>
+                    <a:lstStyle/>
+                    <a:p>
+                      <a:pPr algn="l" rtl="0" fontAlgn="b"/>
+                      <a:r>
+                        <a:rPr lang="en-US" sz="1100" u="none" strike="noStrike">
+                          <a:effectLst/>
+                        </a:rPr>
+                        <a:t> </a:t>
+                      </a:r>
+                      <a:endParaRPr lang="en-US" sz="1100" b="0" i="0" u="none" strike="noStrike">
+                        <a:solidFill>
+                          <a:srgbClr val="000000"/>
+                        </a:solidFill>
+                        <a:effectLst/>
+                        <a:latin typeface="Calibri" panose="020F0502020204030204" pitchFamily="34" charset="0"/>
+                      </a:endParaRPr>
+                    </a:p>
+                  </a:txBody>
+                  <a:tcPr marL="9423" marR="9423" marT="9423" marB="0" anchor="b"/>
+                </a:tc>
+                <a:tc>
+                  <a:txBody>
+                    <a:bodyPr/>
+                    <a:lstStyle/>
+                    <a:p>
+                      <a:pPr algn="l" rtl="0" fontAlgn="b"/>
+                      <a:r>
+                        <a:rPr lang="en-US" sz="1100" u="none" strike="noStrike">
+                          <a:effectLst/>
+                        </a:rPr>
+                        <a:t> </a:t>
+                      </a:r>
+                      <a:endParaRPr lang="en-US" sz="1100" b="0" i="0" u="none" strike="noStrike">
+                        <a:solidFill>
+                          <a:srgbClr val="000000"/>
+                        </a:solidFill>
+                        <a:effectLst/>
+                        <a:latin typeface="Calibri" panose="020F0502020204030204" pitchFamily="34" charset="0"/>
+                      </a:endParaRPr>
+                    </a:p>
+                  </a:txBody>
+                  <a:tcPr marL="9423" marR="9423" marT="9423" marB="0" anchor="b"/>
+                </a:tc>
+                <a:tc>
+                  <a:txBody>
+                    <a:bodyPr/>
+                    <a:lstStyle/>
+                    <a:p>
+                      <a:pPr algn="l" rtl="0" fontAlgn="b"/>
+                      <a:r>
+                        <a:rPr lang="en-US" sz="1100" u="none" strike="noStrike">
+                          <a:effectLst/>
+                        </a:rPr>
+                        <a:t> </a:t>
+                      </a:r>
+                      <a:endParaRPr lang="en-US" sz="1100" b="0" i="0" u="none" strike="noStrike">
+                        <a:solidFill>
+                          <a:srgbClr val="000000"/>
+                        </a:solidFill>
+                        <a:effectLst/>
+                        <a:latin typeface="Calibri" panose="020F0502020204030204" pitchFamily="34" charset="0"/>
+                      </a:endParaRPr>
+                    </a:p>
+                  </a:txBody>
+                  <a:tcPr marL="9423" marR="9423" marT="9423" marB="0" anchor="b"/>
+                </a:tc>
+                <a:tc>
+                  <a:txBody>
+                    <a:bodyPr/>
+                    <a:lstStyle/>
+                    <a:p>
+                      <a:pPr algn="l" rtl="0" fontAlgn="b"/>
+                      <a:r>
+                        <a:rPr lang="en-US" sz="1100" u="none" strike="noStrike">
+                          <a:effectLst/>
+                        </a:rPr>
+                        <a:t> </a:t>
+                      </a:r>
+                      <a:endParaRPr lang="en-US" sz="1100" b="0" i="0" u="none" strike="noStrike">
+                        <a:solidFill>
+                          <a:srgbClr val="000000"/>
+                        </a:solidFill>
+                        <a:effectLst/>
+                        <a:latin typeface="Calibri" panose="020F0502020204030204" pitchFamily="34" charset="0"/>
+                      </a:endParaRPr>
+                    </a:p>
+                  </a:txBody>
+                  <a:tcPr marL="9423" marR="9423" marT="9423" marB="0" anchor="b"/>
+                </a:tc>
+                <a:tc>
+                  <a:txBody>
+                    <a:bodyPr/>
+                    <a:lstStyle/>
+                    <a:p>
+                      <a:pPr algn="l" rtl="0" fontAlgn="b"/>
+                      <a:r>
+                        <a:rPr lang="en-US" sz="1100" u="none" strike="noStrike">
+                          <a:effectLst/>
+                        </a:rPr>
+                        <a:t> </a:t>
+                      </a:r>
+                      <a:endParaRPr lang="en-US" sz="1100" b="0" i="0" u="none" strike="noStrike">
+                        <a:solidFill>
+                          <a:srgbClr val="000000"/>
+                        </a:solidFill>
+                        <a:effectLst/>
+                        <a:latin typeface="Calibri" panose="020F0502020204030204" pitchFamily="34" charset="0"/>
+                      </a:endParaRPr>
+                    </a:p>
+                  </a:txBody>
+                  <a:tcPr marL="9423" marR="9423" marT="9423" marB="0" anchor="b"/>
+                </a:tc>
+                <a:tc>
+                  <a:txBody>
+                    <a:bodyPr/>
+                    <a:lstStyle/>
+                    <a:p>
+                      <a:pPr algn="l" rtl="0" fontAlgn="b"/>
+                      <a:r>
+                        <a:rPr lang="en-US" sz="1100" u="none" strike="noStrike">
+                          <a:effectLst/>
+                        </a:rPr>
+                        <a:t> </a:t>
+                      </a:r>
+                      <a:endParaRPr lang="en-US" sz="1100" b="0" i="0" u="none" strike="noStrike">
+                        <a:solidFill>
+                          <a:srgbClr val="000000"/>
+                        </a:solidFill>
+                        <a:effectLst/>
+                        <a:latin typeface="Calibri" panose="020F0502020204030204" pitchFamily="34" charset="0"/>
+                      </a:endParaRPr>
+                    </a:p>
+                  </a:txBody>
+                  <a:tcPr marL="9423" marR="9423" marT="9423" marB="0" anchor="b"/>
+                </a:tc>
+              </a:tr>
+              <a:tr h="341097">
+                <a:tc vMerge="1">
+                  <a:txBody>
+                    <a:bodyPr/>
+                    <a:lstStyle/>
+                    <a:p>
+                      <a:endParaRPr lang="en-US"/>
+                    </a:p>
+                  </a:txBody>
+                  <a:tcPr/>
+                </a:tc>
+                <a:tc>
+                  <a:txBody>
+                    <a:bodyPr/>
+                    <a:lstStyle/>
+                    <a:p>
+                      <a:pPr algn="l" rtl="0" fontAlgn="t"/>
+                      <a:r>
+                        <a:rPr lang="es-ES" sz="1100" u="none" strike="noStrike">
+                          <a:effectLst/>
+                        </a:rPr>
+                        <a:t>Evitar que se llegue a la sobreexplotación </a:t>
+                      </a:r>
+                      <a:endParaRPr lang="es-ES" sz="1100" b="0" i="0" u="none" strike="noStrike">
+                        <a:solidFill>
+                          <a:srgbClr val="000000"/>
+                        </a:solidFill>
+                        <a:effectLst/>
+                        <a:latin typeface="Calibri" panose="020F0502020204030204" pitchFamily="34" charset="0"/>
+                      </a:endParaRPr>
+                    </a:p>
+                  </a:txBody>
+                  <a:tcPr marL="9423" marR="9423" marT="9423" marB="0"/>
+                </a:tc>
+                <a:tc>
+                  <a:txBody>
+                    <a:bodyPr/>
+                    <a:lstStyle/>
+                    <a:p>
+                      <a:pPr algn="l" rtl="0" fontAlgn="b"/>
+                      <a:r>
+                        <a:rPr lang="en-US" sz="1100" u="none" strike="noStrike">
+                          <a:effectLst/>
+                        </a:rPr>
+                        <a:t> </a:t>
+                      </a:r>
+                      <a:endParaRPr lang="en-US" sz="1100" b="0" i="0" u="none" strike="noStrike">
+                        <a:solidFill>
+                          <a:srgbClr val="000000"/>
+                        </a:solidFill>
+                        <a:effectLst/>
+                        <a:latin typeface="Calibri" panose="020F0502020204030204" pitchFamily="34" charset="0"/>
+                      </a:endParaRPr>
+                    </a:p>
+                  </a:txBody>
+                  <a:tcPr marL="9423" marR="9423" marT="9423" marB="0" anchor="b"/>
+                </a:tc>
+                <a:tc>
+                  <a:txBody>
+                    <a:bodyPr/>
+                    <a:lstStyle/>
+                    <a:p>
+                      <a:pPr algn="l" rtl="0" fontAlgn="b"/>
+                      <a:r>
+                        <a:rPr lang="en-US" sz="1100" u="none" strike="noStrike">
+                          <a:effectLst/>
+                        </a:rPr>
+                        <a:t>*</a:t>
+                      </a:r>
+                      <a:endParaRPr lang="en-US" sz="1100" b="0" i="0" u="none" strike="noStrike">
+                        <a:solidFill>
+                          <a:srgbClr val="000000"/>
+                        </a:solidFill>
+                        <a:effectLst/>
+                        <a:latin typeface="Calibri" panose="020F0502020204030204" pitchFamily="34" charset="0"/>
+                      </a:endParaRPr>
+                    </a:p>
+                  </a:txBody>
+                  <a:tcPr marL="9423" marR="9423" marT="9423" marB="0" anchor="b"/>
+                </a:tc>
+                <a:tc>
+                  <a:txBody>
+                    <a:bodyPr/>
+                    <a:lstStyle/>
+                    <a:p>
+                      <a:pPr algn="l" rtl="0" fontAlgn="b"/>
+                      <a:r>
+                        <a:rPr lang="en-US" sz="1100" u="none" strike="noStrike">
+                          <a:effectLst/>
+                        </a:rPr>
+                        <a:t>*</a:t>
+                      </a:r>
+                      <a:endParaRPr lang="en-US" sz="1100" b="0" i="0" u="none" strike="noStrike">
+                        <a:solidFill>
+                          <a:srgbClr val="000000"/>
+                        </a:solidFill>
+                        <a:effectLst/>
+                        <a:latin typeface="Calibri" panose="020F0502020204030204" pitchFamily="34" charset="0"/>
+                      </a:endParaRPr>
+                    </a:p>
+                  </a:txBody>
+                  <a:tcPr marL="9423" marR="9423" marT="9423" marB="0" anchor="b"/>
+                </a:tc>
+                <a:tc>
+                  <a:txBody>
+                    <a:bodyPr/>
+                    <a:lstStyle/>
+                    <a:p>
+                      <a:pPr algn="l" rtl="0" fontAlgn="b"/>
+                      <a:r>
+                        <a:rPr lang="en-US" sz="1100" u="none" strike="noStrike">
+                          <a:effectLst/>
+                        </a:rPr>
+                        <a:t>*</a:t>
+                      </a:r>
+                      <a:endParaRPr lang="en-US" sz="1100" b="0" i="0" u="none" strike="noStrike">
+                        <a:solidFill>
+                          <a:srgbClr val="000000"/>
+                        </a:solidFill>
+                        <a:effectLst/>
+                        <a:latin typeface="Calibri" panose="020F0502020204030204" pitchFamily="34" charset="0"/>
+                      </a:endParaRPr>
+                    </a:p>
+                  </a:txBody>
+                  <a:tcPr marL="9423" marR="9423" marT="9423" marB="0" anchor="b"/>
+                </a:tc>
+                <a:tc>
+                  <a:txBody>
+                    <a:bodyPr/>
+                    <a:lstStyle/>
+                    <a:p>
+                      <a:pPr algn="l" rtl="0" fontAlgn="b"/>
+                      <a:r>
+                        <a:rPr lang="en-US" sz="1100" u="none" strike="noStrike">
+                          <a:effectLst/>
+                        </a:rPr>
+                        <a:t> </a:t>
+                      </a:r>
+                      <a:endParaRPr lang="en-US" sz="1100" b="0" i="0" u="none" strike="noStrike">
+                        <a:solidFill>
+                          <a:srgbClr val="000000"/>
+                        </a:solidFill>
+                        <a:effectLst/>
+                        <a:latin typeface="Calibri" panose="020F0502020204030204" pitchFamily="34" charset="0"/>
+                      </a:endParaRPr>
+                    </a:p>
+                  </a:txBody>
+                  <a:tcPr marL="9423" marR="9423" marT="9423" marB="0" anchor="b"/>
+                </a:tc>
+                <a:tc>
+                  <a:txBody>
+                    <a:bodyPr/>
+                    <a:lstStyle/>
+                    <a:p>
+                      <a:pPr algn="l" rtl="0" fontAlgn="b"/>
+                      <a:r>
+                        <a:rPr lang="en-US" sz="1100" u="none" strike="noStrike">
+                          <a:effectLst/>
+                        </a:rPr>
+                        <a:t>*</a:t>
+                      </a:r>
+                      <a:endParaRPr lang="en-US" sz="1100" b="0" i="0" u="none" strike="noStrike">
+                        <a:solidFill>
+                          <a:srgbClr val="000000"/>
+                        </a:solidFill>
+                        <a:effectLst/>
+                        <a:latin typeface="Calibri" panose="020F0502020204030204" pitchFamily="34" charset="0"/>
+                      </a:endParaRPr>
+                    </a:p>
+                  </a:txBody>
+                  <a:tcPr marL="9423" marR="9423" marT="9423" marB="0" anchor="b"/>
+                </a:tc>
+                <a:tc>
+                  <a:txBody>
+                    <a:bodyPr/>
+                    <a:lstStyle/>
+                    <a:p>
+                      <a:pPr algn="l" rtl="0" fontAlgn="b"/>
+                      <a:r>
+                        <a:rPr lang="en-US" sz="1100" u="none" strike="noStrike">
+                          <a:effectLst/>
+                        </a:rPr>
+                        <a:t> </a:t>
+                      </a:r>
+                      <a:endParaRPr lang="en-US" sz="1100" b="0" i="0" u="none" strike="noStrike">
+                        <a:solidFill>
+                          <a:srgbClr val="000000"/>
+                        </a:solidFill>
+                        <a:effectLst/>
+                        <a:latin typeface="Calibri" panose="020F0502020204030204" pitchFamily="34" charset="0"/>
+                      </a:endParaRPr>
+                    </a:p>
+                  </a:txBody>
+                  <a:tcPr marL="9423" marR="9423" marT="9423" marB="0" anchor="b"/>
+                </a:tc>
+                <a:tc>
+                  <a:txBody>
+                    <a:bodyPr/>
+                    <a:lstStyle/>
+                    <a:p>
+                      <a:pPr algn="l" rtl="0" fontAlgn="b"/>
+                      <a:r>
+                        <a:rPr lang="en-US" sz="1100" u="none" strike="noStrike">
+                          <a:effectLst/>
+                        </a:rPr>
+                        <a:t> </a:t>
+                      </a:r>
+                      <a:endParaRPr lang="en-US" sz="1100" b="0" i="0" u="none" strike="noStrike">
+                        <a:solidFill>
+                          <a:srgbClr val="000000"/>
+                        </a:solidFill>
+                        <a:effectLst/>
+                        <a:latin typeface="Calibri" panose="020F0502020204030204" pitchFamily="34" charset="0"/>
+                      </a:endParaRPr>
+                    </a:p>
+                  </a:txBody>
+                  <a:tcPr marL="9423" marR="9423" marT="9423" marB="0" anchor="b"/>
+                </a:tc>
+                <a:tc>
+                  <a:txBody>
+                    <a:bodyPr/>
+                    <a:lstStyle/>
+                    <a:p>
+                      <a:pPr algn="l" rtl="0" fontAlgn="b"/>
+                      <a:r>
+                        <a:rPr lang="en-US" sz="1100" u="none" strike="noStrike">
+                          <a:effectLst/>
+                        </a:rPr>
+                        <a:t> </a:t>
+                      </a:r>
+                      <a:endParaRPr lang="en-US" sz="1100" b="0" i="0" u="none" strike="noStrike">
+                        <a:solidFill>
+                          <a:srgbClr val="000000"/>
+                        </a:solidFill>
+                        <a:effectLst/>
+                        <a:latin typeface="Calibri" panose="020F0502020204030204" pitchFamily="34" charset="0"/>
+                      </a:endParaRPr>
+                    </a:p>
+                  </a:txBody>
+                  <a:tcPr marL="9423" marR="9423" marT="9423" marB="0" anchor="b"/>
+                </a:tc>
+                <a:tc>
+                  <a:txBody>
+                    <a:bodyPr/>
+                    <a:lstStyle/>
+                    <a:p>
+                      <a:pPr algn="l" rtl="0" fontAlgn="b"/>
+                      <a:r>
+                        <a:rPr lang="en-US" sz="1100" u="none" strike="noStrike">
+                          <a:effectLst/>
+                        </a:rPr>
+                        <a:t> </a:t>
+                      </a:r>
+                      <a:endParaRPr lang="en-US" sz="1100" b="0" i="0" u="none" strike="noStrike">
+                        <a:solidFill>
+                          <a:srgbClr val="000000"/>
+                        </a:solidFill>
+                        <a:effectLst/>
+                        <a:latin typeface="Calibri" panose="020F0502020204030204" pitchFamily="34" charset="0"/>
+                      </a:endParaRPr>
+                    </a:p>
+                  </a:txBody>
+                  <a:tcPr marL="9423" marR="9423" marT="9423" marB="0" anchor="b"/>
+                </a:tc>
+                <a:tc>
+                  <a:txBody>
+                    <a:bodyPr/>
+                    <a:lstStyle/>
+                    <a:p>
+                      <a:pPr algn="l" rtl="0" fontAlgn="b"/>
+                      <a:r>
+                        <a:rPr lang="en-US" sz="1100" u="none" strike="noStrike">
+                          <a:effectLst/>
+                        </a:rPr>
+                        <a:t> </a:t>
+                      </a:r>
+                      <a:endParaRPr lang="en-US" sz="1100" b="0" i="0" u="none" strike="noStrike">
+                        <a:solidFill>
+                          <a:srgbClr val="000000"/>
+                        </a:solidFill>
+                        <a:effectLst/>
+                        <a:latin typeface="Calibri" panose="020F0502020204030204" pitchFamily="34" charset="0"/>
+                      </a:endParaRPr>
+                    </a:p>
+                  </a:txBody>
+                  <a:tcPr marL="9423" marR="9423" marT="9423" marB="0" anchor="b"/>
+                </a:tc>
+                <a:tc>
+                  <a:txBody>
+                    <a:bodyPr/>
+                    <a:lstStyle/>
+                    <a:p>
+                      <a:pPr algn="l" rtl="0" fontAlgn="b"/>
+                      <a:r>
+                        <a:rPr lang="en-US" sz="1100" u="none" strike="noStrike">
+                          <a:effectLst/>
+                        </a:rPr>
+                        <a:t> </a:t>
+                      </a:r>
+                      <a:endParaRPr lang="en-US" sz="1100" b="0" i="0" u="none" strike="noStrike">
+                        <a:solidFill>
+                          <a:srgbClr val="000000"/>
+                        </a:solidFill>
+                        <a:effectLst/>
+                        <a:latin typeface="Calibri" panose="020F0502020204030204" pitchFamily="34" charset="0"/>
+                      </a:endParaRPr>
+                    </a:p>
+                  </a:txBody>
+                  <a:tcPr marL="9423" marR="9423" marT="9423" marB="0" anchor="b"/>
+                </a:tc>
+                <a:tc>
+                  <a:txBody>
+                    <a:bodyPr/>
+                    <a:lstStyle/>
+                    <a:p>
+                      <a:pPr algn="l" rtl="0" fontAlgn="b"/>
+                      <a:r>
+                        <a:rPr lang="en-US" sz="1100" u="none" strike="noStrike">
+                          <a:effectLst/>
+                        </a:rPr>
+                        <a:t> </a:t>
+                      </a:r>
+                      <a:endParaRPr lang="en-US" sz="1100" b="0" i="0" u="none" strike="noStrike">
+                        <a:solidFill>
+                          <a:srgbClr val="000000"/>
+                        </a:solidFill>
+                        <a:effectLst/>
+                        <a:latin typeface="Calibri" panose="020F0502020204030204" pitchFamily="34" charset="0"/>
+                      </a:endParaRPr>
+                    </a:p>
+                  </a:txBody>
+                  <a:tcPr marL="9423" marR="9423" marT="9423" marB="0" anchor="b"/>
+                </a:tc>
+                <a:tc>
+                  <a:txBody>
+                    <a:bodyPr/>
+                    <a:lstStyle/>
+                    <a:p>
+                      <a:pPr algn="l" rtl="0" fontAlgn="b"/>
+                      <a:r>
+                        <a:rPr lang="en-US" sz="1100" u="none" strike="noStrike">
+                          <a:effectLst/>
+                        </a:rPr>
+                        <a:t> </a:t>
+                      </a:r>
+                      <a:endParaRPr lang="en-US" sz="1100" b="0" i="0" u="none" strike="noStrike">
+                        <a:solidFill>
+                          <a:srgbClr val="000000"/>
+                        </a:solidFill>
+                        <a:effectLst/>
+                        <a:latin typeface="Calibri" panose="020F0502020204030204" pitchFamily="34" charset="0"/>
+                      </a:endParaRPr>
+                    </a:p>
+                  </a:txBody>
+                  <a:tcPr marL="9423" marR="9423" marT="9423" marB="0" anchor="b"/>
+                </a:tc>
+                <a:tc>
+                  <a:txBody>
+                    <a:bodyPr/>
+                    <a:lstStyle/>
+                    <a:p>
+                      <a:pPr algn="l" rtl="0" fontAlgn="b"/>
+                      <a:r>
+                        <a:rPr lang="en-US" sz="1100" u="none" strike="noStrike">
+                          <a:effectLst/>
+                        </a:rPr>
+                        <a:t> </a:t>
+                      </a:r>
+                      <a:endParaRPr lang="en-US" sz="1100" b="0" i="0" u="none" strike="noStrike">
+                        <a:solidFill>
+                          <a:srgbClr val="000000"/>
+                        </a:solidFill>
+                        <a:effectLst/>
+                        <a:latin typeface="Calibri" panose="020F0502020204030204" pitchFamily="34" charset="0"/>
+                      </a:endParaRPr>
+                    </a:p>
+                  </a:txBody>
+                  <a:tcPr marL="9423" marR="9423" marT="9423" marB="0" anchor="b"/>
+                </a:tc>
+                <a:tc>
+                  <a:txBody>
+                    <a:bodyPr/>
+                    <a:lstStyle/>
+                    <a:p>
+                      <a:pPr algn="l" rtl="0" fontAlgn="b"/>
+                      <a:r>
+                        <a:rPr lang="en-US" sz="1100" u="none" strike="noStrike">
+                          <a:effectLst/>
+                        </a:rPr>
+                        <a:t> </a:t>
+                      </a:r>
+                      <a:endParaRPr lang="en-US" sz="1100" b="0" i="0" u="none" strike="noStrike">
+                        <a:solidFill>
+                          <a:srgbClr val="000000"/>
+                        </a:solidFill>
+                        <a:effectLst/>
+                        <a:latin typeface="Calibri" panose="020F0502020204030204" pitchFamily="34" charset="0"/>
+                      </a:endParaRPr>
+                    </a:p>
+                  </a:txBody>
+                  <a:tcPr marL="9423" marR="9423" marT="9423" marB="0" anchor="b"/>
+                </a:tc>
+                <a:tc>
+                  <a:txBody>
+                    <a:bodyPr/>
+                    <a:lstStyle/>
+                    <a:p>
+                      <a:pPr algn="l" rtl="0" fontAlgn="b"/>
+                      <a:r>
+                        <a:rPr lang="en-US" sz="1100" u="none" strike="noStrike">
+                          <a:effectLst/>
+                        </a:rPr>
+                        <a:t> </a:t>
+                      </a:r>
+                      <a:endParaRPr lang="en-US" sz="1100" b="0" i="0" u="none" strike="noStrike">
+                        <a:solidFill>
+                          <a:srgbClr val="000000"/>
+                        </a:solidFill>
+                        <a:effectLst/>
+                        <a:latin typeface="Calibri" panose="020F0502020204030204" pitchFamily="34" charset="0"/>
+                      </a:endParaRPr>
+                    </a:p>
+                  </a:txBody>
+                  <a:tcPr marL="9423" marR="9423" marT="9423" marB="0" anchor="b"/>
+                </a:tc>
+                <a:tc>
+                  <a:txBody>
+                    <a:bodyPr/>
+                    <a:lstStyle/>
+                    <a:p>
+                      <a:pPr algn="l" rtl="0" fontAlgn="b"/>
+                      <a:r>
+                        <a:rPr lang="en-US" sz="1100" u="none" strike="noStrike">
+                          <a:effectLst/>
+                        </a:rPr>
+                        <a:t> </a:t>
+                      </a:r>
+                      <a:endParaRPr lang="en-US" sz="1100" b="0" i="0" u="none" strike="noStrike">
+                        <a:solidFill>
+                          <a:srgbClr val="000000"/>
+                        </a:solidFill>
+                        <a:effectLst/>
+                        <a:latin typeface="Calibri" panose="020F0502020204030204" pitchFamily="34" charset="0"/>
+                      </a:endParaRPr>
+                    </a:p>
+                  </a:txBody>
+                  <a:tcPr marL="9423" marR="9423" marT="9423" marB="0" anchor="b"/>
+                </a:tc>
+                <a:tc>
+                  <a:txBody>
+                    <a:bodyPr/>
+                    <a:lstStyle/>
+                    <a:p>
+                      <a:pPr algn="l" rtl="0" fontAlgn="b"/>
+                      <a:r>
+                        <a:rPr lang="en-US" sz="1100" u="none" strike="noStrike">
+                          <a:effectLst/>
+                        </a:rPr>
+                        <a:t> </a:t>
+                      </a:r>
+                      <a:endParaRPr lang="en-US" sz="1100" b="0" i="0" u="none" strike="noStrike">
+                        <a:solidFill>
+                          <a:srgbClr val="000000"/>
+                        </a:solidFill>
+                        <a:effectLst/>
+                        <a:latin typeface="Calibri" panose="020F0502020204030204" pitchFamily="34" charset="0"/>
+                      </a:endParaRPr>
+                    </a:p>
+                  </a:txBody>
+                  <a:tcPr marL="9423" marR="9423" marT="9423" marB="0" anchor="b"/>
+                </a:tc>
+                <a:tc>
+                  <a:txBody>
+                    <a:bodyPr/>
+                    <a:lstStyle/>
+                    <a:p>
+                      <a:pPr algn="l" rtl="0" fontAlgn="b"/>
+                      <a:r>
+                        <a:rPr lang="en-US" sz="1100" u="none" strike="noStrike">
+                          <a:effectLst/>
+                        </a:rPr>
+                        <a:t> </a:t>
+                      </a:r>
+                      <a:endParaRPr lang="en-US" sz="1100" b="0" i="0" u="none" strike="noStrike">
+                        <a:solidFill>
+                          <a:srgbClr val="000000"/>
+                        </a:solidFill>
+                        <a:effectLst/>
+                        <a:latin typeface="Calibri" panose="020F0502020204030204" pitchFamily="34" charset="0"/>
+                      </a:endParaRPr>
+                    </a:p>
+                  </a:txBody>
+                  <a:tcPr marL="9423" marR="9423" marT="9423" marB="0" anchor="b"/>
+                </a:tc>
+                <a:tc>
+                  <a:txBody>
+                    <a:bodyPr/>
+                    <a:lstStyle/>
+                    <a:p>
+                      <a:pPr algn="l" rtl="0" fontAlgn="b"/>
+                      <a:r>
+                        <a:rPr lang="en-US" sz="1100" u="none" strike="noStrike">
+                          <a:effectLst/>
+                        </a:rPr>
+                        <a:t> </a:t>
+                      </a:r>
+                      <a:endParaRPr lang="en-US" sz="1100" b="0" i="0" u="none" strike="noStrike">
+                        <a:solidFill>
+                          <a:srgbClr val="000000"/>
+                        </a:solidFill>
+                        <a:effectLst/>
+                        <a:latin typeface="Calibri" panose="020F0502020204030204" pitchFamily="34" charset="0"/>
+                      </a:endParaRPr>
+                    </a:p>
+                  </a:txBody>
+                  <a:tcPr marL="9423" marR="9423" marT="9423" marB="0" anchor="b"/>
+                </a:tc>
+              </a:tr>
+              <a:tr h="341097">
+                <a:tc vMerge="1">
+                  <a:txBody>
+                    <a:bodyPr/>
+                    <a:lstStyle/>
+                    <a:p>
+                      <a:endParaRPr lang="en-US"/>
+                    </a:p>
+                  </a:txBody>
+                  <a:tcPr/>
+                </a:tc>
+                <a:tc>
+                  <a:txBody>
+                    <a:bodyPr/>
+                    <a:lstStyle/>
+                    <a:p>
+                      <a:pPr algn="l" rtl="0" fontAlgn="t"/>
+                      <a:r>
+                        <a:rPr lang="en-US" sz="1100" u="none" strike="noStrike" dirty="0" err="1">
+                          <a:effectLst/>
+                        </a:rPr>
+                        <a:t>Recuperar</a:t>
+                      </a:r>
+                      <a:r>
+                        <a:rPr lang="en-US" sz="1100" u="none" strike="noStrike" dirty="0">
+                          <a:effectLst/>
+                        </a:rPr>
+                        <a:t> </a:t>
+                      </a:r>
+                      <a:r>
+                        <a:rPr lang="en-US" sz="1100" u="none" strike="noStrike" dirty="0" err="1">
+                          <a:effectLst/>
+                        </a:rPr>
+                        <a:t>especies</a:t>
+                      </a:r>
+                      <a:r>
+                        <a:rPr lang="en-US" sz="1100" u="none" strike="noStrike" dirty="0">
+                          <a:effectLst/>
+                        </a:rPr>
+                        <a:t> </a:t>
+                      </a:r>
+                      <a:r>
+                        <a:rPr lang="en-US" sz="1100" u="none" strike="noStrike" dirty="0" err="1">
+                          <a:effectLst/>
+                        </a:rPr>
+                        <a:t>sobreexplotadas</a:t>
+                      </a:r>
+                      <a:r>
+                        <a:rPr lang="en-US" sz="1100" u="none" strike="noStrike" dirty="0">
+                          <a:effectLst/>
+                        </a:rPr>
+                        <a:t> </a:t>
+                      </a:r>
+                      <a:endParaRPr lang="en-US" sz="1100" b="0" i="0" u="none" strike="noStrike" dirty="0">
+                        <a:solidFill>
+                          <a:srgbClr val="000000"/>
+                        </a:solidFill>
+                        <a:effectLst/>
+                        <a:latin typeface="Calibri" panose="020F0502020204030204" pitchFamily="34" charset="0"/>
+                      </a:endParaRPr>
+                    </a:p>
+                  </a:txBody>
+                  <a:tcPr marL="9423" marR="9423" marT="9423" marB="0"/>
+                </a:tc>
+                <a:tc>
+                  <a:txBody>
+                    <a:bodyPr/>
+                    <a:lstStyle/>
+                    <a:p>
+                      <a:pPr algn="l" rtl="0" fontAlgn="b"/>
+                      <a:r>
+                        <a:rPr lang="en-US" sz="1100" u="none" strike="noStrike">
+                          <a:effectLst/>
+                        </a:rPr>
+                        <a:t> </a:t>
+                      </a:r>
+                      <a:endParaRPr lang="en-US" sz="1100" b="0" i="0" u="none" strike="noStrike">
+                        <a:solidFill>
+                          <a:srgbClr val="000000"/>
+                        </a:solidFill>
+                        <a:effectLst/>
+                        <a:latin typeface="Calibri" panose="020F0502020204030204" pitchFamily="34" charset="0"/>
+                      </a:endParaRPr>
+                    </a:p>
+                  </a:txBody>
+                  <a:tcPr marL="9423" marR="9423" marT="9423" marB="0" anchor="b"/>
+                </a:tc>
+                <a:tc>
+                  <a:txBody>
+                    <a:bodyPr/>
+                    <a:lstStyle/>
+                    <a:p>
+                      <a:pPr algn="l" rtl="0" fontAlgn="b"/>
+                      <a:r>
+                        <a:rPr lang="en-US" sz="1100" u="none" strike="noStrike">
+                          <a:effectLst/>
+                        </a:rPr>
+                        <a:t>*</a:t>
+                      </a:r>
+                      <a:endParaRPr lang="en-US" sz="1100" b="0" i="0" u="none" strike="noStrike">
+                        <a:solidFill>
+                          <a:srgbClr val="000000"/>
+                        </a:solidFill>
+                        <a:effectLst/>
+                        <a:latin typeface="Calibri" panose="020F0502020204030204" pitchFamily="34" charset="0"/>
+                      </a:endParaRPr>
+                    </a:p>
+                  </a:txBody>
+                  <a:tcPr marL="9423" marR="9423" marT="9423" marB="0" anchor="b"/>
+                </a:tc>
+                <a:tc>
+                  <a:txBody>
+                    <a:bodyPr/>
+                    <a:lstStyle/>
+                    <a:p>
+                      <a:pPr algn="l" rtl="0" fontAlgn="b"/>
+                      <a:r>
+                        <a:rPr lang="en-US" sz="1100" u="none" strike="noStrike">
+                          <a:effectLst/>
+                        </a:rPr>
+                        <a:t>*</a:t>
+                      </a:r>
+                      <a:endParaRPr lang="en-US" sz="1100" b="0" i="0" u="none" strike="noStrike">
+                        <a:solidFill>
+                          <a:srgbClr val="000000"/>
+                        </a:solidFill>
+                        <a:effectLst/>
+                        <a:latin typeface="Calibri" panose="020F0502020204030204" pitchFamily="34" charset="0"/>
+                      </a:endParaRPr>
+                    </a:p>
+                  </a:txBody>
+                  <a:tcPr marL="9423" marR="9423" marT="9423" marB="0" anchor="b"/>
+                </a:tc>
+                <a:tc>
+                  <a:txBody>
+                    <a:bodyPr/>
+                    <a:lstStyle/>
+                    <a:p>
+                      <a:pPr algn="l" rtl="0" fontAlgn="b"/>
+                      <a:r>
+                        <a:rPr lang="en-US" sz="1100" u="none" strike="noStrike">
+                          <a:effectLst/>
+                        </a:rPr>
+                        <a:t>*</a:t>
+                      </a:r>
+                      <a:endParaRPr lang="en-US" sz="1100" b="0" i="0" u="none" strike="noStrike">
+                        <a:solidFill>
+                          <a:srgbClr val="000000"/>
+                        </a:solidFill>
+                        <a:effectLst/>
+                        <a:latin typeface="Calibri" panose="020F0502020204030204" pitchFamily="34" charset="0"/>
+                      </a:endParaRPr>
+                    </a:p>
+                  </a:txBody>
+                  <a:tcPr marL="9423" marR="9423" marT="9423" marB="0" anchor="b"/>
+                </a:tc>
+                <a:tc>
+                  <a:txBody>
+                    <a:bodyPr/>
+                    <a:lstStyle/>
+                    <a:p>
+                      <a:pPr algn="l" rtl="0" fontAlgn="b"/>
+                      <a:r>
+                        <a:rPr lang="en-US" sz="1100" u="none" strike="noStrike">
+                          <a:effectLst/>
+                        </a:rPr>
+                        <a:t> </a:t>
+                      </a:r>
+                      <a:endParaRPr lang="en-US" sz="1100" b="0" i="0" u="none" strike="noStrike">
+                        <a:solidFill>
+                          <a:srgbClr val="000000"/>
+                        </a:solidFill>
+                        <a:effectLst/>
+                        <a:latin typeface="Calibri" panose="020F0502020204030204" pitchFamily="34" charset="0"/>
+                      </a:endParaRPr>
+                    </a:p>
+                  </a:txBody>
+                  <a:tcPr marL="9423" marR="9423" marT="9423" marB="0" anchor="b"/>
+                </a:tc>
+                <a:tc>
+                  <a:txBody>
+                    <a:bodyPr/>
+                    <a:lstStyle/>
+                    <a:p>
+                      <a:pPr algn="l" rtl="0" fontAlgn="b"/>
+                      <a:r>
+                        <a:rPr lang="en-US" sz="1100" u="none" strike="noStrike">
+                          <a:effectLst/>
+                        </a:rPr>
+                        <a:t>*</a:t>
+                      </a:r>
+                      <a:endParaRPr lang="en-US" sz="1100" b="0" i="0" u="none" strike="noStrike">
+                        <a:solidFill>
+                          <a:srgbClr val="000000"/>
+                        </a:solidFill>
+                        <a:effectLst/>
+                        <a:latin typeface="Calibri" panose="020F0502020204030204" pitchFamily="34" charset="0"/>
+                      </a:endParaRPr>
+                    </a:p>
+                  </a:txBody>
+                  <a:tcPr marL="9423" marR="9423" marT="9423" marB="0" anchor="b"/>
+                </a:tc>
+                <a:tc>
+                  <a:txBody>
+                    <a:bodyPr/>
+                    <a:lstStyle/>
+                    <a:p>
+                      <a:pPr algn="l" rtl="0" fontAlgn="b"/>
+                      <a:r>
+                        <a:rPr lang="en-US" sz="1100" u="none" strike="noStrike">
+                          <a:effectLst/>
+                        </a:rPr>
+                        <a:t> </a:t>
+                      </a:r>
+                      <a:endParaRPr lang="en-US" sz="1100" b="0" i="0" u="none" strike="noStrike">
+                        <a:solidFill>
+                          <a:srgbClr val="000000"/>
+                        </a:solidFill>
+                        <a:effectLst/>
+                        <a:latin typeface="Calibri" panose="020F0502020204030204" pitchFamily="34" charset="0"/>
+                      </a:endParaRPr>
+                    </a:p>
+                  </a:txBody>
+                  <a:tcPr marL="9423" marR="9423" marT="9423" marB="0" anchor="b"/>
+                </a:tc>
+                <a:tc>
+                  <a:txBody>
+                    <a:bodyPr/>
+                    <a:lstStyle/>
+                    <a:p>
+                      <a:pPr algn="l" rtl="0" fontAlgn="b"/>
+                      <a:r>
+                        <a:rPr lang="en-US" sz="1100" u="none" strike="noStrike">
+                          <a:effectLst/>
+                        </a:rPr>
+                        <a:t> </a:t>
+                      </a:r>
+                      <a:endParaRPr lang="en-US" sz="1100" b="0" i="0" u="none" strike="noStrike">
+                        <a:solidFill>
+                          <a:srgbClr val="000000"/>
+                        </a:solidFill>
+                        <a:effectLst/>
+                        <a:latin typeface="Calibri" panose="020F0502020204030204" pitchFamily="34" charset="0"/>
+                      </a:endParaRPr>
+                    </a:p>
+                  </a:txBody>
+                  <a:tcPr marL="9423" marR="9423" marT="9423" marB="0" anchor="b"/>
+                </a:tc>
+                <a:tc>
+                  <a:txBody>
+                    <a:bodyPr/>
+                    <a:lstStyle/>
+                    <a:p>
+                      <a:pPr algn="l" rtl="0" fontAlgn="b"/>
+                      <a:r>
+                        <a:rPr lang="en-US" sz="1100" u="none" strike="noStrike">
+                          <a:effectLst/>
+                        </a:rPr>
+                        <a:t> </a:t>
+                      </a:r>
+                      <a:endParaRPr lang="en-US" sz="1100" b="0" i="0" u="none" strike="noStrike">
+                        <a:solidFill>
+                          <a:srgbClr val="000000"/>
+                        </a:solidFill>
+                        <a:effectLst/>
+                        <a:latin typeface="Calibri" panose="020F0502020204030204" pitchFamily="34" charset="0"/>
+                      </a:endParaRPr>
+                    </a:p>
+                  </a:txBody>
+                  <a:tcPr marL="9423" marR="9423" marT="9423" marB="0" anchor="b"/>
+                </a:tc>
+                <a:tc>
+                  <a:txBody>
+                    <a:bodyPr/>
+                    <a:lstStyle/>
+                    <a:p>
+                      <a:pPr algn="l" rtl="0" fontAlgn="b"/>
+                      <a:r>
+                        <a:rPr lang="en-US" sz="1100" u="none" strike="noStrike">
+                          <a:effectLst/>
+                        </a:rPr>
+                        <a:t> </a:t>
+                      </a:r>
+                      <a:endParaRPr lang="en-US" sz="1100" b="0" i="0" u="none" strike="noStrike">
+                        <a:solidFill>
+                          <a:srgbClr val="000000"/>
+                        </a:solidFill>
+                        <a:effectLst/>
+                        <a:latin typeface="Calibri" panose="020F0502020204030204" pitchFamily="34" charset="0"/>
+                      </a:endParaRPr>
+                    </a:p>
+                  </a:txBody>
+                  <a:tcPr marL="9423" marR="9423" marT="9423" marB="0" anchor="b"/>
+                </a:tc>
+                <a:tc>
+                  <a:txBody>
+                    <a:bodyPr/>
+                    <a:lstStyle/>
+                    <a:p>
+                      <a:pPr algn="l" rtl="0" fontAlgn="b"/>
+                      <a:r>
+                        <a:rPr lang="en-US" sz="1100" u="none" strike="noStrike">
+                          <a:effectLst/>
+                        </a:rPr>
+                        <a:t> </a:t>
+                      </a:r>
+                      <a:endParaRPr lang="en-US" sz="1100" b="0" i="0" u="none" strike="noStrike">
+                        <a:solidFill>
+                          <a:srgbClr val="000000"/>
+                        </a:solidFill>
+                        <a:effectLst/>
+                        <a:latin typeface="Calibri" panose="020F0502020204030204" pitchFamily="34" charset="0"/>
+                      </a:endParaRPr>
+                    </a:p>
+                  </a:txBody>
+                  <a:tcPr marL="9423" marR="9423" marT="9423" marB="0" anchor="b"/>
+                </a:tc>
+                <a:tc>
+                  <a:txBody>
+                    <a:bodyPr/>
+                    <a:lstStyle/>
+                    <a:p>
+                      <a:pPr algn="l" rtl="0" fontAlgn="b"/>
+                      <a:r>
+                        <a:rPr lang="en-US" sz="1100" u="none" strike="noStrike">
+                          <a:effectLst/>
+                        </a:rPr>
+                        <a:t> </a:t>
+                      </a:r>
+                      <a:endParaRPr lang="en-US" sz="1100" b="0" i="0" u="none" strike="noStrike">
+                        <a:solidFill>
+                          <a:srgbClr val="000000"/>
+                        </a:solidFill>
+                        <a:effectLst/>
+                        <a:latin typeface="Calibri" panose="020F0502020204030204" pitchFamily="34" charset="0"/>
+                      </a:endParaRPr>
+                    </a:p>
+                  </a:txBody>
+                  <a:tcPr marL="9423" marR="9423" marT="9423" marB="0" anchor="b"/>
+                </a:tc>
+                <a:tc>
+                  <a:txBody>
+                    <a:bodyPr/>
+                    <a:lstStyle/>
+                    <a:p>
+                      <a:pPr algn="l" rtl="0" fontAlgn="b"/>
+                      <a:r>
+                        <a:rPr lang="en-US" sz="1100" u="none" strike="noStrike">
+                          <a:effectLst/>
+                        </a:rPr>
+                        <a:t> </a:t>
+                      </a:r>
+                      <a:endParaRPr lang="en-US" sz="1100" b="0" i="0" u="none" strike="noStrike">
+                        <a:solidFill>
+                          <a:srgbClr val="000000"/>
+                        </a:solidFill>
+                        <a:effectLst/>
+                        <a:latin typeface="Calibri" panose="020F0502020204030204" pitchFamily="34" charset="0"/>
+                      </a:endParaRPr>
+                    </a:p>
+                  </a:txBody>
+                  <a:tcPr marL="9423" marR="9423" marT="9423" marB="0" anchor="b"/>
+                </a:tc>
+                <a:tc>
+                  <a:txBody>
+                    <a:bodyPr/>
+                    <a:lstStyle/>
+                    <a:p>
+                      <a:pPr algn="l" rtl="0" fontAlgn="b"/>
+                      <a:r>
+                        <a:rPr lang="en-US" sz="1100" u="none" strike="noStrike">
+                          <a:effectLst/>
+                        </a:rPr>
+                        <a:t> </a:t>
+                      </a:r>
+                      <a:endParaRPr lang="en-US" sz="1100" b="0" i="0" u="none" strike="noStrike">
+                        <a:solidFill>
+                          <a:srgbClr val="000000"/>
+                        </a:solidFill>
+                        <a:effectLst/>
+                        <a:latin typeface="Calibri" panose="020F0502020204030204" pitchFamily="34" charset="0"/>
+                      </a:endParaRPr>
+                    </a:p>
+                  </a:txBody>
+                  <a:tcPr marL="9423" marR="9423" marT="9423" marB="0" anchor="b"/>
+                </a:tc>
+                <a:tc>
+                  <a:txBody>
+                    <a:bodyPr/>
+                    <a:lstStyle/>
+                    <a:p>
+                      <a:pPr algn="l" rtl="0" fontAlgn="b"/>
+                      <a:r>
+                        <a:rPr lang="en-US" sz="1100" u="none" strike="noStrike">
+                          <a:effectLst/>
+                        </a:rPr>
+                        <a:t> </a:t>
+                      </a:r>
+                      <a:endParaRPr lang="en-US" sz="1100" b="0" i="0" u="none" strike="noStrike">
+                        <a:solidFill>
+                          <a:srgbClr val="000000"/>
+                        </a:solidFill>
+                        <a:effectLst/>
+                        <a:latin typeface="Calibri" panose="020F0502020204030204" pitchFamily="34" charset="0"/>
+                      </a:endParaRPr>
+                    </a:p>
+                  </a:txBody>
+                  <a:tcPr marL="9423" marR="9423" marT="9423" marB="0" anchor="b"/>
+                </a:tc>
+                <a:tc>
+                  <a:txBody>
+                    <a:bodyPr/>
+                    <a:lstStyle/>
+                    <a:p>
+                      <a:pPr algn="l" rtl="0" fontAlgn="b"/>
+                      <a:r>
+                        <a:rPr lang="en-US" sz="1100" u="none" strike="noStrike">
+                          <a:effectLst/>
+                        </a:rPr>
+                        <a:t> </a:t>
+                      </a:r>
+                      <a:endParaRPr lang="en-US" sz="1100" b="0" i="0" u="none" strike="noStrike">
+                        <a:solidFill>
+                          <a:srgbClr val="000000"/>
+                        </a:solidFill>
+                        <a:effectLst/>
+                        <a:latin typeface="Calibri" panose="020F0502020204030204" pitchFamily="34" charset="0"/>
+                      </a:endParaRPr>
+                    </a:p>
+                  </a:txBody>
+                  <a:tcPr marL="9423" marR="9423" marT="9423" marB="0" anchor="b"/>
+                </a:tc>
+                <a:tc>
+                  <a:txBody>
+                    <a:bodyPr/>
+                    <a:lstStyle/>
+                    <a:p>
+                      <a:pPr algn="l" rtl="0" fontAlgn="b"/>
+                      <a:r>
+                        <a:rPr lang="en-US" sz="1100" u="none" strike="noStrike">
+                          <a:effectLst/>
+                        </a:rPr>
+                        <a:t> </a:t>
+                      </a:r>
+                      <a:endParaRPr lang="en-US" sz="1100" b="0" i="0" u="none" strike="noStrike">
+                        <a:solidFill>
+                          <a:srgbClr val="000000"/>
+                        </a:solidFill>
+                        <a:effectLst/>
+                        <a:latin typeface="Calibri" panose="020F0502020204030204" pitchFamily="34" charset="0"/>
+                      </a:endParaRPr>
+                    </a:p>
+                  </a:txBody>
+                  <a:tcPr marL="9423" marR="9423" marT="9423" marB="0" anchor="b"/>
+                </a:tc>
+                <a:tc>
+                  <a:txBody>
+                    <a:bodyPr/>
+                    <a:lstStyle/>
+                    <a:p>
+                      <a:pPr algn="l" rtl="0" fontAlgn="b"/>
+                      <a:r>
+                        <a:rPr lang="en-US" sz="1100" u="none" strike="noStrike">
+                          <a:effectLst/>
+                        </a:rPr>
+                        <a:t> </a:t>
+                      </a:r>
+                      <a:endParaRPr lang="en-US" sz="1100" b="0" i="0" u="none" strike="noStrike">
+                        <a:solidFill>
+                          <a:srgbClr val="000000"/>
+                        </a:solidFill>
+                        <a:effectLst/>
+                        <a:latin typeface="Calibri" panose="020F0502020204030204" pitchFamily="34" charset="0"/>
+                      </a:endParaRPr>
+                    </a:p>
+                  </a:txBody>
+                  <a:tcPr marL="9423" marR="9423" marT="9423" marB="0" anchor="b"/>
+                </a:tc>
+                <a:tc>
+                  <a:txBody>
+                    <a:bodyPr/>
+                    <a:lstStyle/>
+                    <a:p>
+                      <a:pPr algn="l" rtl="0" fontAlgn="b"/>
+                      <a:r>
+                        <a:rPr lang="en-US" sz="1100" u="none" strike="noStrike">
+                          <a:effectLst/>
+                        </a:rPr>
+                        <a:t> </a:t>
+                      </a:r>
+                      <a:endParaRPr lang="en-US" sz="1100" b="0" i="0" u="none" strike="noStrike">
+                        <a:solidFill>
+                          <a:srgbClr val="000000"/>
+                        </a:solidFill>
+                        <a:effectLst/>
+                        <a:latin typeface="Calibri" panose="020F0502020204030204" pitchFamily="34" charset="0"/>
+                      </a:endParaRPr>
+                    </a:p>
+                  </a:txBody>
+                  <a:tcPr marL="9423" marR="9423" marT="9423" marB="0" anchor="b"/>
+                </a:tc>
+                <a:tc>
+                  <a:txBody>
+                    <a:bodyPr/>
+                    <a:lstStyle/>
+                    <a:p>
+                      <a:pPr algn="l" rtl="0" fontAlgn="b"/>
+                      <a:r>
+                        <a:rPr lang="en-US" sz="1100" u="none" strike="noStrike">
+                          <a:effectLst/>
+                        </a:rPr>
+                        <a:t> </a:t>
+                      </a:r>
+                      <a:endParaRPr lang="en-US" sz="1100" b="0" i="0" u="none" strike="noStrike">
+                        <a:solidFill>
+                          <a:srgbClr val="000000"/>
+                        </a:solidFill>
+                        <a:effectLst/>
+                        <a:latin typeface="Calibri" panose="020F0502020204030204" pitchFamily="34" charset="0"/>
+                      </a:endParaRPr>
+                    </a:p>
+                  </a:txBody>
+                  <a:tcPr marL="9423" marR="9423" marT="9423" marB="0" anchor="b"/>
+                </a:tc>
+                <a:tc>
+                  <a:txBody>
+                    <a:bodyPr/>
+                    <a:lstStyle/>
+                    <a:p>
+                      <a:pPr algn="l" rtl="0" fontAlgn="b"/>
+                      <a:r>
+                        <a:rPr lang="en-US" sz="1100" u="none" strike="noStrike">
+                          <a:effectLst/>
+                        </a:rPr>
+                        <a:t> </a:t>
+                      </a:r>
+                      <a:endParaRPr lang="en-US" sz="1100" b="0" i="0" u="none" strike="noStrike">
+                        <a:solidFill>
+                          <a:srgbClr val="000000"/>
+                        </a:solidFill>
+                        <a:effectLst/>
+                        <a:latin typeface="Calibri" panose="020F0502020204030204" pitchFamily="34" charset="0"/>
+                      </a:endParaRPr>
+                    </a:p>
+                  </a:txBody>
+                  <a:tcPr marL="9423" marR="9423" marT="9423" marB="0" anchor="b"/>
+                </a:tc>
+              </a:tr>
+              <a:tr h="672772">
+                <a:tc vMerge="1">
+                  <a:txBody>
+                    <a:bodyPr/>
+                    <a:lstStyle/>
+                    <a:p>
+                      <a:endParaRPr lang="en-US"/>
+                    </a:p>
+                  </a:txBody>
+                  <a:tcPr/>
+                </a:tc>
+                <a:tc>
+                  <a:txBody>
+                    <a:bodyPr/>
+                    <a:lstStyle/>
+                    <a:p>
+                      <a:pPr algn="l" rtl="0" fontAlgn="t"/>
+                      <a:r>
+                        <a:rPr lang="es-ES" sz="1100" u="none" strike="noStrike">
+                          <a:effectLst/>
+                        </a:rPr>
+                        <a:t>Contribuir al mantenimiento de los procesos biológicos (crianza, reclutamiento, crecimiento, reproducción, alimentación) </a:t>
+                      </a:r>
+                      <a:endParaRPr lang="es-ES" sz="1100" b="0" i="0" u="none" strike="noStrike">
+                        <a:solidFill>
+                          <a:srgbClr val="000000"/>
+                        </a:solidFill>
+                        <a:effectLst/>
+                        <a:latin typeface="Calibri" panose="020F0502020204030204" pitchFamily="34" charset="0"/>
+                      </a:endParaRPr>
+                    </a:p>
+                  </a:txBody>
+                  <a:tcPr marL="9423" marR="9423" marT="9423" marB="0"/>
+                </a:tc>
+                <a:tc>
+                  <a:txBody>
+                    <a:bodyPr/>
+                    <a:lstStyle/>
+                    <a:p>
+                      <a:pPr algn="l" rtl="0" fontAlgn="b"/>
+                      <a:r>
+                        <a:rPr lang="en-US" sz="1100" u="none" strike="noStrike">
+                          <a:effectLst/>
+                        </a:rPr>
+                        <a:t>*</a:t>
+                      </a:r>
+                      <a:endParaRPr lang="en-US" sz="1100" b="0" i="0" u="none" strike="noStrike">
+                        <a:solidFill>
+                          <a:srgbClr val="000000"/>
+                        </a:solidFill>
+                        <a:effectLst/>
+                        <a:latin typeface="Calibri" panose="020F0502020204030204" pitchFamily="34" charset="0"/>
+                      </a:endParaRPr>
+                    </a:p>
+                  </a:txBody>
+                  <a:tcPr marL="9423" marR="9423" marT="9423" marB="0" anchor="b"/>
+                </a:tc>
+                <a:tc>
+                  <a:txBody>
+                    <a:bodyPr/>
+                    <a:lstStyle/>
+                    <a:p>
+                      <a:pPr algn="l" rtl="0" fontAlgn="b"/>
+                      <a:r>
+                        <a:rPr lang="en-US" sz="1100" u="none" strike="noStrike">
+                          <a:effectLst/>
+                        </a:rPr>
+                        <a:t>*</a:t>
+                      </a:r>
+                      <a:endParaRPr lang="en-US" sz="1100" b="0" i="0" u="none" strike="noStrike">
+                        <a:solidFill>
+                          <a:srgbClr val="000000"/>
+                        </a:solidFill>
+                        <a:effectLst/>
+                        <a:latin typeface="Calibri" panose="020F0502020204030204" pitchFamily="34" charset="0"/>
+                      </a:endParaRPr>
+                    </a:p>
+                  </a:txBody>
+                  <a:tcPr marL="9423" marR="9423" marT="9423" marB="0" anchor="b"/>
+                </a:tc>
+                <a:tc>
+                  <a:txBody>
+                    <a:bodyPr/>
+                    <a:lstStyle/>
+                    <a:p>
+                      <a:pPr algn="l" rtl="0" fontAlgn="b"/>
+                      <a:r>
+                        <a:rPr lang="en-US" sz="1100" u="none" strike="noStrike">
+                          <a:effectLst/>
+                        </a:rPr>
+                        <a:t>*</a:t>
+                      </a:r>
+                      <a:endParaRPr lang="en-US" sz="1100" b="0" i="0" u="none" strike="noStrike">
+                        <a:solidFill>
+                          <a:srgbClr val="000000"/>
+                        </a:solidFill>
+                        <a:effectLst/>
+                        <a:latin typeface="Calibri" panose="020F0502020204030204" pitchFamily="34" charset="0"/>
+                      </a:endParaRPr>
+                    </a:p>
+                  </a:txBody>
+                  <a:tcPr marL="9423" marR="9423" marT="9423" marB="0" anchor="b"/>
+                </a:tc>
+                <a:tc>
+                  <a:txBody>
+                    <a:bodyPr/>
+                    <a:lstStyle/>
+                    <a:p>
+                      <a:pPr algn="l" rtl="0" fontAlgn="b"/>
+                      <a:r>
+                        <a:rPr lang="en-US" sz="1100" u="none" strike="noStrike">
+                          <a:effectLst/>
+                        </a:rPr>
+                        <a:t>*</a:t>
+                      </a:r>
+                      <a:endParaRPr lang="en-US" sz="1100" b="0" i="0" u="none" strike="noStrike">
+                        <a:solidFill>
+                          <a:srgbClr val="000000"/>
+                        </a:solidFill>
+                        <a:effectLst/>
+                        <a:latin typeface="Calibri" panose="020F0502020204030204" pitchFamily="34" charset="0"/>
+                      </a:endParaRPr>
+                    </a:p>
+                  </a:txBody>
+                  <a:tcPr marL="9423" marR="9423" marT="9423" marB="0" anchor="b"/>
+                </a:tc>
+                <a:tc>
+                  <a:txBody>
+                    <a:bodyPr/>
+                    <a:lstStyle/>
+                    <a:p>
+                      <a:pPr algn="l" rtl="0" fontAlgn="b"/>
+                      <a:r>
+                        <a:rPr lang="en-US" sz="1100" u="none" strike="noStrike">
+                          <a:effectLst/>
+                        </a:rPr>
+                        <a:t>*</a:t>
+                      </a:r>
+                      <a:endParaRPr lang="en-US" sz="1100" b="0" i="0" u="none" strike="noStrike">
+                        <a:solidFill>
+                          <a:srgbClr val="000000"/>
+                        </a:solidFill>
+                        <a:effectLst/>
+                        <a:latin typeface="Calibri" panose="020F0502020204030204" pitchFamily="34" charset="0"/>
+                      </a:endParaRPr>
+                    </a:p>
+                  </a:txBody>
+                  <a:tcPr marL="9423" marR="9423" marT="9423" marB="0" anchor="b"/>
+                </a:tc>
+                <a:tc>
+                  <a:txBody>
+                    <a:bodyPr/>
+                    <a:lstStyle/>
+                    <a:p>
+                      <a:pPr algn="l" rtl="0" fontAlgn="b"/>
+                      <a:r>
+                        <a:rPr lang="en-US" sz="1100" u="none" strike="noStrike">
+                          <a:effectLst/>
+                        </a:rPr>
+                        <a:t>*</a:t>
+                      </a:r>
+                      <a:endParaRPr lang="en-US" sz="1100" b="0" i="0" u="none" strike="noStrike">
+                        <a:solidFill>
+                          <a:srgbClr val="000000"/>
+                        </a:solidFill>
+                        <a:effectLst/>
+                        <a:latin typeface="Calibri" panose="020F0502020204030204" pitchFamily="34" charset="0"/>
+                      </a:endParaRPr>
+                    </a:p>
+                  </a:txBody>
+                  <a:tcPr marL="9423" marR="9423" marT="9423" marB="0" anchor="b"/>
+                </a:tc>
+                <a:tc>
+                  <a:txBody>
+                    <a:bodyPr/>
+                    <a:lstStyle/>
+                    <a:p>
+                      <a:pPr algn="l" rtl="0" fontAlgn="b"/>
+                      <a:r>
+                        <a:rPr lang="en-US" sz="1100" u="none" strike="noStrike">
+                          <a:effectLst/>
+                        </a:rPr>
+                        <a:t> </a:t>
+                      </a:r>
+                      <a:endParaRPr lang="en-US" sz="1100" b="0" i="0" u="none" strike="noStrike">
+                        <a:solidFill>
+                          <a:srgbClr val="000000"/>
+                        </a:solidFill>
+                        <a:effectLst/>
+                        <a:latin typeface="Calibri" panose="020F0502020204030204" pitchFamily="34" charset="0"/>
+                      </a:endParaRPr>
+                    </a:p>
+                  </a:txBody>
+                  <a:tcPr marL="9423" marR="9423" marT="9423" marB="0" anchor="b"/>
+                </a:tc>
+                <a:tc>
+                  <a:txBody>
+                    <a:bodyPr/>
+                    <a:lstStyle/>
+                    <a:p>
+                      <a:pPr algn="l" rtl="0" fontAlgn="b"/>
+                      <a:r>
+                        <a:rPr lang="en-US" sz="1100" u="none" strike="noStrike">
+                          <a:effectLst/>
+                        </a:rPr>
+                        <a:t> </a:t>
+                      </a:r>
+                      <a:endParaRPr lang="en-US" sz="1100" b="0" i="0" u="none" strike="noStrike">
+                        <a:solidFill>
+                          <a:srgbClr val="000000"/>
+                        </a:solidFill>
+                        <a:effectLst/>
+                        <a:latin typeface="Calibri" panose="020F0502020204030204" pitchFamily="34" charset="0"/>
+                      </a:endParaRPr>
+                    </a:p>
+                  </a:txBody>
+                  <a:tcPr marL="9423" marR="9423" marT="9423" marB="0" anchor="b"/>
+                </a:tc>
+                <a:tc>
+                  <a:txBody>
+                    <a:bodyPr/>
+                    <a:lstStyle/>
+                    <a:p>
+                      <a:pPr algn="l" rtl="0" fontAlgn="b"/>
+                      <a:r>
+                        <a:rPr lang="en-US" sz="1100" u="none" strike="noStrike">
+                          <a:effectLst/>
+                        </a:rPr>
+                        <a:t> </a:t>
+                      </a:r>
+                      <a:endParaRPr lang="en-US" sz="1100" b="0" i="0" u="none" strike="noStrike">
+                        <a:solidFill>
+                          <a:srgbClr val="000000"/>
+                        </a:solidFill>
+                        <a:effectLst/>
+                        <a:latin typeface="Calibri" panose="020F0502020204030204" pitchFamily="34" charset="0"/>
+                      </a:endParaRPr>
+                    </a:p>
+                  </a:txBody>
+                  <a:tcPr marL="9423" marR="9423" marT="9423" marB="0" anchor="b"/>
+                </a:tc>
+                <a:tc>
+                  <a:txBody>
+                    <a:bodyPr/>
+                    <a:lstStyle/>
+                    <a:p>
+                      <a:pPr algn="l" rtl="0" fontAlgn="b"/>
+                      <a:r>
+                        <a:rPr lang="en-US" sz="1100" u="none" strike="noStrike">
+                          <a:effectLst/>
+                        </a:rPr>
+                        <a:t> </a:t>
+                      </a:r>
+                      <a:endParaRPr lang="en-US" sz="1100" b="0" i="0" u="none" strike="noStrike">
+                        <a:solidFill>
+                          <a:srgbClr val="000000"/>
+                        </a:solidFill>
+                        <a:effectLst/>
+                        <a:latin typeface="Calibri" panose="020F0502020204030204" pitchFamily="34" charset="0"/>
+                      </a:endParaRPr>
+                    </a:p>
+                  </a:txBody>
+                  <a:tcPr marL="9423" marR="9423" marT="9423" marB="0" anchor="b"/>
+                </a:tc>
+                <a:tc>
+                  <a:txBody>
+                    <a:bodyPr/>
+                    <a:lstStyle/>
+                    <a:p>
+                      <a:pPr algn="l" rtl="0" fontAlgn="b"/>
+                      <a:r>
+                        <a:rPr lang="en-US" sz="1100" u="none" strike="noStrike">
+                          <a:effectLst/>
+                        </a:rPr>
+                        <a:t> </a:t>
+                      </a:r>
+                      <a:endParaRPr lang="en-US" sz="1100" b="0" i="0" u="none" strike="noStrike">
+                        <a:solidFill>
+                          <a:srgbClr val="000000"/>
+                        </a:solidFill>
+                        <a:effectLst/>
+                        <a:latin typeface="Calibri" panose="020F0502020204030204" pitchFamily="34" charset="0"/>
+                      </a:endParaRPr>
+                    </a:p>
+                  </a:txBody>
+                  <a:tcPr marL="9423" marR="9423" marT="9423" marB="0" anchor="b"/>
+                </a:tc>
+                <a:tc>
+                  <a:txBody>
+                    <a:bodyPr/>
+                    <a:lstStyle/>
+                    <a:p>
+                      <a:pPr algn="l" rtl="0" fontAlgn="b"/>
+                      <a:r>
+                        <a:rPr lang="en-US" sz="1100" u="none" strike="noStrike">
+                          <a:effectLst/>
+                        </a:rPr>
+                        <a:t> </a:t>
+                      </a:r>
+                      <a:endParaRPr lang="en-US" sz="1100" b="0" i="0" u="none" strike="noStrike">
+                        <a:solidFill>
+                          <a:srgbClr val="000000"/>
+                        </a:solidFill>
+                        <a:effectLst/>
+                        <a:latin typeface="Calibri" panose="020F0502020204030204" pitchFamily="34" charset="0"/>
+                      </a:endParaRPr>
+                    </a:p>
+                  </a:txBody>
+                  <a:tcPr marL="9423" marR="9423" marT="9423" marB="0" anchor="b"/>
+                </a:tc>
+                <a:tc>
+                  <a:txBody>
+                    <a:bodyPr/>
+                    <a:lstStyle/>
+                    <a:p>
+                      <a:pPr algn="l" rtl="0" fontAlgn="b"/>
+                      <a:r>
+                        <a:rPr lang="en-US" sz="1100" u="none" strike="noStrike">
+                          <a:effectLst/>
+                        </a:rPr>
+                        <a:t> </a:t>
+                      </a:r>
+                      <a:endParaRPr lang="en-US" sz="1100" b="0" i="0" u="none" strike="noStrike">
+                        <a:solidFill>
+                          <a:srgbClr val="000000"/>
+                        </a:solidFill>
+                        <a:effectLst/>
+                        <a:latin typeface="Calibri" panose="020F0502020204030204" pitchFamily="34" charset="0"/>
+                      </a:endParaRPr>
+                    </a:p>
+                  </a:txBody>
+                  <a:tcPr marL="9423" marR="9423" marT="9423" marB="0" anchor="b"/>
+                </a:tc>
+                <a:tc>
+                  <a:txBody>
+                    <a:bodyPr/>
+                    <a:lstStyle/>
+                    <a:p>
+                      <a:pPr algn="l" rtl="0" fontAlgn="b"/>
+                      <a:r>
+                        <a:rPr lang="en-US" sz="1100" u="none" strike="noStrike">
+                          <a:effectLst/>
+                        </a:rPr>
+                        <a:t> </a:t>
+                      </a:r>
+                      <a:endParaRPr lang="en-US" sz="1100" b="0" i="0" u="none" strike="noStrike">
+                        <a:solidFill>
+                          <a:srgbClr val="000000"/>
+                        </a:solidFill>
+                        <a:effectLst/>
+                        <a:latin typeface="Calibri" panose="020F0502020204030204" pitchFamily="34" charset="0"/>
+                      </a:endParaRPr>
+                    </a:p>
+                  </a:txBody>
+                  <a:tcPr marL="9423" marR="9423" marT="9423" marB="0" anchor="b"/>
+                </a:tc>
+                <a:tc>
+                  <a:txBody>
+                    <a:bodyPr/>
+                    <a:lstStyle/>
+                    <a:p>
+                      <a:pPr algn="l" rtl="0" fontAlgn="b"/>
+                      <a:r>
+                        <a:rPr lang="en-US" sz="1100" u="none" strike="noStrike">
+                          <a:effectLst/>
+                        </a:rPr>
+                        <a:t> </a:t>
+                      </a:r>
+                      <a:endParaRPr lang="en-US" sz="1100" b="0" i="0" u="none" strike="noStrike">
+                        <a:solidFill>
+                          <a:srgbClr val="000000"/>
+                        </a:solidFill>
+                        <a:effectLst/>
+                        <a:latin typeface="Calibri" panose="020F0502020204030204" pitchFamily="34" charset="0"/>
+                      </a:endParaRPr>
+                    </a:p>
+                  </a:txBody>
+                  <a:tcPr marL="9423" marR="9423" marT="9423" marB="0" anchor="b"/>
+                </a:tc>
+                <a:tc>
+                  <a:txBody>
+                    <a:bodyPr/>
+                    <a:lstStyle/>
+                    <a:p>
+                      <a:pPr algn="l" rtl="0" fontAlgn="b"/>
+                      <a:r>
+                        <a:rPr lang="en-US" sz="1100" u="none" strike="noStrike">
+                          <a:effectLst/>
+                        </a:rPr>
+                        <a:t> </a:t>
+                      </a:r>
+                      <a:endParaRPr lang="en-US" sz="1100" b="0" i="0" u="none" strike="noStrike">
+                        <a:solidFill>
+                          <a:srgbClr val="000000"/>
+                        </a:solidFill>
+                        <a:effectLst/>
+                        <a:latin typeface="Calibri" panose="020F0502020204030204" pitchFamily="34" charset="0"/>
+                      </a:endParaRPr>
+                    </a:p>
+                  </a:txBody>
+                  <a:tcPr marL="9423" marR="9423" marT="9423" marB="0" anchor="b"/>
+                </a:tc>
+                <a:tc>
+                  <a:txBody>
+                    <a:bodyPr/>
+                    <a:lstStyle/>
+                    <a:p>
+                      <a:pPr algn="l" rtl="0" fontAlgn="b"/>
+                      <a:r>
+                        <a:rPr lang="en-US" sz="1100" u="none" strike="noStrike">
+                          <a:effectLst/>
+                        </a:rPr>
+                        <a:t> </a:t>
+                      </a:r>
+                      <a:endParaRPr lang="en-US" sz="1100" b="0" i="0" u="none" strike="noStrike">
+                        <a:solidFill>
+                          <a:srgbClr val="000000"/>
+                        </a:solidFill>
+                        <a:effectLst/>
+                        <a:latin typeface="Calibri" panose="020F0502020204030204" pitchFamily="34" charset="0"/>
+                      </a:endParaRPr>
+                    </a:p>
+                  </a:txBody>
+                  <a:tcPr marL="9423" marR="9423" marT="9423" marB="0" anchor="b"/>
+                </a:tc>
+                <a:tc>
+                  <a:txBody>
+                    <a:bodyPr/>
+                    <a:lstStyle/>
+                    <a:p>
+                      <a:pPr algn="l" rtl="0" fontAlgn="b"/>
+                      <a:r>
+                        <a:rPr lang="en-US" sz="1100" u="none" strike="noStrike">
+                          <a:effectLst/>
+                        </a:rPr>
+                        <a:t> </a:t>
+                      </a:r>
+                      <a:endParaRPr lang="en-US" sz="1100" b="0" i="0" u="none" strike="noStrike">
+                        <a:solidFill>
+                          <a:srgbClr val="000000"/>
+                        </a:solidFill>
+                        <a:effectLst/>
+                        <a:latin typeface="Calibri" panose="020F0502020204030204" pitchFamily="34" charset="0"/>
+                      </a:endParaRPr>
+                    </a:p>
+                  </a:txBody>
+                  <a:tcPr marL="9423" marR="9423" marT="9423" marB="0" anchor="b"/>
+                </a:tc>
+                <a:tc>
+                  <a:txBody>
+                    <a:bodyPr/>
+                    <a:lstStyle/>
+                    <a:p>
+                      <a:pPr algn="l" rtl="0" fontAlgn="b"/>
+                      <a:r>
+                        <a:rPr lang="en-US" sz="1100" u="none" strike="noStrike">
+                          <a:effectLst/>
+                        </a:rPr>
+                        <a:t> </a:t>
+                      </a:r>
+                      <a:endParaRPr lang="en-US" sz="1100" b="0" i="0" u="none" strike="noStrike">
+                        <a:solidFill>
+                          <a:srgbClr val="000000"/>
+                        </a:solidFill>
+                        <a:effectLst/>
+                        <a:latin typeface="Calibri" panose="020F0502020204030204" pitchFamily="34" charset="0"/>
+                      </a:endParaRPr>
+                    </a:p>
+                  </a:txBody>
+                  <a:tcPr marL="9423" marR="9423" marT="9423" marB="0" anchor="b"/>
+                </a:tc>
+                <a:tc>
+                  <a:txBody>
+                    <a:bodyPr/>
+                    <a:lstStyle/>
+                    <a:p>
+                      <a:pPr algn="l" rtl="0" fontAlgn="b"/>
+                      <a:r>
+                        <a:rPr lang="en-US" sz="1100" u="none" strike="noStrike">
+                          <a:effectLst/>
+                        </a:rPr>
+                        <a:t> </a:t>
+                      </a:r>
+                      <a:endParaRPr lang="en-US" sz="1100" b="0" i="0" u="none" strike="noStrike">
+                        <a:solidFill>
+                          <a:srgbClr val="000000"/>
+                        </a:solidFill>
+                        <a:effectLst/>
+                        <a:latin typeface="Calibri" panose="020F0502020204030204" pitchFamily="34" charset="0"/>
+                      </a:endParaRPr>
+                    </a:p>
+                  </a:txBody>
+                  <a:tcPr marL="9423" marR="9423" marT="9423" marB="0" anchor="b"/>
+                </a:tc>
+                <a:tc>
+                  <a:txBody>
+                    <a:bodyPr/>
+                    <a:lstStyle/>
+                    <a:p>
+                      <a:pPr algn="l" rtl="0" fontAlgn="b"/>
+                      <a:r>
+                        <a:rPr lang="en-US" sz="1100" u="none" strike="noStrike">
+                          <a:effectLst/>
+                        </a:rPr>
+                        <a:t> </a:t>
+                      </a:r>
+                      <a:endParaRPr lang="en-US" sz="1100" b="0" i="0" u="none" strike="noStrike">
+                        <a:solidFill>
+                          <a:srgbClr val="000000"/>
+                        </a:solidFill>
+                        <a:effectLst/>
+                        <a:latin typeface="Calibri" panose="020F0502020204030204" pitchFamily="34" charset="0"/>
+                      </a:endParaRPr>
+                    </a:p>
+                  </a:txBody>
+                  <a:tcPr marL="9423" marR="9423" marT="9423" marB="0" anchor="b"/>
+                </a:tc>
+              </a:tr>
+              <a:tr h="386326">
+                <a:tc vMerge="1">
+                  <a:txBody>
+                    <a:bodyPr/>
+                    <a:lstStyle/>
+                    <a:p>
+                      <a:endParaRPr lang="en-US"/>
+                    </a:p>
+                  </a:txBody>
+                  <a:tcPr/>
+                </a:tc>
+                <a:tc>
+                  <a:txBody>
+                    <a:bodyPr/>
+                    <a:lstStyle/>
+                    <a:p>
+                      <a:pPr algn="l" rtl="0" fontAlgn="t"/>
+                      <a:r>
+                        <a:rPr lang="es-ES" sz="1100" u="none" strike="noStrike">
+                          <a:effectLst/>
+                        </a:rPr>
+                        <a:t>Preservar el hábitat de las especies pesqueras </a:t>
+                      </a:r>
+                      <a:endParaRPr lang="es-ES" sz="1100" b="0" i="0" u="none" strike="noStrike">
+                        <a:solidFill>
+                          <a:srgbClr val="000000"/>
+                        </a:solidFill>
+                        <a:effectLst/>
+                        <a:latin typeface="Calibri" panose="020F0502020204030204" pitchFamily="34" charset="0"/>
+                      </a:endParaRPr>
+                    </a:p>
+                  </a:txBody>
+                  <a:tcPr marL="9423" marR="9423" marT="9423" marB="0"/>
+                </a:tc>
+                <a:tc>
+                  <a:txBody>
+                    <a:bodyPr/>
+                    <a:lstStyle/>
+                    <a:p>
+                      <a:pPr algn="l" rtl="0" fontAlgn="b"/>
+                      <a:r>
+                        <a:rPr lang="en-US" sz="1100" u="none" strike="noStrike">
+                          <a:effectLst/>
+                        </a:rPr>
+                        <a:t> </a:t>
+                      </a:r>
+                      <a:endParaRPr lang="en-US" sz="1100" b="0" i="0" u="none" strike="noStrike">
+                        <a:solidFill>
+                          <a:srgbClr val="000000"/>
+                        </a:solidFill>
+                        <a:effectLst/>
+                        <a:latin typeface="Calibri" panose="020F0502020204030204" pitchFamily="34" charset="0"/>
+                      </a:endParaRPr>
+                    </a:p>
+                  </a:txBody>
+                  <a:tcPr marL="9423" marR="9423" marT="9423" marB="0" anchor="b"/>
+                </a:tc>
+                <a:tc>
+                  <a:txBody>
+                    <a:bodyPr/>
+                    <a:lstStyle/>
+                    <a:p>
+                      <a:pPr algn="l" rtl="0" fontAlgn="b"/>
+                      <a:r>
+                        <a:rPr lang="en-US" sz="1100" u="none" strike="noStrike">
+                          <a:effectLst/>
+                        </a:rPr>
+                        <a:t> </a:t>
+                      </a:r>
+                      <a:endParaRPr lang="en-US" sz="1100" b="0" i="0" u="none" strike="noStrike">
+                        <a:solidFill>
+                          <a:srgbClr val="000000"/>
+                        </a:solidFill>
+                        <a:effectLst/>
+                        <a:latin typeface="Calibri" panose="020F0502020204030204" pitchFamily="34" charset="0"/>
+                      </a:endParaRPr>
+                    </a:p>
+                  </a:txBody>
+                  <a:tcPr marL="9423" marR="9423" marT="9423" marB="0" anchor="b"/>
+                </a:tc>
+                <a:tc>
+                  <a:txBody>
+                    <a:bodyPr/>
+                    <a:lstStyle/>
+                    <a:p>
+                      <a:pPr algn="l" rtl="0" fontAlgn="b"/>
+                      <a:r>
+                        <a:rPr lang="en-US" sz="1100" u="none" strike="noStrike">
+                          <a:effectLst/>
+                        </a:rPr>
+                        <a:t> </a:t>
+                      </a:r>
+                      <a:endParaRPr lang="en-US" sz="1100" b="0" i="0" u="none" strike="noStrike">
+                        <a:solidFill>
+                          <a:srgbClr val="000000"/>
+                        </a:solidFill>
+                        <a:effectLst/>
+                        <a:latin typeface="Calibri" panose="020F0502020204030204" pitchFamily="34" charset="0"/>
+                      </a:endParaRPr>
+                    </a:p>
+                  </a:txBody>
+                  <a:tcPr marL="9423" marR="9423" marT="9423" marB="0" anchor="b"/>
+                </a:tc>
+                <a:tc>
+                  <a:txBody>
+                    <a:bodyPr/>
+                    <a:lstStyle/>
+                    <a:p>
+                      <a:pPr algn="l" rtl="0" fontAlgn="b"/>
+                      <a:r>
+                        <a:rPr lang="en-US" sz="1100" u="none" strike="noStrike">
+                          <a:effectLst/>
+                        </a:rPr>
+                        <a:t> </a:t>
+                      </a:r>
+                      <a:endParaRPr lang="en-US" sz="1100" b="0" i="0" u="none" strike="noStrike">
+                        <a:solidFill>
+                          <a:srgbClr val="000000"/>
+                        </a:solidFill>
+                        <a:effectLst/>
+                        <a:latin typeface="Calibri" panose="020F0502020204030204" pitchFamily="34" charset="0"/>
+                      </a:endParaRPr>
+                    </a:p>
+                  </a:txBody>
+                  <a:tcPr marL="9423" marR="9423" marT="9423" marB="0" anchor="b"/>
+                </a:tc>
+                <a:tc>
+                  <a:txBody>
+                    <a:bodyPr/>
+                    <a:lstStyle/>
+                    <a:p>
+                      <a:pPr algn="l" rtl="0" fontAlgn="b"/>
+                      <a:r>
+                        <a:rPr lang="en-US" sz="1100" u="none" strike="noStrike">
+                          <a:effectLst/>
+                        </a:rPr>
+                        <a:t> </a:t>
+                      </a:r>
+                      <a:endParaRPr lang="en-US" sz="1100" b="0" i="0" u="none" strike="noStrike">
+                        <a:solidFill>
+                          <a:srgbClr val="000000"/>
+                        </a:solidFill>
+                        <a:effectLst/>
+                        <a:latin typeface="Calibri" panose="020F0502020204030204" pitchFamily="34" charset="0"/>
+                      </a:endParaRPr>
+                    </a:p>
+                  </a:txBody>
+                  <a:tcPr marL="9423" marR="9423" marT="9423" marB="0" anchor="b"/>
+                </a:tc>
+                <a:tc>
+                  <a:txBody>
+                    <a:bodyPr/>
+                    <a:lstStyle/>
+                    <a:p>
+                      <a:pPr algn="l" rtl="0" fontAlgn="b"/>
+                      <a:r>
+                        <a:rPr lang="en-US" sz="1100" u="none" strike="noStrike">
+                          <a:effectLst/>
+                        </a:rPr>
+                        <a:t> </a:t>
+                      </a:r>
+                      <a:endParaRPr lang="en-US" sz="1100" b="0" i="0" u="none" strike="noStrike">
+                        <a:solidFill>
+                          <a:srgbClr val="000000"/>
+                        </a:solidFill>
+                        <a:effectLst/>
+                        <a:latin typeface="Calibri" panose="020F0502020204030204" pitchFamily="34" charset="0"/>
+                      </a:endParaRPr>
+                    </a:p>
+                  </a:txBody>
+                  <a:tcPr marL="9423" marR="9423" marT="9423" marB="0" anchor="b"/>
+                </a:tc>
+                <a:tc>
+                  <a:txBody>
+                    <a:bodyPr/>
+                    <a:lstStyle/>
+                    <a:p>
+                      <a:pPr algn="l" rtl="0" fontAlgn="b"/>
+                      <a:r>
+                        <a:rPr lang="en-US" sz="1100" u="none" strike="noStrike">
+                          <a:effectLst/>
+                        </a:rPr>
+                        <a:t> </a:t>
+                      </a:r>
+                      <a:endParaRPr lang="en-US" sz="1100" b="0" i="0" u="none" strike="noStrike">
+                        <a:solidFill>
+                          <a:srgbClr val="000000"/>
+                        </a:solidFill>
+                        <a:effectLst/>
+                        <a:latin typeface="Calibri" panose="020F0502020204030204" pitchFamily="34" charset="0"/>
+                      </a:endParaRPr>
+                    </a:p>
+                  </a:txBody>
+                  <a:tcPr marL="9423" marR="9423" marT="9423" marB="0" anchor="b"/>
+                </a:tc>
+                <a:tc>
+                  <a:txBody>
+                    <a:bodyPr/>
+                    <a:lstStyle/>
+                    <a:p>
+                      <a:pPr algn="l" rtl="0" fontAlgn="b"/>
+                      <a:r>
+                        <a:rPr lang="en-US" sz="1100" u="none" strike="noStrike">
+                          <a:effectLst/>
+                        </a:rPr>
+                        <a:t> </a:t>
+                      </a:r>
+                      <a:endParaRPr lang="en-US" sz="1100" b="0" i="0" u="none" strike="noStrike">
+                        <a:solidFill>
+                          <a:srgbClr val="000000"/>
+                        </a:solidFill>
+                        <a:effectLst/>
+                        <a:latin typeface="Calibri" panose="020F0502020204030204" pitchFamily="34" charset="0"/>
+                      </a:endParaRPr>
+                    </a:p>
+                  </a:txBody>
+                  <a:tcPr marL="9423" marR="9423" marT="9423" marB="0" anchor="b"/>
+                </a:tc>
+                <a:tc>
+                  <a:txBody>
+                    <a:bodyPr/>
+                    <a:lstStyle/>
+                    <a:p>
+                      <a:pPr algn="l" rtl="0" fontAlgn="b"/>
+                      <a:r>
+                        <a:rPr lang="en-US" sz="1100" u="none" strike="noStrike">
+                          <a:effectLst/>
+                        </a:rPr>
+                        <a:t> </a:t>
+                      </a:r>
+                      <a:endParaRPr lang="en-US" sz="1100" b="0" i="0" u="none" strike="noStrike">
+                        <a:solidFill>
+                          <a:srgbClr val="000000"/>
+                        </a:solidFill>
+                        <a:effectLst/>
+                        <a:latin typeface="Calibri" panose="020F0502020204030204" pitchFamily="34" charset="0"/>
+                      </a:endParaRPr>
+                    </a:p>
+                  </a:txBody>
+                  <a:tcPr marL="9423" marR="9423" marT="9423" marB="0" anchor="b"/>
+                </a:tc>
+                <a:tc>
+                  <a:txBody>
+                    <a:bodyPr/>
+                    <a:lstStyle/>
+                    <a:p>
+                      <a:pPr algn="l" rtl="0" fontAlgn="b"/>
+                      <a:r>
+                        <a:rPr lang="en-US" sz="1100" u="none" strike="noStrike">
+                          <a:effectLst/>
+                        </a:rPr>
+                        <a:t> </a:t>
+                      </a:r>
+                      <a:endParaRPr lang="en-US" sz="1100" b="0" i="0" u="none" strike="noStrike">
+                        <a:solidFill>
+                          <a:srgbClr val="000000"/>
+                        </a:solidFill>
+                        <a:effectLst/>
+                        <a:latin typeface="Calibri" panose="020F0502020204030204" pitchFamily="34" charset="0"/>
+                      </a:endParaRPr>
+                    </a:p>
+                  </a:txBody>
+                  <a:tcPr marL="9423" marR="9423" marT="9423" marB="0" anchor="b"/>
+                </a:tc>
+                <a:tc>
+                  <a:txBody>
+                    <a:bodyPr/>
+                    <a:lstStyle/>
+                    <a:p>
+                      <a:pPr algn="l" rtl="0" fontAlgn="b"/>
+                      <a:r>
+                        <a:rPr lang="en-US" sz="1100" u="none" strike="noStrike">
+                          <a:effectLst/>
+                        </a:rPr>
+                        <a:t> </a:t>
+                      </a:r>
+                      <a:endParaRPr lang="en-US" sz="1100" b="0" i="0" u="none" strike="noStrike">
+                        <a:solidFill>
+                          <a:srgbClr val="000000"/>
+                        </a:solidFill>
+                        <a:effectLst/>
+                        <a:latin typeface="Calibri" panose="020F0502020204030204" pitchFamily="34" charset="0"/>
+                      </a:endParaRPr>
+                    </a:p>
+                  </a:txBody>
+                  <a:tcPr marL="9423" marR="9423" marT="9423" marB="0" anchor="b"/>
+                </a:tc>
+                <a:tc>
+                  <a:txBody>
+                    <a:bodyPr/>
+                    <a:lstStyle/>
+                    <a:p>
+                      <a:pPr algn="l" rtl="0" fontAlgn="b"/>
+                      <a:r>
+                        <a:rPr lang="en-US" sz="1100" u="none" strike="noStrike">
+                          <a:effectLst/>
+                        </a:rPr>
+                        <a:t> </a:t>
+                      </a:r>
+                      <a:endParaRPr lang="en-US" sz="1100" b="0" i="0" u="none" strike="noStrike">
+                        <a:solidFill>
+                          <a:srgbClr val="000000"/>
+                        </a:solidFill>
+                        <a:effectLst/>
+                        <a:latin typeface="Calibri" panose="020F0502020204030204" pitchFamily="34" charset="0"/>
+                      </a:endParaRPr>
+                    </a:p>
+                  </a:txBody>
+                  <a:tcPr marL="9423" marR="9423" marT="9423" marB="0" anchor="b"/>
+                </a:tc>
+                <a:tc>
+                  <a:txBody>
+                    <a:bodyPr/>
+                    <a:lstStyle/>
+                    <a:p>
+                      <a:pPr algn="l" rtl="0" fontAlgn="b"/>
+                      <a:r>
+                        <a:rPr lang="en-US" sz="1100" u="none" strike="noStrike">
+                          <a:effectLst/>
+                        </a:rPr>
+                        <a:t> </a:t>
+                      </a:r>
+                      <a:endParaRPr lang="en-US" sz="1100" b="0" i="0" u="none" strike="noStrike">
+                        <a:solidFill>
+                          <a:srgbClr val="000000"/>
+                        </a:solidFill>
+                        <a:effectLst/>
+                        <a:latin typeface="Calibri" panose="020F0502020204030204" pitchFamily="34" charset="0"/>
+                      </a:endParaRPr>
+                    </a:p>
+                  </a:txBody>
+                  <a:tcPr marL="9423" marR="9423" marT="9423" marB="0" anchor="b"/>
+                </a:tc>
+                <a:tc>
+                  <a:txBody>
+                    <a:bodyPr/>
+                    <a:lstStyle/>
+                    <a:p>
+                      <a:pPr algn="l" rtl="0" fontAlgn="b"/>
+                      <a:r>
+                        <a:rPr lang="en-US" sz="1100" u="none" strike="noStrike">
+                          <a:effectLst/>
+                        </a:rPr>
+                        <a:t> </a:t>
+                      </a:r>
+                      <a:endParaRPr lang="en-US" sz="1100" b="0" i="0" u="none" strike="noStrike">
+                        <a:solidFill>
+                          <a:srgbClr val="000000"/>
+                        </a:solidFill>
+                        <a:effectLst/>
+                        <a:latin typeface="Calibri" panose="020F0502020204030204" pitchFamily="34" charset="0"/>
+                      </a:endParaRPr>
+                    </a:p>
+                  </a:txBody>
+                  <a:tcPr marL="9423" marR="9423" marT="9423" marB="0" anchor="b"/>
+                </a:tc>
+                <a:tc>
+                  <a:txBody>
+                    <a:bodyPr/>
+                    <a:lstStyle/>
+                    <a:p>
+                      <a:pPr algn="l" rtl="0" fontAlgn="b"/>
+                      <a:r>
+                        <a:rPr lang="en-US" sz="1100" u="none" strike="noStrike">
+                          <a:effectLst/>
+                        </a:rPr>
+                        <a:t> </a:t>
+                      </a:r>
+                      <a:endParaRPr lang="en-US" sz="1100" b="0" i="0" u="none" strike="noStrike">
+                        <a:solidFill>
+                          <a:srgbClr val="000000"/>
+                        </a:solidFill>
+                        <a:effectLst/>
+                        <a:latin typeface="Calibri" panose="020F0502020204030204" pitchFamily="34" charset="0"/>
+                      </a:endParaRPr>
+                    </a:p>
+                  </a:txBody>
+                  <a:tcPr marL="9423" marR="9423" marT="9423" marB="0" anchor="b"/>
+                </a:tc>
+                <a:tc>
+                  <a:txBody>
+                    <a:bodyPr/>
+                    <a:lstStyle/>
+                    <a:p>
+                      <a:pPr algn="l" rtl="0" fontAlgn="b"/>
+                      <a:r>
+                        <a:rPr lang="en-US" sz="1100" u="none" strike="noStrike">
+                          <a:effectLst/>
+                        </a:rPr>
+                        <a:t> </a:t>
+                      </a:r>
+                      <a:endParaRPr lang="en-US" sz="1100" b="0" i="0" u="none" strike="noStrike">
+                        <a:solidFill>
+                          <a:srgbClr val="000000"/>
+                        </a:solidFill>
+                        <a:effectLst/>
+                        <a:latin typeface="Calibri" panose="020F0502020204030204" pitchFamily="34" charset="0"/>
+                      </a:endParaRPr>
+                    </a:p>
+                  </a:txBody>
+                  <a:tcPr marL="9423" marR="9423" marT="9423" marB="0" anchor="b"/>
+                </a:tc>
+                <a:tc>
+                  <a:txBody>
+                    <a:bodyPr/>
+                    <a:lstStyle/>
+                    <a:p>
+                      <a:pPr algn="l" rtl="0" fontAlgn="b"/>
+                      <a:r>
+                        <a:rPr lang="en-US" sz="1100" u="none" strike="noStrike">
+                          <a:effectLst/>
+                        </a:rPr>
+                        <a:t> </a:t>
+                      </a:r>
+                      <a:endParaRPr lang="en-US" sz="1100" b="0" i="0" u="none" strike="noStrike">
+                        <a:solidFill>
+                          <a:srgbClr val="000000"/>
+                        </a:solidFill>
+                        <a:effectLst/>
+                        <a:latin typeface="Calibri" panose="020F0502020204030204" pitchFamily="34" charset="0"/>
+                      </a:endParaRPr>
+                    </a:p>
+                  </a:txBody>
+                  <a:tcPr marL="9423" marR="9423" marT="9423" marB="0" anchor="b"/>
+                </a:tc>
+                <a:tc>
+                  <a:txBody>
+                    <a:bodyPr/>
+                    <a:lstStyle/>
+                    <a:p>
+                      <a:pPr algn="l" rtl="0" fontAlgn="b"/>
+                      <a:r>
+                        <a:rPr lang="en-US" sz="1100" u="none" strike="noStrike">
+                          <a:effectLst/>
+                        </a:rPr>
+                        <a:t> </a:t>
+                      </a:r>
+                      <a:endParaRPr lang="en-US" sz="1100" b="0" i="0" u="none" strike="noStrike">
+                        <a:solidFill>
+                          <a:srgbClr val="000000"/>
+                        </a:solidFill>
+                        <a:effectLst/>
+                        <a:latin typeface="Calibri" panose="020F0502020204030204" pitchFamily="34" charset="0"/>
+                      </a:endParaRPr>
+                    </a:p>
+                  </a:txBody>
+                  <a:tcPr marL="9423" marR="9423" marT="9423" marB="0" anchor="b"/>
+                </a:tc>
+                <a:tc>
+                  <a:txBody>
+                    <a:bodyPr/>
+                    <a:lstStyle/>
+                    <a:p>
+                      <a:pPr algn="l" rtl="0" fontAlgn="b"/>
+                      <a:r>
+                        <a:rPr lang="en-US" sz="1100" u="none" strike="noStrike">
+                          <a:effectLst/>
+                        </a:rPr>
+                        <a:t> </a:t>
+                      </a:r>
+                      <a:endParaRPr lang="en-US" sz="1100" b="0" i="0" u="none" strike="noStrike">
+                        <a:solidFill>
+                          <a:srgbClr val="000000"/>
+                        </a:solidFill>
+                        <a:effectLst/>
+                        <a:latin typeface="Calibri" panose="020F0502020204030204" pitchFamily="34" charset="0"/>
+                      </a:endParaRPr>
+                    </a:p>
+                  </a:txBody>
+                  <a:tcPr marL="9423" marR="9423" marT="9423" marB="0" anchor="b"/>
+                </a:tc>
+                <a:tc>
+                  <a:txBody>
+                    <a:bodyPr/>
+                    <a:lstStyle/>
+                    <a:p>
+                      <a:pPr algn="l" rtl="0" fontAlgn="b"/>
+                      <a:r>
+                        <a:rPr lang="en-US" sz="1100" u="none" strike="noStrike">
+                          <a:effectLst/>
+                        </a:rPr>
+                        <a:t> </a:t>
+                      </a:r>
+                      <a:endParaRPr lang="en-US" sz="1100" b="0" i="0" u="none" strike="noStrike">
+                        <a:solidFill>
+                          <a:srgbClr val="000000"/>
+                        </a:solidFill>
+                        <a:effectLst/>
+                        <a:latin typeface="Calibri" panose="020F0502020204030204" pitchFamily="34" charset="0"/>
+                      </a:endParaRPr>
+                    </a:p>
+                  </a:txBody>
+                  <a:tcPr marL="9423" marR="9423" marT="9423" marB="0" anchor="b"/>
+                </a:tc>
+                <a:tc>
+                  <a:txBody>
+                    <a:bodyPr/>
+                    <a:lstStyle/>
+                    <a:p>
+                      <a:pPr algn="l" rtl="0" fontAlgn="b"/>
+                      <a:r>
+                        <a:rPr lang="en-US" sz="1100" u="none" strike="noStrike" dirty="0">
+                          <a:effectLst/>
+                        </a:rPr>
+                        <a:t> </a:t>
+                      </a:r>
+                      <a:endParaRPr lang="en-US" sz="1100" b="0" i="0" u="none" strike="noStrike" dirty="0">
+                        <a:solidFill>
+                          <a:srgbClr val="000000"/>
+                        </a:solidFill>
+                        <a:effectLst/>
+                        <a:latin typeface="Calibri" panose="020F0502020204030204" pitchFamily="34" charset="0"/>
+                      </a:endParaRPr>
+                    </a:p>
+                  </a:txBody>
+                  <a:tcPr marL="9423" marR="9423" marT="9423" marB="0" anchor="b"/>
+                </a:tc>
+              </a:tr>
+            </a:tbl>
+          </a:graphicData>
+        </a:graphic>
+      </p:graphicFrame>
     </p:spTree>
     <p:extLst>
       <p:ext uri="{BB962C8B-B14F-4D97-AF65-F5344CB8AC3E}">
-        <p14:creationId xmlns:p14="http://schemas.microsoft.com/office/powerpoint/2010/main" val="2940428198"/>
+        <p14:creationId xmlns:p14="http://schemas.microsoft.com/office/powerpoint/2010/main" val="1040372913"/>
       </p:ext>
     </p:extLst>
   </p:cSld>
   <p:clrMapOvr>
     <a:masterClrMapping/>
   </p:clrMapOvr>
-  <p:timing>
-    <p:tnLst>
-      <p:par>
-        <p:cTn id="1" dur="indefinite" restart="never" nodeType="tmRoot"/>
-      </p:par>
-    </p:tnLst>
-  </p:timing>
 </p:sld>
 </file>
 
@@ -3965,7 +8690,7 @@
                   <a:schemeClr val="bg1"/>
                 </a:solidFill>
               </a:rPr>
-              <a:t>Data Analysis</a:t>
+              <a:t>Survey</a:t>
             </a:r>
             <a:endParaRPr lang="en-US" sz="2400" b="1" dirty="0">
               <a:solidFill>
@@ -4001,7 +8726,88 @@
                   <a:schemeClr val="bg1"/>
                 </a:solidFill>
               </a:rPr>
-              <a:t>Improved analysis and changed methods</a:t>
+              <a:t>Survey</a:t>
+            </a:r>
+          </a:p>
+          <a:p>
+            <a:pPr lvl="1"/>
+            <a:r>
+              <a:rPr lang="en-US" dirty="0" smtClean="0">
+                <a:solidFill>
+                  <a:schemeClr val="bg1"/>
+                </a:solidFill>
+              </a:rPr>
+              <a:t>Application </a:t>
+            </a:r>
+            <a:r>
+              <a:rPr lang="en-US" dirty="0" smtClean="0">
+                <a:solidFill>
+                  <a:schemeClr val="bg1"/>
+                </a:solidFill>
+              </a:rPr>
+              <a:t>over the </a:t>
+            </a:r>
+            <a:r>
+              <a:rPr lang="en-US" dirty="0" smtClean="0">
+                <a:solidFill>
+                  <a:schemeClr val="bg1"/>
+                </a:solidFill>
+              </a:rPr>
+              <a:t>summer</a:t>
+            </a:r>
+          </a:p>
+          <a:p>
+            <a:pPr lvl="1"/>
+            <a:r>
+              <a:rPr lang="en-US" dirty="0" smtClean="0">
+                <a:solidFill>
+                  <a:schemeClr val="bg1"/>
+                </a:solidFill>
+              </a:rPr>
+              <a:t>Review </a:t>
+            </a:r>
+            <a:r>
+              <a:rPr lang="en-US" dirty="0" smtClean="0">
+                <a:solidFill>
+                  <a:schemeClr val="bg1"/>
+                </a:solidFill>
+              </a:rPr>
+              <a:t>and </a:t>
+            </a:r>
+            <a:r>
+              <a:rPr lang="en-US" dirty="0" smtClean="0">
+                <a:solidFill>
+                  <a:schemeClr val="bg1"/>
+                </a:solidFill>
+              </a:rPr>
+              <a:t>Improvement</a:t>
+            </a:r>
+          </a:p>
+          <a:p>
+            <a:pPr lvl="1"/>
+            <a:r>
+              <a:rPr lang="en-US" dirty="0" smtClean="0">
+                <a:solidFill>
+                  <a:schemeClr val="bg1"/>
+                </a:solidFill>
+              </a:rPr>
+              <a:t>New </a:t>
+            </a:r>
+            <a:r>
+              <a:rPr lang="en-US" dirty="0" smtClean="0">
+                <a:solidFill>
+                  <a:schemeClr val="bg1"/>
+                </a:solidFill>
+              </a:rPr>
+              <a:t>tests in 1 </a:t>
+            </a:r>
+            <a:r>
+              <a:rPr lang="en-US" dirty="0" smtClean="0">
+                <a:solidFill>
+                  <a:schemeClr val="bg1"/>
+                </a:solidFill>
+              </a:rPr>
+              <a:t>week</a:t>
             </a:r>
           </a:p>
           <a:p>
@@ -4012,6 +8818,36 @@
             </a:endParaRPr>
           </a:p>
           <a:p>
+            <a:r>
+              <a:rPr lang="en-US" dirty="0" smtClean="0">
+                <a:solidFill>
+                  <a:schemeClr val="bg1"/>
+                </a:solidFill>
+              </a:rPr>
+              <a:t>Data Analysis</a:t>
+            </a:r>
+          </a:p>
+          <a:p>
+            <a:pPr lvl="1"/>
+            <a:r>
+              <a:rPr lang="en-US" dirty="0" smtClean="0">
+                <a:solidFill>
+                  <a:schemeClr val="bg1"/>
+                </a:solidFill>
+              </a:rPr>
+              <a:t>Changed Methods</a:t>
+            </a:r>
+          </a:p>
+          <a:p>
+            <a:pPr lvl="1"/>
+            <a:r>
+              <a:rPr lang="en-US" dirty="0" smtClean="0">
+                <a:solidFill>
+                  <a:schemeClr val="bg1"/>
+                </a:solidFill>
+              </a:rPr>
+              <a:t>Improved analysis with feedback</a:t>
+            </a:r>
             <a:endParaRPr lang="en-US" dirty="0">
               <a:solidFill>
                 <a:schemeClr val="bg1"/>
@@ -4023,7 +8859,7 @@
     </p:spTree>
     <p:extLst>
       <p:ext uri="{BB962C8B-B14F-4D97-AF65-F5344CB8AC3E}">
-        <p14:creationId xmlns:p14="http://schemas.microsoft.com/office/powerpoint/2010/main" val="575193741"/>
+        <p14:creationId xmlns:p14="http://schemas.microsoft.com/office/powerpoint/2010/main" val="2940428198"/>
       </p:ext>
     </p:extLst>
   </p:cSld>
@@ -4129,17 +8965,44 @@
         </p:spPr>
         <p:txBody>
           <a:bodyPr>
-            <a:normAutofit fontScale="92500" lnSpcReduction="10000"/>
+            <a:normAutofit lnSpcReduction="10000"/>
           </a:bodyPr>
           <a:lstStyle/>
           <a:p>
+            <a:r>
+              <a:rPr lang="en-US" dirty="0">
+                <a:solidFill>
+                  <a:schemeClr val="bg1"/>
+                </a:solidFill>
+              </a:rPr>
+              <a:t>Outreach and </a:t>
+            </a:r>
             <a:r>
               <a:rPr lang="en-US" dirty="0" smtClean="0">
                 <a:solidFill>
                   <a:schemeClr val="bg1"/>
                 </a:solidFill>
               </a:rPr>
-              <a:t>Workshop “ </a:t>
+              <a:t>Feedback</a:t>
+            </a:r>
+          </a:p>
+          <a:p>
+            <a:pPr lvl="1"/>
+            <a:r>
+              <a:rPr lang="en-US" dirty="0" smtClean="0">
+                <a:solidFill>
+                  <a:schemeClr val="bg1"/>
+                </a:solidFill>
+              </a:rPr>
+              <a:t>Workshop </a:t>
+            </a:r>
+            <a:r>
+              <a:rPr lang="en-US" dirty="0" smtClean="0">
+                <a:solidFill>
+                  <a:schemeClr val="bg1"/>
+                </a:solidFill>
+              </a:rPr>
+              <a:t>“ </a:t>
             </a:r>
             <a:r>
               <a:rPr lang="en-US" dirty="0" err="1" smtClean="0">
@@ -4187,24 +9050,42 @@
                   <a:schemeClr val="bg1"/>
                 </a:solidFill>
               </a:rPr>
-              <a:t> Mexico” – La Paz, Mexico.</a:t>
-            </a:r>
-          </a:p>
-          <a:p>
-            <a:endParaRPr lang="en-US" dirty="0">
-              <a:solidFill>
-                <a:schemeClr val="bg1"/>
-              </a:solidFill>
-            </a:endParaRPr>
-          </a:p>
-          <a:p>
+              <a:t> Mexico” – La Paz, </a:t>
+            </a:r>
             <a:r>
               <a:rPr lang="en-US" dirty="0" smtClean="0">
                 <a:solidFill>
                   <a:schemeClr val="bg1"/>
                 </a:solidFill>
               </a:rPr>
-              <a:t>Presentation of list of indicators and preliminary results from Quintana </a:t>
+              <a:t>Mexico.</a:t>
+            </a:r>
+          </a:p>
+          <a:p>
+            <a:pPr lvl="1"/>
+            <a:endParaRPr lang="en-US" dirty="0" smtClean="0">
+              <a:solidFill>
+                <a:schemeClr val="bg1"/>
+              </a:solidFill>
+            </a:endParaRPr>
+          </a:p>
+          <a:p>
+            <a:pPr lvl="1"/>
+            <a:r>
+              <a:rPr lang="en-US" dirty="0" smtClean="0">
+                <a:solidFill>
+                  <a:schemeClr val="bg1"/>
+                </a:solidFill>
+              </a:rPr>
+              <a:t>Presentation </a:t>
+            </a:r>
+            <a:r>
+              <a:rPr lang="en-US" dirty="0" smtClean="0">
+                <a:solidFill>
+                  <a:schemeClr val="bg1"/>
+                </a:solidFill>
+              </a:rPr>
+              <a:t>of list of indicators and preliminary results from Quintana </a:t>
             </a:r>
             <a:r>
               <a:rPr lang="en-US" dirty="0" err="1" smtClean="0">
@@ -4222,27 +9103,37 @@
               </a:rPr>
               <a:t>.</a:t>
             </a:r>
-            <a:br>
+            <a:endParaRPr lang="en-US" dirty="0">
+              <a:solidFill>
+                <a:schemeClr val="bg1"/>
+              </a:solidFill>
+            </a:endParaRPr>
+          </a:p>
+          <a:p>
+            <a:pPr lvl="1"/>
+            <a:endParaRPr lang="en-US" dirty="0" smtClean="0">
+              <a:solidFill>
+                <a:schemeClr val="bg1"/>
+              </a:solidFill>
+            </a:endParaRPr>
+          </a:p>
+          <a:p>
+            <a:pPr lvl="1"/>
+            <a:r>
               <a:rPr lang="en-US" dirty="0" smtClean="0">
                 <a:solidFill>
                   <a:schemeClr val="bg1"/>
                 </a:solidFill>
               </a:rPr>
-            </a:br>
-            <a:endParaRPr lang="en-US" dirty="0">
-              <a:solidFill>
-                <a:schemeClr val="bg1"/>
-              </a:solidFill>
-            </a:endParaRPr>
-          </a:p>
-          <a:p>
+              <a:t>Group </a:t>
+            </a:r>
             <a:r>
               <a:rPr lang="en-US" dirty="0" smtClean="0">
                 <a:solidFill>
                   <a:schemeClr val="bg1"/>
                 </a:solidFill>
               </a:rPr>
-              <a:t>Group activity to debate possible indicators in the evaluation of fishing refugees.</a:t>
+              <a:t>activity to debate possible indicators in the evaluation of fishing refugees.</a:t>
             </a:r>
             <a:endParaRPr lang="en-US" dirty="0">
               <a:solidFill>
@@ -4376,7 +9267,15 @@
                   <a:schemeClr val="bg1"/>
                 </a:solidFill>
               </a:rPr>
-              <a:t>Next Steps</a:t>
+              <a:t>Next </a:t>
+            </a:r>
+            <a:r>
+              <a:rPr lang="en-US" b="1" dirty="0" smtClean="0">
+                <a:solidFill>
+                  <a:schemeClr val="bg1"/>
+                </a:solidFill>
+              </a:rPr>
+              <a:t>Steps – Fall Quarter</a:t>
             </a:r>
             <a:endParaRPr lang="en-US" b="1" dirty="0">
               <a:solidFill>

--- a/Presentations/Fall Review Meeting/A FRAMEWORK TO EVALUATE MARINE RESERVES IN MEXICO.pptx
+++ b/Presentations/Fall Review Meeting/A FRAMEWORK TO EVALUATE MARINE RESERVES IN MEXICO.pptx
@@ -3660,7 +3660,77 @@
                   <a:schemeClr val="bg1"/>
                 </a:solidFill>
               </a:rPr>
-              <a:t>Collection and </a:t>
+              <a:t>Collection</a:t>
+            </a:r>
+          </a:p>
+          <a:p>
+            <a:pPr lvl="1"/>
+            <a:r>
+              <a:rPr lang="en-US" dirty="0" smtClean="0">
+                <a:solidFill>
+                  <a:schemeClr val="bg1"/>
+                </a:solidFill>
+              </a:rPr>
+              <a:t>Started </a:t>
+            </a:r>
+            <a:r>
+              <a:rPr lang="en-US" dirty="0" smtClean="0">
+                <a:solidFill>
+                  <a:schemeClr val="bg1"/>
+                </a:solidFill>
+              </a:rPr>
+              <a:t>during Spring quarter and continued over the summer</a:t>
+            </a:r>
+          </a:p>
+          <a:p>
+            <a:pPr lvl="1"/>
+            <a:r>
+              <a:rPr lang="en-US" dirty="0" smtClean="0">
+                <a:solidFill>
+                  <a:schemeClr val="bg1"/>
+                </a:solidFill>
+              </a:rPr>
+              <a:t>Underwater surveys and landings databases</a:t>
+            </a:r>
+            <a:endParaRPr lang="en-US" dirty="0">
+              <a:solidFill>
+                <a:schemeClr val="bg1"/>
+              </a:solidFill>
+            </a:endParaRPr>
+          </a:p>
+          <a:p>
+            <a:pPr lvl="1"/>
+            <a:r>
+              <a:rPr lang="en-US" dirty="0" smtClean="0">
+                <a:solidFill>
+                  <a:schemeClr val="bg1"/>
+                </a:solidFill>
+              </a:rPr>
+              <a:t>Information from ETJ, Management Plans and </a:t>
+            </a:r>
+            <a:r>
+              <a:rPr lang="en-US" dirty="0" err="1" smtClean="0">
+                <a:solidFill>
+                  <a:schemeClr val="bg1"/>
+                </a:solidFill>
+              </a:rPr>
+              <a:t>Diario</a:t>
+            </a:r>
+            <a:r>
+              <a:rPr lang="en-US" dirty="0" smtClean="0">
+                <a:solidFill>
+                  <a:schemeClr val="bg1"/>
+                </a:solidFill>
+              </a:rPr>
+              <a:t> </a:t>
+            </a:r>
+            <a:r>
+              <a:rPr lang="en-US" dirty="0" err="1" smtClean="0">
+                <a:solidFill>
+                  <a:schemeClr val="bg1"/>
+                </a:solidFill>
+              </a:rPr>
+              <a:t>Oficial</a:t>
             </a:r>
             <a:endParaRPr lang="en-US" dirty="0" smtClean="0">
               <a:solidFill>
@@ -3669,60 +3739,9 @@
             </a:endParaRPr>
           </a:p>
           <a:p>
-            <a:pPr lvl="1"/>
-            <a:r>
-              <a:rPr lang="en-US" dirty="0" smtClean="0">
-                <a:solidFill>
-                  <a:schemeClr val="bg1"/>
-                </a:solidFill>
-              </a:rPr>
-              <a:t>Started during Spring quarter and continued over the </a:t>
-            </a:r>
-            <a:r>
-              <a:rPr lang="en-US" dirty="0" smtClean="0">
-                <a:solidFill>
-                  <a:schemeClr val="bg1"/>
-                </a:solidFill>
-              </a:rPr>
-              <a:t>summer</a:t>
-            </a:r>
-          </a:p>
-          <a:p>
-            <a:pPr lvl="1"/>
-            <a:r>
-              <a:rPr lang="en-US" dirty="0" smtClean="0">
-                <a:solidFill>
-                  <a:schemeClr val="bg1"/>
-                </a:solidFill>
-              </a:rPr>
-              <a:t>Juan Carlos’ internship</a:t>
-            </a:r>
-            <a:endParaRPr lang="en-US" dirty="0">
-              <a:solidFill>
-                <a:schemeClr val="bg1"/>
-              </a:solidFill>
-            </a:endParaRPr>
-          </a:p>
-          <a:p>
-            <a:pPr lvl="1"/>
-            <a:r>
-              <a:rPr lang="en-US" dirty="0" smtClean="0">
-                <a:solidFill>
-                  <a:schemeClr val="bg1"/>
-                </a:solidFill>
-              </a:rPr>
-              <a:t>Jael </a:t>
-            </a:r>
-            <a:r>
-              <a:rPr lang="en-US" dirty="0" smtClean="0">
-                <a:solidFill>
-                  <a:schemeClr val="bg1"/>
-                </a:solidFill>
-              </a:rPr>
-              <a:t>and the ETJ</a:t>
-            </a:r>
-          </a:p>
-          <a:p>
+            <a:pPr marL="457200" lvl="1" indent="0">
+              <a:buNone/>
+            </a:pPr>
             <a:endParaRPr lang="en-US" dirty="0" smtClean="0">
               <a:solidFill>
                 <a:schemeClr val="bg1"/>
@@ -3814,13 +3833,13 @@
           <p:nvPr>
             <p:extLst>
               <p:ext uri="{D42A27DB-BD31-4B8C-83A1-F6EECF244321}">
-                <p14:modId xmlns:p14="http://schemas.microsoft.com/office/powerpoint/2010/main" val="438551827"/>
+                <p14:modId xmlns:p14="http://schemas.microsoft.com/office/powerpoint/2010/main" val="1588037288"/>
               </p:ext>
             </p:extLst>
           </p:nvPr>
         </p:nvGraphicFramePr>
         <p:xfrm>
-          <a:off x="838199" y="1665374"/>
+          <a:off x="838199" y="1752460"/>
           <a:ext cx="10515601" cy="4249582"/>
         </p:xfrm>
         <a:graphic>
@@ -3855,51 +3874,47 @@
                 <a:gridCol w="187221"/>
               </a:tblGrid>
               <a:tr h="197874">
+                <a:tc rowSpan="9">
+                  <a:txBody>
+                    <a:bodyPr/>
+                    <a:lstStyle/>
+                    <a:p>
+                      <a:endParaRPr lang="en-US" dirty="0"/>
+                    </a:p>
+                  </a:txBody>
+                  <a:tcPr marL="9423" marR="9423" marT="9423" marB="0" anchor="ctr">
+                    <a:lnL w="12700" cmpd="sng">
+                      <a:noFill/>
+                    </a:lnL>
+                    <a:lnR w="12700" cmpd="sng">
+                      <a:noFill/>
+                    </a:lnR>
+                    <a:lnT w="12700" cmpd="sng">
+                      <a:noFill/>
+                    </a:lnT>
+                    <a:lnB w="12700" cmpd="sng">
+                      <a:noFill/>
+                    </a:lnB>
+                    <a:noFill/>
+                  </a:tcPr>
+                </a:tc>
                 <a:tc rowSpan="2">
                   <a:txBody>
                     <a:bodyPr/>
                     <a:lstStyle/>
                     <a:p>
-                      <a:pPr algn="ctr" rtl="0" fontAlgn="ctr"/>
-                      <a:r>
-                        <a:rPr lang="en-US" sz="1100" u="none" strike="noStrike" dirty="0" err="1">
-                          <a:effectLst/>
-                        </a:rPr>
-                        <a:t>Tipo</a:t>
-                      </a:r>
-                      <a:endParaRPr lang="en-US" sz="1100" b="0" i="0" u="none" strike="noStrike" dirty="0">
-                        <a:solidFill>
-                          <a:srgbClr val="000000"/>
-                        </a:solidFill>
-                        <a:effectLst/>
-                        <a:latin typeface="Calibri" panose="020F0502020204030204" pitchFamily="34" charset="0"/>
-                      </a:endParaRPr>
-                    </a:p>
-                  </a:txBody>
-                  <a:tcPr marL="9423" marR="9423" marT="9423" marB="0" anchor="ctr"/>
-                </a:tc>
-                <a:tc rowSpan="2">
-                  <a:txBody>
-                    <a:bodyPr/>
-                    <a:lstStyle/>
-                    <a:p>
-                      <a:pPr algn="ctr" rtl="0" fontAlgn="ctr"/>
-                      <a:r>
-                        <a:rPr lang="en-US" sz="1100" u="none" strike="noStrike">
-                          <a:effectLst/>
-                        </a:rPr>
-                        <a:t>Objetivos </a:t>
-                      </a:r>
-                      <a:endParaRPr lang="en-US" sz="1100" b="0" i="0" u="none" strike="noStrike">
-                        <a:solidFill>
-                          <a:srgbClr val="000000"/>
-                        </a:solidFill>
-                        <a:effectLst/>
-                        <a:latin typeface="Calibri" panose="020F0502020204030204" pitchFamily="34" charset="0"/>
-                      </a:endParaRPr>
-                    </a:p>
-                  </a:txBody>
-                  <a:tcPr marL="9423" marR="9423" marT="9423" marB="0" anchor="ctr"/>
+                      <a:endParaRPr lang="en-US" dirty="0"/>
+                    </a:p>
+                  </a:txBody>
+                  <a:tcPr marL="9423" marR="9423" marT="9423" marB="0" anchor="ctr">
+                    <a:lnL w="12700" cmpd="sng">
+                      <a:noFill/>
+                    </a:lnL>
+                    <a:lnT w="12700" cmpd="sng">
+                      <a:noFill/>
+                    </a:lnT>
+                    <a:noFill/>
+                  </a:tcPr>
                 </a:tc>
                 <a:tc gridSpan="6">
                   <a:txBody>
@@ -3922,7 +3937,14 @@
                       </a:endParaRPr>
                     </a:p>
                   </a:txBody>
-                  <a:tcPr marL="9423" marR="9423" marT="9423" marB="0" anchor="b"/>
+                  <a:tcPr marL="9423" marR="9423" marT="9423" marB="0" anchor="b">
+                    <a:solidFill>
+                      <a:schemeClr val="accent6">
+                        <a:lumMod val="60000"/>
+                        <a:lumOff val="40000"/>
+                      </a:schemeClr>
+                    </a:solidFill>
+                  </a:tcPr>
                 </a:tc>
                 <a:tc hMerge="1">
                   <a:txBody>
@@ -3995,7 +4017,14 @@
                       </a:endParaRPr>
                     </a:p>
                   </a:txBody>
-                  <a:tcPr marL="9423" marR="9423" marT="9423" marB="0" anchor="b"/>
+                  <a:tcPr marL="9423" marR="9423" marT="9423" marB="0" anchor="b">
+                    <a:solidFill>
+                      <a:schemeClr val="accent2">
+                        <a:lumMod val="60000"/>
+                        <a:lumOff val="40000"/>
+                      </a:schemeClr>
+                    </a:solidFill>
+                  </a:tcPr>
                 </a:tc>
                 <a:tc hMerge="1">
                   <a:txBody>
@@ -4038,7 +4067,14 @@
                       </a:endParaRPr>
                     </a:p>
                   </a:txBody>
-                  <a:tcPr marL="9423" marR="9423" marT="9423" marB="0" anchor="b"/>
+                  <a:tcPr marL="9423" marR="9423" marT="9423" marB="0" anchor="b">
+                    <a:solidFill>
+                      <a:schemeClr val="accent5">
+                        <a:lumMod val="60000"/>
+                        <a:lumOff val="40000"/>
+                      </a:schemeClr>
+                    </a:solidFill>
+                  </a:tcPr>
                 </a:tc>
                 <a:tc hMerge="1">
                   <a:txBody>
@@ -4193,7 +4229,14 @@
                       </a:endParaRPr>
                     </a:p>
                   </a:txBody>
-                  <a:tcPr marL="9423" marR="9423" marT="9423" marB="0" vert="vert270" anchor="ctr"/>
+                  <a:tcPr marL="9423" marR="9423" marT="9423" marB="0" vert="vert270" anchor="ctr">
+                    <a:solidFill>
+                      <a:schemeClr val="accent6">
+                        <a:lumMod val="60000"/>
+                        <a:lumOff val="40000"/>
+                      </a:schemeClr>
+                    </a:solidFill>
+                  </a:tcPr>
                 </a:tc>
                 <a:tc>
                   <a:txBody>
@@ -4216,7 +4259,14 @@
                       </a:endParaRPr>
                     </a:p>
                   </a:txBody>
-                  <a:tcPr marL="9423" marR="9423" marT="9423" marB="0" vert="vert270" anchor="ctr"/>
+                  <a:tcPr marL="9423" marR="9423" marT="9423" marB="0" vert="vert270" anchor="ctr">
+                    <a:solidFill>
+                      <a:schemeClr val="accent6">
+                        <a:lumMod val="60000"/>
+                        <a:lumOff val="40000"/>
+                      </a:schemeClr>
+                    </a:solidFill>
+                  </a:tcPr>
                 </a:tc>
                 <a:tc>
                   <a:txBody>
@@ -4239,7 +4289,14 @@
                       </a:endParaRPr>
                     </a:p>
                   </a:txBody>
-                  <a:tcPr marL="9423" marR="9423" marT="9423" marB="0" vert="vert270" anchor="ctr"/>
+                  <a:tcPr marL="9423" marR="9423" marT="9423" marB="0" vert="vert270" anchor="ctr">
+                    <a:solidFill>
+                      <a:schemeClr val="accent6">
+                        <a:lumMod val="60000"/>
+                        <a:lumOff val="40000"/>
+                      </a:schemeClr>
+                    </a:solidFill>
+                  </a:tcPr>
                 </a:tc>
                 <a:tc>
                   <a:txBody>
@@ -4262,7 +4319,14 @@
                       </a:endParaRPr>
                     </a:p>
                   </a:txBody>
-                  <a:tcPr marL="9423" marR="9423" marT="9423" marB="0" vert="vert270" anchor="ctr"/>
+                  <a:tcPr marL="9423" marR="9423" marT="9423" marB="0" vert="vert270" anchor="ctr">
+                    <a:solidFill>
+                      <a:schemeClr val="accent6">
+                        <a:lumMod val="60000"/>
+                        <a:lumOff val="40000"/>
+                      </a:schemeClr>
+                    </a:solidFill>
+                  </a:tcPr>
                 </a:tc>
                 <a:tc>
                   <a:txBody>
@@ -4285,7 +4349,14 @@
                       </a:endParaRPr>
                     </a:p>
                   </a:txBody>
-                  <a:tcPr marL="9423" marR="9423" marT="9423" marB="0" vert="vert270" anchor="ctr"/>
+                  <a:tcPr marL="9423" marR="9423" marT="9423" marB="0" vert="vert270" anchor="ctr">
+                    <a:solidFill>
+                      <a:schemeClr val="accent6">
+                        <a:lumMod val="60000"/>
+                        <a:lumOff val="40000"/>
+                      </a:schemeClr>
+                    </a:solidFill>
+                  </a:tcPr>
                 </a:tc>
                 <a:tc>
                   <a:txBody>
@@ -4308,7 +4379,14 @@
                       </a:endParaRPr>
                     </a:p>
                   </a:txBody>
-                  <a:tcPr marL="9423" marR="9423" marT="9423" marB="0" vert="vert270" anchor="ctr"/>
+                  <a:tcPr marL="9423" marR="9423" marT="9423" marB="0" vert="vert270" anchor="ctr">
+                    <a:solidFill>
+                      <a:schemeClr val="accent6">
+                        <a:lumMod val="60000"/>
+                        <a:lumOff val="40000"/>
+                      </a:schemeClr>
+                    </a:solidFill>
+                  </a:tcPr>
                 </a:tc>
                 <a:tc>
                   <a:txBody>
@@ -4331,7 +4409,14 @@
                       </a:endParaRPr>
                     </a:p>
                   </a:txBody>
-                  <a:tcPr marL="9423" marR="9423" marT="9423" marB="0" vert="vert270" anchor="ctr"/>
+                  <a:tcPr marL="9423" marR="9423" marT="9423" marB="0" vert="vert270" anchor="ctr">
+                    <a:solidFill>
+                      <a:schemeClr val="accent2">
+                        <a:lumMod val="60000"/>
+                        <a:lumOff val="40000"/>
+                      </a:schemeClr>
+                    </a:solidFill>
+                  </a:tcPr>
                 </a:tc>
                 <a:tc>
                   <a:txBody>
@@ -4340,21 +4425,28 @@
                     <a:p>
                       <a:pPr algn="r" fontAlgn="b"/>
                       <a:r>
-                        <a:rPr lang="en-US" sz="1100" u="none" strike="noStrike">
+                        <a:rPr lang="en-US" sz="1100" u="none" strike="noStrike" dirty="0">
                           <a:effectLst/>
                         </a:rPr>
                         <a:t>Income from landings</a:t>
                       </a:r>
-                      <a:endParaRPr lang="en-US" sz="1100" b="0" i="0" u="none" strike="noStrike">
-                        <a:solidFill>
-                          <a:srgbClr val="000000"/>
-                        </a:solidFill>
-                        <a:effectLst/>
-                        <a:latin typeface="Calibri" panose="020F0502020204030204" pitchFamily="34" charset="0"/>
-                      </a:endParaRPr>
-                    </a:p>
-                  </a:txBody>
-                  <a:tcPr marL="9423" marR="9423" marT="9423" marB="0" vert="vert270" anchor="ctr"/>
+                      <a:endParaRPr lang="en-US" sz="1100" b="0" i="0" u="none" strike="noStrike" dirty="0">
+                        <a:solidFill>
+                          <a:srgbClr val="000000"/>
+                        </a:solidFill>
+                        <a:effectLst/>
+                        <a:latin typeface="Calibri" panose="020F0502020204030204" pitchFamily="34" charset="0"/>
+                      </a:endParaRPr>
+                    </a:p>
+                  </a:txBody>
+                  <a:tcPr marL="9423" marR="9423" marT="9423" marB="0" vert="vert270" anchor="ctr">
+                    <a:solidFill>
+                      <a:schemeClr val="accent2">
+                        <a:lumMod val="60000"/>
+                        <a:lumOff val="40000"/>
+                      </a:schemeClr>
+                    </a:solidFill>
+                  </a:tcPr>
                 </a:tc>
                 <a:tc>
                   <a:txBody>
@@ -4363,21 +4455,28 @@
                     <a:p>
                       <a:pPr algn="r" fontAlgn="b"/>
                       <a:r>
-                        <a:rPr lang="en-US" sz="1100" u="none" strike="noStrike">
+                        <a:rPr lang="en-US" sz="1100" u="none" strike="noStrike" dirty="0">
                           <a:effectLst/>
                         </a:rPr>
                         <a:t>Alternative economic opportunities</a:t>
                       </a:r>
-                      <a:endParaRPr lang="en-US" sz="1100" b="0" i="0" u="none" strike="noStrike">
-                        <a:solidFill>
-                          <a:srgbClr val="000000"/>
-                        </a:solidFill>
-                        <a:effectLst/>
-                        <a:latin typeface="Calibri" panose="020F0502020204030204" pitchFamily="34" charset="0"/>
-                      </a:endParaRPr>
-                    </a:p>
-                  </a:txBody>
-                  <a:tcPr marL="9423" marR="9423" marT="9423" marB="0" vert="vert270" anchor="ctr"/>
+                      <a:endParaRPr lang="en-US" sz="1100" b="0" i="0" u="none" strike="noStrike" dirty="0">
+                        <a:solidFill>
+                          <a:srgbClr val="000000"/>
+                        </a:solidFill>
+                        <a:effectLst/>
+                        <a:latin typeface="Calibri" panose="020F0502020204030204" pitchFamily="34" charset="0"/>
+                      </a:endParaRPr>
+                    </a:p>
+                  </a:txBody>
+                  <a:tcPr marL="9423" marR="9423" marT="9423" marB="0" vert="vert270" anchor="ctr">
+                    <a:solidFill>
+                      <a:schemeClr val="accent2">
+                        <a:lumMod val="60000"/>
+                        <a:lumOff val="40000"/>
+                      </a:schemeClr>
+                    </a:solidFill>
+                  </a:tcPr>
                 </a:tc>
                 <a:tc>
                   <a:txBody>
@@ -4400,7 +4499,14 @@
                       </a:endParaRPr>
                     </a:p>
                   </a:txBody>
-                  <a:tcPr marL="9423" marR="9423" marT="9423" marB="0" vert="vert270" anchor="ctr"/>
+                  <a:tcPr marL="9423" marR="9423" marT="9423" marB="0" vert="vert270" anchor="ctr">
+                    <a:solidFill>
+                      <a:schemeClr val="accent5">
+                        <a:lumMod val="60000"/>
+                        <a:lumOff val="40000"/>
+                      </a:schemeClr>
+                    </a:solidFill>
+                  </a:tcPr>
                 </a:tc>
                 <a:tc>
                   <a:txBody>
@@ -4423,7 +4529,14 @@
                       </a:endParaRPr>
                     </a:p>
                   </a:txBody>
-                  <a:tcPr marL="9423" marR="9423" marT="9423" marB="0" vert="vert270" anchor="ctr"/>
+                  <a:tcPr marL="9423" marR="9423" marT="9423" marB="0" vert="vert270" anchor="ctr">
+                    <a:solidFill>
+                      <a:schemeClr val="accent5">
+                        <a:lumMod val="60000"/>
+                        <a:lumOff val="40000"/>
+                      </a:schemeClr>
+                    </a:solidFill>
+                  </a:tcPr>
                 </a:tc>
                 <a:tc>
                   <a:txBody>
@@ -4446,7 +4559,14 @@
                       </a:endParaRPr>
                     </a:p>
                   </a:txBody>
-                  <a:tcPr marL="9423" marR="9423" marT="9423" marB="0" vert="vert270" anchor="ctr"/>
+                  <a:tcPr marL="9423" marR="9423" marT="9423" marB="0" vert="vert270" anchor="ctr">
+                    <a:solidFill>
+                      <a:schemeClr val="accent5">
+                        <a:lumMod val="60000"/>
+                        <a:lumOff val="40000"/>
+                      </a:schemeClr>
+                    </a:solidFill>
+                  </a:tcPr>
                 </a:tc>
                 <a:tc>
                   <a:txBody>
@@ -4469,7 +4589,14 @@
                       </a:endParaRPr>
                     </a:p>
                   </a:txBody>
-                  <a:tcPr marL="9423" marR="9423" marT="9423" marB="0" vert="vert270" anchor="ctr"/>
+                  <a:tcPr marL="9423" marR="9423" marT="9423" marB="0" vert="vert270" anchor="ctr">
+                    <a:solidFill>
+                      <a:schemeClr val="accent5">
+                        <a:lumMod val="60000"/>
+                        <a:lumOff val="40000"/>
+                      </a:schemeClr>
+                    </a:solidFill>
+                  </a:tcPr>
                 </a:tc>
                 <a:tc>
                   <a:txBody>
@@ -4492,7 +4619,14 @@
                       </a:endParaRPr>
                     </a:p>
                   </a:txBody>
-                  <a:tcPr marL="9423" marR="9423" marT="9423" marB="0" vert="vert270" anchor="ctr"/>
+                  <a:tcPr marL="9423" marR="9423" marT="9423" marB="0" vert="vert270" anchor="ctr">
+                    <a:solidFill>
+                      <a:schemeClr val="accent5">
+                        <a:lumMod val="60000"/>
+                        <a:lumOff val="40000"/>
+                      </a:schemeClr>
+                    </a:solidFill>
+                  </a:tcPr>
                 </a:tc>
                 <a:tc>
                   <a:txBody>
@@ -4515,7 +4649,14 @@
                       </a:endParaRPr>
                     </a:p>
                   </a:txBody>
-                  <a:tcPr marL="9423" marR="9423" marT="9423" marB="0" vert="vert270" anchor="ctr"/>
+                  <a:tcPr marL="9423" marR="9423" marT="9423" marB="0" vert="vert270" anchor="ctr">
+                    <a:solidFill>
+                      <a:schemeClr val="accent5">
+                        <a:lumMod val="60000"/>
+                        <a:lumOff val="40000"/>
+                      </a:schemeClr>
+                    </a:solidFill>
+                  </a:tcPr>
                 </a:tc>
                 <a:tc>
                   <a:txBody>
@@ -4538,7 +4679,14 @@
                       </a:endParaRPr>
                     </a:p>
                   </a:txBody>
-                  <a:tcPr marL="9423" marR="9423" marT="9423" marB="0" vert="vert270" anchor="ctr"/>
+                  <a:tcPr marL="9423" marR="9423" marT="9423" marB="0" vert="vert270" anchor="ctr">
+                    <a:solidFill>
+                      <a:schemeClr val="accent5">
+                        <a:lumMod val="60000"/>
+                        <a:lumOff val="40000"/>
+                      </a:schemeClr>
+                    </a:solidFill>
+                  </a:tcPr>
                 </a:tc>
                 <a:tc>
                   <a:txBody>
@@ -4561,7 +4709,14 @@
                       </a:endParaRPr>
                     </a:p>
                   </a:txBody>
-                  <a:tcPr marL="9423" marR="9423" marT="9423" marB="0" vert="vert270" anchor="ctr"/>
+                  <a:tcPr marL="9423" marR="9423" marT="9423" marB="0" vert="vert270" anchor="ctr">
+                    <a:solidFill>
+                      <a:schemeClr val="accent5">
+                        <a:lumMod val="60000"/>
+                        <a:lumOff val="40000"/>
+                      </a:schemeClr>
+                    </a:solidFill>
+                  </a:tcPr>
                 </a:tc>
                 <a:tc>
                   <a:txBody>
@@ -4584,7 +4739,14 @@
                       </a:endParaRPr>
                     </a:p>
                   </a:txBody>
-                  <a:tcPr marL="9423" marR="9423" marT="9423" marB="0" vert="vert270" anchor="ctr"/>
+                  <a:tcPr marL="9423" marR="9423" marT="9423" marB="0" vert="vert270" anchor="ctr">
+                    <a:solidFill>
+                      <a:schemeClr val="accent5">
+                        <a:lumMod val="60000"/>
+                        <a:lumOff val="40000"/>
+                      </a:schemeClr>
+                    </a:solidFill>
+                  </a:tcPr>
                 </a:tc>
                 <a:tc>
                   <a:txBody>
@@ -4607,7 +4769,14 @@
                       </a:endParaRPr>
                     </a:p>
                   </a:txBody>
-                  <a:tcPr marL="9423" marR="9423" marT="9423" marB="0" vert="vert270" anchor="ctr"/>
+                  <a:tcPr marL="9423" marR="9423" marT="9423" marB="0" vert="vert270" anchor="ctr">
+                    <a:solidFill>
+                      <a:schemeClr val="accent5">
+                        <a:lumMod val="60000"/>
+                        <a:lumOff val="40000"/>
+                      </a:schemeClr>
+                    </a:solidFill>
+                  </a:tcPr>
                 </a:tc>
                 <a:tc>
                   <a:txBody>
@@ -4630,7 +4799,14 @@
                       </a:endParaRPr>
                     </a:p>
                   </a:txBody>
-                  <a:tcPr marL="9423" marR="9423" marT="9423" marB="0" vert="vert270" anchor="ctr"/>
+                  <a:tcPr marL="9423" marR="9423" marT="9423" marB="0" vert="vert270" anchor="ctr">
+                    <a:solidFill>
+                      <a:schemeClr val="accent5">
+                        <a:lumMod val="60000"/>
+                        <a:lumOff val="40000"/>
+                      </a:schemeClr>
+                    </a:solidFill>
+                  </a:tcPr>
                 </a:tc>
                 <a:tc>
                   <a:txBody>
@@ -4653,21 +4829,74 @@
                       </a:endParaRPr>
                     </a:p>
                   </a:txBody>
-                  <a:tcPr marL="9423" marR="9423" marT="9423" marB="0" vert="vert270" anchor="ctr"/>
+                  <a:tcPr marL="9423" marR="9423" marT="9423" marB="0" vert="vert270" anchor="ctr">
+                    <a:solidFill>
+                      <a:schemeClr val="accent5">
+                        <a:lumMod val="60000"/>
+                        <a:lumOff val="40000"/>
+                      </a:schemeClr>
+                    </a:solidFill>
+                  </a:tcPr>
                 </a:tc>
               </a:tr>
               <a:tr h="341097">
-                <a:tc rowSpan="7">
+                <a:tc vMerge="1">
                   <a:txBody>
                     <a:bodyPr/>
                     <a:lstStyle/>
                     <a:p>
                       <a:pPr algn="ctr" rtl="0" fontAlgn="ctr"/>
+                      <a:endParaRPr lang="en-US" sz="1100" b="0" i="0" u="none" strike="noStrike" dirty="0">
+                        <a:solidFill>
+                          <a:srgbClr val="000000"/>
+                        </a:solidFill>
+                        <a:effectLst/>
+                        <a:latin typeface="Calibri" panose="020F0502020204030204" pitchFamily="34" charset="0"/>
+                      </a:endParaRPr>
+                    </a:p>
+                  </a:txBody>
+                  <a:tcPr marL="9423" marR="9423" marT="9423" marB="0" anchor="ctr"/>
+                </a:tc>
+                <a:tc>
+                  <a:txBody>
+                    <a:bodyPr/>
+                    <a:lstStyle/>
+                    <a:p>
+                      <a:pPr algn="l" rtl="0" fontAlgn="t"/>
+                      <a:r>
+                        <a:rPr lang="es-ES" sz="1100" u="none" strike="noStrike" dirty="0">
+                          <a:effectLst/>
+                        </a:rPr>
+                        <a:t>Recuperar especies de interés comercial </a:t>
+                      </a:r>
+                      <a:endParaRPr lang="es-ES" sz="1100" b="0" i="0" u="none" strike="noStrike" dirty="0">
+                        <a:solidFill>
+                          <a:srgbClr val="000000"/>
+                        </a:solidFill>
+                        <a:effectLst/>
+                        <a:latin typeface="Calibri" panose="020F0502020204030204" pitchFamily="34" charset="0"/>
+                      </a:endParaRPr>
+                    </a:p>
+                  </a:txBody>
+                  <a:tcPr marL="9423" marR="9423" marT="9423" marB="0" anchor="ctr">
+                    <a:solidFill>
+                      <a:schemeClr val="bg1">
+                        <a:lumMod val="85000"/>
+                      </a:schemeClr>
+                    </a:solidFill>
+                  </a:tcPr>
+                </a:tc>
+                <a:tc>
+                  <a:txBody>
+                    <a:bodyPr/>
+                    <a:lstStyle/>
+                    <a:p>
+                      <a:pPr algn="ctr" rtl="0" fontAlgn="b"/>
                       <a:r>
                         <a:rPr lang="en-US" sz="1100" u="none" strike="noStrike" dirty="0">
                           <a:effectLst/>
                         </a:rPr>
-                        <a:t>ZRP</a:t>
+                        <a:t> </a:t>
                       </a:r>
                       <a:endParaRPr lang="en-US" sz="1100" b="0" i="0" u="none" strike="noStrike" dirty="0">
                         <a:solidFill>
@@ -4678,53 +4907,14 @@
                       </a:endParaRPr>
                     </a:p>
                   </a:txBody>
-                  <a:tcPr marL="9423" marR="9423" marT="9423" marB="0" anchor="ctr"/>
-                </a:tc>
-                <a:tc>
-                  <a:txBody>
-                    <a:bodyPr/>
-                    <a:lstStyle/>
-                    <a:p>
-                      <a:pPr algn="l" rtl="0" fontAlgn="t"/>
-                      <a:r>
-                        <a:rPr lang="es-ES" sz="1100" u="none" strike="noStrike">
-                          <a:effectLst/>
-                        </a:rPr>
-                        <a:t>Recuperar especies de interés comercial </a:t>
-                      </a:r>
-                      <a:endParaRPr lang="es-ES" sz="1100" b="0" i="0" u="none" strike="noStrike">
-                        <a:solidFill>
-                          <a:srgbClr val="000000"/>
-                        </a:solidFill>
-                        <a:effectLst/>
-                        <a:latin typeface="Calibri" panose="020F0502020204030204" pitchFamily="34" charset="0"/>
-                      </a:endParaRPr>
-                    </a:p>
-                  </a:txBody>
-                  <a:tcPr marL="9423" marR="9423" marT="9423" marB="0" anchor="ctr"/>
-                </a:tc>
-                <a:tc>
-                  <a:txBody>
-                    <a:bodyPr/>
-                    <a:lstStyle/>
-                    <a:p>
-                      <a:pPr algn="ctr" rtl="0" fontAlgn="b"/>
-                      <a:r>
-                        <a:rPr lang="en-US" sz="1100" u="none" strike="noStrike" dirty="0">
-                          <a:effectLst/>
-                        </a:rPr>
-                        <a:t> </a:t>
-                      </a:r>
-                      <a:endParaRPr lang="en-US" sz="1100" b="0" i="0" u="none" strike="noStrike" dirty="0">
-                        <a:solidFill>
-                          <a:srgbClr val="000000"/>
-                        </a:solidFill>
-                        <a:effectLst/>
-                        <a:latin typeface="Calibri" panose="020F0502020204030204" pitchFamily="34" charset="0"/>
-                      </a:endParaRPr>
-                    </a:p>
-                  </a:txBody>
-                  <a:tcPr marL="9423" marR="9423" marT="9423" marB="0" anchor="ctr"/>
+                  <a:tcPr marL="9423" marR="9423" marT="9423" marB="0" anchor="ctr">
+                    <a:solidFill>
+                      <a:schemeClr val="accent6">
+                        <a:lumMod val="60000"/>
+                        <a:lumOff val="40000"/>
+                      </a:schemeClr>
+                    </a:solidFill>
+                  </a:tcPr>
                 </a:tc>
                 <a:tc>
                   <a:txBody>
@@ -4747,7 +4937,14 @@
                       </a:endParaRPr>
                     </a:p>
                   </a:txBody>
-                  <a:tcPr marL="9423" marR="9423" marT="9423" marB="0" anchor="ctr"/>
+                  <a:tcPr marL="9423" marR="9423" marT="9423" marB="0" anchor="ctr">
+                    <a:solidFill>
+                      <a:schemeClr val="accent6">
+                        <a:lumMod val="60000"/>
+                        <a:lumOff val="40000"/>
+                      </a:schemeClr>
+                    </a:solidFill>
+                  </a:tcPr>
                 </a:tc>
                 <a:tc>
                   <a:txBody>
@@ -4770,7 +4967,14 @@
                       </a:endParaRPr>
                     </a:p>
                   </a:txBody>
-                  <a:tcPr marL="9423" marR="9423" marT="9423" marB="0" anchor="ctr"/>
+                  <a:tcPr marL="9423" marR="9423" marT="9423" marB="0" anchor="ctr">
+                    <a:solidFill>
+                      <a:schemeClr val="accent6">
+                        <a:lumMod val="60000"/>
+                        <a:lumOff val="40000"/>
+                      </a:schemeClr>
+                    </a:solidFill>
+                  </a:tcPr>
                 </a:tc>
                 <a:tc>
                   <a:txBody>
@@ -4793,30 +4997,44 @@
                       </a:endParaRPr>
                     </a:p>
                   </a:txBody>
-                  <a:tcPr marL="9423" marR="9423" marT="9423" marB="0" anchor="ctr"/>
-                </a:tc>
-                <a:tc>
-                  <a:txBody>
-                    <a:bodyPr/>
-                    <a:lstStyle/>
-                    <a:p>
-                      <a:pPr algn="ctr" rtl="0" fontAlgn="b"/>
-                      <a:r>
-                        <a:rPr lang="en-US" sz="1100" u="none" strike="noStrike">
-                          <a:effectLst/>
-                        </a:rPr>
-                        <a:t> </a:t>
-                      </a:r>
-                      <a:endParaRPr lang="en-US" sz="1100" b="0" i="0" u="none" strike="noStrike">
-                        <a:solidFill>
-                          <a:srgbClr val="000000"/>
-                        </a:solidFill>
-                        <a:effectLst/>
-                        <a:latin typeface="Calibri" panose="020F0502020204030204" pitchFamily="34" charset="0"/>
-                      </a:endParaRPr>
-                    </a:p>
-                  </a:txBody>
-                  <a:tcPr marL="9423" marR="9423" marT="9423" marB="0" anchor="ctr"/>
+                  <a:tcPr marL="9423" marR="9423" marT="9423" marB="0" anchor="ctr">
+                    <a:solidFill>
+                      <a:schemeClr val="accent6">
+                        <a:lumMod val="60000"/>
+                        <a:lumOff val="40000"/>
+                      </a:schemeClr>
+                    </a:solidFill>
+                  </a:tcPr>
+                </a:tc>
+                <a:tc>
+                  <a:txBody>
+                    <a:bodyPr/>
+                    <a:lstStyle/>
+                    <a:p>
+                      <a:pPr algn="ctr" rtl="0" fontAlgn="b"/>
+                      <a:r>
+                        <a:rPr lang="en-US" sz="1100" u="none" strike="noStrike">
+                          <a:effectLst/>
+                        </a:rPr>
+                        <a:t> </a:t>
+                      </a:r>
+                      <a:endParaRPr lang="en-US" sz="1100" b="0" i="0" u="none" strike="noStrike">
+                        <a:solidFill>
+                          <a:srgbClr val="000000"/>
+                        </a:solidFill>
+                        <a:effectLst/>
+                        <a:latin typeface="Calibri" panose="020F0502020204030204" pitchFamily="34" charset="0"/>
+                      </a:endParaRPr>
+                    </a:p>
+                  </a:txBody>
+                  <a:tcPr marL="9423" marR="9423" marT="9423" marB="0" anchor="ctr">
+                    <a:solidFill>
+                      <a:schemeClr val="accent6">
+                        <a:lumMod val="60000"/>
+                        <a:lumOff val="40000"/>
+                      </a:schemeClr>
+                    </a:solidFill>
+                  </a:tcPr>
                 </a:tc>
                 <a:tc>
                   <a:txBody>
@@ -4839,352 +5057,464 @@
                       </a:endParaRPr>
                     </a:p>
                   </a:txBody>
-                  <a:tcPr marL="9423" marR="9423" marT="9423" marB="0" anchor="ctr"/>
-                </a:tc>
-                <a:tc>
-                  <a:txBody>
-                    <a:bodyPr/>
-                    <a:lstStyle/>
-                    <a:p>
-                      <a:pPr algn="ctr" rtl="0" fontAlgn="b"/>
-                      <a:r>
-                        <a:rPr lang="en-US" sz="1100" u="none" strike="noStrike">
-                          <a:effectLst/>
-                        </a:rPr>
-                        <a:t> </a:t>
-                      </a:r>
-                      <a:endParaRPr lang="en-US" sz="1100" b="0" i="0" u="none" strike="noStrike">
-                        <a:solidFill>
-                          <a:srgbClr val="000000"/>
-                        </a:solidFill>
-                        <a:effectLst/>
-                        <a:latin typeface="Calibri" panose="020F0502020204030204" pitchFamily="34" charset="0"/>
-                      </a:endParaRPr>
-                    </a:p>
-                  </a:txBody>
-                  <a:tcPr marL="9423" marR="9423" marT="9423" marB="0" anchor="ctr"/>
-                </a:tc>
-                <a:tc>
-                  <a:txBody>
-                    <a:bodyPr/>
-                    <a:lstStyle/>
-                    <a:p>
-                      <a:pPr algn="ctr" rtl="0" fontAlgn="b"/>
-                      <a:r>
-                        <a:rPr lang="en-US" sz="1100" u="none" strike="noStrike">
-                          <a:effectLst/>
-                        </a:rPr>
-                        <a:t> </a:t>
-                      </a:r>
-                      <a:endParaRPr lang="en-US" sz="1100" b="0" i="0" u="none" strike="noStrike">
-                        <a:solidFill>
-                          <a:srgbClr val="000000"/>
-                        </a:solidFill>
-                        <a:effectLst/>
-                        <a:latin typeface="Calibri" panose="020F0502020204030204" pitchFamily="34" charset="0"/>
-                      </a:endParaRPr>
-                    </a:p>
-                  </a:txBody>
-                  <a:tcPr marL="9423" marR="9423" marT="9423" marB="0" anchor="ctr"/>
-                </a:tc>
-                <a:tc>
-                  <a:txBody>
-                    <a:bodyPr/>
-                    <a:lstStyle/>
-                    <a:p>
-                      <a:pPr algn="ctr" rtl="0" fontAlgn="b"/>
-                      <a:r>
-                        <a:rPr lang="en-US" sz="1100" u="none" strike="noStrike">
-                          <a:effectLst/>
-                        </a:rPr>
-                        <a:t> </a:t>
-                      </a:r>
-                      <a:endParaRPr lang="en-US" sz="1100" b="0" i="0" u="none" strike="noStrike">
-                        <a:solidFill>
-                          <a:srgbClr val="000000"/>
-                        </a:solidFill>
-                        <a:effectLst/>
-                        <a:latin typeface="Calibri" panose="020F0502020204030204" pitchFamily="34" charset="0"/>
-                      </a:endParaRPr>
-                    </a:p>
-                  </a:txBody>
-                  <a:tcPr marL="9423" marR="9423" marT="9423" marB="0" anchor="ctr"/>
-                </a:tc>
-                <a:tc>
-                  <a:txBody>
-                    <a:bodyPr/>
-                    <a:lstStyle/>
-                    <a:p>
-                      <a:pPr algn="ctr" rtl="0" fontAlgn="b"/>
-                      <a:r>
-                        <a:rPr lang="en-US" sz="1100" u="none" strike="noStrike">
-                          <a:effectLst/>
-                        </a:rPr>
-                        <a:t> </a:t>
-                      </a:r>
-                      <a:endParaRPr lang="en-US" sz="1100" b="0" i="0" u="none" strike="noStrike">
-                        <a:solidFill>
-                          <a:srgbClr val="000000"/>
-                        </a:solidFill>
-                        <a:effectLst/>
-                        <a:latin typeface="Calibri" panose="020F0502020204030204" pitchFamily="34" charset="0"/>
-                      </a:endParaRPr>
-                    </a:p>
-                  </a:txBody>
-                  <a:tcPr marL="9423" marR="9423" marT="9423" marB="0" anchor="ctr"/>
-                </a:tc>
-                <a:tc>
-                  <a:txBody>
-                    <a:bodyPr/>
-                    <a:lstStyle/>
-                    <a:p>
-                      <a:pPr algn="ctr" rtl="0" fontAlgn="b"/>
-                      <a:r>
-                        <a:rPr lang="en-US" sz="1100" u="none" strike="noStrike">
-                          <a:effectLst/>
-                        </a:rPr>
-                        <a:t> </a:t>
-                      </a:r>
-                      <a:endParaRPr lang="en-US" sz="1100" b="0" i="0" u="none" strike="noStrike">
-                        <a:solidFill>
-                          <a:srgbClr val="000000"/>
-                        </a:solidFill>
-                        <a:effectLst/>
-                        <a:latin typeface="Calibri" panose="020F0502020204030204" pitchFamily="34" charset="0"/>
-                      </a:endParaRPr>
-                    </a:p>
-                  </a:txBody>
-                  <a:tcPr marL="9423" marR="9423" marT="9423" marB="0" anchor="ctr"/>
-                </a:tc>
-                <a:tc>
-                  <a:txBody>
-                    <a:bodyPr/>
-                    <a:lstStyle/>
-                    <a:p>
-                      <a:pPr algn="ctr" rtl="0" fontAlgn="b"/>
-                      <a:r>
-                        <a:rPr lang="en-US" sz="1100" u="none" strike="noStrike">
-                          <a:effectLst/>
-                        </a:rPr>
-                        <a:t> </a:t>
-                      </a:r>
-                      <a:endParaRPr lang="en-US" sz="1100" b="0" i="0" u="none" strike="noStrike">
-                        <a:solidFill>
-                          <a:srgbClr val="000000"/>
-                        </a:solidFill>
-                        <a:effectLst/>
-                        <a:latin typeface="Calibri" panose="020F0502020204030204" pitchFamily="34" charset="0"/>
-                      </a:endParaRPr>
-                    </a:p>
-                  </a:txBody>
-                  <a:tcPr marL="9423" marR="9423" marT="9423" marB="0" anchor="ctr"/>
-                </a:tc>
-                <a:tc>
-                  <a:txBody>
-                    <a:bodyPr/>
-                    <a:lstStyle/>
-                    <a:p>
-                      <a:pPr algn="ctr" rtl="0" fontAlgn="b"/>
-                      <a:r>
-                        <a:rPr lang="en-US" sz="1100" u="none" strike="noStrike">
-                          <a:effectLst/>
-                        </a:rPr>
-                        <a:t> </a:t>
-                      </a:r>
-                      <a:endParaRPr lang="en-US" sz="1100" b="0" i="0" u="none" strike="noStrike">
-                        <a:solidFill>
-                          <a:srgbClr val="000000"/>
-                        </a:solidFill>
-                        <a:effectLst/>
-                        <a:latin typeface="Calibri" panose="020F0502020204030204" pitchFamily="34" charset="0"/>
-                      </a:endParaRPr>
-                    </a:p>
-                  </a:txBody>
-                  <a:tcPr marL="9423" marR="9423" marT="9423" marB="0" anchor="ctr"/>
-                </a:tc>
-                <a:tc>
-                  <a:txBody>
-                    <a:bodyPr/>
-                    <a:lstStyle/>
-                    <a:p>
-                      <a:pPr algn="ctr" rtl="0" fontAlgn="b"/>
-                      <a:r>
-                        <a:rPr lang="en-US" sz="1100" u="none" strike="noStrike">
-                          <a:effectLst/>
-                        </a:rPr>
-                        <a:t> </a:t>
-                      </a:r>
-                      <a:endParaRPr lang="en-US" sz="1100" b="0" i="0" u="none" strike="noStrike">
-                        <a:solidFill>
-                          <a:srgbClr val="000000"/>
-                        </a:solidFill>
-                        <a:effectLst/>
-                        <a:latin typeface="Calibri" panose="020F0502020204030204" pitchFamily="34" charset="0"/>
-                      </a:endParaRPr>
-                    </a:p>
-                  </a:txBody>
-                  <a:tcPr marL="9423" marR="9423" marT="9423" marB="0" anchor="ctr"/>
-                </a:tc>
-                <a:tc>
-                  <a:txBody>
-                    <a:bodyPr/>
-                    <a:lstStyle/>
-                    <a:p>
-                      <a:pPr algn="ctr" rtl="0" fontAlgn="b"/>
-                      <a:r>
-                        <a:rPr lang="en-US" sz="1100" u="none" strike="noStrike">
-                          <a:effectLst/>
-                        </a:rPr>
-                        <a:t> </a:t>
-                      </a:r>
-                      <a:endParaRPr lang="en-US" sz="1100" b="0" i="0" u="none" strike="noStrike">
-                        <a:solidFill>
-                          <a:srgbClr val="000000"/>
-                        </a:solidFill>
-                        <a:effectLst/>
-                        <a:latin typeface="Calibri" panose="020F0502020204030204" pitchFamily="34" charset="0"/>
-                      </a:endParaRPr>
-                    </a:p>
-                  </a:txBody>
-                  <a:tcPr marL="9423" marR="9423" marT="9423" marB="0" anchor="ctr"/>
-                </a:tc>
-                <a:tc>
-                  <a:txBody>
-                    <a:bodyPr/>
-                    <a:lstStyle/>
-                    <a:p>
-                      <a:pPr algn="ctr" rtl="0" fontAlgn="b"/>
-                      <a:r>
-                        <a:rPr lang="en-US" sz="1100" u="none" strike="noStrike">
-                          <a:effectLst/>
-                        </a:rPr>
-                        <a:t> </a:t>
-                      </a:r>
-                      <a:endParaRPr lang="en-US" sz="1100" b="0" i="0" u="none" strike="noStrike">
-                        <a:solidFill>
-                          <a:srgbClr val="000000"/>
-                        </a:solidFill>
-                        <a:effectLst/>
-                        <a:latin typeface="Calibri" panose="020F0502020204030204" pitchFamily="34" charset="0"/>
-                      </a:endParaRPr>
-                    </a:p>
-                  </a:txBody>
-                  <a:tcPr marL="9423" marR="9423" marT="9423" marB="0" anchor="ctr"/>
-                </a:tc>
-                <a:tc>
-                  <a:txBody>
-                    <a:bodyPr/>
-                    <a:lstStyle/>
-                    <a:p>
-                      <a:pPr algn="ctr" rtl="0" fontAlgn="b"/>
-                      <a:r>
-                        <a:rPr lang="en-US" sz="1100" u="none" strike="noStrike">
-                          <a:effectLst/>
-                        </a:rPr>
-                        <a:t> </a:t>
-                      </a:r>
-                      <a:endParaRPr lang="en-US" sz="1100" b="0" i="0" u="none" strike="noStrike">
-                        <a:solidFill>
-                          <a:srgbClr val="000000"/>
-                        </a:solidFill>
-                        <a:effectLst/>
-                        <a:latin typeface="Calibri" panose="020F0502020204030204" pitchFamily="34" charset="0"/>
-                      </a:endParaRPr>
-                    </a:p>
-                  </a:txBody>
-                  <a:tcPr marL="9423" marR="9423" marT="9423" marB="0" anchor="ctr"/>
-                </a:tc>
-                <a:tc>
-                  <a:txBody>
-                    <a:bodyPr/>
-                    <a:lstStyle/>
-                    <a:p>
-                      <a:pPr algn="ctr" rtl="0" fontAlgn="b"/>
-                      <a:r>
-                        <a:rPr lang="en-US" sz="1100" u="none" strike="noStrike">
-                          <a:effectLst/>
-                        </a:rPr>
-                        <a:t> </a:t>
-                      </a:r>
-                      <a:endParaRPr lang="en-US" sz="1100" b="0" i="0" u="none" strike="noStrike">
-                        <a:solidFill>
-                          <a:srgbClr val="000000"/>
-                        </a:solidFill>
-                        <a:effectLst/>
-                        <a:latin typeface="Calibri" panose="020F0502020204030204" pitchFamily="34" charset="0"/>
-                      </a:endParaRPr>
-                    </a:p>
-                  </a:txBody>
-                  <a:tcPr marL="9423" marR="9423" marT="9423" marB="0" anchor="ctr"/>
-                </a:tc>
-                <a:tc>
-                  <a:txBody>
-                    <a:bodyPr/>
-                    <a:lstStyle/>
-                    <a:p>
-                      <a:pPr algn="ctr" rtl="0" fontAlgn="b"/>
-                      <a:r>
-                        <a:rPr lang="en-US" sz="1100" u="none" strike="noStrike">
-                          <a:effectLst/>
-                        </a:rPr>
-                        <a:t> </a:t>
-                      </a:r>
-                      <a:endParaRPr lang="en-US" sz="1100" b="0" i="0" u="none" strike="noStrike">
-                        <a:solidFill>
-                          <a:srgbClr val="000000"/>
-                        </a:solidFill>
-                        <a:effectLst/>
-                        <a:latin typeface="Calibri" panose="020F0502020204030204" pitchFamily="34" charset="0"/>
-                      </a:endParaRPr>
-                    </a:p>
-                  </a:txBody>
-                  <a:tcPr marL="9423" marR="9423" marT="9423" marB="0" anchor="ctr"/>
-                </a:tc>
-                <a:tc>
-                  <a:txBody>
-                    <a:bodyPr/>
-                    <a:lstStyle/>
-                    <a:p>
-                      <a:pPr algn="ctr" rtl="0" fontAlgn="b"/>
-                      <a:r>
-                        <a:rPr lang="en-US" sz="1100" u="none" strike="noStrike">
-                          <a:effectLst/>
-                        </a:rPr>
-                        <a:t> </a:t>
-                      </a:r>
-                      <a:endParaRPr lang="en-US" sz="1100" b="0" i="0" u="none" strike="noStrike">
-                        <a:solidFill>
-                          <a:srgbClr val="000000"/>
-                        </a:solidFill>
-                        <a:effectLst/>
-                        <a:latin typeface="Calibri" panose="020F0502020204030204" pitchFamily="34" charset="0"/>
-                      </a:endParaRPr>
-                    </a:p>
-                  </a:txBody>
-                  <a:tcPr marL="9423" marR="9423" marT="9423" marB="0" anchor="ctr"/>
-                </a:tc>
-                <a:tc>
-                  <a:txBody>
-                    <a:bodyPr/>
-                    <a:lstStyle/>
-                    <a:p>
-                      <a:pPr algn="ctr" rtl="0" fontAlgn="b"/>
-                      <a:r>
-                        <a:rPr lang="en-US" sz="1100" u="none" strike="noStrike">
-                          <a:effectLst/>
-                        </a:rPr>
-                        <a:t> </a:t>
-                      </a:r>
-                      <a:endParaRPr lang="en-US" sz="1100" b="0" i="0" u="none" strike="noStrike">
-                        <a:solidFill>
-                          <a:srgbClr val="000000"/>
-                        </a:solidFill>
-                        <a:effectLst/>
-                        <a:latin typeface="Calibri" panose="020F0502020204030204" pitchFamily="34" charset="0"/>
-                      </a:endParaRPr>
-                    </a:p>
-                  </a:txBody>
-                  <a:tcPr marL="9423" marR="9423" marT="9423" marB="0" anchor="ctr"/>
+                  <a:tcPr marL="9423" marR="9423" marT="9423" marB="0" anchor="ctr">
+                    <a:solidFill>
+                      <a:schemeClr val="accent6">
+                        <a:lumMod val="60000"/>
+                        <a:lumOff val="40000"/>
+                      </a:schemeClr>
+                    </a:solidFill>
+                  </a:tcPr>
+                </a:tc>
+                <a:tc>
+                  <a:txBody>
+                    <a:bodyPr/>
+                    <a:lstStyle/>
+                    <a:p>
+                      <a:pPr algn="ctr" rtl="0" fontAlgn="b"/>
+                      <a:r>
+                        <a:rPr lang="en-US" sz="1100" u="none" strike="noStrike">
+                          <a:effectLst/>
+                        </a:rPr>
+                        <a:t> </a:t>
+                      </a:r>
+                      <a:endParaRPr lang="en-US" sz="1100" b="0" i="0" u="none" strike="noStrike">
+                        <a:solidFill>
+                          <a:srgbClr val="000000"/>
+                        </a:solidFill>
+                        <a:effectLst/>
+                        <a:latin typeface="Calibri" panose="020F0502020204030204" pitchFamily="34" charset="0"/>
+                      </a:endParaRPr>
+                    </a:p>
+                  </a:txBody>
+                  <a:tcPr marL="9423" marR="9423" marT="9423" marB="0" anchor="ctr">
+                    <a:solidFill>
+                      <a:schemeClr val="accent2">
+                        <a:lumMod val="60000"/>
+                        <a:lumOff val="40000"/>
+                      </a:schemeClr>
+                    </a:solidFill>
+                  </a:tcPr>
+                </a:tc>
+                <a:tc>
+                  <a:txBody>
+                    <a:bodyPr/>
+                    <a:lstStyle/>
+                    <a:p>
+                      <a:pPr algn="ctr" rtl="0" fontAlgn="b"/>
+                      <a:r>
+                        <a:rPr lang="en-US" sz="1100" u="none" strike="noStrike">
+                          <a:effectLst/>
+                        </a:rPr>
+                        <a:t> </a:t>
+                      </a:r>
+                      <a:endParaRPr lang="en-US" sz="1100" b="0" i="0" u="none" strike="noStrike">
+                        <a:solidFill>
+                          <a:srgbClr val="000000"/>
+                        </a:solidFill>
+                        <a:effectLst/>
+                        <a:latin typeface="Calibri" panose="020F0502020204030204" pitchFamily="34" charset="0"/>
+                      </a:endParaRPr>
+                    </a:p>
+                  </a:txBody>
+                  <a:tcPr marL="9423" marR="9423" marT="9423" marB="0" anchor="ctr">
+                    <a:solidFill>
+                      <a:schemeClr val="accent2">
+                        <a:lumMod val="60000"/>
+                        <a:lumOff val="40000"/>
+                      </a:schemeClr>
+                    </a:solidFill>
+                  </a:tcPr>
+                </a:tc>
+                <a:tc>
+                  <a:txBody>
+                    <a:bodyPr/>
+                    <a:lstStyle/>
+                    <a:p>
+                      <a:pPr algn="ctr" rtl="0" fontAlgn="b"/>
+                      <a:r>
+                        <a:rPr lang="en-US" sz="1100" u="none" strike="noStrike">
+                          <a:effectLst/>
+                        </a:rPr>
+                        <a:t> </a:t>
+                      </a:r>
+                      <a:endParaRPr lang="en-US" sz="1100" b="0" i="0" u="none" strike="noStrike">
+                        <a:solidFill>
+                          <a:srgbClr val="000000"/>
+                        </a:solidFill>
+                        <a:effectLst/>
+                        <a:latin typeface="Calibri" panose="020F0502020204030204" pitchFamily="34" charset="0"/>
+                      </a:endParaRPr>
+                    </a:p>
+                  </a:txBody>
+                  <a:tcPr marL="9423" marR="9423" marT="9423" marB="0" anchor="ctr">
+                    <a:solidFill>
+                      <a:schemeClr val="accent2">
+                        <a:lumMod val="60000"/>
+                        <a:lumOff val="40000"/>
+                      </a:schemeClr>
+                    </a:solidFill>
+                  </a:tcPr>
+                </a:tc>
+                <a:tc>
+                  <a:txBody>
+                    <a:bodyPr/>
+                    <a:lstStyle/>
+                    <a:p>
+                      <a:pPr algn="ctr" rtl="0" fontAlgn="b"/>
+                      <a:r>
+                        <a:rPr lang="en-US" sz="1100" u="none" strike="noStrike">
+                          <a:effectLst/>
+                        </a:rPr>
+                        <a:t> </a:t>
+                      </a:r>
+                      <a:endParaRPr lang="en-US" sz="1100" b="0" i="0" u="none" strike="noStrike">
+                        <a:solidFill>
+                          <a:srgbClr val="000000"/>
+                        </a:solidFill>
+                        <a:effectLst/>
+                        <a:latin typeface="Calibri" panose="020F0502020204030204" pitchFamily="34" charset="0"/>
+                      </a:endParaRPr>
+                    </a:p>
+                  </a:txBody>
+                  <a:tcPr marL="9423" marR="9423" marT="9423" marB="0" anchor="ctr">
+                    <a:solidFill>
+                      <a:schemeClr val="accent5">
+                        <a:lumMod val="60000"/>
+                        <a:lumOff val="40000"/>
+                      </a:schemeClr>
+                    </a:solidFill>
+                  </a:tcPr>
+                </a:tc>
+                <a:tc>
+                  <a:txBody>
+                    <a:bodyPr/>
+                    <a:lstStyle/>
+                    <a:p>
+                      <a:pPr algn="ctr" rtl="0" fontAlgn="b"/>
+                      <a:r>
+                        <a:rPr lang="en-US" sz="1100" u="none" strike="noStrike">
+                          <a:effectLst/>
+                        </a:rPr>
+                        <a:t> </a:t>
+                      </a:r>
+                      <a:endParaRPr lang="en-US" sz="1100" b="0" i="0" u="none" strike="noStrike">
+                        <a:solidFill>
+                          <a:srgbClr val="000000"/>
+                        </a:solidFill>
+                        <a:effectLst/>
+                        <a:latin typeface="Calibri" panose="020F0502020204030204" pitchFamily="34" charset="0"/>
+                      </a:endParaRPr>
+                    </a:p>
+                  </a:txBody>
+                  <a:tcPr marL="9423" marR="9423" marT="9423" marB="0" anchor="ctr">
+                    <a:solidFill>
+                      <a:schemeClr val="accent5">
+                        <a:lumMod val="60000"/>
+                        <a:lumOff val="40000"/>
+                      </a:schemeClr>
+                    </a:solidFill>
+                  </a:tcPr>
+                </a:tc>
+                <a:tc>
+                  <a:txBody>
+                    <a:bodyPr/>
+                    <a:lstStyle/>
+                    <a:p>
+                      <a:pPr algn="ctr" rtl="0" fontAlgn="b"/>
+                      <a:r>
+                        <a:rPr lang="en-US" sz="1100" u="none" strike="noStrike">
+                          <a:effectLst/>
+                        </a:rPr>
+                        <a:t> </a:t>
+                      </a:r>
+                      <a:endParaRPr lang="en-US" sz="1100" b="0" i="0" u="none" strike="noStrike">
+                        <a:solidFill>
+                          <a:srgbClr val="000000"/>
+                        </a:solidFill>
+                        <a:effectLst/>
+                        <a:latin typeface="Calibri" panose="020F0502020204030204" pitchFamily="34" charset="0"/>
+                      </a:endParaRPr>
+                    </a:p>
+                  </a:txBody>
+                  <a:tcPr marL="9423" marR="9423" marT="9423" marB="0" anchor="ctr">
+                    <a:solidFill>
+                      <a:schemeClr val="accent5">
+                        <a:lumMod val="60000"/>
+                        <a:lumOff val="40000"/>
+                      </a:schemeClr>
+                    </a:solidFill>
+                  </a:tcPr>
+                </a:tc>
+                <a:tc>
+                  <a:txBody>
+                    <a:bodyPr/>
+                    <a:lstStyle/>
+                    <a:p>
+                      <a:pPr algn="ctr" rtl="0" fontAlgn="b"/>
+                      <a:r>
+                        <a:rPr lang="en-US" sz="1100" u="none" strike="noStrike">
+                          <a:effectLst/>
+                        </a:rPr>
+                        <a:t> </a:t>
+                      </a:r>
+                      <a:endParaRPr lang="en-US" sz="1100" b="0" i="0" u="none" strike="noStrike">
+                        <a:solidFill>
+                          <a:srgbClr val="000000"/>
+                        </a:solidFill>
+                        <a:effectLst/>
+                        <a:latin typeface="Calibri" panose="020F0502020204030204" pitchFamily="34" charset="0"/>
+                      </a:endParaRPr>
+                    </a:p>
+                  </a:txBody>
+                  <a:tcPr marL="9423" marR="9423" marT="9423" marB="0" anchor="ctr">
+                    <a:solidFill>
+                      <a:schemeClr val="accent5">
+                        <a:lumMod val="60000"/>
+                        <a:lumOff val="40000"/>
+                      </a:schemeClr>
+                    </a:solidFill>
+                  </a:tcPr>
+                </a:tc>
+                <a:tc>
+                  <a:txBody>
+                    <a:bodyPr/>
+                    <a:lstStyle/>
+                    <a:p>
+                      <a:pPr algn="ctr" rtl="0" fontAlgn="b"/>
+                      <a:r>
+                        <a:rPr lang="en-US" sz="1100" u="none" strike="noStrike">
+                          <a:effectLst/>
+                        </a:rPr>
+                        <a:t> </a:t>
+                      </a:r>
+                      <a:endParaRPr lang="en-US" sz="1100" b="0" i="0" u="none" strike="noStrike">
+                        <a:solidFill>
+                          <a:srgbClr val="000000"/>
+                        </a:solidFill>
+                        <a:effectLst/>
+                        <a:latin typeface="Calibri" panose="020F0502020204030204" pitchFamily="34" charset="0"/>
+                      </a:endParaRPr>
+                    </a:p>
+                  </a:txBody>
+                  <a:tcPr marL="9423" marR="9423" marT="9423" marB="0" anchor="ctr">
+                    <a:solidFill>
+                      <a:schemeClr val="accent5">
+                        <a:lumMod val="60000"/>
+                        <a:lumOff val="40000"/>
+                      </a:schemeClr>
+                    </a:solidFill>
+                  </a:tcPr>
+                </a:tc>
+                <a:tc>
+                  <a:txBody>
+                    <a:bodyPr/>
+                    <a:lstStyle/>
+                    <a:p>
+                      <a:pPr algn="ctr" rtl="0" fontAlgn="b"/>
+                      <a:r>
+                        <a:rPr lang="en-US" sz="1100" u="none" strike="noStrike">
+                          <a:effectLst/>
+                        </a:rPr>
+                        <a:t> </a:t>
+                      </a:r>
+                      <a:endParaRPr lang="en-US" sz="1100" b="0" i="0" u="none" strike="noStrike">
+                        <a:solidFill>
+                          <a:srgbClr val="000000"/>
+                        </a:solidFill>
+                        <a:effectLst/>
+                        <a:latin typeface="Calibri" panose="020F0502020204030204" pitchFamily="34" charset="0"/>
+                      </a:endParaRPr>
+                    </a:p>
+                  </a:txBody>
+                  <a:tcPr marL="9423" marR="9423" marT="9423" marB="0" anchor="ctr">
+                    <a:solidFill>
+                      <a:schemeClr val="accent5">
+                        <a:lumMod val="60000"/>
+                        <a:lumOff val="40000"/>
+                      </a:schemeClr>
+                    </a:solidFill>
+                  </a:tcPr>
+                </a:tc>
+                <a:tc>
+                  <a:txBody>
+                    <a:bodyPr/>
+                    <a:lstStyle/>
+                    <a:p>
+                      <a:pPr algn="ctr" rtl="0" fontAlgn="b"/>
+                      <a:r>
+                        <a:rPr lang="en-US" sz="1100" u="none" strike="noStrike">
+                          <a:effectLst/>
+                        </a:rPr>
+                        <a:t> </a:t>
+                      </a:r>
+                      <a:endParaRPr lang="en-US" sz="1100" b="0" i="0" u="none" strike="noStrike">
+                        <a:solidFill>
+                          <a:srgbClr val="000000"/>
+                        </a:solidFill>
+                        <a:effectLst/>
+                        <a:latin typeface="Calibri" panose="020F0502020204030204" pitchFamily="34" charset="0"/>
+                      </a:endParaRPr>
+                    </a:p>
+                  </a:txBody>
+                  <a:tcPr marL="9423" marR="9423" marT="9423" marB="0" anchor="ctr">
+                    <a:solidFill>
+                      <a:schemeClr val="accent5">
+                        <a:lumMod val="60000"/>
+                        <a:lumOff val="40000"/>
+                      </a:schemeClr>
+                    </a:solidFill>
+                  </a:tcPr>
+                </a:tc>
+                <a:tc>
+                  <a:txBody>
+                    <a:bodyPr/>
+                    <a:lstStyle/>
+                    <a:p>
+                      <a:pPr algn="ctr" rtl="0" fontAlgn="b"/>
+                      <a:r>
+                        <a:rPr lang="en-US" sz="1100" u="none" strike="noStrike">
+                          <a:effectLst/>
+                        </a:rPr>
+                        <a:t> </a:t>
+                      </a:r>
+                      <a:endParaRPr lang="en-US" sz="1100" b="0" i="0" u="none" strike="noStrike">
+                        <a:solidFill>
+                          <a:srgbClr val="000000"/>
+                        </a:solidFill>
+                        <a:effectLst/>
+                        <a:latin typeface="Calibri" panose="020F0502020204030204" pitchFamily="34" charset="0"/>
+                      </a:endParaRPr>
+                    </a:p>
+                  </a:txBody>
+                  <a:tcPr marL="9423" marR="9423" marT="9423" marB="0" anchor="ctr">
+                    <a:solidFill>
+                      <a:schemeClr val="accent5">
+                        <a:lumMod val="60000"/>
+                        <a:lumOff val="40000"/>
+                      </a:schemeClr>
+                    </a:solidFill>
+                  </a:tcPr>
+                </a:tc>
+                <a:tc>
+                  <a:txBody>
+                    <a:bodyPr/>
+                    <a:lstStyle/>
+                    <a:p>
+                      <a:pPr algn="ctr" rtl="0" fontAlgn="b"/>
+                      <a:r>
+                        <a:rPr lang="en-US" sz="1100" u="none" strike="noStrike">
+                          <a:effectLst/>
+                        </a:rPr>
+                        <a:t> </a:t>
+                      </a:r>
+                      <a:endParaRPr lang="en-US" sz="1100" b="0" i="0" u="none" strike="noStrike">
+                        <a:solidFill>
+                          <a:srgbClr val="000000"/>
+                        </a:solidFill>
+                        <a:effectLst/>
+                        <a:latin typeface="Calibri" panose="020F0502020204030204" pitchFamily="34" charset="0"/>
+                      </a:endParaRPr>
+                    </a:p>
+                  </a:txBody>
+                  <a:tcPr marL="9423" marR="9423" marT="9423" marB="0" anchor="ctr">
+                    <a:solidFill>
+                      <a:schemeClr val="accent5">
+                        <a:lumMod val="60000"/>
+                        <a:lumOff val="40000"/>
+                      </a:schemeClr>
+                    </a:solidFill>
+                  </a:tcPr>
+                </a:tc>
+                <a:tc>
+                  <a:txBody>
+                    <a:bodyPr/>
+                    <a:lstStyle/>
+                    <a:p>
+                      <a:pPr algn="ctr" rtl="0" fontAlgn="b"/>
+                      <a:r>
+                        <a:rPr lang="en-US" sz="1100" u="none" strike="noStrike">
+                          <a:effectLst/>
+                        </a:rPr>
+                        <a:t> </a:t>
+                      </a:r>
+                      <a:endParaRPr lang="en-US" sz="1100" b="0" i="0" u="none" strike="noStrike">
+                        <a:solidFill>
+                          <a:srgbClr val="000000"/>
+                        </a:solidFill>
+                        <a:effectLst/>
+                        <a:latin typeface="Calibri" panose="020F0502020204030204" pitchFamily="34" charset="0"/>
+                      </a:endParaRPr>
+                    </a:p>
+                  </a:txBody>
+                  <a:tcPr marL="9423" marR="9423" marT="9423" marB="0" anchor="ctr">
+                    <a:solidFill>
+                      <a:schemeClr val="accent5">
+                        <a:lumMod val="60000"/>
+                        <a:lumOff val="40000"/>
+                      </a:schemeClr>
+                    </a:solidFill>
+                  </a:tcPr>
+                </a:tc>
+                <a:tc>
+                  <a:txBody>
+                    <a:bodyPr/>
+                    <a:lstStyle/>
+                    <a:p>
+                      <a:pPr algn="ctr" rtl="0" fontAlgn="b"/>
+                      <a:r>
+                        <a:rPr lang="en-US" sz="1100" u="none" strike="noStrike">
+                          <a:effectLst/>
+                        </a:rPr>
+                        <a:t> </a:t>
+                      </a:r>
+                      <a:endParaRPr lang="en-US" sz="1100" b="0" i="0" u="none" strike="noStrike">
+                        <a:solidFill>
+                          <a:srgbClr val="000000"/>
+                        </a:solidFill>
+                        <a:effectLst/>
+                        <a:latin typeface="Calibri" panose="020F0502020204030204" pitchFamily="34" charset="0"/>
+                      </a:endParaRPr>
+                    </a:p>
+                  </a:txBody>
+                  <a:tcPr marL="9423" marR="9423" marT="9423" marB="0" anchor="ctr">
+                    <a:solidFill>
+                      <a:schemeClr val="accent5">
+                        <a:lumMod val="60000"/>
+                        <a:lumOff val="40000"/>
+                      </a:schemeClr>
+                    </a:solidFill>
+                  </a:tcPr>
+                </a:tc>
+                <a:tc>
+                  <a:txBody>
+                    <a:bodyPr/>
+                    <a:lstStyle/>
+                    <a:p>
+                      <a:pPr algn="ctr" rtl="0" fontAlgn="b"/>
+                      <a:r>
+                        <a:rPr lang="en-US" sz="1100" u="none" strike="noStrike">
+                          <a:effectLst/>
+                        </a:rPr>
+                        <a:t> </a:t>
+                      </a:r>
+                      <a:endParaRPr lang="en-US" sz="1100" b="0" i="0" u="none" strike="noStrike">
+                        <a:solidFill>
+                          <a:srgbClr val="000000"/>
+                        </a:solidFill>
+                        <a:effectLst/>
+                        <a:latin typeface="Calibri" panose="020F0502020204030204" pitchFamily="34" charset="0"/>
+                      </a:endParaRPr>
+                    </a:p>
+                  </a:txBody>
+                  <a:tcPr marL="9423" marR="9423" marT="9423" marB="0" anchor="ctr">
+                    <a:solidFill>
+                      <a:schemeClr val="accent5">
+                        <a:lumMod val="60000"/>
+                        <a:lumOff val="40000"/>
+                      </a:schemeClr>
+                    </a:solidFill>
+                  </a:tcPr>
                 </a:tc>
               </a:tr>
               <a:tr h="376903">
@@ -5205,44 +5535,57 @@
                     <a:p>
                       <a:pPr algn="l" rtl="0" fontAlgn="t"/>
                       <a:r>
-                        <a:rPr lang="es-ES" sz="1100" u="none" strike="noStrike">
+                        <a:rPr lang="es-ES" sz="1100" u="none" strike="noStrike" dirty="0">
                           <a:effectLst/>
                         </a:rPr>
                         <a:t>Conservar especies en régimen de protección especial </a:t>
                       </a:r>
-                      <a:endParaRPr lang="es-ES" sz="1100" b="0" i="0" u="none" strike="noStrike">
-                        <a:solidFill>
-                          <a:srgbClr val="000000"/>
-                        </a:solidFill>
-                        <a:effectLst/>
-                        <a:latin typeface="Calibri" panose="020F0502020204030204" pitchFamily="34" charset="0"/>
-                      </a:endParaRPr>
-                    </a:p>
-                  </a:txBody>
-                  <a:tcPr marL="9423" marR="9423" marT="9423" marB="0" anchor="ctr"/>
-                </a:tc>
-                <a:tc>
-                  <a:txBody>
-                    <a:bodyPr/>
-                    <a:lstStyle/>
-                    <a:p>
-                      <a:pPr algn="ctr" rtl="0" fontAlgn="b"/>
-                      <a:r>
-                        <a:rPr lang="en-US" sz="1100" u="none" strike="noStrike">
-                          <a:effectLst/>
-                        </a:rPr>
-                        <a:t> </a:t>
-                      </a:r>
-                      <a:endParaRPr lang="en-US" sz="1100" b="0" i="0" u="none" strike="noStrike">
-                        <a:solidFill>
-                          <a:srgbClr val="000000"/>
-                        </a:solidFill>
-                        <a:effectLst/>
-                        <a:latin typeface="Calibri" panose="020F0502020204030204" pitchFamily="34" charset="0"/>
-                      </a:endParaRPr>
-                    </a:p>
-                  </a:txBody>
-                  <a:tcPr marL="9423" marR="9423" marT="9423" marB="0" anchor="ctr"/>
+                      <a:endParaRPr lang="es-ES" sz="1100" b="0" i="0" u="none" strike="noStrike" dirty="0">
+                        <a:solidFill>
+                          <a:srgbClr val="000000"/>
+                        </a:solidFill>
+                        <a:effectLst/>
+                        <a:latin typeface="Calibri" panose="020F0502020204030204" pitchFamily="34" charset="0"/>
+                      </a:endParaRPr>
+                    </a:p>
+                  </a:txBody>
+                  <a:tcPr marL="9423" marR="9423" marT="9423" marB="0" anchor="ctr">
+                    <a:solidFill>
+                      <a:schemeClr val="bg1">
+                        <a:lumMod val="85000"/>
+                      </a:schemeClr>
+                    </a:solidFill>
+                  </a:tcPr>
+                </a:tc>
+                <a:tc>
+                  <a:txBody>
+                    <a:bodyPr/>
+                    <a:lstStyle/>
+                    <a:p>
+                      <a:pPr algn="ctr" rtl="0" fontAlgn="b"/>
+                      <a:r>
+                        <a:rPr lang="en-US" sz="1100" u="none" strike="noStrike">
+                          <a:effectLst/>
+                        </a:rPr>
+                        <a:t> </a:t>
+                      </a:r>
+                      <a:endParaRPr lang="en-US" sz="1100" b="0" i="0" u="none" strike="noStrike">
+                        <a:solidFill>
+                          <a:srgbClr val="000000"/>
+                        </a:solidFill>
+                        <a:effectLst/>
+                        <a:latin typeface="Calibri" panose="020F0502020204030204" pitchFamily="34" charset="0"/>
+                      </a:endParaRPr>
+                    </a:p>
+                  </a:txBody>
+                  <a:tcPr marL="9423" marR="9423" marT="9423" marB="0" anchor="ctr">
+                    <a:solidFill>
+                      <a:schemeClr val="accent6">
+                        <a:lumMod val="60000"/>
+                        <a:lumOff val="40000"/>
+                      </a:schemeClr>
+                    </a:solidFill>
+                  </a:tcPr>
                 </a:tc>
                 <a:tc>
                   <a:txBody>
@@ -5265,7 +5608,14 @@
                       </a:endParaRPr>
                     </a:p>
                   </a:txBody>
-                  <a:tcPr marL="9423" marR="9423" marT="9423" marB="0" anchor="ctr"/>
+                  <a:tcPr marL="9423" marR="9423" marT="9423" marB="0" anchor="ctr">
+                    <a:solidFill>
+                      <a:schemeClr val="accent6">
+                        <a:lumMod val="60000"/>
+                        <a:lumOff val="40000"/>
+                      </a:schemeClr>
+                    </a:solidFill>
+                  </a:tcPr>
                 </a:tc>
                 <a:tc>
                   <a:txBody>
@@ -5288,7 +5638,14 @@
                       </a:endParaRPr>
                     </a:p>
                   </a:txBody>
-                  <a:tcPr marL="9423" marR="9423" marT="9423" marB="0" anchor="ctr"/>
+                  <a:tcPr marL="9423" marR="9423" marT="9423" marB="0" anchor="ctr">
+                    <a:solidFill>
+                      <a:schemeClr val="accent6">
+                        <a:lumMod val="60000"/>
+                        <a:lumOff val="40000"/>
+                      </a:schemeClr>
+                    </a:solidFill>
+                  </a:tcPr>
                 </a:tc>
                 <a:tc>
                   <a:txBody>
@@ -5311,30 +5668,44 @@
                       </a:endParaRPr>
                     </a:p>
                   </a:txBody>
-                  <a:tcPr marL="9423" marR="9423" marT="9423" marB="0" anchor="ctr"/>
-                </a:tc>
-                <a:tc>
-                  <a:txBody>
-                    <a:bodyPr/>
-                    <a:lstStyle/>
-                    <a:p>
-                      <a:pPr algn="ctr" rtl="0" fontAlgn="b"/>
-                      <a:r>
-                        <a:rPr lang="en-US" sz="1100" u="none" strike="noStrike">
-                          <a:effectLst/>
-                        </a:rPr>
-                        <a:t> </a:t>
-                      </a:r>
-                      <a:endParaRPr lang="en-US" sz="1100" b="0" i="0" u="none" strike="noStrike">
-                        <a:solidFill>
-                          <a:srgbClr val="000000"/>
-                        </a:solidFill>
-                        <a:effectLst/>
-                        <a:latin typeface="Calibri" panose="020F0502020204030204" pitchFamily="34" charset="0"/>
-                      </a:endParaRPr>
-                    </a:p>
-                  </a:txBody>
-                  <a:tcPr marL="9423" marR="9423" marT="9423" marB="0" anchor="ctr"/>
+                  <a:tcPr marL="9423" marR="9423" marT="9423" marB="0" anchor="ctr">
+                    <a:solidFill>
+                      <a:schemeClr val="accent6">
+                        <a:lumMod val="60000"/>
+                        <a:lumOff val="40000"/>
+                      </a:schemeClr>
+                    </a:solidFill>
+                  </a:tcPr>
+                </a:tc>
+                <a:tc>
+                  <a:txBody>
+                    <a:bodyPr/>
+                    <a:lstStyle/>
+                    <a:p>
+                      <a:pPr algn="ctr" rtl="0" fontAlgn="b"/>
+                      <a:r>
+                        <a:rPr lang="en-US" sz="1100" u="none" strike="noStrike">
+                          <a:effectLst/>
+                        </a:rPr>
+                        <a:t> </a:t>
+                      </a:r>
+                      <a:endParaRPr lang="en-US" sz="1100" b="0" i="0" u="none" strike="noStrike">
+                        <a:solidFill>
+                          <a:srgbClr val="000000"/>
+                        </a:solidFill>
+                        <a:effectLst/>
+                        <a:latin typeface="Calibri" panose="020F0502020204030204" pitchFamily="34" charset="0"/>
+                      </a:endParaRPr>
+                    </a:p>
+                  </a:txBody>
+                  <a:tcPr marL="9423" marR="9423" marT="9423" marB="0" anchor="ctr">
+                    <a:solidFill>
+                      <a:schemeClr val="accent6">
+                        <a:lumMod val="60000"/>
+                        <a:lumOff val="40000"/>
+                      </a:schemeClr>
+                    </a:solidFill>
+                  </a:tcPr>
                 </a:tc>
                 <a:tc>
                   <a:txBody>
@@ -5357,352 +5728,464 @@
                       </a:endParaRPr>
                     </a:p>
                   </a:txBody>
-                  <a:tcPr marL="9423" marR="9423" marT="9423" marB="0" anchor="ctr"/>
-                </a:tc>
-                <a:tc>
-                  <a:txBody>
-                    <a:bodyPr/>
-                    <a:lstStyle/>
-                    <a:p>
-                      <a:pPr algn="ctr" rtl="0" fontAlgn="b"/>
-                      <a:r>
-                        <a:rPr lang="en-US" sz="1100" u="none" strike="noStrike">
-                          <a:effectLst/>
-                        </a:rPr>
-                        <a:t> </a:t>
-                      </a:r>
-                      <a:endParaRPr lang="en-US" sz="1100" b="0" i="0" u="none" strike="noStrike">
-                        <a:solidFill>
-                          <a:srgbClr val="000000"/>
-                        </a:solidFill>
-                        <a:effectLst/>
-                        <a:latin typeface="Calibri" panose="020F0502020204030204" pitchFamily="34" charset="0"/>
-                      </a:endParaRPr>
-                    </a:p>
-                  </a:txBody>
-                  <a:tcPr marL="9423" marR="9423" marT="9423" marB="0" anchor="ctr"/>
-                </a:tc>
-                <a:tc>
-                  <a:txBody>
-                    <a:bodyPr/>
-                    <a:lstStyle/>
-                    <a:p>
-                      <a:pPr algn="ctr" rtl="0" fontAlgn="b"/>
-                      <a:r>
-                        <a:rPr lang="en-US" sz="1100" u="none" strike="noStrike">
-                          <a:effectLst/>
-                        </a:rPr>
-                        <a:t> </a:t>
-                      </a:r>
-                      <a:endParaRPr lang="en-US" sz="1100" b="0" i="0" u="none" strike="noStrike">
-                        <a:solidFill>
-                          <a:srgbClr val="000000"/>
-                        </a:solidFill>
-                        <a:effectLst/>
-                        <a:latin typeface="Calibri" panose="020F0502020204030204" pitchFamily="34" charset="0"/>
-                      </a:endParaRPr>
-                    </a:p>
-                  </a:txBody>
-                  <a:tcPr marL="9423" marR="9423" marT="9423" marB="0" anchor="ctr"/>
-                </a:tc>
-                <a:tc>
-                  <a:txBody>
-                    <a:bodyPr/>
-                    <a:lstStyle/>
-                    <a:p>
-                      <a:pPr algn="ctr" rtl="0" fontAlgn="b"/>
-                      <a:r>
-                        <a:rPr lang="en-US" sz="1100" u="none" strike="noStrike">
-                          <a:effectLst/>
-                        </a:rPr>
-                        <a:t> </a:t>
-                      </a:r>
-                      <a:endParaRPr lang="en-US" sz="1100" b="0" i="0" u="none" strike="noStrike">
-                        <a:solidFill>
-                          <a:srgbClr val="000000"/>
-                        </a:solidFill>
-                        <a:effectLst/>
-                        <a:latin typeface="Calibri" panose="020F0502020204030204" pitchFamily="34" charset="0"/>
-                      </a:endParaRPr>
-                    </a:p>
-                  </a:txBody>
-                  <a:tcPr marL="9423" marR="9423" marT="9423" marB="0" anchor="ctr"/>
-                </a:tc>
-                <a:tc>
-                  <a:txBody>
-                    <a:bodyPr/>
-                    <a:lstStyle/>
-                    <a:p>
-                      <a:pPr algn="ctr" rtl="0" fontAlgn="b"/>
-                      <a:r>
-                        <a:rPr lang="en-US" sz="1100" u="none" strike="noStrike">
-                          <a:effectLst/>
-                        </a:rPr>
-                        <a:t> </a:t>
-                      </a:r>
-                      <a:endParaRPr lang="en-US" sz="1100" b="0" i="0" u="none" strike="noStrike">
-                        <a:solidFill>
-                          <a:srgbClr val="000000"/>
-                        </a:solidFill>
-                        <a:effectLst/>
-                        <a:latin typeface="Calibri" panose="020F0502020204030204" pitchFamily="34" charset="0"/>
-                      </a:endParaRPr>
-                    </a:p>
-                  </a:txBody>
-                  <a:tcPr marL="9423" marR="9423" marT="9423" marB="0" anchor="ctr"/>
-                </a:tc>
-                <a:tc>
-                  <a:txBody>
-                    <a:bodyPr/>
-                    <a:lstStyle/>
-                    <a:p>
-                      <a:pPr algn="ctr" rtl="0" fontAlgn="b"/>
-                      <a:r>
-                        <a:rPr lang="en-US" sz="1100" u="none" strike="noStrike">
-                          <a:effectLst/>
-                        </a:rPr>
-                        <a:t> </a:t>
-                      </a:r>
-                      <a:endParaRPr lang="en-US" sz="1100" b="0" i="0" u="none" strike="noStrike">
-                        <a:solidFill>
-                          <a:srgbClr val="000000"/>
-                        </a:solidFill>
-                        <a:effectLst/>
-                        <a:latin typeface="Calibri" panose="020F0502020204030204" pitchFamily="34" charset="0"/>
-                      </a:endParaRPr>
-                    </a:p>
-                  </a:txBody>
-                  <a:tcPr marL="9423" marR="9423" marT="9423" marB="0" anchor="ctr"/>
-                </a:tc>
-                <a:tc>
-                  <a:txBody>
-                    <a:bodyPr/>
-                    <a:lstStyle/>
-                    <a:p>
-                      <a:pPr algn="ctr" rtl="0" fontAlgn="b"/>
-                      <a:r>
-                        <a:rPr lang="en-US" sz="1100" u="none" strike="noStrike">
-                          <a:effectLst/>
-                        </a:rPr>
-                        <a:t> </a:t>
-                      </a:r>
-                      <a:endParaRPr lang="en-US" sz="1100" b="0" i="0" u="none" strike="noStrike">
-                        <a:solidFill>
-                          <a:srgbClr val="000000"/>
-                        </a:solidFill>
-                        <a:effectLst/>
-                        <a:latin typeface="Calibri" panose="020F0502020204030204" pitchFamily="34" charset="0"/>
-                      </a:endParaRPr>
-                    </a:p>
-                  </a:txBody>
-                  <a:tcPr marL="9423" marR="9423" marT="9423" marB="0" anchor="ctr"/>
-                </a:tc>
-                <a:tc>
-                  <a:txBody>
-                    <a:bodyPr/>
-                    <a:lstStyle/>
-                    <a:p>
-                      <a:pPr algn="ctr" rtl="0" fontAlgn="b"/>
-                      <a:r>
-                        <a:rPr lang="en-US" sz="1100" u="none" strike="noStrike">
-                          <a:effectLst/>
-                        </a:rPr>
-                        <a:t> </a:t>
-                      </a:r>
-                      <a:endParaRPr lang="en-US" sz="1100" b="0" i="0" u="none" strike="noStrike">
-                        <a:solidFill>
-                          <a:srgbClr val="000000"/>
-                        </a:solidFill>
-                        <a:effectLst/>
-                        <a:latin typeface="Calibri" panose="020F0502020204030204" pitchFamily="34" charset="0"/>
-                      </a:endParaRPr>
-                    </a:p>
-                  </a:txBody>
-                  <a:tcPr marL="9423" marR="9423" marT="9423" marB="0" anchor="ctr"/>
-                </a:tc>
-                <a:tc>
-                  <a:txBody>
-                    <a:bodyPr/>
-                    <a:lstStyle/>
-                    <a:p>
-                      <a:pPr algn="ctr" rtl="0" fontAlgn="b"/>
-                      <a:r>
-                        <a:rPr lang="en-US" sz="1100" u="none" strike="noStrike">
-                          <a:effectLst/>
-                        </a:rPr>
-                        <a:t> </a:t>
-                      </a:r>
-                      <a:endParaRPr lang="en-US" sz="1100" b="0" i="0" u="none" strike="noStrike">
-                        <a:solidFill>
-                          <a:srgbClr val="000000"/>
-                        </a:solidFill>
-                        <a:effectLst/>
-                        <a:latin typeface="Calibri" panose="020F0502020204030204" pitchFamily="34" charset="0"/>
-                      </a:endParaRPr>
-                    </a:p>
-                  </a:txBody>
-                  <a:tcPr marL="9423" marR="9423" marT="9423" marB="0" anchor="ctr"/>
-                </a:tc>
-                <a:tc>
-                  <a:txBody>
-                    <a:bodyPr/>
-                    <a:lstStyle/>
-                    <a:p>
-                      <a:pPr algn="ctr" rtl="0" fontAlgn="b"/>
-                      <a:r>
-                        <a:rPr lang="en-US" sz="1100" u="none" strike="noStrike">
-                          <a:effectLst/>
-                        </a:rPr>
-                        <a:t> </a:t>
-                      </a:r>
-                      <a:endParaRPr lang="en-US" sz="1100" b="0" i="0" u="none" strike="noStrike">
-                        <a:solidFill>
-                          <a:srgbClr val="000000"/>
-                        </a:solidFill>
-                        <a:effectLst/>
-                        <a:latin typeface="Calibri" panose="020F0502020204030204" pitchFamily="34" charset="0"/>
-                      </a:endParaRPr>
-                    </a:p>
-                  </a:txBody>
-                  <a:tcPr marL="9423" marR="9423" marT="9423" marB="0" anchor="ctr"/>
-                </a:tc>
-                <a:tc>
-                  <a:txBody>
-                    <a:bodyPr/>
-                    <a:lstStyle/>
-                    <a:p>
-                      <a:pPr algn="ctr" rtl="0" fontAlgn="b"/>
-                      <a:r>
-                        <a:rPr lang="en-US" sz="1100" u="none" strike="noStrike">
-                          <a:effectLst/>
-                        </a:rPr>
-                        <a:t> </a:t>
-                      </a:r>
-                      <a:endParaRPr lang="en-US" sz="1100" b="0" i="0" u="none" strike="noStrike">
-                        <a:solidFill>
-                          <a:srgbClr val="000000"/>
-                        </a:solidFill>
-                        <a:effectLst/>
-                        <a:latin typeface="Calibri" panose="020F0502020204030204" pitchFamily="34" charset="0"/>
-                      </a:endParaRPr>
-                    </a:p>
-                  </a:txBody>
-                  <a:tcPr marL="9423" marR="9423" marT="9423" marB="0" anchor="ctr"/>
-                </a:tc>
-                <a:tc>
-                  <a:txBody>
-                    <a:bodyPr/>
-                    <a:lstStyle/>
-                    <a:p>
-                      <a:pPr algn="ctr" rtl="0" fontAlgn="b"/>
-                      <a:r>
-                        <a:rPr lang="en-US" sz="1100" u="none" strike="noStrike">
-                          <a:effectLst/>
-                        </a:rPr>
-                        <a:t> </a:t>
-                      </a:r>
-                      <a:endParaRPr lang="en-US" sz="1100" b="0" i="0" u="none" strike="noStrike">
-                        <a:solidFill>
-                          <a:srgbClr val="000000"/>
-                        </a:solidFill>
-                        <a:effectLst/>
-                        <a:latin typeface="Calibri" panose="020F0502020204030204" pitchFamily="34" charset="0"/>
-                      </a:endParaRPr>
-                    </a:p>
-                  </a:txBody>
-                  <a:tcPr marL="9423" marR="9423" marT="9423" marB="0" anchor="ctr"/>
-                </a:tc>
-                <a:tc>
-                  <a:txBody>
-                    <a:bodyPr/>
-                    <a:lstStyle/>
-                    <a:p>
-                      <a:pPr algn="ctr" rtl="0" fontAlgn="b"/>
-                      <a:r>
-                        <a:rPr lang="en-US" sz="1100" u="none" strike="noStrike">
-                          <a:effectLst/>
-                        </a:rPr>
-                        <a:t> </a:t>
-                      </a:r>
-                      <a:endParaRPr lang="en-US" sz="1100" b="0" i="0" u="none" strike="noStrike">
-                        <a:solidFill>
-                          <a:srgbClr val="000000"/>
-                        </a:solidFill>
-                        <a:effectLst/>
-                        <a:latin typeface="Calibri" panose="020F0502020204030204" pitchFamily="34" charset="0"/>
-                      </a:endParaRPr>
-                    </a:p>
-                  </a:txBody>
-                  <a:tcPr marL="9423" marR="9423" marT="9423" marB="0" anchor="ctr"/>
-                </a:tc>
-                <a:tc>
-                  <a:txBody>
-                    <a:bodyPr/>
-                    <a:lstStyle/>
-                    <a:p>
-                      <a:pPr algn="ctr" rtl="0" fontAlgn="b"/>
-                      <a:r>
-                        <a:rPr lang="en-US" sz="1100" u="none" strike="noStrike">
-                          <a:effectLst/>
-                        </a:rPr>
-                        <a:t> </a:t>
-                      </a:r>
-                      <a:endParaRPr lang="en-US" sz="1100" b="0" i="0" u="none" strike="noStrike">
-                        <a:solidFill>
-                          <a:srgbClr val="000000"/>
-                        </a:solidFill>
-                        <a:effectLst/>
-                        <a:latin typeface="Calibri" panose="020F0502020204030204" pitchFamily="34" charset="0"/>
-                      </a:endParaRPr>
-                    </a:p>
-                  </a:txBody>
-                  <a:tcPr marL="9423" marR="9423" marT="9423" marB="0" anchor="ctr"/>
-                </a:tc>
-                <a:tc>
-                  <a:txBody>
-                    <a:bodyPr/>
-                    <a:lstStyle/>
-                    <a:p>
-                      <a:pPr algn="ctr" rtl="0" fontAlgn="b"/>
-                      <a:r>
-                        <a:rPr lang="en-US" sz="1100" u="none" strike="noStrike">
-                          <a:effectLst/>
-                        </a:rPr>
-                        <a:t> </a:t>
-                      </a:r>
-                      <a:endParaRPr lang="en-US" sz="1100" b="0" i="0" u="none" strike="noStrike">
-                        <a:solidFill>
-                          <a:srgbClr val="000000"/>
-                        </a:solidFill>
-                        <a:effectLst/>
-                        <a:latin typeface="Calibri" panose="020F0502020204030204" pitchFamily="34" charset="0"/>
-                      </a:endParaRPr>
-                    </a:p>
-                  </a:txBody>
-                  <a:tcPr marL="9423" marR="9423" marT="9423" marB="0" anchor="ctr"/>
-                </a:tc>
-                <a:tc>
-                  <a:txBody>
-                    <a:bodyPr/>
-                    <a:lstStyle/>
-                    <a:p>
-                      <a:pPr algn="ctr" rtl="0" fontAlgn="b"/>
-                      <a:r>
-                        <a:rPr lang="en-US" sz="1100" u="none" strike="noStrike">
-                          <a:effectLst/>
-                        </a:rPr>
-                        <a:t> </a:t>
-                      </a:r>
-                      <a:endParaRPr lang="en-US" sz="1100" b="0" i="0" u="none" strike="noStrike">
-                        <a:solidFill>
-                          <a:srgbClr val="000000"/>
-                        </a:solidFill>
-                        <a:effectLst/>
-                        <a:latin typeface="Calibri" panose="020F0502020204030204" pitchFamily="34" charset="0"/>
-                      </a:endParaRPr>
-                    </a:p>
-                  </a:txBody>
-                  <a:tcPr marL="9423" marR="9423" marT="9423" marB="0" anchor="ctr"/>
+                  <a:tcPr marL="9423" marR="9423" marT="9423" marB="0" anchor="ctr">
+                    <a:solidFill>
+                      <a:schemeClr val="accent6">
+                        <a:lumMod val="60000"/>
+                        <a:lumOff val="40000"/>
+                      </a:schemeClr>
+                    </a:solidFill>
+                  </a:tcPr>
+                </a:tc>
+                <a:tc>
+                  <a:txBody>
+                    <a:bodyPr/>
+                    <a:lstStyle/>
+                    <a:p>
+                      <a:pPr algn="ctr" rtl="0" fontAlgn="b"/>
+                      <a:r>
+                        <a:rPr lang="en-US" sz="1100" u="none" strike="noStrike">
+                          <a:effectLst/>
+                        </a:rPr>
+                        <a:t> </a:t>
+                      </a:r>
+                      <a:endParaRPr lang="en-US" sz="1100" b="0" i="0" u="none" strike="noStrike">
+                        <a:solidFill>
+                          <a:srgbClr val="000000"/>
+                        </a:solidFill>
+                        <a:effectLst/>
+                        <a:latin typeface="Calibri" panose="020F0502020204030204" pitchFamily="34" charset="0"/>
+                      </a:endParaRPr>
+                    </a:p>
+                  </a:txBody>
+                  <a:tcPr marL="9423" marR="9423" marT="9423" marB="0" anchor="ctr">
+                    <a:solidFill>
+                      <a:schemeClr val="accent2">
+                        <a:lumMod val="60000"/>
+                        <a:lumOff val="40000"/>
+                      </a:schemeClr>
+                    </a:solidFill>
+                  </a:tcPr>
+                </a:tc>
+                <a:tc>
+                  <a:txBody>
+                    <a:bodyPr/>
+                    <a:lstStyle/>
+                    <a:p>
+                      <a:pPr algn="ctr" rtl="0" fontAlgn="b"/>
+                      <a:r>
+                        <a:rPr lang="en-US" sz="1100" u="none" strike="noStrike">
+                          <a:effectLst/>
+                        </a:rPr>
+                        <a:t> </a:t>
+                      </a:r>
+                      <a:endParaRPr lang="en-US" sz="1100" b="0" i="0" u="none" strike="noStrike">
+                        <a:solidFill>
+                          <a:srgbClr val="000000"/>
+                        </a:solidFill>
+                        <a:effectLst/>
+                        <a:latin typeface="Calibri" panose="020F0502020204030204" pitchFamily="34" charset="0"/>
+                      </a:endParaRPr>
+                    </a:p>
+                  </a:txBody>
+                  <a:tcPr marL="9423" marR="9423" marT="9423" marB="0" anchor="ctr">
+                    <a:solidFill>
+                      <a:schemeClr val="accent2">
+                        <a:lumMod val="60000"/>
+                        <a:lumOff val="40000"/>
+                      </a:schemeClr>
+                    </a:solidFill>
+                  </a:tcPr>
+                </a:tc>
+                <a:tc>
+                  <a:txBody>
+                    <a:bodyPr/>
+                    <a:lstStyle/>
+                    <a:p>
+                      <a:pPr algn="ctr" rtl="0" fontAlgn="b"/>
+                      <a:r>
+                        <a:rPr lang="en-US" sz="1100" u="none" strike="noStrike">
+                          <a:effectLst/>
+                        </a:rPr>
+                        <a:t> </a:t>
+                      </a:r>
+                      <a:endParaRPr lang="en-US" sz="1100" b="0" i="0" u="none" strike="noStrike">
+                        <a:solidFill>
+                          <a:srgbClr val="000000"/>
+                        </a:solidFill>
+                        <a:effectLst/>
+                        <a:latin typeface="Calibri" panose="020F0502020204030204" pitchFamily="34" charset="0"/>
+                      </a:endParaRPr>
+                    </a:p>
+                  </a:txBody>
+                  <a:tcPr marL="9423" marR="9423" marT="9423" marB="0" anchor="ctr">
+                    <a:solidFill>
+                      <a:schemeClr val="accent2">
+                        <a:lumMod val="60000"/>
+                        <a:lumOff val="40000"/>
+                      </a:schemeClr>
+                    </a:solidFill>
+                  </a:tcPr>
+                </a:tc>
+                <a:tc>
+                  <a:txBody>
+                    <a:bodyPr/>
+                    <a:lstStyle/>
+                    <a:p>
+                      <a:pPr algn="ctr" rtl="0" fontAlgn="b"/>
+                      <a:r>
+                        <a:rPr lang="en-US" sz="1100" u="none" strike="noStrike">
+                          <a:effectLst/>
+                        </a:rPr>
+                        <a:t> </a:t>
+                      </a:r>
+                      <a:endParaRPr lang="en-US" sz="1100" b="0" i="0" u="none" strike="noStrike">
+                        <a:solidFill>
+                          <a:srgbClr val="000000"/>
+                        </a:solidFill>
+                        <a:effectLst/>
+                        <a:latin typeface="Calibri" panose="020F0502020204030204" pitchFamily="34" charset="0"/>
+                      </a:endParaRPr>
+                    </a:p>
+                  </a:txBody>
+                  <a:tcPr marL="9423" marR="9423" marT="9423" marB="0" anchor="ctr">
+                    <a:solidFill>
+                      <a:schemeClr val="accent5">
+                        <a:lumMod val="60000"/>
+                        <a:lumOff val="40000"/>
+                      </a:schemeClr>
+                    </a:solidFill>
+                  </a:tcPr>
+                </a:tc>
+                <a:tc>
+                  <a:txBody>
+                    <a:bodyPr/>
+                    <a:lstStyle/>
+                    <a:p>
+                      <a:pPr algn="ctr" rtl="0" fontAlgn="b"/>
+                      <a:r>
+                        <a:rPr lang="en-US" sz="1100" u="none" strike="noStrike">
+                          <a:effectLst/>
+                        </a:rPr>
+                        <a:t> </a:t>
+                      </a:r>
+                      <a:endParaRPr lang="en-US" sz="1100" b="0" i="0" u="none" strike="noStrike">
+                        <a:solidFill>
+                          <a:srgbClr val="000000"/>
+                        </a:solidFill>
+                        <a:effectLst/>
+                        <a:latin typeface="Calibri" panose="020F0502020204030204" pitchFamily="34" charset="0"/>
+                      </a:endParaRPr>
+                    </a:p>
+                  </a:txBody>
+                  <a:tcPr marL="9423" marR="9423" marT="9423" marB="0" anchor="ctr">
+                    <a:solidFill>
+                      <a:schemeClr val="accent5">
+                        <a:lumMod val="60000"/>
+                        <a:lumOff val="40000"/>
+                      </a:schemeClr>
+                    </a:solidFill>
+                  </a:tcPr>
+                </a:tc>
+                <a:tc>
+                  <a:txBody>
+                    <a:bodyPr/>
+                    <a:lstStyle/>
+                    <a:p>
+                      <a:pPr algn="ctr" rtl="0" fontAlgn="b"/>
+                      <a:r>
+                        <a:rPr lang="en-US" sz="1100" u="none" strike="noStrike">
+                          <a:effectLst/>
+                        </a:rPr>
+                        <a:t> </a:t>
+                      </a:r>
+                      <a:endParaRPr lang="en-US" sz="1100" b="0" i="0" u="none" strike="noStrike">
+                        <a:solidFill>
+                          <a:srgbClr val="000000"/>
+                        </a:solidFill>
+                        <a:effectLst/>
+                        <a:latin typeface="Calibri" panose="020F0502020204030204" pitchFamily="34" charset="0"/>
+                      </a:endParaRPr>
+                    </a:p>
+                  </a:txBody>
+                  <a:tcPr marL="9423" marR="9423" marT="9423" marB="0" anchor="ctr">
+                    <a:solidFill>
+                      <a:schemeClr val="accent5">
+                        <a:lumMod val="60000"/>
+                        <a:lumOff val="40000"/>
+                      </a:schemeClr>
+                    </a:solidFill>
+                  </a:tcPr>
+                </a:tc>
+                <a:tc>
+                  <a:txBody>
+                    <a:bodyPr/>
+                    <a:lstStyle/>
+                    <a:p>
+                      <a:pPr algn="ctr" rtl="0" fontAlgn="b"/>
+                      <a:r>
+                        <a:rPr lang="en-US" sz="1100" u="none" strike="noStrike">
+                          <a:effectLst/>
+                        </a:rPr>
+                        <a:t> </a:t>
+                      </a:r>
+                      <a:endParaRPr lang="en-US" sz="1100" b="0" i="0" u="none" strike="noStrike">
+                        <a:solidFill>
+                          <a:srgbClr val="000000"/>
+                        </a:solidFill>
+                        <a:effectLst/>
+                        <a:latin typeface="Calibri" panose="020F0502020204030204" pitchFamily="34" charset="0"/>
+                      </a:endParaRPr>
+                    </a:p>
+                  </a:txBody>
+                  <a:tcPr marL="9423" marR="9423" marT="9423" marB="0" anchor="ctr">
+                    <a:solidFill>
+                      <a:schemeClr val="accent5">
+                        <a:lumMod val="60000"/>
+                        <a:lumOff val="40000"/>
+                      </a:schemeClr>
+                    </a:solidFill>
+                  </a:tcPr>
+                </a:tc>
+                <a:tc>
+                  <a:txBody>
+                    <a:bodyPr/>
+                    <a:lstStyle/>
+                    <a:p>
+                      <a:pPr algn="ctr" rtl="0" fontAlgn="b"/>
+                      <a:r>
+                        <a:rPr lang="en-US" sz="1100" u="none" strike="noStrike">
+                          <a:effectLst/>
+                        </a:rPr>
+                        <a:t> </a:t>
+                      </a:r>
+                      <a:endParaRPr lang="en-US" sz="1100" b="0" i="0" u="none" strike="noStrike">
+                        <a:solidFill>
+                          <a:srgbClr val="000000"/>
+                        </a:solidFill>
+                        <a:effectLst/>
+                        <a:latin typeface="Calibri" panose="020F0502020204030204" pitchFamily="34" charset="0"/>
+                      </a:endParaRPr>
+                    </a:p>
+                  </a:txBody>
+                  <a:tcPr marL="9423" marR="9423" marT="9423" marB="0" anchor="ctr">
+                    <a:solidFill>
+                      <a:schemeClr val="accent5">
+                        <a:lumMod val="60000"/>
+                        <a:lumOff val="40000"/>
+                      </a:schemeClr>
+                    </a:solidFill>
+                  </a:tcPr>
+                </a:tc>
+                <a:tc>
+                  <a:txBody>
+                    <a:bodyPr/>
+                    <a:lstStyle/>
+                    <a:p>
+                      <a:pPr algn="ctr" rtl="0" fontAlgn="b"/>
+                      <a:r>
+                        <a:rPr lang="en-US" sz="1100" u="none" strike="noStrike">
+                          <a:effectLst/>
+                        </a:rPr>
+                        <a:t> </a:t>
+                      </a:r>
+                      <a:endParaRPr lang="en-US" sz="1100" b="0" i="0" u="none" strike="noStrike">
+                        <a:solidFill>
+                          <a:srgbClr val="000000"/>
+                        </a:solidFill>
+                        <a:effectLst/>
+                        <a:latin typeface="Calibri" panose="020F0502020204030204" pitchFamily="34" charset="0"/>
+                      </a:endParaRPr>
+                    </a:p>
+                  </a:txBody>
+                  <a:tcPr marL="9423" marR="9423" marT="9423" marB="0" anchor="ctr">
+                    <a:solidFill>
+                      <a:schemeClr val="accent5">
+                        <a:lumMod val="60000"/>
+                        <a:lumOff val="40000"/>
+                      </a:schemeClr>
+                    </a:solidFill>
+                  </a:tcPr>
+                </a:tc>
+                <a:tc>
+                  <a:txBody>
+                    <a:bodyPr/>
+                    <a:lstStyle/>
+                    <a:p>
+                      <a:pPr algn="ctr" rtl="0" fontAlgn="b"/>
+                      <a:r>
+                        <a:rPr lang="en-US" sz="1100" u="none" strike="noStrike">
+                          <a:effectLst/>
+                        </a:rPr>
+                        <a:t> </a:t>
+                      </a:r>
+                      <a:endParaRPr lang="en-US" sz="1100" b="0" i="0" u="none" strike="noStrike">
+                        <a:solidFill>
+                          <a:srgbClr val="000000"/>
+                        </a:solidFill>
+                        <a:effectLst/>
+                        <a:latin typeface="Calibri" panose="020F0502020204030204" pitchFamily="34" charset="0"/>
+                      </a:endParaRPr>
+                    </a:p>
+                  </a:txBody>
+                  <a:tcPr marL="9423" marR="9423" marT="9423" marB="0" anchor="ctr">
+                    <a:solidFill>
+                      <a:schemeClr val="accent5">
+                        <a:lumMod val="60000"/>
+                        <a:lumOff val="40000"/>
+                      </a:schemeClr>
+                    </a:solidFill>
+                  </a:tcPr>
+                </a:tc>
+                <a:tc>
+                  <a:txBody>
+                    <a:bodyPr/>
+                    <a:lstStyle/>
+                    <a:p>
+                      <a:pPr algn="ctr" rtl="0" fontAlgn="b"/>
+                      <a:r>
+                        <a:rPr lang="en-US" sz="1100" u="none" strike="noStrike">
+                          <a:effectLst/>
+                        </a:rPr>
+                        <a:t> </a:t>
+                      </a:r>
+                      <a:endParaRPr lang="en-US" sz="1100" b="0" i="0" u="none" strike="noStrike">
+                        <a:solidFill>
+                          <a:srgbClr val="000000"/>
+                        </a:solidFill>
+                        <a:effectLst/>
+                        <a:latin typeface="Calibri" panose="020F0502020204030204" pitchFamily="34" charset="0"/>
+                      </a:endParaRPr>
+                    </a:p>
+                  </a:txBody>
+                  <a:tcPr marL="9423" marR="9423" marT="9423" marB="0" anchor="ctr">
+                    <a:solidFill>
+                      <a:schemeClr val="accent5">
+                        <a:lumMod val="60000"/>
+                        <a:lumOff val="40000"/>
+                      </a:schemeClr>
+                    </a:solidFill>
+                  </a:tcPr>
+                </a:tc>
+                <a:tc>
+                  <a:txBody>
+                    <a:bodyPr/>
+                    <a:lstStyle/>
+                    <a:p>
+                      <a:pPr algn="ctr" rtl="0" fontAlgn="b"/>
+                      <a:r>
+                        <a:rPr lang="en-US" sz="1100" u="none" strike="noStrike">
+                          <a:effectLst/>
+                        </a:rPr>
+                        <a:t> </a:t>
+                      </a:r>
+                      <a:endParaRPr lang="en-US" sz="1100" b="0" i="0" u="none" strike="noStrike">
+                        <a:solidFill>
+                          <a:srgbClr val="000000"/>
+                        </a:solidFill>
+                        <a:effectLst/>
+                        <a:latin typeface="Calibri" panose="020F0502020204030204" pitchFamily="34" charset="0"/>
+                      </a:endParaRPr>
+                    </a:p>
+                  </a:txBody>
+                  <a:tcPr marL="9423" marR="9423" marT="9423" marB="0" anchor="ctr">
+                    <a:solidFill>
+                      <a:schemeClr val="accent5">
+                        <a:lumMod val="60000"/>
+                        <a:lumOff val="40000"/>
+                      </a:schemeClr>
+                    </a:solidFill>
+                  </a:tcPr>
+                </a:tc>
+                <a:tc>
+                  <a:txBody>
+                    <a:bodyPr/>
+                    <a:lstStyle/>
+                    <a:p>
+                      <a:pPr algn="ctr" rtl="0" fontAlgn="b"/>
+                      <a:r>
+                        <a:rPr lang="en-US" sz="1100" u="none" strike="noStrike">
+                          <a:effectLst/>
+                        </a:rPr>
+                        <a:t> </a:t>
+                      </a:r>
+                      <a:endParaRPr lang="en-US" sz="1100" b="0" i="0" u="none" strike="noStrike">
+                        <a:solidFill>
+                          <a:srgbClr val="000000"/>
+                        </a:solidFill>
+                        <a:effectLst/>
+                        <a:latin typeface="Calibri" panose="020F0502020204030204" pitchFamily="34" charset="0"/>
+                      </a:endParaRPr>
+                    </a:p>
+                  </a:txBody>
+                  <a:tcPr marL="9423" marR="9423" marT="9423" marB="0" anchor="ctr">
+                    <a:solidFill>
+                      <a:schemeClr val="accent5">
+                        <a:lumMod val="60000"/>
+                        <a:lumOff val="40000"/>
+                      </a:schemeClr>
+                    </a:solidFill>
+                  </a:tcPr>
+                </a:tc>
+                <a:tc>
+                  <a:txBody>
+                    <a:bodyPr/>
+                    <a:lstStyle/>
+                    <a:p>
+                      <a:pPr algn="ctr" rtl="0" fontAlgn="b"/>
+                      <a:r>
+                        <a:rPr lang="en-US" sz="1100" u="none" strike="noStrike">
+                          <a:effectLst/>
+                        </a:rPr>
+                        <a:t> </a:t>
+                      </a:r>
+                      <a:endParaRPr lang="en-US" sz="1100" b="0" i="0" u="none" strike="noStrike">
+                        <a:solidFill>
+                          <a:srgbClr val="000000"/>
+                        </a:solidFill>
+                        <a:effectLst/>
+                        <a:latin typeface="Calibri" panose="020F0502020204030204" pitchFamily="34" charset="0"/>
+                      </a:endParaRPr>
+                    </a:p>
+                  </a:txBody>
+                  <a:tcPr marL="9423" marR="9423" marT="9423" marB="0" anchor="ctr">
+                    <a:solidFill>
+                      <a:schemeClr val="accent5">
+                        <a:lumMod val="60000"/>
+                        <a:lumOff val="40000"/>
+                      </a:schemeClr>
+                    </a:solidFill>
+                  </a:tcPr>
+                </a:tc>
+                <a:tc>
+                  <a:txBody>
+                    <a:bodyPr/>
+                    <a:lstStyle/>
+                    <a:p>
+                      <a:pPr algn="ctr" rtl="0" fontAlgn="b"/>
+                      <a:r>
+                        <a:rPr lang="en-US" sz="1100" u="none" strike="noStrike">
+                          <a:effectLst/>
+                        </a:rPr>
+                        <a:t> </a:t>
+                      </a:r>
+                      <a:endParaRPr lang="en-US" sz="1100" b="0" i="0" u="none" strike="noStrike">
+                        <a:solidFill>
+                          <a:srgbClr val="000000"/>
+                        </a:solidFill>
+                        <a:effectLst/>
+                        <a:latin typeface="Calibri" panose="020F0502020204030204" pitchFamily="34" charset="0"/>
+                      </a:endParaRPr>
+                    </a:p>
+                  </a:txBody>
+                  <a:tcPr marL="9423" marR="9423" marT="9423" marB="0" anchor="ctr">
+                    <a:solidFill>
+                      <a:schemeClr val="accent5">
+                        <a:lumMod val="60000"/>
+                        <a:lumOff val="40000"/>
+                      </a:schemeClr>
+                    </a:solidFill>
+                  </a:tcPr>
                 </a:tc>
               </a:tr>
               <a:tr h="376903">
@@ -5737,53 +6220,73 @@
                       </a:endParaRPr>
                     </a:p>
                   </a:txBody>
-                  <a:tcPr marL="9423" marR="9423" marT="9423" marB="0" anchor="ctr"/>
-                </a:tc>
-                <a:tc>
-                  <a:txBody>
-                    <a:bodyPr/>
-                    <a:lstStyle/>
-                    <a:p>
-                      <a:pPr algn="ctr" rtl="0" fontAlgn="b"/>
-                      <a:r>
-                        <a:rPr lang="en-US" sz="1100" u="none" strike="noStrike">
-                          <a:effectLst/>
-                        </a:rPr>
-                        <a:t> </a:t>
-                      </a:r>
-                      <a:endParaRPr lang="en-US" sz="1100" b="0" i="0" u="none" strike="noStrike">
-                        <a:solidFill>
-                          <a:srgbClr val="000000"/>
-                        </a:solidFill>
-                        <a:effectLst/>
-                        <a:latin typeface="Calibri" panose="020F0502020204030204" pitchFamily="34" charset="0"/>
-                      </a:endParaRPr>
-                    </a:p>
-                  </a:txBody>
-                  <a:tcPr marL="9423" marR="9423" marT="9423" marB="0" anchor="ctr"/>
-                </a:tc>
-                <a:tc>
-                  <a:txBody>
-                    <a:bodyPr/>
-                    <a:lstStyle/>
-                    <a:p>
-                      <a:pPr algn="ctr" rtl="0" fontAlgn="b"/>
-                      <a:r>
-                        <a:rPr lang="en-US" sz="1100" u="none" strike="noStrike">
-                          <a:effectLst/>
-                        </a:rPr>
-                        <a:t> </a:t>
-                      </a:r>
-                      <a:endParaRPr lang="en-US" sz="1100" b="0" i="0" u="none" strike="noStrike">
-                        <a:solidFill>
-                          <a:srgbClr val="000000"/>
-                        </a:solidFill>
-                        <a:effectLst/>
-                        <a:latin typeface="Calibri" panose="020F0502020204030204" pitchFamily="34" charset="0"/>
-                      </a:endParaRPr>
-                    </a:p>
-                  </a:txBody>
-                  <a:tcPr marL="9423" marR="9423" marT="9423" marB="0" anchor="ctr"/>
+                  <a:tcPr marL="9423" marR="9423" marT="9423" marB="0" anchor="ctr">
+                    <a:solidFill>
+                      <a:schemeClr val="bg1">
+                        <a:lumMod val="85000"/>
+                      </a:schemeClr>
+                    </a:solidFill>
+                  </a:tcPr>
+                </a:tc>
+                <a:tc>
+                  <a:txBody>
+                    <a:bodyPr/>
+                    <a:lstStyle/>
+                    <a:p>
+                      <a:pPr algn="ctr" rtl="0" fontAlgn="b"/>
+                      <a:r>
+                        <a:rPr lang="en-US" sz="1100" u="none" strike="noStrike">
+                          <a:effectLst/>
+                        </a:rPr>
+                        <a:t> </a:t>
+                      </a:r>
+                      <a:endParaRPr lang="en-US" sz="1100" b="0" i="0" u="none" strike="noStrike">
+                        <a:solidFill>
+                          <a:srgbClr val="000000"/>
+                        </a:solidFill>
+                        <a:effectLst/>
+                        <a:latin typeface="Calibri" panose="020F0502020204030204" pitchFamily="34" charset="0"/>
+                      </a:endParaRPr>
+                    </a:p>
+                  </a:txBody>
+                  <a:tcPr marL="9423" marR="9423" marT="9423" marB="0" anchor="ctr">
+                    <a:solidFill>
+                      <a:schemeClr val="accent6">
+                        <a:lumMod val="60000"/>
+                        <a:lumOff val="40000"/>
+                      </a:schemeClr>
+                    </a:solidFill>
+                  </a:tcPr>
+                </a:tc>
+                <a:tc>
+                  <a:txBody>
+                    <a:bodyPr/>
+                    <a:lstStyle/>
+                    <a:p>
+                      <a:pPr algn="ctr" rtl="0" fontAlgn="b"/>
+                      <a:r>
+                        <a:rPr lang="en-US" sz="1100" u="none" strike="noStrike">
+                          <a:effectLst/>
+                        </a:rPr>
+                        <a:t> </a:t>
+                      </a:r>
+                      <a:endParaRPr lang="en-US" sz="1100" b="0" i="0" u="none" strike="noStrike">
+                        <a:solidFill>
+                          <a:srgbClr val="000000"/>
+                        </a:solidFill>
+                        <a:effectLst/>
+                        <a:latin typeface="Calibri" panose="020F0502020204030204" pitchFamily="34" charset="0"/>
+                      </a:endParaRPr>
+                    </a:p>
+                  </a:txBody>
+                  <a:tcPr marL="9423" marR="9423" marT="9423" marB="0" anchor="ctr">
+                    <a:solidFill>
+                      <a:schemeClr val="accent6">
+                        <a:lumMod val="60000"/>
+                        <a:lumOff val="40000"/>
+                      </a:schemeClr>
+                    </a:solidFill>
+                  </a:tcPr>
                 </a:tc>
                 <a:tc>
                   <a:txBody>
@@ -5806,7 +6309,14 @@
                       </a:endParaRPr>
                     </a:p>
                   </a:txBody>
-                  <a:tcPr marL="9423" marR="9423" marT="9423" marB="0" anchor="ctr"/>
+                  <a:tcPr marL="9423" marR="9423" marT="9423" marB="0" anchor="ctr">
+                    <a:solidFill>
+                      <a:schemeClr val="accent6">
+                        <a:lumMod val="60000"/>
+                        <a:lumOff val="40000"/>
+                      </a:schemeClr>
+                    </a:solidFill>
+                  </a:tcPr>
                 </a:tc>
                 <a:tc>
                   <a:txBody>
@@ -5829,30 +6339,44 @@
                       </a:endParaRPr>
                     </a:p>
                   </a:txBody>
-                  <a:tcPr marL="9423" marR="9423" marT="9423" marB="0" anchor="ctr"/>
-                </a:tc>
-                <a:tc>
-                  <a:txBody>
-                    <a:bodyPr/>
-                    <a:lstStyle/>
-                    <a:p>
-                      <a:pPr algn="ctr" rtl="0" fontAlgn="b"/>
-                      <a:r>
-                        <a:rPr lang="en-US" sz="1100" u="none" strike="noStrike">
-                          <a:effectLst/>
-                        </a:rPr>
-                        <a:t> </a:t>
-                      </a:r>
-                      <a:endParaRPr lang="en-US" sz="1100" b="0" i="0" u="none" strike="noStrike">
-                        <a:solidFill>
-                          <a:srgbClr val="000000"/>
-                        </a:solidFill>
-                        <a:effectLst/>
-                        <a:latin typeface="Calibri" panose="020F0502020204030204" pitchFamily="34" charset="0"/>
-                      </a:endParaRPr>
-                    </a:p>
-                  </a:txBody>
-                  <a:tcPr marL="9423" marR="9423" marT="9423" marB="0" anchor="ctr"/>
+                  <a:tcPr marL="9423" marR="9423" marT="9423" marB="0" anchor="ctr">
+                    <a:solidFill>
+                      <a:schemeClr val="accent6">
+                        <a:lumMod val="60000"/>
+                        <a:lumOff val="40000"/>
+                      </a:schemeClr>
+                    </a:solidFill>
+                  </a:tcPr>
+                </a:tc>
+                <a:tc>
+                  <a:txBody>
+                    <a:bodyPr/>
+                    <a:lstStyle/>
+                    <a:p>
+                      <a:pPr algn="ctr" rtl="0" fontAlgn="b"/>
+                      <a:r>
+                        <a:rPr lang="en-US" sz="1100" u="none" strike="noStrike">
+                          <a:effectLst/>
+                        </a:rPr>
+                        <a:t> </a:t>
+                      </a:r>
+                      <a:endParaRPr lang="en-US" sz="1100" b="0" i="0" u="none" strike="noStrike">
+                        <a:solidFill>
+                          <a:srgbClr val="000000"/>
+                        </a:solidFill>
+                        <a:effectLst/>
+                        <a:latin typeface="Calibri" panose="020F0502020204030204" pitchFamily="34" charset="0"/>
+                      </a:endParaRPr>
+                    </a:p>
+                  </a:txBody>
+                  <a:tcPr marL="9423" marR="9423" marT="9423" marB="0" anchor="ctr">
+                    <a:solidFill>
+                      <a:schemeClr val="accent6">
+                        <a:lumMod val="60000"/>
+                        <a:lumOff val="40000"/>
+                      </a:schemeClr>
+                    </a:solidFill>
+                  </a:tcPr>
                 </a:tc>
                 <a:tc>
                   <a:txBody>
@@ -5875,7 +6399,14 @@
                       </a:endParaRPr>
                     </a:p>
                   </a:txBody>
-                  <a:tcPr marL="9423" marR="9423" marT="9423" marB="0" anchor="ctr"/>
+                  <a:tcPr marL="9423" marR="9423" marT="9423" marB="0" anchor="ctr">
+                    <a:solidFill>
+                      <a:schemeClr val="accent6">
+                        <a:lumMod val="60000"/>
+                        <a:lumOff val="40000"/>
+                      </a:schemeClr>
+                    </a:solidFill>
+                  </a:tcPr>
                 </a:tc>
                 <a:tc>
                   <a:txBody>
@@ -5898,7 +6429,14 @@
                       </a:endParaRPr>
                     </a:p>
                   </a:txBody>
-                  <a:tcPr marL="9423" marR="9423" marT="9423" marB="0" anchor="ctr"/>
+                  <a:tcPr marL="9423" marR="9423" marT="9423" marB="0" anchor="ctr">
+                    <a:solidFill>
+                      <a:schemeClr val="accent2">
+                        <a:lumMod val="60000"/>
+                        <a:lumOff val="40000"/>
+                      </a:schemeClr>
+                    </a:solidFill>
+                  </a:tcPr>
                 </a:tc>
                 <a:tc>
                   <a:txBody>
@@ -5921,306 +6459,404 @@
                       </a:endParaRPr>
                     </a:p>
                   </a:txBody>
-                  <a:tcPr marL="9423" marR="9423" marT="9423" marB="0" anchor="ctr"/>
-                </a:tc>
-                <a:tc>
-                  <a:txBody>
-                    <a:bodyPr/>
-                    <a:lstStyle/>
-                    <a:p>
-                      <a:pPr algn="ctr" rtl="0" fontAlgn="b"/>
-                      <a:r>
-                        <a:rPr lang="en-US" sz="1100" u="none" strike="noStrike">
-                          <a:effectLst/>
-                        </a:rPr>
-                        <a:t> </a:t>
-                      </a:r>
-                      <a:endParaRPr lang="en-US" sz="1100" b="0" i="0" u="none" strike="noStrike">
-                        <a:solidFill>
-                          <a:srgbClr val="000000"/>
-                        </a:solidFill>
-                        <a:effectLst/>
-                        <a:latin typeface="Calibri" panose="020F0502020204030204" pitchFamily="34" charset="0"/>
-                      </a:endParaRPr>
-                    </a:p>
-                  </a:txBody>
-                  <a:tcPr marL="9423" marR="9423" marT="9423" marB="0" anchor="ctr"/>
-                </a:tc>
-                <a:tc>
-                  <a:txBody>
-                    <a:bodyPr/>
-                    <a:lstStyle/>
-                    <a:p>
-                      <a:pPr algn="ctr" rtl="0" fontAlgn="b"/>
-                      <a:r>
-                        <a:rPr lang="en-US" sz="1100" u="none" strike="noStrike">
-                          <a:effectLst/>
-                        </a:rPr>
-                        <a:t> </a:t>
-                      </a:r>
-                      <a:endParaRPr lang="en-US" sz="1100" b="0" i="0" u="none" strike="noStrike">
-                        <a:solidFill>
-                          <a:srgbClr val="000000"/>
-                        </a:solidFill>
-                        <a:effectLst/>
-                        <a:latin typeface="Calibri" panose="020F0502020204030204" pitchFamily="34" charset="0"/>
-                      </a:endParaRPr>
-                    </a:p>
-                  </a:txBody>
-                  <a:tcPr marL="9423" marR="9423" marT="9423" marB="0" anchor="ctr"/>
-                </a:tc>
-                <a:tc>
-                  <a:txBody>
-                    <a:bodyPr/>
-                    <a:lstStyle/>
-                    <a:p>
-                      <a:pPr algn="ctr" rtl="0" fontAlgn="b"/>
-                      <a:r>
-                        <a:rPr lang="en-US" sz="1100" u="none" strike="noStrike">
-                          <a:effectLst/>
-                        </a:rPr>
-                        <a:t> </a:t>
-                      </a:r>
-                      <a:endParaRPr lang="en-US" sz="1100" b="0" i="0" u="none" strike="noStrike">
-                        <a:solidFill>
-                          <a:srgbClr val="000000"/>
-                        </a:solidFill>
-                        <a:effectLst/>
-                        <a:latin typeface="Calibri" panose="020F0502020204030204" pitchFamily="34" charset="0"/>
-                      </a:endParaRPr>
-                    </a:p>
-                  </a:txBody>
-                  <a:tcPr marL="9423" marR="9423" marT="9423" marB="0" anchor="ctr"/>
-                </a:tc>
-                <a:tc>
-                  <a:txBody>
-                    <a:bodyPr/>
-                    <a:lstStyle/>
-                    <a:p>
-                      <a:pPr algn="ctr" rtl="0" fontAlgn="b"/>
-                      <a:r>
-                        <a:rPr lang="en-US" sz="1100" u="none" strike="noStrike">
-                          <a:effectLst/>
-                        </a:rPr>
-                        <a:t> </a:t>
-                      </a:r>
-                      <a:endParaRPr lang="en-US" sz="1100" b="0" i="0" u="none" strike="noStrike">
-                        <a:solidFill>
-                          <a:srgbClr val="000000"/>
-                        </a:solidFill>
-                        <a:effectLst/>
-                        <a:latin typeface="Calibri" panose="020F0502020204030204" pitchFamily="34" charset="0"/>
-                      </a:endParaRPr>
-                    </a:p>
-                  </a:txBody>
-                  <a:tcPr marL="9423" marR="9423" marT="9423" marB="0" anchor="ctr"/>
-                </a:tc>
-                <a:tc>
-                  <a:txBody>
-                    <a:bodyPr/>
-                    <a:lstStyle/>
-                    <a:p>
-                      <a:pPr algn="ctr" rtl="0" fontAlgn="b"/>
-                      <a:r>
-                        <a:rPr lang="en-US" sz="1100" u="none" strike="noStrike">
-                          <a:effectLst/>
-                        </a:rPr>
-                        <a:t> </a:t>
-                      </a:r>
-                      <a:endParaRPr lang="en-US" sz="1100" b="0" i="0" u="none" strike="noStrike">
-                        <a:solidFill>
-                          <a:srgbClr val="000000"/>
-                        </a:solidFill>
-                        <a:effectLst/>
-                        <a:latin typeface="Calibri" panose="020F0502020204030204" pitchFamily="34" charset="0"/>
-                      </a:endParaRPr>
-                    </a:p>
-                  </a:txBody>
-                  <a:tcPr marL="9423" marR="9423" marT="9423" marB="0" anchor="ctr"/>
-                </a:tc>
-                <a:tc>
-                  <a:txBody>
-                    <a:bodyPr/>
-                    <a:lstStyle/>
-                    <a:p>
-                      <a:pPr algn="ctr" rtl="0" fontAlgn="b"/>
-                      <a:r>
-                        <a:rPr lang="en-US" sz="1100" u="none" strike="noStrike">
-                          <a:effectLst/>
-                        </a:rPr>
-                        <a:t> </a:t>
-                      </a:r>
-                      <a:endParaRPr lang="en-US" sz="1100" b="0" i="0" u="none" strike="noStrike">
-                        <a:solidFill>
-                          <a:srgbClr val="000000"/>
-                        </a:solidFill>
-                        <a:effectLst/>
-                        <a:latin typeface="Calibri" panose="020F0502020204030204" pitchFamily="34" charset="0"/>
-                      </a:endParaRPr>
-                    </a:p>
-                  </a:txBody>
-                  <a:tcPr marL="9423" marR="9423" marT="9423" marB="0" anchor="ctr"/>
-                </a:tc>
-                <a:tc>
-                  <a:txBody>
-                    <a:bodyPr/>
-                    <a:lstStyle/>
-                    <a:p>
-                      <a:pPr algn="ctr" rtl="0" fontAlgn="b"/>
-                      <a:r>
-                        <a:rPr lang="en-US" sz="1100" u="none" strike="noStrike">
-                          <a:effectLst/>
-                        </a:rPr>
-                        <a:t> </a:t>
-                      </a:r>
-                      <a:endParaRPr lang="en-US" sz="1100" b="0" i="0" u="none" strike="noStrike">
-                        <a:solidFill>
-                          <a:srgbClr val="000000"/>
-                        </a:solidFill>
-                        <a:effectLst/>
-                        <a:latin typeface="Calibri" panose="020F0502020204030204" pitchFamily="34" charset="0"/>
-                      </a:endParaRPr>
-                    </a:p>
-                  </a:txBody>
-                  <a:tcPr marL="9423" marR="9423" marT="9423" marB="0" anchor="ctr"/>
-                </a:tc>
-                <a:tc>
-                  <a:txBody>
-                    <a:bodyPr/>
-                    <a:lstStyle/>
-                    <a:p>
-                      <a:pPr algn="ctr" rtl="0" fontAlgn="b"/>
-                      <a:r>
-                        <a:rPr lang="en-US" sz="1100" u="none" strike="noStrike">
-                          <a:effectLst/>
-                        </a:rPr>
-                        <a:t> </a:t>
-                      </a:r>
-                      <a:endParaRPr lang="en-US" sz="1100" b="0" i="0" u="none" strike="noStrike">
-                        <a:solidFill>
-                          <a:srgbClr val="000000"/>
-                        </a:solidFill>
-                        <a:effectLst/>
-                        <a:latin typeface="Calibri" panose="020F0502020204030204" pitchFamily="34" charset="0"/>
-                      </a:endParaRPr>
-                    </a:p>
-                  </a:txBody>
-                  <a:tcPr marL="9423" marR="9423" marT="9423" marB="0" anchor="ctr"/>
-                </a:tc>
-                <a:tc>
-                  <a:txBody>
-                    <a:bodyPr/>
-                    <a:lstStyle/>
-                    <a:p>
-                      <a:pPr algn="ctr" rtl="0" fontAlgn="b"/>
-                      <a:r>
-                        <a:rPr lang="en-US" sz="1100" u="none" strike="noStrike">
-                          <a:effectLst/>
-                        </a:rPr>
-                        <a:t> </a:t>
-                      </a:r>
-                      <a:endParaRPr lang="en-US" sz="1100" b="0" i="0" u="none" strike="noStrike">
-                        <a:solidFill>
-                          <a:srgbClr val="000000"/>
-                        </a:solidFill>
-                        <a:effectLst/>
-                        <a:latin typeface="Calibri" panose="020F0502020204030204" pitchFamily="34" charset="0"/>
-                      </a:endParaRPr>
-                    </a:p>
-                  </a:txBody>
-                  <a:tcPr marL="9423" marR="9423" marT="9423" marB="0" anchor="ctr"/>
-                </a:tc>
-                <a:tc>
-                  <a:txBody>
-                    <a:bodyPr/>
-                    <a:lstStyle/>
-                    <a:p>
-                      <a:pPr algn="ctr" rtl="0" fontAlgn="b"/>
-                      <a:r>
-                        <a:rPr lang="en-US" sz="1100" u="none" strike="noStrike">
-                          <a:effectLst/>
-                        </a:rPr>
-                        <a:t> </a:t>
-                      </a:r>
-                      <a:endParaRPr lang="en-US" sz="1100" b="0" i="0" u="none" strike="noStrike">
-                        <a:solidFill>
-                          <a:srgbClr val="000000"/>
-                        </a:solidFill>
-                        <a:effectLst/>
-                        <a:latin typeface="Calibri" panose="020F0502020204030204" pitchFamily="34" charset="0"/>
-                      </a:endParaRPr>
-                    </a:p>
-                  </a:txBody>
-                  <a:tcPr marL="9423" marR="9423" marT="9423" marB="0" anchor="ctr"/>
-                </a:tc>
-                <a:tc>
-                  <a:txBody>
-                    <a:bodyPr/>
-                    <a:lstStyle/>
-                    <a:p>
-                      <a:pPr algn="ctr" rtl="0" fontAlgn="b"/>
-                      <a:r>
-                        <a:rPr lang="en-US" sz="1100" u="none" strike="noStrike">
-                          <a:effectLst/>
-                        </a:rPr>
-                        <a:t> </a:t>
-                      </a:r>
-                      <a:endParaRPr lang="en-US" sz="1100" b="0" i="0" u="none" strike="noStrike">
-                        <a:solidFill>
-                          <a:srgbClr val="000000"/>
-                        </a:solidFill>
-                        <a:effectLst/>
-                        <a:latin typeface="Calibri" panose="020F0502020204030204" pitchFamily="34" charset="0"/>
-                      </a:endParaRPr>
-                    </a:p>
-                  </a:txBody>
-                  <a:tcPr marL="9423" marR="9423" marT="9423" marB="0" anchor="ctr"/>
-                </a:tc>
-                <a:tc>
-                  <a:txBody>
-                    <a:bodyPr/>
-                    <a:lstStyle/>
-                    <a:p>
-                      <a:pPr algn="ctr" rtl="0" fontAlgn="b"/>
-                      <a:r>
-                        <a:rPr lang="en-US" sz="1100" u="none" strike="noStrike">
-                          <a:effectLst/>
-                        </a:rPr>
-                        <a:t> </a:t>
-                      </a:r>
-                      <a:endParaRPr lang="en-US" sz="1100" b="0" i="0" u="none" strike="noStrike">
-                        <a:solidFill>
-                          <a:srgbClr val="000000"/>
-                        </a:solidFill>
-                        <a:effectLst/>
-                        <a:latin typeface="Calibri" panose="020F0502020204030204" pitchFamily="34" charset="0"/>
-                      </a:endParaRPr>
-                    </a:p>
-                  </a:txBody>
-                  <a:tcPr marL="9423" marR="9423" marT="9423" marB="0" anchor="ctr"/>
-                </a:tc>
-                <a:tc>
-                  <a:txBody>
-                    <a:bodyPr/>
-                    <a:lstStyle/>
-                    <a:p>
-                      <a:pPr algn="ctr" rtl="0" fontAlgn="b"/>
-                      <a:r>
-                        <a:rPr lang="en-US" sz="1100" u="none" strike="noStrike">
-                          <a:effectLst/>
-                        </a:rPr>
-                        <a:t> </a:t>
-                      </a:r>
-                      <a:endParaRPr lang="en-US" sz="1100" b="0" i="0" u="none" strike="noStrike">
-                        <a:solidFill>
-                          <a:srgbClr val="000000"/>
-                        </a:solidFill>
-                        <a:effectLst/>
-                        <a:latin typeface="Calibri" panose="020F0502020204030204" pitchFamily="34" charset="0"/>
-                      </a:endParaRPr>
-                    </a:p>
-                  </a:txBody>
-                  <a:tcPr marL="9423" marR="9423" marT="9423" marB="0" anchor="ctr"/>
+                  <a:tcPr marL="9423" marR="9423" marT="9423" marB="0" anchor="ctr">
+                    <a:solidFill>
+                      <a:schemeClr val="accent2">
+                        <a:lumMod val="60000"/>
+                        <a:lumOff val="40000"/>
+                      </a:schemeClr>
+                    </a:solidFill>
+                  </a:tcPr>
+                </a:tc>
+                <a:tc>
+                  <a:txBody>
+                    <a:bodyPr/>
+                    <a:lstStyle/>
+                    <a:p>
+                      <a:pPr algn="ctr" rtl="0" fontAlgn="b"/>
+                      <a:r>
+                        <a:rPr lang="en-US" sz="1100" u="none" strike="noStrike">
+                          <a:effectLst/>
+                        </a:rPr>
+                        <a:t> </a:t>
+                      </a:r>
+                      <a:endParaRPr lang="en-US" sz="1100" b="0" i="0" u="none" strike="noStrike">
+                        <a:solidFill>
+                          <a:srgbClr val="000000"/>
+                        </a:solidFill>
+                        <a:effectLst/>
+                        <a:latin typeface="Calibri" panose="020F0502020204030204" pitchFamily="34" charset="0"/>
+                      </a:endParaRPr>
+                    </a:p>
+                  </a:txBody>
+                  <a:tcPr marL="9423" marR="9423" marT="9423" marB="0" anchor="ctr">
+                    <a:solidFill>
+                      <a:schemeClr val="accent2">
+                        <a:lumMod val="60000"/>
+                        <a:lumOff val="40000"/>
+                      </a:schemeClr>
+                    </a:solidFill>
+                  </a:tcPr>
+                </a:tc>
+                <a:tc>
+                  <a:txBody>
+                    <a:bodyPr/>
+                    <a:lstStyle/>
+                    <a:p>
+                      <a:pPr algn="ctr" rtl="0" fontAlgn="b"/>
+                      <a:r>
+                        <a:rPr lang="en-US" sz="1100" u="none" strike="noStrike">
+                          <a:effectLst/>
+                        </a:rPr>
+                        <a:t> </a:t>
+                      </a:r>
+                      <a:endParaRPr lang="en-US" sz="1100" b="0" i="0" u="none" strike="noStrike">
+                        <a:solidFill>
+                          <a:srgbClr val="000000"/>
+                        </a:solidFill>
+                        <a:effectLst/>
+                        <a:latin typeface="Calibri" panose="020F0502020204030204" pitchFamily="34" charset="0"/>
+                      </a:endParaRPr>
+                    </a:p>
+                  </a:txBody>
+                  <a:tcPr marL="9423" marR="9423" marT="9423" marB="0" anchor="ctr">
+                    <a:solidFill>
+                      <a:schemeClr val="accent5">
+                        <a:lumMod val="60000"/>
+                        <a:lumOff val="40000"/>
+                      </a:schemeClr>
+                    </a:solidFill>
+                  </a:tcPr>
+                </a:tc>
+                <a:tc>
+                  <a:txBody>
+                    <a:bodyPr/>
+                    <a:lstStyle/>
+                    <a:p>
+                      <a:pPr algn="ctr" rtl="0" fontAlgn="b"/>
+                      <a:r>
+                        <a:rPr lang="en-US" sz="1100" u="none" strike="noStrike">
+                          <a:effectLst/>
+                        </a:rPr>
+                        <a:t> </a:t>
+                      </a:r>
+                      <a:endParaRPr lang="en-US" sz="1100" b="0" i="0" u="none" strike="noStrike">
+                        <a:solidFill>
+                          <a:srgbClr val="000000"/>
+                        </a:solidFill>
+                        <a:effectLst/>
+                        <a:latin typeface="Calibri" panose="020F0502020204030204" pitchFamily="34" charset="0"/>
+                      </a:endParaRPr>
+                    </a:p>
+                  </a:txBody>
+                  <a:tcPr marL="9423" marR="9423" marT="9423" marB="0" anchor="ctr">
+                    <a:solidFill>
+                      <a:schemeClr val="accent5">
+                        <a:lumMod val="60000"/>
+                        <a:lumOff val="40000"/>
+                      </a:schemeClr>
+                    </a:solidFill>
+                  </a:tcPr>
+                </a:tc>
+                <a:tc>
+                  <a:txBody>
+                    <a:bodyPr/>
+                    <a:lstStyle/>
+                    <a:p>
+                      <a:pPr algn="ctr" rtl="0" fontAlgn="b"/>
+                      <a:r>
+                        <a:rPr lang="en-US" sz="1100" u="none" strike="noStrike">
+                          <a:effectLst/>
+                        </a:rPr>
+                        <a:t> </a:t>
+                      </a:r>
+                      <a:endParaRPr lang="en-US" sz="1100" b="0" i="0" u="none" strike="noStrike">
+                        <a:solidFill>
+                          <a:srgbClr val="000000"/>
+                        </a:solidFill>
+                        <a:effectLst/>
+                        <a:latin typeface="Calibri" panose="020F0502020204030204" pitchFamily="34" charset="0"/>
+                      </a:endParaRPr>
+                    </a:p>
+                  </a:txBody>
+                  <a:tcPr marL="9423" marR="9423" marT="9423" marB="0" anchor="ctr">
+                    <a:solidFill>
+                      <a:schemeClr val="accent5">
+                        <a:lumMod val="60000"/>
+                        <a:lumOff val="40000"/>
+                      </a:schemeClr>
+                    </a:solidFill>
+                  </a:tcPr>
+                </a:tc>
+                <a:tc>
+                  <a:txBody>
+                    <a:bodyPr/>
+                    <a:lstStyle/>
+                    <a:p>
+                      <a:pPr algn="ctr" rtl="0" fontAlgn="b"/>
+                      <a:r>
+                        <a:rPr lang="en-US" sz="1100" u="none" strike="noStrike">
+                          <a:effectLst/>
+                        </a:rPr>
+                        <a:t> </a:t>
+                      </a:r>
+                      <a:endParaRPr lang="en-US" sz="1100" b="0" i="0" u="none" strike="noStrike">
+                        <a:solidFill>
+                          <a:srgbClr val="000000"/>
+                        </a:solidFill>
+                        <a:effectLst/>
+                        <a:latin typeface="Calibri" panose="020F0502020204030204" pitchFamily="34" charset="0"/>
+                      </a:endParaRPr>
+                    </a:p>
+                  </a:txBody>
+                  <a:tcPr marL="9423" marR="9423" marT="9423" marB="0" anchor="ctr">
+                    <a:solidFill>
+                      <a:schemeClr val="accent5">
+                        <a:lumMod val="60000"/>
+                        <a:lumOff val="40000"/>
+                      </a:schemeClr>
+                    </a:solidFill>
+                  </a:tcPr>
+                </a:tc>
+                <a:tc>
+                  <a:txBody>
+                    <a:bodyPr/>
+                    <a:lstStyle/>
+                    <a:p>
+                      <a:pPr algn="ctr" rtl="0" fontAlgn="b"/>
+                      <a:r>
+                        <a:rPr lang="en-US" sz="1100" u="none" strike="noStrike">
+                          <a:effectLst/>
+                        </a:rPr>
+                        <a:t> </a:t>
+                      </a:r>
+                      <a:endParaRPr lang="en-US" sz="1100" b="0" i="0" u="none" strike="noStrike">
+                        <a:solidFill>
+                          <a:srgbClr val="000000"/>
+                        </a:solidFill>
+                        <a:effectLst/>
+                        <a:latin typeface="Calibri" panose="020F0502020204030204" pitchFamily="34" charset="0"/>
+                      </a:endParaRPr>
+                    </a:p>
+                  </a:txBody>
+                  <a:tcPr marL="9423" marR="9423" marT="9423" marB="0" anchor="ctr">
+                    <a:solidFill>
+                      <a:schemeClr val="accent5">
+                        <a:lumMod val="60000"/>
+                        <a:lumOff val="40000"/>
+                      </a:schemeClr>
+                    </a:solidFill>
+                  </a:tcPr>
+                </a:tc>
+                <a:tc>
+                  <a:txBody>
+                    <a:bodyPr/>
+                    <a:lstStyle/>
+                    <a:p>
+                      <a:pPr algn="ctr" rtl="0" fontAlgn="b"/>
+                      <a:r>
+                        <a:rPr lang="en-US" sz="1100" u="none" strike="noStrike">
+                          <a:effectLst/>
+                        </a:rPr>
+                        <a:t> </a:t>
+                      </a:r>
+                      <a:endParaRPr lang="en-US" sz="1100" b="0" i="0" u="none" strike="noStrike">
+                        <a:solidFill>
+                          <a:srgbClr val="000000"/>
+                        </a:solidFill>
+                        <a:effectLst/>
+                        <a:latin typeface="Calibri" panose="020F0502020204030204" pitchFamily="34" charset="0"/>
+                      </a:endParaRPr>
+                    </a:p>
+                  </a:txBody>
+                  <a:tcPr marL="9423" marR="9423" marT="9423" marB="0" anchor="ctr">
+                    <a:solidFill>
+                      <a:schemeClr val="accent5">
+                        <a:lumMod val="60000"/>
+                        <a:lumOff val="40000"/>
+                      </a:schemeClr>
+                    </a:solidFill>
+                  </a:tcPr>
+                </a:tc>
+                <a:tc>
+                  <a:txBody>
+                    <a:bodyPr/>
+                    <a:lstStyle/>
+                    <a:p>
+                      <a:pPr algn="ctr" rtl="0" fontAlgn="b"/>
+                      <a:r>
+                        <a:rPr lang="en-US" sz="1100" u="none" strike="noStrike">
+                          <a:effectLst/>
+                        </a:rPr>
+                        <a:t> </a:t>
+                      </a:r>
+                      <a:endParaRPr lang="en-US" sz="1100" b="0" i="0" u="none" strike="noStrike">
+                        <a:solidFill>
+                          <a:srgbClr val="000000"/>
+                        </a:solidFill>
+                        <a:effectLst/>
+                        <a:latin typeface="Calibri" panose="020F0502020204030204" pitchFamily="34" charset="0"/>
+                      </a:endParaRPr>
+                    </a:p>
+                  </a:txBody>
+                  <a:tcPr marL="9423" marR="9423" marT="9423" marB="0" anchor="ctr">
+                    <a:solidFill>
+                      <a:schemeClr val="accent5">
+                        <a:lumMod val="60000"/>
+                        <a:lumOff val="40000"/>
+                      </a:schemeClr>
+                    </a:solidFill>
+                  </a:tcPr>
+                </a:tc>
+                <a:tc>
+                  <a:txBody>
+                    <a:bodyPr/>
+                    <a:lstStyle/>
+                    <a:p>
+                      <a:pPr algn="ctr" rtl="0" fontAlgn="b"/>
+                      <a:r>
+                        <a:rPr lang="en-US" sz="1100" u="none" strike="noStrike">
+                          <a:effectLst/>
+                        </a:rPr>
+                        <a:t> </a:t>
+                      </a:r>
+                      <a:endParaRPr lang="en-US" sz="1100" b="0" i="0" u="none" strike="noStrike">
+                        <a:solidFill>
+                          <a:srgbClr val="000000"/>
+                        </a:solidFill>
+                        <a:effectLst/>
+                        <a:latin typeface="Calibri" panose="020F0502020204030204" pitchFamily="34" charset="0"/>
+                      </a:endParaRPr>
+                    </a:p>
+                  </a:txBody>
+                  <a:tcPr marL="9423" marR="9423" marT="9423" marB="0" anchor="ctr">
+                    <a:solidFill>
+                      <a:schemeClr val="accent5">
+                        <a:lumMod val="60000"/>
+                        <a:lumOff val="40000"/>
+                      </a:schemeClr>
+                    </a:solidFill>
+                  </a:tcPr>
+                </a:tc>
+                <a:tc>
+                  <a:txBody>
+                    <a:bodyPr/>
+                    <a:lstStyle/>
+                    <a:p>
+                      <a:pPr algn="ctr" rtl="0" fontAlgn="b"/>
+                      <a:r>
+                        <a:rPr lang="en-US" sz="1100" u="none" strike="noStrike">
+                          <a:effectLst/>
+                        </a:rPr>
+                        <a:t> </a:t>
+                      </a:r>
+                      <a:endParaRPr lang="en-US" sz="1100" b="0" i="0" u="none" strike="noStrike">
+                        <a:solidFill>
+                          <a:srgbClr val="000000"/>
+                        </a:solidFill>
+                        <a:effectLst/>
+                        <a:latin typeface="Calibri" panose="020F0502020204030204" pitchFamily="34" charset="0"/>
+                      </a:endParaRPr>
+                    </a:p>
+                  </a:txBody>
+                  <a:tcPr marL="9423" marR="9423" marT="9423" marB="0" anchor="ctr">
+                    <a:solidFill>
+                      <a:schemeClr val="accent5">
+                        <a:lumMod val="60000"/>
+                        <a:lumOff val="40000"/>
+                      </a:schemeClr>
+                    </a:solidFill>
+                  </a:tcPr>
+                </a:tc>
+                <a:tc>
+                  <a:txBody>
+                    <a:bodyPr/>
+                    <a:lstStyle/>
+                    <a:p>
+                      <a:pPr algn="ctr" rtl="0" fontAlgn="b"/>
+                      <a:r>
+                        <a:rPr lang="en-US" sz="1100" u="none" strike="noStrike">
+                          <a:effectLst/>
+                        </a:rPr>
+                        <a:t> </a:t>
+                      </a:r>
+                      <a:endParaRPr lang="en-US" sz="1100" b="0" i="0" u="none" strike="noStrike">
+                        <a:solidFill>
+                          <a:srgbClr val="000000"/>
+                        </a:solidFill>
+                        <a:effectLst/>
+                        <a:latin typeface="Calibri" panose="020F0502020204030204" pitchFamily="34" charset="0"/>
+                      </a:endParaRPr>
+                    </a:p>
+                  </a:txBody>
+                  <a:tcPr marL="9423" marR="9423" marT="9423" marB="0" anchor="ctr">
+                    <a:solidFill>
+                      <a:schemeClr val="accent5">
+                        <a:lumMod val="60000"/>
+                        <a:lumOff val="40000"/>
+                      </a:schemeClr>
+                    </a:solidFill>
+                  </a:tcPr>
+                </a:tc>
+                <a:tc>
+                  <a:txBody>
+                    <a:bodyPr/>
+                    <a:lstStyle/>
+                    <a:p>
+                      <a:pPr algn="ctr" rtl="0" fontAlgn="b"/>
+                      <a:r>
+                        <a:rPr lang="en-US" sz="1100" u="none" strike="noStrike">
+                          <a:effectLst/>
+                        </a:rPr>
+                        <a:t> </a:t>
+                      </a:r>
+                      <a:endParaRPr lang="en-US" sz="1100" b="0" i="0" u="none" strike="noStrike">
+                        <a:solidFill>
+                          <a:srgbClr val="000000"/>
+                        </a:solidFill>
+                        <a:effectLst/>
+                        <a:latin typeface="Calibri" panose="020F0502020204030204" pitchFamily="34" charset="0"/>
+                      </a:endParaRPr>
+                    </a:p>
+                  </a:txBody>
+                  <a:tcPr marL="9423" marR="9423" marT="9423" marB="0" anchor="ctr">
+                    <a:solidFill>
+                      <a:schemeClr val="accent5">
+                        <a:lumMod val="60000"/>
+                        <a:lumOff val="40000"/>
+                      </a:schemeClr>
+                    </a:solidFill>
+                  </a:tcPr>
+                </a:tc>
+                <a:tc>
+                  <a:txBody>
+                    <a:bodyPr/>
+                    <a:lstStyle/>
+                    <a:p>
+                      <a:pPr algn="ctr" rtl="0" fontAlgn="b"/>
+                      <a:r>
+                        <a:rPr lang="en-US" sz="1100" u="none" strike="noStrike">
+                          <a:effectLst/>
+                        </a:rPr>
+                        <a:t> </a:t>
+                      </a:r>
+                      <a:endParaRPr lang="en-US" sz="1100" b="0" i="0" u="none" strike="noStrike">
+                        <a:solidFill>
+                          <a:srgbClr val="000000"/>
+                        </a:solidFill>
+                        <a:effectLst/>
+                        <a:latin typeface="Calibri" panose="020F0502020204030204" pitchFamily="34" charset="0"/>
+                      </a:endParaRPr>
+                    </a:p>
+                  </a:txBody>
+                  <a:tcPr marL="9423" marR="9423" marT="9423" marB="0" anchor="ctr">
+                    <a:solidFill>
+                      <a:schemeClr val="accent5">
+                        <a:lumMod val="60000"/>
+                        <a:lumOff val="40000"/>
+                      </a:schemeClr>
+                    </a:solidFill>
+                  </a:tcPr>
                 </a:tc>
               </a:tr>
               <a:tr h="341097">
@@ -6241,44 +6877,57 @@
                     <a:p>
                       <a:pPr algn="l" rtl="0" fontAlgn="t"/>
                       <a:r>
-                        <a:rPr lang="es-ES" sz="1100" u="none" strike="noStrike">
+                        <a:rPr lang="es-ES" sz="1100" u="none" strike="noStrike" dirty="0">
                           <a:effectLst/>
                         </a:rPr>
                         <a:t>Evitar que se llegue a la sobreexplotación </a:t>
                       </a:r>
-                      <a:endParaRPr lang="es-ES" sz="1100" b="0" i="0" u="none" strike="noStrike">
-                        <a:solidFill>
-                          <a:srgbClr val="000000"/>
-                        </a:solidFill>
-                        <a:effectLst/>
-                        <a:latin typeface="Calibri" panose="020F0502020204030204" pitchFamily="34" charset="0"/>
-                      </a:endParaRPr>
-                    </a:p>
-                  </a:txBody>
-                  <a:tcPr marL="9423" marR="9423" marT="9423" marB="0" anchor="ctr"/>
-                </a:tc>
-                <a:tc>
-                  <a:txBody>
-                    <a:bodyPr/>
-                    <a:lstStyle/>
-                    <a:p>
-                      <a:pPr algn="ctr" rtl="0" fontAlgn="b"/>
-                      <a:r>
-                        <a:rPr lang="en-US" sz="1100" u="none" strike="noStrike">
-                          <a:effectLst/>
-                        </a:rPr>
-                        <a:t> </a:t>
-                      </a:r>
-                      <a:endParaRPr lang="en-US" sz="1100" b="0" i="0" u="none" strike="noStrike">
-                        <a:solidFill>
-                          <a:srgbClr val="000000"/>
-                        </a:solidFill>
-                        <a:effectLst/>
-                        <a:latin typeface="Calibri" panose="020F0502020204030204" pitchFamily="34" charset="0"/>
-                      </a:endParaRPr>
-                    </a:p>
-                  </a:txBody>
-                  <a:tcPr marL="9423" marR="9423" marT="9423" marB="0" anchor="ctr"/>
+                      <a:endParaRPr lang="es-ES" sz="1100" b="0" i="0" u="none" strike="noStrike" dirty="0">
+                        <a:solidFill>
+                          <a:srgbClr val="000000"/>
+                        </a:solidFill>
+                        <a:effectLst/>
+                        <a:latin typeface="Calibri" panose="020F0502020204030204" pitchFamily="34" charset="0"/>
+                      </a:endParaRPr>
+                    </a:p>
+                  </a:txBody>
+                  <a:tcPr marL="9423" marR="9423" marT="9423" marB="0" anchor="ctr">
+                    <a:solidFill>
+                      <a:schemeClr val="bg1">
+                        <a:lumMod val="85000"/>
+                      </a:schemeClr>
+                    </a:solidFill>
+                  </a:tcPr>
+                </a:tc>
+                <a:tc>
+                  <a:txBody>
+                    <a:bodyPr/>
+                    <a:lstStyle/>
+                    <a:p>
+                      <a:pPr algn="ctr" rtl="0" fontAlgn="b"/>
+                      <a:r>
+                        <a:rPr lang="en-US" sz="1100" u="none" strike="noStrike">
+                          <a:effectLst/>
+                        </a:rPr>
+                        <a:t> </a:t>
+                      </a:r>
+                      <a:endParaRPr lang="en-US" sz="1100" b="0" i="0" u="none" strike="noStrike">
+                        <a:solidFill>
+                          <a:srgbClr val="000000"/>
+                        </a:solidFill>
+                        <a:effectLst/>
+                        <a:latin typeface="Calibri" panose="020F0502020204030204" pitchFamily="34" charset="0"/>
+                      </a:endParaRPr>
+                    </a:p>
+                  </a:txBody>
+                  <a:tcPr marL="9423" marR="9423" marT="9423" marB="0" anchor="ctr">
+                    <a:solidFill>
+                      <a:schemeClr val="accent6">
+                        <a:lumMod val="60000"/>
+                        <a:lumOff val="40000"/>
+                      </a:schemeClr>
+                    </a:solidFill>
+                  </a:tcPr>
                 </a:tc>
                 <a:tc>
                   <a:txBody>
@@ -6301,7 +6950,14 @@
                       </a:endParaRPr>
                     </a:p>
                   </a:txBody>
-                  <a:tcPr marL="9423" marR="9423" marT="9423" marB="0" anchor="ctr"/>
+                  <a:tcPr marL="9423" marR="9423" marT="9423" marB="0" anchor="ctr">
+                    <a:solidFill>
+                      <a:schemeClr val="accent6">
+                        <a:lumMod val="60000"/>
+                        <a:lumOff val="40000"/>
+                      </a:schemeClr>
+                    </a:solidFill>
+                  </a:tcPr>
                 </a:tc>
                 <a:tc>
                   <a:txBody>
@@ -6324,7 +6980,14 @@
                       </a:endParaRPr>
                     </a:p>
                   </a:txBody>
-                  <a:tcPr marL="9423" marR="9423" marT="9423" marB="0" anchor="ctr"/>
+                  <a:tcPr marL="9423" marR="9423" marT="9423" marB="0" anchor="ctr">
+                    <a:solidFill>
+                      <a:schemeClr val="accent6">
+                        <a:lumMod val="60000"/>
+                        <a:lumOff val="40000"/>
+                      </a:schemeClr>
+                    </a:solidFill>
+                  </a:tcPr>
                 </a:tc>
                 <a:tc>
                   <a:txBody>
@@ -6347,30 +7010,44 @@
                       </a:endParaRPr>
                     </a:p>
                   </a:txBody>
-                  <a:tcPr marL="9423" marR="9423" marT="9423" marB="0" anchor="ctr"/>
-                </a:tc>
-                <a:tc>
-                  <a:txBody>
-                    <a:bodyPr/>
-                    <a:lstStyle/>
-                    <a:p>
-                      <a:pPr algn="ctr" rtl="0" fontAlgn="b"/>
-                      <a:r>
-                        <a:rPr lang="en-US" sz="1100" u="none" strike="noStrike">
-                          <a:effectLst/>
-                        </a:rPr>
-                        <a:t> </a:t>
-                      </a:r>
-                      <a:endParaRPr lang="en-US" sz="1100" b="0" i="0" u="none" strike="noStrike">
-                        <a:solidFill>
-                          <a:srgbClr val="000000"/>
-                        </a:solidFill>
-                        <a:effectLst/>
-                        <a:latin typeface="Calibri" panose="020F0502020204030204" pitchFamily="34" charset="0"/>
-                      </a:endParaRPr>
-                    </a:p>
-                  </a:txBody>
-                  <a:tcPr marL="9423" marR="9423" marT="9423" marB="0" anchor="ctr"/>
+                  <a:tcPr marL="9423" marR="9423" marT="9423" marB="0" anchor="ctr">
+                    <a:solidFill>
+                      <a:schemeClr val="accent6">
+                        <a:lumMod val="60000"/>
+                        <a:lumOff val="40000"/>
+                      </a:schemeClr>
+                    </a:solidFill>
+                  </a:tcPr>
+                </a:tc>
+                <a:tc>
+                  <a:txBody>
+                    <a:bodyPr/>
+                    <a:lstStyle/>
+                    <a:p>
+                      <a:pPr algn="ctr" rtl="0" fontAlgn="b"/>
+                      <a:r>
+                        <a:rPr lang="en-US" sz="1100" u="none" strike="noStrike">
+                          <a:effectLst/>
+                        </a:rPr>
+                        <a:t> </a:t>
+                      </a:r>
+                      <a:endParaRPr lang="en-US" sz="1100" b="0" i="0" u="none" strike="noStrike">
+                        <a:solidFill>
+                          <a:srgbClr val="000000"/>
+                        </a:solidFill>
+                        <a:effectLst/>
+                        <a:latin typeface="Calibri" panose="020F0502020204030204" pitchFamily="34" charset="0"/>
+                      </a:endParaRPr>
+                    </a:p>
+                  </a:txBody>
+                  <a:tcPr marL="9423" marR="9423" marT="9423" marB="0" anchor="ctr">
+                    <a:solidFill>
+                      <a:schemeClr val="accent6">
+                        <a:lumMod val="60000"/>
+                        <a:lumOff val="40000"/>
+                      </a:schemeClr>
+                    </a:solidFill>
+                  </a:tcPr>
                 </a:tc>
                 <a:tc>
                   <a:txBody>
@@ -6393,99 +7070,134 @@
                       </a:endParaRPr>
                     </a:p>
                   </a:txBody>
-                  <a:tcPr marL="9423" marR="9423" marT="9423" marB="0" anchor="ctr"/>
-                </a:tc>
-                <a:tc>
-                  <a:txBody>
-                    <a:bodyPr/>
-                    <a:lstStyle/>
-                    <a:p>
-                      <a:pPr algn="ctr" rtl="0" fontAlgn="b"/>
-                      <a:r>
-                        <a:rPr lang="en-US" sz="1100" u="none" strike="noStrike">
-                          <a:effectLst/>
-                        </a:rPr>
-                        <a:t> </a:t>
-                      </a:r>
-                      <a:endParaRPr lang="en-US" sz="1100" b="0" i="0" u="none" strike="noStrike">
-                        <a:solidFill>
-                          <a:srgbClr val="000000"/>
-                        </a:solidFill>
-                        <a:effectLst/>
-                        <a:latin typeface="Calibri" panose="020F0502020204030204" pitchFamily="34" charset="0"/>
-                      </a:endParaRPr>
-                    </a:p>
-                  </a:txBody>
-                  <a:tcPr marL="9423" marR="9423" marT="9423" marB="0" anchor="ctr"/>
-                </a:tc>
-                <a:tc>
-                  <a:txBody>
-                    <a:bodyPr/>
-                    <a:lstStyle/>
-                    <a:p>
-                      <a:pPr algn="ctr" rtl="0" fontAlgn="b"/>
-                      <a:r>
-                        <a:rPr lang="en-US" sz="1100" u="none" strike="noStrike">
-                          <a:effectLst/>
-                        </a:rPr>
-                        <a:t> </a:t>
-                      </a:r>
-                      <a:endParaRPr lang="en-US" sz="1100" b="0" i="0" u="none" strike="noStrike">
-                        <a:solidFill>
-                          <a:srgbClr val="000000"/>
-                        </a:solidFill>
-                        <a:effectLst/>
-                        <a:latin typeface="Calibri" panose="020F0502020204030204" pitchFamily="34" charset="0"/>
-                      </a:endParaRPr>
-                    </a:p>
-                  </a:txBody>
-                  <a:tcPr marL="9423" marR="9423" marT="9423" marB="0" anchor="ctr"/>
-                </a:tc>
-                <a:tc>
-                  <a:txBody>
-                    <a:bodyPr/>
-                    <a:lstStyle/>
-                    <a:p>
-                      <a:pPr algn="ctr" rtl="0" fontAlgn="b"/>
-                      <a:r>
-                        <a:rPr lang="en-US" sz="1100" u="none" strike="noStrike">
-                          <a:effectLst/>
-                        </a:rPr>
-                        <a:t> </a:t>
-                      </a:r>
-                      <a:endParaRPr lang="en-US" sz="1100" b="0" i="0" u="none" strike="noStrike">
-                        <a:solidFill>
-                          <a:srgbClr val="000000"/>
-                        </a:solidFill>
-                        <a:effectLst/>
-                        <a:latin typeface="Calibri" panose="020F0502020204030204" pitchFamily="34" charset="0"/>
-                      </a:endParaRPr>
-                    </a:p>
-                  </a:txBody>
-                  <a:tcPr marL="9423" marR="9423" marT="9423" marB="0" anchor="ctr"/>
-                </a:tc>
-                <a:tc>
-                  <a:txBody>
-                    <a:bodyPr/>
-                    <a:lstStyle/>
-                    <a:p>
-                      <a:pPr algn="ctr" rtl="0" fontAlgn="b"/>
-                      <a:r>
-                        <a:rPr lang="en-US" sz="1100" u="none" strike="noStrike">
-                          <a:effectLst/>
-                        </a:rPr>
-                        <a:t> </a:t>
-                      </a:r>
-                      <a:endParaRPr lang="en-US" sz="1100" b="0" i="0" u="none" strike="noStrike">
-                        <a:solidFill>
-                          <a:srgbClr val="000000"/>
-                        </a:solidFill>
-                        <a:effectLst/>
-                        <a:latin typeface="Calibri" panose="020F0502020204030204" pitchFamily="34" charset="0"/>
-                      </a:endParaRPr>
-                    </a:p>
-                  </a:txBody>
-                  <a:tcPr marL="9423" marR="9423" marT="9423" marB="0" anchor="ctr"/>
+                  <a:tcPr marL="9423" marR="9423" marT="9423" marB="0" anchor="ctr">
+                    <a:solidFill>
+                      <a:schemeClr val="accent6">
+                        <a:lumMod val="60000"/>
+                        <a:lumOff val="40000"/>
+                      </a:schemeClr>
+                    </a:solidFill>
+                  </a:tcPr>
+                </a:tc>
+                <a:tc>
+                  <a:txBody>
+                    <a:bodyPr/>
+                    <a:lstStyle/>
+                    <a:p>
+                      <a:pPr algn="ctr" rtl="0" fontAlgn="b"/>
+                      <a:r>
+                        <a:rPr lang="en-US" sz="1100" u="none" strike="noStrike">
+                          <a:effectLst/>
+                        </a:rPr>
+                        <a:t> </a:t>
+                      </a:r>
+                      <a:endParaRPr lang="en-US" sz="1100" b="0" i="0" u="none" strike="noStrike">
+                        <a:solidFill>
+                          <a:srgbClr val="000000"/>
+                        </a:solidFill>
+                        <a:effectLst/>
+                        <a:latin typeface="Calibri" panose="020F0502020204030204" pitchFamily="34" charset="0"/>
+                      </a:endParaRPr>
+                    </a:p>
+                  </a:txBody>
+                  <a:tcPr marL="9423" marR="9423" marT="9423" marB="0" anchor="ctr">
+                    <a:solidFill>
+                      <a:schemeClr val="accent2">
+                        <a:lumMod val="60000"/>
+                        <a:lumOff val="40000"/>
+                      </a:schemeClr>
+                    </a:solidFill>
+                  </a:tcPr>
+                </a:tc>
+                <a:tc>
+                  <a:txBody>
+                    <a:bodyPr/>
+                    <a:lstStyle/>
+                    <a:p>
+                      <a:pPr algn="ctr" rtl="0" fontAlgn="b"/>
+                      <a:r>
+                        <a:rPr lang="en-US" sz="1100" u="none" strike="noStrike">
+                          <a:effectLst/>
+                        </a:rPr>
+                        <a:t> </a:t>
+                      </a:r>
+                      <a:endParaRPr lang="en-US" sz="1100" b="0" i="0" u="none" strike="noStrike">
+                        <a:solidFill>
+                          <a:srgbClr val="000000"/>
+                        </a:solidFill>
+                        <a:effectLst/>
+                        <a:latin typeface="Calibri" panose="020F0502020204030204" pitchFamily="34" charset="0"/>
+                      </a:endParaRPr>
+                    </a:p>
+                  </a:txBody>
+                  <a:tcPr marL="9423" marR="9423" marT="9423" marB="0" anchor="ctr">
+                    <a:solidFill>
+                      <a:schemeClr val="accent2">
+                        <a:lumMod val="60000"/>
+                        <a:lumOff val="40000"/>
+                      </a:schemeClr>
+                    </a:solidFill>
+                  </a:tcPr>
+                </a:tc>
+                <a:tc>
+                  <a:txBody>
+                    <a:bodyPr/>
+                    <a:lstStyle/>
+                    <a:p>
+                      <a:pPr algn="ctr" rtl="0" fontAlgn="b"/>
+                      <a:r>
+                        <a:rPr lang="en-US" sz="1100" u="none" strike="noStrike">
+                          <a:effectLst/>
+                        </a:rPr>
+                        <a:t> </a:t>
+                      </a:r>
+                      <a:endParaRPr lang="en-US" sz="1100" b="0" i="0" u="none" strike="noStrike">
+                        <a:solidFill>
+                          <a:srgbClr val="000000"/>
+                        </a:solidFill>
+                        <a:effectLst/>
+                        <a:latin typeface="Calibri" panose="020F0502020204030204" pitchFamily="34" charset="0"/>
+                      </a:endParaRPr>
+                    </a:p>
+                  </a:txBody>
+                  <a:tcPr marL="9423" marR="9423" marT="9423" marB="0" anchor="ctr">
+                    <a:solidFill>
+                      <a:schemeClr val="accent2">
+                        <a:lumMod val="60000"/>
+                        <a:lumOff val="40000"/>
+                      </a:schemeClr>
+                    </a:solidFill>
+                  </a:tcPr>
+                </a:tc>
+                <a:tc>
+                  <a:txBody>
+                    <a:bodyPr/>
+                    <a:lstStyle/>
+                    <a:p>
+                      <a:pPr algn="ctr" rtl="0" fontAlgn="b"/>
+                      <a:r>
+                        <a:rPr lang="en-US" sz="1100" u="none" strike="noStrike">
+                          <a:effectLst/>
+                        </a:rPr>
+                        <a:t> </a:t>
+                      </a:r>
+                      <a:endParaRPr lang="en-US" sz="1100" b="0" i="0" u="none" strike="noStrike">
+                        <a:solidFill>
+                          <a:srgbClr val="000000"/>
+                        </a:solidFill>
+                        <a:effectLst/>
+                        <a:latin typeface="Calibri" panose="020F0502020204030204" pitchFamily="34" charset="0"/>
+                      </a:endParaRPr>
+                    </a:p>
+                  </a:txBody>
+                  <a:tcPr marL="9423" marR="9423" marT="9423" marB="0" anchor="ctr">
+                    <a:solidFill>
+                      <a:schemeClr val="accent5">
+                        <a:lumMod val="60000"/>
+                        <a:lumOff val="40000"/>
+                      </a:schemeClr>
+                    </a:solidFill>
+                  </a:tcPr>
                 </a:tc>
                 <a:tc>
                   <a:txBody>
@@ -6508,237 +7220,314 @@
                       </a:endParaRPr>
                     </a:p>
                   </a:txBody>
-                  <a:tcPr marL="9423" marR="9423" marT="9423" marB="0" anchor="ctr"/>
-                </a:tc>
-                <a:tc>
-                  <a:txBody>
-                    <a:bodyPr/>
-                    <a:lstStyle/>
-                    <a:p>
-                      <a:pPr algn="ctr" rtl="0" fontAlgn="b"/>
-                      <a:r>
-                        <a:rPr lang="en-US" sz="1100" u="none" strike="noStrike">
-                          <a:effectLst/>
-                        </a:rPr>
-                        <a:t> </a:t>
-                      </a:r>
-                      <a:endParaRPr lang="en-US" sz="1100" b="0" i="0" u="none" strike="noStrike">
-                        <a:solidFill>
-                          <a:srgbClr val="000000"/>
-                        </a:solidFill>
-                        <a:effectLst/>
-                        <a:latin typeface="Calibri" panose="020F0502020204030204" pitchFamily="34" charset="0"/>
-                      </a:endParaRPr>
-                    </a:p>
-                  </a:txBody>
-                  <a:tcPr marL="9423" marR="9423" marT="9423" marB="0" anchor="ctr"/>
-                </a:tc>
-                <a:tc>
-                  <a:txBody>
-                    <a:bodyPr/>
-                    <a:lstStyle/>
-                    <a:p>
-                      <a:pPr algn="ctr" rtl="0" fontAlgn="b"/>
-                      <a:r>
-                        <a:rPr lang="en-US" sz="1100" u="none" strike="noStrike">
-                          <a:effectLst/>
-                        </a:rPr>
-                        <a:t> </a:t>
-                      </a:r>
-                      <a:endParaRPr lang="en-US" sz="1100" b="0" i="0" u="none" strike="noStrike">
-                        <a:solidFill>
-                          <a:srgbClr val="000000"/>
-                        </a:solidFill>
-                        <a:effectLst/>
-                        <a:latin typeface="Calibri" panose="020F0502020204030204" pitchFamily="34" charset="0"/>
-                      </a:endParaRPr>
-                    </a:p>
-                  </a:txBody>
-                  <a:tcPr marL="9423" marR="9423" marT="9423" marB="0" anchor="ctr"/>
-                </a:tc>
-                <a:tc>
-                  <a:txBody>
-                    <a:bodyPr/>
-                    <a:lstStyle/>
-                    <a:p>
-                      <a:pPr algn="ctr" rtl="0" fontAlgn="b"/>
-                      <a:r>
-                        <a:rPr lang="en-US" sz="1100" u="none" strike="noStrike">
-                          <a:effectLst/>
-                        </a:rPr>
-                        <a:t> </a:t>
-                      </a:r>
-                      <a:endParaRPr lang="en-US" sz="1100" b="0" i="0" u="none" strike="noStrike">
-                        <a:solidFill>
-                          <a:srgbClr val="000000"/>
-                        </a:solidFill>
-                        <a:effectLst/>
-                        <a:latin typeface="Calibri" panose="020F0502020204030204" pitchFamily="34" charset="0"/>
-                      </a:endParaRPr>
-                    </a:p>
-                  </a:txBody>
-                  <a:tcPr marL="9423" marR="9423" marT="9423" marB="0" anchor="ctr"/>
-                </a:tc>
-                <a:tc>
-                  <a:txBody>
-                    <a:bodyPr/>
-                    <a:lstStyle/>
-                    <a:p>
-                      <a:pPr algn="ctr" rtl="0" fontAlgn="b"/>
-                      <a:r>
-                        <a:rPr lang="en-US" sz="1100" u="none" strike="noStrike">
-                          <a:effectLst/>
-                        </a:rPr>
-                        <a:t> </a:t>
-                      </a:r>
-                      <a:endParaRPr lang="en-US" sz="1100" b="0" i="0" u="none" strike="noStrike">
-                        <a:solidFill>
-                          <a:srgbClr val="000000"/>
-                        </a:solidFill>
-                        <a:effectLst/>
-                        <a:latin typeface="Calibri" panose="020F0502020204030204" pitchFamily="34" charset="0"/>
-                      </a:endParaRPr>
-                    </a:p>
-                  </a:txBody>
-                  <a:tcPr marL="9423" marR="9423" marT="9423" marB="0" anchor="ctr"/>
-                </a:tc>
-                <a:tc>
-                  <a:txBody>
-                    <a:bodyPr/>
-                    <a:lstStyle/>
-                    <a:p>
-                      <a:pPr algn="ctr" rtl="0" fontAlgn="b"/>
-                      <a:r>
-                        <a:rPr lang="en-US" sz="1100" u="none" strike="noStrike">
-                          <a:effectLst/>
-                        </a:rPr>
-                        <a:t> </a:t>
-                      </a:r>
-                      <a:endParaRPr lang="en-US" sz="1100" b="0" i="0" u="none" strike="noStrike">
-                        <a:solidFill>
-                          <a:srgbClr val="000000"/>
-                        </a:solidFill>
-                        <a:effectLst/>
-                        <a:latin typeface="Calibri" panose="020F0502020204030204" pitchFamily="34" charset="0"/>
-                      </a:endParaRPr>
-                    </a:p>
-                  </a:txBody>
-                  <a:tcPr marL="9423" marR="9423" marT="9423" marB="0" anchor="ctr"/>
-                </a:tc>
-                <a:tc>
-                  <a:txBody>
-                    <a:bodyPr/>
-                    <a:lstStyle/>
-                    <a:p>
-                      <a:pPr algn="ctr" rtl="0" fontAlgn="b"/>
-                      <a:r>
-                        <a:rPr lang="en-US" sz="1100" u="none" strike="noStrike">
-                          <a:effectLst/>
-                        </a:rPr>
-                        <a:t> </a:t>
-                      </a:r>
-                      <a:endParaRPr lang="en-US" sz="1100" b="0" i="0" u="none" strike="noStrike">
-                        <a:solidFill>
-                          <a:srgbClr val="000000"/>
-                        </a:solidFill>
-                        <a:effectLst/>
-                        <a:latin typeface="Calibri" panose="020F0502020204030204" pitchFamily="34" charset="0"/>
-                      </a:endParaRPr>
-                    </a:p>
-                  </a:txBody>
-                  <a:tcPr marL="9423" marR="9423" marT="9423" marB="0" anchor="ctr"/>
-                </a:tc>
-                <a:tc>
-                  <a:txBody>
-                    <a:bodyPr/>
-                    <a:lstStyle/>
-                    <a:p>
-                      <a:pPr algn="ctr" rtl="0" fontAlgn="b"/>
-                      <a:r>
-                        <a:rPr lang="en-US" sz="1100" u="none" strike="noStrike">
-                          <a:effectLst/>
-                        </a:rPr>
-                        <a:t> </a:t>
-                      </a:r>
-                      <a:endParaRPr lang="en-US" sz="1100" b="0" i="0" u="none" strike="noStrike">
-                        <a:solidFill>
-                          <a:srgbClr val="000000"/>
-                        </a:solidFill>
-                        <a:effectLst/>
-                        <a:latin typeface="Calibri" panose="020F0502020204030204" pitchFamily="34" charset="0"/>
-                      </a:endParaRPr>
-                    </a:p>
-                  </a:txBody>
-                  <a:tcPr marL="9423" marR="9423" marT="9423" marB="0" anchor="ctr"/>
-                </a:tc>
-                <a:tc>
-                  <a:txBody>
-                    <a:bodyPr/>
-                    <a:lstStyle/>
-                    <a:p>
-                      <a:pPr algn="ctr" rtl="0" fontAlgn="b"/>
-                      <a:r>
-                        <a:rPr lang="en-US" sz="1100" u="none" strike="noStrike">
-                          <a:effectLst/>
-                        </a:rPr>
-                        <a:t> </a:t>
-                      </a:r>
-                      <a:endParaRPr lang="en-US" sz="1100" b="0" i="0" u="none" strike="noStrike">
-                        <a:solidFill>
-                          <a:srgbClr val="000000"/>
-                        </a:solidFill>
-                        <a:effectLst/>
-                        <a:latin typeface="Calibri" panose="020F0502020204030204" pitchFamily="34" charset="0"/>
-                      </a:endParaRPr>
-                    </a:p>
-                  </a:txBody>
-                  <a:tcPr marL="9423" marR="9423" marT="9423" marB="0" anchor="ctr"/>
-                </a:tc>
-                <a:tc>
-                  <a:txBody>
-                    <a:bodyPr/>
-                    <a:lstStyle/>
-                    <a:p>
-                      <a:pPr algn="ctr" rtl="0" fontAlgn="b"/>
-                      <a:r>
-                        <a:rPr lang="en-US" sz="1100" u="none" strike="noStrike">
-                          <a:effectLst/>
-                        </a:rPr>
-                        <a:t> </a:t>
-                      </a:r>
-                      <a:endParaRPr lang="en-US" sz="1100" b="0" i="0" u="none" strike="noStrike">
-                        <a:solidFill>
-                          <a:srgbClr val="000000"/>
-                        </a:solidFill>
-                        <a:effectLst/>
-                        <a:latin typeface="Calibri" panose="020F0502020204030204" pitchFamily="34" charset="0"/>
-                      </a:endParaRPr>
-                    </a:p>
-                  </a:txBody>
-                  <a:tcPr marL="9423" marR="9423" marT="9423" marB="0" anchor="ctr"/>
-                </a:tc>
-                <a:tc>
-                  <a:txBody>
-                    <a:bodyPr/>
-                    <a:lstStyle/>
-                    <a:p>
-                      <a:pPr algn="ctr" rtl="0" fontAlgn="b"/>
-                      <a:r>
-                        <a:rPr lang="en-US" sz="1100" u="none" strike="noStrike">
-                          <a:effectLst/>
-                        </a:rPr>
-                        <a:t> </a:t>
-                      </a:r>
-                      <a:endParaRPr lang="en-US" sz="1100" b="0" i="0" u="none" strike="noStrike">
-                        <a:solidFill>
-                          <a:srgbClr val="000000"/>
-                        </a:solidFill>
-                        <a:effectLst/>
-                        <a:latin typeface="Calibri" panose="020F0502020204030204" pitchFamily="34" charset="0"/>
-                      </a:endParaRPr>
-                    </a:p>
-                  </a:txBody>
-                  <a:tcPr marL="9423" marR="9423" marT="9423" marB="0" anchor="ctr"/>
+                  <a:tcPr marL="9423" marR="9423" marT="9423" marB="0" anchor="ctr">
+                    <a:solidFill>
+                      <a:schemeClr val="accent5">
+                        <a:lumMod val="60000"/>
+                        <a:lumOff val="40000"/>
+                      </a:schemeClr>
+                    </a:solidFill>
+                  </a:tcPr>
+                </a:tc>
+                <a:tc>
+                  <a:txBody>
+                    <a:bodyPr/>
+                    <a:lstStyle/>
+                    <a:p>
+                      <a:pPr algn="ctr" rtl="0" fontAlgn="b"/>
+                      <a:r>
+                        <a:rPr lang="en-US" sz="1100" u="none" strike="noStrike">
+                          <a:effectLst/>
+                        </a:rPr>
+                        <a:t> </a:t>
+                      </a:r>
+                      <a:endParaRPr lang="en-US" sz="1100" b="0" i="0" u="none" strike="noStrike">
+                        <a:solidFill>
+                          <a:srgbClr val="000000"/>
+                        </a:solidFill>
+                        <a:effectLst/>
+                        <a:latin typeface="Calibri" panose="020F0502020204030204" pitchFamily="34" charset="0"/>
+                      </a:endParaRPr>
+                    </a:p>
+                  </a:txBody>
+                  <a:tcPr marL="9423" marR="9423" marT="9423" marB="0" anchor="ctr">
+                    <a:solidFill>
+                      <a:schemeClr val="accent5">
+                        <a:lumMod val="60000"/>
+                        <a:lumOff val="40000"/>
+                      </a:schemeClr>
+                    </a:solidFill>
+                  </a:tcPr>
+                </a:tc>
+                <a:tc>
+                  <a:txBody>
+                    <a:bodyPr/>
+                    <a:lstStyle/>
+                    <a:p>
+                      <a:pPr algn="ctr" rtl="0" fontAlgn="b"/>
+                      <a:r>
+                        <a:rPr lang="en-US" sz="1100" u="none" strike="noStrike">
+                          <a:effectLst/>
+                        </a:rPr>
+                        <a:t> </a:t>
+                      </a:r>
+                      <a:endParaRPr lang="en-US" sz="1100" b="0" i="0" u="none" strike="noStrike">
+                        <a:solidFill>
+                          <a:srgbClr val="000000"/>
+                        </a:solidFill>
+                        <a:effectLst/>
+                        <a:latin typeface="Calibri" panose="020F0502020204030204" pitchFamily="34" charset="0"/>
+                      </a:endParaRPr>
+                    </a:p>
+                  </a:txBody>
+                  <a:tcPr marL="9423" marR="9423" marT="9423" marB="0" anchor="ctr">
+                    <a:solidFill>
+                      <a:schemeClr val="accent5">
+                        <a:lumMod val="60000"/>
+                        <a:lumOff val="40000"/>
+                      </a:schemeClr>
+                    </a:solidFill>
+                  </a:tcPr>
+                </a:tc>
+                <a:tc>
+                  <a:txBody>
+                    <a:bodyPr/>
+                    <a:lstStyle/>
+                    <a:p>
+                      <a:pPr algn="ctr" rtl="0" fontAlgn="b"/>
+                      <a:r>
+                        <a:rPr lang="en-US" sz="1100" u="none" strike="noStrike">
+                          <a:effectLst/>
+                        </a:rPr>
+                        <a:t> </a:t>
+                      </a:r>
+                      <a:endParaRPr lang="en-US" sz="1100" b="0" i="0" u="none" strike="noStrike">
+                        <a:solidFill>
+                          <a:srgbClr val="000000"/>
+                        </a:solidFill>
+                        <a:effectLst/>
+                        <a:latin typeface="Calibri" panose="020F0502020204030204" pitchFamily="34" charset="0"/>
+                      </a:endParaRPr>
+                    </a:p>
+                  </a:txBody>
+                  <a:tcPr marL="9423" marR="9423" marT="9423" marB="0" anchor="ctr">
+                    <a:solidFill>
+                      <a:schemeClr val="accent5">
+                        <a:lumMod val="60000"/>
+                        <a:lumOff val="40000"/>
+                      </a:schemeClr>
+                    </a:solidFill>
+                  </a:tcPr>
+                </a:tc>
+                <a:tc>
+                  <a:txBody>
+                    <a:bodyPr/>
+                    <a:lstStyle/>
+                    <a:p>
+                      <a:pPr algn="ctr" rtl="0" fontAlgn="b"/>
+                      <a:r>
+                        <a:rPr lang="en-US" sz="1100" u="none" strike="noStrike">
+                          <a:effectLst/>
+                        </a:rPr>
+                        <a:t> </a:t>
+                      </a:r>
+                      <a:endParaRPr lang="en-US" sz="1100" b="0" i="0" u="none" strike="noStrike">
+                        <a:solidFill>
+                          <a:srgbClr val="000000"/>
+                        </a:solidFill>
+                        <a:effectLst/>
+                        <a:latin typeface="Calibri" panose="020F0502020204030204" pitchFamily="34" charset="0"/>
+                      </a:endParaRPr>
+                    </a:p>
+                  </a:txBody>
+                  <a:tcPr marL="9423" marR="9423" marT="9423" marB="0" anchor="ctr">
+                    <a:solidFill>
+                      <a:schemeClr val="accent5">
+                        <a:lumMod val="60000"/>
+                        <a:lumOff val="40000"/>
+                      </a:schemeClr>
+                    </a:solidFill>
+                  </a:tcPr>
+                </a:tc>
+                <a:tc>
+                  <a:txBody>
+                    <a:bodyPr/>
+                    <a:lstStyle/>
+                    <a:p>
+                      <a:pPr algn="ctr" rtl="0" fontAlgn="b"/>
+                      <a:r>
+                        <a:rPr lang="en-US" sz="1100" u="none" strike="noStrike">
+                          <a:effectLst/>
+                        </a:rPr>
+                        <a:t> </a:t>
+                      </a:r>
+                      <a:endParaRPr lang="en-US" sz="1100" b="0" i="0" u="none" strike="noStrike">
+                        <a:solidFill>
+                          <a:srgbClr val="000000"/>
+                        </a:solidFill>
+                        <a:effectLst/>
+                        <a:latin typeface="Calibri" panose="020F0502020204030204" pitchFamily="34" charset="0"/>
+                      </a:endParaRPr>
+                    </a:p>
+                  </a:txBody>
+                  <a:tcPr marL="9423" marR="9423" marT="9423" marB="0" anchor="ctr">
+                    <a:solidFill>
+                      <a:schemeClr val="accent5">
+                        <a:lumMod val="60000"/>
+                        <a:lumOff val="40000"/>
+                      </a:schemeClr>
+                    </a:solidFill>
+                  </a:tcPr>
+                </a:tc>
+                <a:tc>
+                  <a:txBody>
+                    <a:bodyPr/>
+                    <a:lstStyle/>
+                    <a:p>
+                      <a:pPr algn="ctr" rtl="0" fontAlgn="b"/>
+                      <a:r>
+                        <a:rPr lang="en-US" sz="1100" u="none" strike="noStrike">
+                          <a:effectLst/>
+                        </a:rPr>
+                        <a:t> </a:t>
+                      </a:r>
+                      <a:endParaRPr lang="en-US" sz="1100" b="0" i="0" u="none" strike="noStrike">
+                        <a:solidFill>
+                          <a:srgbClr val="000000"/>
+                        </a:solidFill>
+                        <a:effectLst/>
+                        <a:latin typeface="Calibri" panose="020F0502020204030204" pitchFamily="34" charset="0"/>
+                      </a:endParaRPr>
+                    </a:p>
+                  </a:txBody>
+                  <a:tcPr marL="9423" marR="9423" marT="9423" marB="0" anchor="ctr">
+                    <a:solidFill>
+                      <a:schemeClr val="accent5">
+                        <a:lumMod val="60000"/>
+                        <a:lumOff val="40000"/>
+                      </a:schemeClr>
+                    </a:solidFill>
+                  </a:tcPr>
+                </a:tc>
+                <a:tc>
+                  <a:txBody>
+                    <a:bodyPr/>
+                    <a:lstStyle/>
+                    <a:p>
+                      <a:pPr algn="ctr" rtl="0" fontAlgn="b"/>
+                      <a:r>
+                        <a:rPr lang="en-US" sz="1100" u="none" strike="noStrike">
+                          <a:effectLst/>
+                        </a:rPr>
+                        <a:t> </a:t>
+                      </a:r>
+                      <a:endParaRPr lang="en-US" sz="1100" b="0" i="0" u="none" strike="noStrike">
+                        <a:solidFill>
+                          <a:srgbClr val="000000"/>
+                        </a:solidFill>
+                        <a:effectLst/>
+                        <a:latin typeface="Calibri" panose="020F0502020204030204" pitchFamily="34" charset="0"/>
+                      </a:endParaRPr>
+                    </a:p>
+                  </a:txBody>
+                  <a:tcPr marL="9423" marR="9423" marT="9423" marB="0" anchor="ctr">
+                    <a:solidFill>
+                      <a:schemeClr val="accent5">
+                        <a:lumMod val="60000"/>
+                        <a:lumOff val="40000"/>
+                      </a:schemeClr>
+                    </a:solidFill>
+                  </a:tcPr>
+                </a:tc>
+                <a:tc>
+                  <a:txBody>
+                    <a:bodyPr/>
+                    <a:lstStyle/>
+                    <a:p>
+                      <a:pPr algn="ctr" rtl="0" fontAlgn="b"/>
+                      <a:r>
+                        <a:rPr lang="en-US" sz="1100" u="none" strike="noStrike">
+                          <a:effectLst/>
+                        </a:rPr>
+                        <a:t> </a:t>
+                      </a:r>
+                      <a:endParaRPr lang="en-US" sz="1100" b="0" i="0" u="none" strike="noStrike">
+                        <a:solidFill>
+                          <a:srgbClr val="000000"/>
+                        </a:solidFill>
+                        <a:effectLst/>
+                        <a:latin typeface="Calibri" panose="020F0502020204030204" pitchFamily="34" charset="0"/>
+                      </a:endParaRPr>
+                    </a:p>
+                  </a:txBody>
+                  <a:tcPr marL="9423" marR="9423" marT="9423" marB="0" anchor="ctr">
+                    <a:solidFill>
+                      <a:schemeClr val="accent5">
+                        <a:lumMod val="60000"/>
+                        <a:lumOff val="40000"/>
+                      </a:schemeClr>
+                    </a:solidFill>
+                  </a:tcPr>
+                </a:tc>
+                <a:tc>
+                  <a:txBody>
+                    <a:bodyPr/>
+                    <a:lstStyle/>
+                    <a:p>
+                      <a:pPr algn="ctr" rtl="0" fontAlgn="b"/>
+                      <a:r>
+                        <a:rPr lang="en-US" sz="1100" u="none" strike="noStrike">
+                          <a:effectLst/>
+                        </a:rPr>
+                        <a:t> </a:t>
+                      </a:r>
+                      <a:endParaRPr lang="en-US" sz="1100" b="0" i="0" u="none" strike="noStrike">
+                        <a:solidFill>
+                          <a:srgbClr val="000000"/>
+                        </a:solidFill>
+                        <a:effectLst/>
+                        <a:latin typeface="Calibri" panose="020F0502020204030204" pitchFamily="34" charset="0"/>
+                      </a:endParaRPr>
+                    </a:p>
+                  </a:txBody>
+                  <a:tcPr marL="9423" marR="9423" marT="9423" marB="0" anchor="ctr">
+                    <a:solidFill>
+                      <a:schemeClr val="accent5">
+                        <a:lumMod val="60000"/>
+                        <a:lumOff val="40000"/>
+                      </a:schemeClr>
+                    </a:solidFill>
+                  </a:tcPr>
+                </a:tc>
+                <a:tc>
+                  <a:txBody>
+                    <a:bodyPr/>
+                    <a:lstStyle/>
+                    <a:p>
+                      <a:pPr algn="ctr" rtl="0" fontAlgn="b"/>
+                      <a:r>
+                        <a:rPr lang="en-US" sz="1100" u="none" strike="noStrike">
+                          <a:effectLst/>
+                        </a:rPr>
+                        <a:t> </a:t>
+                      </a:r>
+                      <a:endParaRPr lang="en-US" sz="1100" b="0" i="0" u="none" strike="noStrike">
+                        <a:solidFill>
+                          <a:srgbClr val="000000"/>
+                        </a:solidFill>
+                        <a:effectLst/>
+                        <a:latin typeface="Calibri" panose="020F0502020204030204" pitchFamily="34" charset="0"/>
+                      </a:endParaRPr>
+                    </a:p>
+                  </a:txBody>
+                  <a:tcPr marL="9423" marR="9423" marT="9423" marB="0" anchor="ctr">
+                    <a:solidFill>
+                      <a:schemeClr val="accent5">
+                        <a:lumMod val="60000"/>
+                        <a:lumOff val="40000"/>
+                      </a:schemeClr>
+                    </a:solidFill>
+                  </a:tcPr>
                 </a:tc>
               </a:tr>
               <a:tr h="341097">
@@ -6803,30 +7592,43 @@
                       </a:endParaRPr>
                     </a:p>
                   </a:txBody>
-                  <a:tcPr marL="9423" marR="9423" marT="9423" marB="0" anchor="ctr"/>
-                </a:tc>
-                <a:tc>
-                  <a:txBody>
-                    <a:bodyPr/>
-                    <a:lstStyle/>
-                    <a:p>
-                      <a:pPr algn="ctr" rtl="0" fontAlgn="b"/>
-                      <a:r>
-                        <a:rPr lang="en-US" sz="1100" u="none" strike="noStrike">
-                          <a:effectLst/>
-                        </a:rPr>
-                        <a:t> </a:t>
-                      </a:r>
-                      <a:endParaRPr lang="en-US" sz="1100" b="0" i="0" u="none" strike="noStrike">
-                        <a:solidFill>
-                          <a:srgbClr val="000000"/>
-                        </a:solidFill>
-                        <a:effectLst/>
-                        <a:latin typeface="Calibri" panose="020F0502020204030204" pitchFamily="34" charset="0"/>
-                      </a:endParaRPr>
-                    </a:p>
-                  </a:txBody>
-                  <a:tcPr marL="9423" marR="9423" marT="9423" marB="0" anchor="ctr"/>
+                  <a:tcPr marL="9423" marR="9423" marT="9423" marB="0" anchor="ctr">
+                    <a:solidFill>
+                      <a:schemeClr val="bg1">
+                        <a:lumMod val="85000"/>
+                      </a:schemeClr>
+                    </a:solidFill>
+                  </a:tcPr>
+                </a:tc>
+                <a:tc>
+                  <a:txBody>
+                    <a:bodyPr/>
+                    <a:lstStyle/>
+                    <a:p>
+                      <a:pPr algn="ctr" rtl="0" fontAlgn="b"/>
+                      <a:r>
+                        <a:rPr lang="en-US" sz="1100" u="none" strike="noStrike">
+                          <a:effectLst/>
+                        </a:rPr>
+                        <a:t> </a:t>
+                      </a:r>
+                      <a:endParaRPr lang="en-US" sz="1100" b="0" i="0" u="none" strike="noStrike">
+                        <a:solidFill>
+                          <a:srgbClr val="000000"/>
+                        </a:solidFill>
+                        <a:effectLst/>
+                        <a:latin typeface="Calibri" panose="020F0502020204030204" pitchFamily="34" charset="0"/>
+                      </a:endParaRPr>
+                    </a:p>
+                  </a:txBody>
+                  <a:tcPr marL="9423" marR="9423" marT="9423" marB="0" anchor="ctr">
+                    <a:solidFill>
+                      <a:schemeClr val="accent6">
+                        <a:lumMod val="60000"/>
+                        <a:lumOff val="40000"/>
+                      </a:schemeClr>
+                    </a:solidFill>
+                  </a:tcPr>
                 </a:tc>
                 <a:tc>
                   <a:txBody>
@@ -6849,7 +7651,14 @@
                       </a:endParaRPr>
                     </a:p>
                   </a:txBody>
-                  <a:tcPr marL="9423" marR="9423" marT="9423" marB="0" anchor="ctr"/>
+                  <a:tcPr marL="9423" marR="9423" marT="9423" marB="0" anchor="ctr">
+                    <a:solidFill>
+                      <a:schemeClr val="accent6">
+                        <a:lumMod val="60000"/>
+                        <a:lumOff val="40000"/>
+                      </a:schemeClr>
+                    </a:solidFill>
+                  </a:tcPr>
                 </a:tc>
                 <a:tc>
                   <a:txBody>
@@ -6872,7 +7681,14 @@
                       </a:endParaRPr>
                     </a:p>
                   </a:txBody>
-                  <a:tcPr marL="9423" marR="9423" marT="9423" marB="0" anchor="ctr"/>
+                  <a:tcPr marL="9423" marR="9423" marT="9423" marB="0" anchor="ctr">
+                    <a:solidFill>
+                      <a:schemeClr val="accent6">
+                        <a:lumMod val="60000"/>
+                        <a:lumOff val="40000"/>
+                      </a:schemeClr>
+                    </a:solidFill>
+                  </a:tcPr>
                 </a:tc>
                 <a:tc>
                   <a:txBody>
@@ -6895,30 +7711,44 @@
                       </a:endParaRPr>
                     </a:p>
                   </a:txBody>
-                  <a:tcPr marL="9423" marR="9423" marT="9423" marB="0" anchor="ctr"/>
-                </a:tc>
-                <a:tc>
-                  <a:txBody>
-                    <a:bodyPr/>
-                    <a:lstStyle/>
-                    <a:p>
-                      <a:pPr algn="ctr" rtl="0" fontAlgn="b"/>
-                      <a:r>
-                        <a:rPr lang="en-US" sz="1100" u="none" strike="noStrike">
-                          <a:effectLst/>
-                        </a:rPr>
-                        <a:t> </a:t>
-                      </a:r>
-                      <a:endParaRPr lang="en-US" sz="1100" b="0" i="0" u="none" strike="noStrike">
-                        <a:solidFill>
-                          <a:srgbClr val="000000"/>
-                        </a:solidFill>
-                        <a:effectLst/>
-                        <a:latin typeface="Calibri" panose="020F0502020204030204" pitchFamily="34" charset="0"/>
-                      </a:endParaRPr>
-                    </a:p>
-                  </a:txBody>
-                  <a:tcPr marL="9423" marR="9423" marT="9423" marB="0" anchor="ctr"/>
+                  <a:tcPr marL="9423" marR="9423" marT="9423" marB="0" anchor="ctr">
+                    <a:solidFill>
+                      <a:schemeClr val="accent6">
+                        <a:lumMod val="60000"/>
+                        <a:lumOff val="40000"/>
+                      </a:schemeClr>
+                    </a:solidFill>
+                  </a:tcPr>
+                </a:tc>
+                <a:tc>
+                  <a:txBody>
+                    <a:bodyPr/>
+                    <a:lstStyle/>
+                    <a:p>
+                      <a:pPr algn="ctr" rtl="0" fontAlgn="b"/>
+                      <a:r>
+                        <a:rPr lang="en-US" sz="1100" u="none" strike="noStrike">
+                          <a:effectLst/>
+                        </a:rPr>
+                        <a:t> </a:t>
+                      </a:r>
+                      <a:endParaRPr lang="en-US" sz="1100" b="0" i="0" u="none" strike="noStrike">
+                        <a:solidFill>
+                          <a:srgbClr val="000000"/>
+                        </a:solidFill>
+                        <a:effectLst/>
+                        <a:latin typeface="Calibri" panose="020F0502020204030204" pitchFamily="34" charset="0"/>
+                      </a:endParaRPr>
+                    </a:p>
+                  </a:txBody>
+                  <a:tcPr marL="9423" marR="9423" marT="9423" marB="0" anchor="ctr">
+                    <a:solidFill>
+                      <a:schemeClr val="accent6">
+                        <a:lumMod val="60000"/>
+                        <a:lumOff val="40000"/>
+                      </a:schemeClr>
+                    </a:solidFill>
+                  </a:tcPr>
                 </a:tc>
                 <a:tc>
                   <a:txBody>
@@ -6941,122 +7771,164 @@
                       </a:endParaRPr>
                     </a:p>
                   </a:txBody>
-                  <a:tcPr marL="9423" marR="9423" marT="9423" marB="0" anchor="ctr"/>
-                </a:tc>
-                <a:tc>
-                  <a:txBody>
-                    <a:bodyPr/>
-                    <a:lstStyle/>
-                    <a:p>
-                      <a:pPr algn="ctr" rtl="0" fontAlgn="b"/>
-                      <a:r>
-                        <a:rPr lang="en-US" sz="1100" u="none" strike="noStrike">
-                          <a:effectLst/>
-                        </a:rPr>
-                        <a:t> </a:t>
-                      </a:r>
-                      <a:endParaRPr lang="en-US" sz="1100" b="0" i="0" u="none" strike="noStrike">
-                        <a:solidFill>
-                          <a:srgbClr val="000000"/>
-                        </a:solidFill>
-                        <a:effectLst/>
-                        <a:latin typeface="Calibri" panose="020F0502020204030204" pitchFamily="34" charset="0"/>
-                      </a:endParaRPr>
-                    </a:p>
-                  </a:txBody>
-                  <a:tcPr marL="9423" marR="9423" marT="9423" marB="0" anchor="ctr"/>
-                </a:tc>
-                <a:tc>
-                  <a:txBody>
-                    <a:bodyPr/>
-                    <a:lstStyle/>
-                    <a:p>
-                      <a:pPr algn="ctr" rtl="0" fontAlgn="b"/>
-                      <a:r>
-                        <a:rPr lang="en-US" sz="1100" u="none" strike="noStrike">
-                          <a:effectLst/>
-                        </a:rPr>
-                        <a:t> </a:t>
-                      </a:r>
-                      <a:endParaRPr lang="en-US" sz="1100" b="0" i="0" u="none" strike="noStrike">
-                        <a:solidFill>
-                          <a:srgbClr val="000000"/>
-                        </a:solidFill>
-                        <a:effectLst/>
-                        <a:latin typeface="Calibri" panose="020F0502020204030204" pitchFamily="34" charset="0"/>
-                      </a:endParaRPr>
-                    </a:p>
-                  </a:txBody>
-                  <a:tcPr marL="9423" marR="9423" marT="9423" marB="0" anchor="ctr"/>
-                </a:tc>
-                <a:tc>
-                  <a:txBody>
-                    <a:bodyPr/>
-                    <a:lstStyle/>
-                    <a:p>
-                      <a:pPr algn="ctr" rtl="0" fontAlgn="b"/>
-                      <a:r>
-                        <a:rPr lang="en-US" sz="1100" u="none" strike="noStrike">
-                          <a:effectLst/>
-                        </a:rPr>
-                        <a:t> </a:t>
-                      </a:r>
-                      <a:endParaRPr lang="en-US" sz="1100" b="0" i="0" u="none" strike="noStrike">
-                        <a:solidFill>
-                          <a:srgbClr val="000000"/>
-                        </a:solidFill>
-                        <a:effectLst/>
-                        <a:latin typeface="Calibri" panose="020F0502020204030204" pitchFamily="34" charset="0"/>
-                      </a:endParaRPr>
-                    </a:p>
-                  </a:txBody>
-                  <a:tcPr marL="9423" marR="9423" marT="9423" marB="0" anchor="ctr"/>
-                </a:tc>
-                <a:tc>
-                  <a:txBody>
-                    <a:bodyPr/>
-                    <a:lstStyle/>
-                    <a:p>
-                      <a:pPr algn="ctr" rtl="0" fontAlgn="b"/>
-                      <a:r>
-                        <a:rPr lang="en-US" sz="1100" u="none" strike="noStrike">
-                          <a:effectLst/>
-                        </a:rPr>
-                        <a:t> </a:t>
-                      </a:r>
-                      <a:endParaRPr lang="en-US" sz="1100" b="0" i="0" u="none" strike="noStrike">
-                        <a:solidFill>
-                          <a:srgbClr val="000000"/>
-                        </a:solidFill>
-                        <a:effectLst/>
-                        <a:latin typeface="Calibri" panose="020F0502020204030204" pitchFamily="34" charset="0"/>
-                      </a:endParaRPr>
-                    </a:p>
-                  </a:txBody>
-                  <a:tcPr marL="9423" marR="9423" marT="9423" marB="0" anchor="ctr"/>
-                </a:tc>
-                <a:tc>
-                  <a:txBody>
-                    <a:bodyPr/>
-                    <a:lstStyle/>
-                    <a:p>
-                      <a:pPr algn="ctr" rtl="0" fontAlgn="b"/>
-                      <a:r>
-                        <a:rPr lang="en-US" sz="1100" u="none" strike="noStrike">
-                          <a:effectLst/>
-                        </a:rPr>
-                        <a:t> </a:t>
-                      </a:r>
-                      <a:endParaRPr lang="en-US" sz="1100" b="0" i="0" u="none" strike="noStrike">
-                        <a:solidFill>
-                          <a:srgbClr val="000000"/>
-                        </a:solidFill>
-                        <a:effectLst/>
-                        <a:latin typeface="Calibri" panose="020F0502020204030204" pitchFamily="34" charset="0"/>
-                      </a:endParaRPr>
-                    </a:p>
-                  </a:txBody>
-                  <a:tcPr marL="9423" marR="9423" marT="9423" marB="0" anchor="ctr"/>
+                  <a:tcPr marL="9423" marR="9423" marT="9423" marB="0" anchor="ctr">
+                    <a:solidFill>
+                      <a:schemeClr val="accent6">
+                        <a:lumMod val="60000"/>
+                        <a:lumOff val="40000"/>
+                      </a:schemeClr>
+                    </a:solidFill>
+                  </a:tcPr>
+                </a:tc>
+                <a:tc>
+                  <a:txBody>
+                    <a:bodyPr/>
+                    <a:lstStyle/>
+                    <a:p>
+                      <a:pPr algn="ctr" rtl="0" fontAlgn="b"/>
+                      <a:r>
+                        <a:rPr lang="en-US" sz="1100" u="none" strike="noStrike">
+                          <a:effectLst/>
+                        </a:rPr>
+                        <a:t> </a:t>
+                      </a:r>
+                      <a:endParaRPr lang="en-US" sz="1100" b="0" i="0" u="none" strike="noStrike">
+                        <a:solidFill>
+                          <a:srgbClr val="000000"/>
+                        </a:solidFill>
+                        <a:effectLst/>
+                        <a:latin typeface="Calibri" panose="020F0502020204030204" pitchFamily="34" charset="0"/>
+                      </a:endParaRPr>
+                    </a:p>
+                  </a:txBody>
+                  <a:tcPr marL="9423" marR="9423" marT="9423" marB="0" anchor="ctr">
+                    <a:solidFill>
+                      <a:schemeClr val="accent2">
+                        <a:lumMod val="60000"/>
+                        <a:lumOff val="40000"/>
+                      </a:schemeClr>
+                    </a:solidFill>
+                  </a:tcPr>
+                </a:tc>
+                <a:tc>
+                  <a:txBody>
+                    <a:bodyPr/>
+                    <a:lstStyle/>
+                    <a:p>
+                      <a:pPr algn="ctr" rtl="0" fontAlgn="b"/>
+                      <a:r>
+                        <a:rPr lang="en-US" sz="1100" u="none" strike="noStrike">
+                          <a:effectLst/>
+                        </a:rPr>
+                        <a:t> </a:t>
+                      </a:r>
+                      <a:endParaRPr lang="en-US" sz="1100" b="0" i="0" u="none" strike="noStrike">
+                        <a:solidFill>
+                          <a:srgbClr val="000000"/>
+                        </a:solidFill>
+                        <a:effectLst/>
+                        <a:latin typeface="Calibri" panose="020F0502020204030204" pitchFamily="34" charset="0"/>
+                      </a:endParaRPr>
+                    </a:p>
+                  </a:txBody>
+                  <a:tcPr marL="9423" marR="9423" marT="9423" marB="0" anchor="ctr">
+                    <a:solidFill>
+                      <a:schemeClr val="accent2">
+                        <a:lumMod val="60000"/>
+                        <a:lumOff val="40000"/>
+                      </a:schemeClr>
+                    </a:solidFill>
+                  </a:tcPr>
+                </a:tc>
+                <a:tc>
+                  <a:txBody>
+                    <a:bodyPr/>
+                    <a:lstStyle/>
+                    <a:p>
+                      <a:pPr algn="ctr" rtl="0" fontAlgn="b"/>
+                      <a:r>
+                        <a:rPr lang="en-US" sz="1100" u="none" strike="noStrike">
+                          <a:effectLst/>
+                        </a:rPr>
+                        <a:t> </a:t>
+                      </a:r>
+                      <a:endParaRPr lang="en-US" sz="1100" b="0" i="0" u="none" strike="noStrike">
+                        <a:solidFill>
+                          <a:srgbClr val="000000"/>
+                        </a:solidFill>
+                        <a:effectLst/>
+                        <a:latin typeface="Calibri" panose="020F0502020204030204" pitchFamily="34" charset="0"/>
+                      </a:endParaRPr>
+                    </a:p>
+                  </a:txBody>
+                  <a:tcPr marL="9423" marR="9423" marT="9423" marB="0" anchor="ctr">
+                    <a:solidFill>
+                      <a:schemeClr val="accent2">
+                        <a:lumMod val="60000"/>
+                        <a:lumOff val="40000"/>
+                      </a:schemeClr>
+                    </a:solidFill>
+                  </a:tcPr>
+                </a:tc>
+                <a:tc>
+                  <a:txBody>
+                    <a:bodyPr/>
+                    <a:lstStyle/>
+                    <a:p>
+                      <a:pPr algn="ctr" rtl="0" fontAlgn="b"/>
+                      <a:r>
+                        <a:rPr lang="en-US" sz="1100" u="none" strike="noStrike">
+                          <a:effectLst/>
+                        </a:rPr>
+                        <a:t> </a:t>
+                      </a:r>
+                      <a:endParaRPr lang="en-US" sz="1100" b="0" i="0" u="none" strike="noStrike">
+                        <a:solidFill>
+                          <a:srgbClr val="000000"/>
+                        </a:solidFill>
+                        <a:effectLst/>
+                        <a:latin typeface="Calibri" panose="020F0502020204030204" pitchFamily="34" charset="0"/>
+                      </a:endParaRPr>
+                    </a:p>
+                  </a:txBody>
+                  <a:tcPr marL="9423" marR="9423" marT="9423" marB="0" anchor="ctr">
+                    <a:solidFill>
+                      <a:schemeClr val="accent5">
+                        <a:lumMod val="60000"/>
+                        <a:lumOff val="40000"/>
+                      </a:schemeClr>
+                    </a:solidFill>
+                  </a:tcPr>
+                </a:tc>
+                <a:tc>
+                  <a:txBody>
+                    <a:bodyPr/>
+                    <a:lstStyle/>
+                    <a:p>
+                      <a:pPr algn="ctr" rtl="0" fontAlgn="b"/>
+                      <a:r>
+                        <a:rPr lang="en-US" sz="1100" u="none" strike="noStrike">
+                          <a:effectLst/>
+                        </a:rPr>
+                        <a:t> </a:t>
+                      </a:r>
+                      <a:endParaRPr lang="en-US" sz="1100" b="0" i="0" u="none" strike="noStrike">
+                        <a:solidFill>
+                          <a:srgbClr val="000000"/>
+                        </a:solidFill>
+                        <a:effectLst/>
+                        <a:latin typeface="Calibri" panose="020F0502020204030204" pitchFamily="34" charset="0"/>
+                      </a:endParaRPr>
+                    </a:p>
+                  </a:txBody>
+                  <a:tcPr marL="9423" marR="9423" marT="9423" marB="0" anchor="ctr">
+                    <a:solidFill>
+                      <a:schemeClr val="accent5">
+                        <a:lumMod val="60000"/>
+                        <a:lumOff val="40000"/>
+                      </a:schemeClr>
+                    </a:solidFill>
+                  </a:tcPr>
                 </a:tc>
                 <a:tc>
                   <a:txBody>
@@ -7079,214 +7951,284 @@
                       </a:endParaRPr>
                     </a:p>
                   </a:txBody>
-                  <a:tcPr marL="9423" marR="9423" marT="9423" marB="0" anchor="ctr"/>
-                </a:tc>
-                <a:tc>
-                  <a:txBody>
-                    <a:bodyPr/>
-                    <a:lstStyle/>
-                    <a:p>
-                      <a:pPr algn="ctr" rtl="0" fontAlgn="b"/>
-                      <a:r>
-                        <a:rPr lang="en-US" sz="1100" u="none" strike="noStrike">
-                          <a:effectLst/>
-                        </a:rPr>
-                        <a:t> </a:t>
-                      </a:r>
-                      <a:endParaRPr lang="en-US" sz="1100" b="0" i="0" u="none" strike="noStrike">
-                        <a:solidFill>
-                          <a:srgbClr val="000000"/>
-                        </a:solidFill>
-                        <a:effectLst/>
-                        <a:latin typeface="Calibri" panose="020F0502020204030204" pitchFamily="34" charset="0"/>
-                      </a:endParaRPr>
-                    </a:p>
-                  </a:txBody>
-                  <a:tcPr marL="9423" marR="9423" marT="9423" marB="0" anchor="ctr"/>
-                </a:tc>
-                <a:tc>
-                  <a:txBody>
-                    <a:bodyPr/>
-                    <a:lstStyle/>
-                    <a:p>
-                      <a:pPr algn="ctr" rtl="0" fontAlgn="b"/>
-                      <a:r>
-                        <a:rPr lang="en-US" sz="1100" u="none" strike="noStrike">
-                          <a:effectLst/>
-                        </a:rPr>
-                        <a:t> </a:t>
-                      </a:r>
-                      <a:endParaRPr lang="en-US" sz="1100" b="0" i="0" u="none" strike="noStrike">
-                        <a:solidFill>
-                          <a:srgbClr val="000000"/>
-                        </a:solidFill>
-                        <a:effectLst/>
-                        <a:latin typeface="Calibri" panose="020F0502020204030204" pitchFamily="34" charset="0"/>
-                      </a:endParaRPr>
-                    </a:p>
-                  </a:txBody>
-                  <a:tcPr marL="9423" marR="9423" marT="9423" marB="0" anchor="ctr"/>
-                </a:tc>
-                <a:tc>
-                  <a:txBody>
-                    <a:bodyPr/>
-                    <a:lstStyle/>
-                    <a:p>
-                      <a:pPr algn="ctr" rtl="0" fontAlgn="b"/>
-                      <a:r>
-                        <a:rPr lang="en-US" sz="1100" u="none" strike="noStrike">
-                          <a:effectLst/>
-                        </a:rPr>
-                        <a:t> </a:t>
-                      </a:r>
-                      <a:endParaRPr lang="en-US" sz="1100" b="0" i="0" u="none" strike="noStrike">
-                        <a:solidFill>
-                          <a:srgbClr val="000000"/>
-                        </a:solidFill>
-                        <a:effectLst/>
-                        <a:latin typeface="Calibri" panose="020F0502020204030204" pitchFamily="34" charset="0"/>
-                      </a:endParaRPr>
-                    </a:p>
-                  </a:txBody>
-                  <a:tcPr marL="9423" marR="9423" marT="9423" marB="0" anchor="ctr"/>
-                </a:tc>
-                <a:tc>
-                  <a:txBody>
-                    <a:bodyPr/>
-                    <a:lstStyle/>
-                    <a:p>
-                      <a:pPr algn="ctr" rtl="0" fontAlgn="b"/>
-                      <a:r>
-                        <a:rPr lang="en-US" sz="1100" u="none" strike="noStrike">
-                          <a:effectLst/>
-                        </a:rPr>
-                        <a:t> </a:t>
-                      </a:r>
-                      <a:endParaRPr lang="en-US" sz="1100" b="0" i="0" u="none" strike="noStrike">
-                        <a:solidFill>
-                          <a:srgbClr val="000000"/>
-                        </a:solidFill>
-                        <a:effectLst/>
-                        <a:latin typeface="Calibri" panose="020F0502020204030204" pitchFamily="34" charset="0"/>
-                      </a:endParaRPr>
-                    </a:p>
-                  </a:txBody>
-                  <a:tcPr marL="9423" marR="9423" marT="9423" marB="0" anchor="ctr"/>
-                </a:tc>
-                <a:tc>
-                  <a:txBody>
-                    <a:bodyPr/>
-                    <a:lstStyle/>
-                    <a:p>
-                      <a:pPr algn="ctr" rtl="0" fontAlgn="b"/>
-                      <a:r>
-                        <a:rPr lang="en-US" sz="1100" u="none" strike="noStrike">
-                          <a:effectLst/>
-                        </a:rPr>
-                        <a:t> </a:t>
-                      </a:r>
-                      <a:endParaRPr lang="en-US" sz="1100" b="0" i="0" u="none" strike="noStrike">
-                        <a:solidFill>
-                          <a:srgbClr val="000000"/>
-                        </a:solidFill>
-                        <a:effectLst/>
-                        <a:latin typeface="Calibri" panose="020F0502020204030204" pitchFamily="34" charset="0"/>
-                      </a:endParaRPr>
-                    </a:p>
-                  </a:txBody>
-                  <a:tcPr marL="9423" marR="9423" marT="9423" marB="0" anchor="ctr"/>
-                </a:tc>
-                <a:tc>
-                  <a:txBody>
-                    <a:bodyPr/>
-                    <a:lstStyle/>
-                    <a:p>
-                      <a:pPr algn="ctr" rtl="0" fontAlgn="b"/>
-                      <a:r>
-                        <a:rPr lang="en-US" sz="1100" u="none" strike="noStrike">
-                          <a:effectLst/>
-                        </a:rPr>
-                        <a:t> </a:t>
-                      </a:r>
-                      <a:endParaRPr lang="en-US" sz="1100" b="0" i="0" u="none" strike="noStrike">
-                        <a:solidFill>
-                          <a:srgbClr val="000000"/>
-                        </a:solidFill>
-                        <a:effectLst/>
-                        <a:latin typeface="Calibri" panose="020F0502020204030204" pitchFamily="34" charset="0"/>
-                      </a:endParaRPr>
-                    </a:p>
-                  </a:txBody>
-                  <a:tcPr marL="9423" marR="9423" marT="9423" marB="0" anchor="ctr"/>
-                </a:tc>
-                <a:tc>
-                  <a:txBody>
-                    <a:bodyPr/>
-                    <a:lstStyle/>
-                    <a:p>
-                      <a:pPr algn="ctr" rtl="0" fontAlgn="b"/>
-                      <a:r>
-                        <a:rPr lang="en-US" sz="1100" u="none" strike="noStrike">
-                          <a:effectLst/>
-                        </a:rPr>
-                        <a:t> </a:t>
-                      </a:r>
-                      <a:endParaRPr lang="en-US" sz="1100" b="0" i="0" u="none" strike="noStrike">
-                        <a:solidFill>
-                          <a:srgbClr val="000000"/>
-                        </a:solidFill>
-                        <a:effectLst/>
-                        <a:latin typeface="Calibri" panose="020F0502020204030204" pitchFamily="34" charset="0"/>
-                      </a:endParaRPr>
-                    </a:p>
-                  </a:txBody>
-                  <a:tcPr marL="9423" marR="9423" marT="9423" marB="0" anchor="ctr"/>
-                </a:tc>
-                <a:tc>
-                  <a:txBody>
-                    <a:bodyPr/>
-                    <a:lstStyle/>
-                    <a:p>
-                      <a:pPr algn="ctr" rtl="0" fontAlgn="b"/>
-                      <a:r>
-                        <a:rPr lang="en-US" sz="1100" u="none" strike="noStrike">
-                          <a:effectLst/>
-                        </a:rPr>
-                        <a:t> </a:t>
-                      </a:r>
-                      <a:endParaRPr lang="en-US" sz="1100" b="0" i="0" u="none" strike="noStrike">
-                        <a:solidFill>
-                          <a:srgbClr val="000000"/>
-                        </a:solidFill>
-                        <a:effectLst/>
-                        <a:latin typeface="Calibri" panose="020F0502020204030204" pitchFamily="34" charset="0"/>
-                      </a:endParaRPr>
-                    </a:p>
-                  </a:txBody>
-                  <a:tcPr marL="9423" marR="9423" marT="9423" marB="0" anchor="ctr"/>
-                </a:tc>
-                <a:tc>
-                  <a:txBody>
-                    <a:bodyPr/>
-                    <a:lstStyle/>
-                    <a:p>
-                      <a:pPr algn="ctr" rtl="0" fontAlgn="b"/>
-                      <a:r>
-                        <a:rPr lang="en-US" sz="1100" u="none" strike="noStrike">
-                          <a:effectLst/>
-                        </a:rPr>
-                        <a:t> </a:t>
-                      </a:r>
-                      <a:endParaRPr lang="en-US" sz="1100" b="0" i="0" u="none" strike="noStrike">
-                        <a:solidFill>
-                          <a:srgbClr val="000000"/>
-                        </a:solidFill>
-                        <a:effectLst/>
-                        <a:latin typeface="Calibri" panose="020F0502020204030204" pitchFamily="34" charset="0"/>
-                      </a:endParaRPr>
-                    </a:p>
-                  </a:txBody>
-                  <a:tcPr marL="9423" marR="9423" marT="9423" marB="0" anchor="ctr"/>
+                  <a:tcPr marL="9423" marR="9423" marT="9423" marB="0" anchor="ctr">
+                    <a:solidFill>
+                      <a:schemeClr val="accent5">
+                        <a:lumMod val="60000"/>
+                        <a:lumOff val="40000"/>
+                      </a:schemeClr>
+                    </a:solidFill>
+                  </a:tcPr>
+                </a:tc>
+                <a:tc>
+                  <a:txBody>
+                    <a:bodyPr/>
+                    <a:lstStyle/>
+                    <a:p>
+                      <a:pPr algn="ctr" rtl="0" fontAlgn="b"/>
+                      <a:r>
+                        <a:rPr lang="en-US" sz="1100" u="none" strike="noStrike">
+                          <a:effectLst/>
+                        </a:rPr>
+                        <a:t> </a:t>
+                      </a:r>
+                      <a:endParaRPr lang="en-US" sz="1100" b="0" i="0" u="none" strike="noStrike">
+                        <a:solidFill>
+                          <a:srgbClr val="000000"/>
+                        </a:solidFill>
+                        <a:effectLst/>
+                        <a:latin typeface="Calibri" panose="020F0502020204030204" pitchFamily="34" charset="0"/>
+                      </a:endParaRPr>
+                    </a:p>
+                  </a:txBody>
+                  <a:tcPr marL="9423" marR="9423" marT="9423" marB="0" anchor="ctr">
+                    <a:solidFill>
+                      <a:schemeClr val="accent5">
+                        <a:lumMod val="60000"/>
+                        <a:lumOff val="40000"/>
+                      </a:schemeClr>
+                    </a:solidFill>
+                  </a:tcPr>
+                </a:tc>
+                <a:tc>
+                  <a:txBody>
+                    <a:bodyPr/>
+                    <a:lstStyle/>
+                    <a:p>
+                      <a:pPr algn="ctr" rtl="0" fontAlgn="b"/>
+                      <a:r>
+                        <a:rPr lang="en-US" sz="1100" u="none" strike="noStrike">
+                          <a:effectLst/>
+                        </a:rPr>
+                        <a:t> </a:t>
+                      </a:r>
+                      <a:endParaRPr lang="en-US" sz="1100" b="0" i="0" u="none" strike="noStrike">
+                        <a:solidFill>
+                          <a:srgbClr val="000000"/>
+                        </a:solidFill>
+                        <a:effectLst/>
+                        <a:latin typeface="Calibri" panose="020F0502020204030204" pitchFamily="34" charset="0"/>
+                      </a:endParaRPr>
+                    </a:p>
+                  </a:txBody>
+                  <a:tcPr marL="9423" marR="9423" marT="9423" marB="0" anchor="ctr">
+                    <a:solidFill>
+                      <a:schemeClr val="accent5">
+                        <a:lumMod val="60000"/>
+                        <a:lumOff val="40000"/>
+                      </a:schemeClr>
+                    </a:solidFill>
+                  </a:tcPr>
+                </a:tc>
+                <a:tc>
+                  <a:txBody>
+                    <a:bodyPr/>
+                    <a:lstStyle/>
+                    <a:p>
+                      <a:pPr algn="ctr" rtl="0" fontAlgn="b"/>
+                      <a:r>
+                        <a:rPr lang="en-US" sz="1100" u="none" strike="noStrike">
+                          <a:effectLst/>
+                        </a:rPr>
+                        <a:t> </a:t>
+                      </a:r>
+                      <a:endParaRPr lang="en-US" sz="1100" b="0" i="0" u="none" strike="noStrike">
+                        <a:solidFill>
+                          <a:srgbClr val="000000"/>
+                        </a:solidFill>
+                        <a:effectLst/>
+                        <a:latin typeface="Calibri" panose="020F0502020204030204" pitchFamily="34" charset="0"/>
+                      </a:endParaRPr>
+                    </a:p>
+                  </a:txBody>
+                  <a:tcPr marL="9423" marR="9423" marT="9423" marB="0" anchor="ctr">
+                    <a:solidFill>
+                      <a:schemeClr val="accent5">
+                        <a:lumMod val="60000"/>
+                        <a:lumOff val="40000"/>
+                      </a:schemeClr>
+                    </a:solidFill>
+                  </a:tcPr>
+                </a:tc>
+                <a:tc>
+                  <a:txBody>
+                    <a:bodyPr/>
+                    <a:lstStyle/>
+                    <a:p>
+                      <a:pPr algn="ctr" rtl="0" fontAlgn="b"/>
+                      <a:r>
+                        <a:rPr lang="en-US" sz="1100" u="none" strike="noStrike">
+                          <a:effectLst/>
+                        </a:rPr>
+                        <a:t> </a:t>
+                      </a:r>
+                      <a:endParaRPr lang="en-US" sz="1100" b="0" i="0" u="none" strike="noStrike">
+                        <a:solidFill>
+                          <a:srgbClr val="000000"/>
+                        </a:solidFill>
+                        <a:effectLst/>
+                        <a:latin typeface="Calibri" panose="020F0502020204030204" pitchFamily="34" charset="0"/>
+                      </a:endParaRPr>
+                    </a:p>
+                  </a:txBody>
+                  <a:tcPr marL="9423" marR="9423" marT="9423" marB="0" anchor="ctr">
+                    <a:solidFill>
+                      <a:schemeClr val="accent5">
+                        <a:lumMod val="60000"/>
+                        <a:lumOff val="40000"/>
+                      </a:schemeClr>
+                    </a:solidFill>
+                  </a:tcPr>
+                </a:tc>
+                <a:tc>
+                  <a:txBody>
+                    <a:bodyPr/>
+                    <a:lstStyle/>
+                    <a:p>
+                      <a:pPr algn="ctr" rtl="0" fontAlgn="b"/>
+                      <a:r>
+                        <a:rPr lang="en-US" sz="1100" u="none" strike="noStrike">
+                          <a:effectLst/>
+                        </a:rPr>
+                        <a:t> </a:t>
+                      </a:r>
+                      <a:endParaRPr lang="en-US" sz="1100" b="0" i="0" u="none" strike="noStrike">
+                        <a:solidFill>
+                          <a:srgbClr val="000000"/>
+                        </a:solidFill>
+                        <a:effectLst/>
+                        <a:latin typeface="Calibri" panose="020F0502020204030204" pitchFamily="34" charset="0"/>
+                      </a:endParaRPr>
+                    </a:p>
+                  </a:txBody>
+                  <a:tcPr marL="9423" marR="9423" marT="9423" marB="0" anchor="ctr">
+                    <a:solidFill>
+                      <a:schemeClr val="accent5">
+                        <a:lumMod val="60000"/>
+                        <a:lumOff val="40000"/>
+                      </a:schemeClr>
+                    </a:solidFill>
+                  </a:tcPr>
+                </a:tc>
+                <a:tc>
+                  <a:txBody>
+                    <a:bodyPr/>
+                    <a:lstStyle/>
+                    <a:p>
+                      <a:pPr algn="ctr" rtl="0" fontAlgn="b"/>
+                      <a:r>
+                        <a:rPr lang="en-US" sz="1100" u="none" strike="noStrike">
+                          <a:effectLst/>
+                        </a:rPr>
+                        <a:t> </a:t>
+                      </a:r>
+                      <a:endParaRPr lang="en-US" sz="1100" b="0" i="0" u="none" strike="noStrike">
+                        <a:solidFill>
+                          <a:srgbClr val="000000"/>
+                        </a:solidFill>
+                        <a:effectLst/>
+                        <a:latin typeface="Calibri" panose="020F0502020204030204" pitchFamily="34" charset="0"/>
+                      </a:endParaRPr>
+                    </a:p>
+                  </a:txBody>
+                  <a:tcPr marL="9423" marR="9423" marT="9423" marB="0" anchor="ctr">
+                    <a:solidFill>
+                      <a:schemeClr val="accent5">
+                        <a:lumMod val="60000"/>
+                        <a:lumOff val="40000"/>
+                      </a:schemeClr>
+                    </a:solidFill>
+                  </a:tcPr>
+                </a:tc>
+                <a:tc>
+                  <a:txBody>
+                    <a:bodyPr/>
+                    <a:lstStyle/>
+                    <a:p>
+                      <a:pPr algn="ctr" rtl="0" fontAlgn="b"/>
+                      <a:r>
+                        <a:rPr lang="en-US" sz="1100" u="none" strike="noStrike">
+                          <a:effectLst/>
+                        </a:rPr>
+                        <a:t> </a:t>
+                      </a:r>
+                      <a:endParaRPr lang="en-US" sz="1100" b="0" i="0" u="none" strike="noStrike">
+                        <a:solidFill>
+                          <a:srgbClr val="000000"/>
+                        </a:solidFill>
+                        <a:effectLst/>
+                        <a:latin typeface="Calibri" panose="020F0502020204030204" pitchFamily="34" charset="0"/>
+                      </a:endParaRPr>
+                    </a:p>
+                  </a:txBody>
+                  <a:tcPr marL="9423" marR="9423" marT="9423" marB="0" anchor="ctr">
+                    <a:solidFill>
+                      <a:schemeClr val="accent5">
+                        <a:lumMod val="60000"/>
+                        <a:lumOff val="40000"/>
+                      </a:schemeClr>
+                    </a:solidFill>
+                  </a:tcPr>
+                </a:tc>
+                <a:tc>
+                  <a:txBody>
+                    <a:bodyPr/>
+                    <a:lstStyle/>
+                    <a:p>
+                      <a:pPr algn="ctr" rtl="0" fontAlgn="b"/>
+                      <a:r>
+                        <a:rPr lang="en-US" sz="1100" u="none" strike="noStrike">
+                          <a:effectLst/>
+                        </a:rPr>
+                        <a:t> </a:t>
+                      </a:r>
+                      <a:endParaRPr lang="en-US" sz="1100" b="0" i="0" u="none" strike="noStrike">
+                        <a:solidFill>
+                          <a:srgbClr val="000000"/>
+                        </a:solidFill>
+                        <a:effectLst/>
+                        <a:latin typeface="Calibri" panose="020F0502020204030204" pitchFamily="34" charset="0"/>
+                      </a:endParaRPr>
+                    </a:p>
+                  </a:txBody>
+                  <a:tcPr marL="9423" marR="9423" marT="9423" marB="0" anchor="ctr">
+                    <a:solidFill>
+                      <a:schemeClr val="accent5">
+                        <a:lumMod val="60000"/>
+                        <a:lumOff val="40000"/>
+                      </a:schemeClr>
+                    </a:solidFill>
+                  </a:tcPr>
+                </a:tc>
+                <a:tc>
+                  <a:txBody>
+                    <a:bodyPr/>
+                    <a:lstStyle/>
+                    <a:p>
+                      <a:pPr algn="ctr" rtl="0" fontAlgn="b"/>
+                      <a:r>
+                        <a:rPr lang="en-US" sz="1100" u="none" strike="noStrike">
+                          <a:effectLst/>
+                        </a:rPr>
+                        <a:t> </a:t>
+                      </a:r>
+                      <a:endParaRPr lang="en-US" sz="1100" b="0" i="0" u="none" strike="noStrike">
+                        <a:solidFill>
+                          <a:srgbClr val="000000"/>
+                        </a:solidFill>
+                        <a:effectLst/>
+                        <a:latin typeface="Calibri" panose="020F0502020204030204" pitchFamily="34" charset="0"/>
+                      </a:endParaRPr>
+                    </a:p>
+                  </a:txBody>
+                  <a:tcPr marL="9423" marR="9423" marT="9423" marB="0" anchor="ctr">
+                    <a:solidFill>
+                      <a:schemeClr val="accent5">
+                        <a:lumMod val="60000"/>
+                        <a:lumOff val="40000"/>
+                      </a:schemeClr>
+                    </a:solidFill>
+                  </a:tcPr>
                 </a:tc>
               </a:tr>
               <a:tr h="672772">
@@ -7307,21 +8249,27 @@
                     <a:p>
                       <a:pPr algn="l" rtl="0" fontAlgn="t"/>
                       <a:r>
-                        <a:rPr lang="es-ES" sz="1100" u="none" strike="noStrike">
+                        <a:rPr lang="es-ES" sz="1100" u="none" strike="noStrike" dirty="0">
                           <a:effectLst/>
                         </a:rPr>
                         <a:t>Contribuir al mantenimiento de los procesos biológicos (crianza, reclutamiento, crecimiento, reproducción, alimentación) </a:t>
                       </a:r>
-                      <a:endParaRPr lang="es-ES" sz="1100" b="0" i="0" u="none" strike="noStrike">
-                        <a:solidFill>
-                          <a:srgbClr val="000000"/>
-                        </a:solidFill>
-                        <a:effectLst/>
-                        <a:latin typeface="Calibri" panose="020F0502020204030204" pitchFamily="34" charset="0"/>
-                      </a:endParaRPr>
-                    </a:p>
-                  </a:txBody>
-                  <a:tcPr marL="9423" marR="9423" marT="9423" marB="0" anchor="ctr"/>
+                      <a:endParaRPr lang="es-ES" sz="1100" b="0" i="0" u="none" strike="noStrike" dirty="0">
+                        <a:solidFill>
+                          <a:srgbClr val="000000"/>
+                        </a:solidFill>
+                        <a:effectLst/>
+                        <a:latin typeface="Calibri" panose="020F0502020204030204" pitchFamily="34" charset="0"/>
+                      </a:endParaRPr>
+                    </a:p>
+                  </a:txBody>
+                  <a:tcPr marL="9423" marR="9423" marT="9423" marB="0" anchor="ctr">
+                    <a:solidFill>
+                      <a:schemeClr val="bg1">
+                        <a:lumMod val="85000"/>
+                      </a:schemeClr>
+                    </a:solidFill>
+                  </a:tcPr>
                 </a:tc>
                 <a:tc>
                   <a:txBody>
@@ -7344,7 +8292,14 @@
                       </a:endParaRPr>
                     </a:p>
                   </a:txBody>
-                  <a:tcPr marL="9423" marR="9423" marT="9423" marB="0" anchor="ctr"/>
+                  <a:tcPr marL="9423" marR="9423" marT="9423" marB="0" anchor="ctr">
+                    <a:solidFill>
+                      <a:schemeClr val="accent6">
+                        <a:lumMod val="60000"/>
+                        <a:lumOff val="40000"/>
+                      </a:schemeClr>
+                    </a:solidFill>
+                  </a:tcPr>
                 </a:tc>
                 <a:tc>
                   <a:txBody>
@@ -7367,7 +8322,14 @@
                       </a:endParaRPr>
                     </a:p>
                   </a:txBody>
-                  <a:tcPr marL="9423" marR="9423" marT="9423" marB="0" anchor="ctr"/>
+                  <a:tcPr marL="9423" marR="9423" marT="9423" marB="0" anchor="ctr">
+                    <a:solidFill>
+                      <a:schemeClr val="accent6">
+                        <a:lumMod val="60000"/>
+                        <a:lumOff val="40000"/>
+                      </a:schemeClr>
+                    </a:solidFill>
+                  </a:tcPr>
                 </a:tc>
                 <a:tc>
                   <a:txBody>
@@ -7390,7 +8352,14 @@
                       </a:endParaRPr>
                     </a:p>
                   </a:txBody>
-                  <a:tcPr marL="9423" marR="9423" marT="9423" marB="0" anchor="ctr"/>
+                  <a:tcPr marL="9423" marR="9423" marT="9423" marB="0" anchor="ctr">
+                    <a:solidFill>
+                      <a:schemeClr val="accent6">
+                        <a:lumMod val="60000"/>
+                        <a:lumOff val="40000"/>
+                      </a:schemeClr>
+                    </a:solidFill>
+                  </a:tcPr>
                 </a:tc>
                 <a:tc>
                   <a:txBody>
@@ -7413,7 +8382,14 @@
                       </a:endParaRPr>
                     </a:p>
                   </a:txBody>
-                  <a:tcPr marL="9423" marR="9423" marT="9423" marB="0" anchor="ctr"/>
+                  <a:tcPr marL="9423" marR="9423" marT="9423" marB="0" anchor="ctr">
+                    <a:solidFill>
+                      <a:schemeClr val="accent6">
+                        <a:lumMod val="60000"/>
+                        <a:lumOff val="40000"/>
+                      </a:schemeClr>
+                    </a:solidFill>
+                  </a:tcPr>
                 </a:tc>
                 <a:tc>
                   <a:txBody>
@@ -7436,7 +8412,14 @@
                       </a:endParaRPr>
                     </a:p>
                   </a:txBody>
-                  <a:tcPr marL="9423" marR="9423" marT="9423" marB="0" anchor="ctr"/>
+                  <a:tcPr marL="9423" marR="9423" marT="9423" marB="0" anchor="ctr">
+                    <a:solidFill>
+                      <a:schemeClr val="accent6">
+                        <a:lumMod val="60000"/>
+                        <a:lumOff val="40000"/>
+                      </a:schemeClr>
+                    </a:solidFill>
+                  </a:tcPr>
                 </a:tc>
                 <a:tc>
                   <a:txBody>
@@ -7459,168 +8442,224 @@
                       </a:endParaRPr>
                     </a:p>
                   </a:txBody>
-                  <a:tcPr marL="9423" marR="9423" marT="9423" marB="0" anchor="ctr"/>
-                </a:tc>
-                <a:tc>
-                  <a:txBody>
-                    <a:bodyPr/>
-                    <a:lstStyle/>
-                    <a:p>
-                      <a:pPr algn="ctr" rtl="0" fontAlgn="b"/>
-                      <a:r>
-                        <a:rPr lang="en-US" sz="1100" u="none" strike="noStrike">
-                          <a:effectLst/>
-                        </a:rPr>
-                        <a:t> </a:t>
-                      </a:r>
-                      <a:endParaRPr lang="en-US" sz="1100" b="0" i="0" u="none" strike="noStrike">
-                        <a:solidFill>
-                          <a:srgbClr val="000000"/>
-                        </a:solidFill>
-                        <a:effectLst/>
-                        <a:latin typeface="Calibri" panose="020F0502020204030204" pitchFamily="34" charset="0"/>
-                      </a:endParaRPr>
-                    </a:p>
-                  </a:txBody>
-                  <a:tcPr marL="9423" marR="9423" marT="9423" marB="0" anchor="ctr"/>
-                </a:tc>
-                <a:tc>
-                  <a:txBody>
-                    <a:bodyPr/>
-                    <a:lstStyle/>
-                    <a:p>
-                      <a:pPr algn="ctr" rtl="0" fontAlgn="b"/>
-                      <a:r>
-                        <a:rPr lang="en-US" sz="1100" u="none" strike="noStrike">
-                          <a:effectLst/>
-                        </a:rPr>
-                        <a:t> </a:t>
-                      </a:r>
-                      <a:endParaRPr lang="en-US" sz="1100" b="0" i="0" u="none" strike="noStrike">
-                        <a:solidFill>
-                          <a:srgbClr val="000000"/>
-                        </a:solidFill>
-                        <a:effectLst/>
-                        <a:latin typeface="Calibri" panose="020F0502020204030204" pitchFamily="34" charset="0"/>
-                      </a:endParaRPr>
-                    </a:p>
-                  </a:txBody>
-                  <a:tcPr marL="9423" marR="9423" marT="9423" marB="0" anchor="ctr"/>
-                </a:tc>
-                <a:tc>
-                  <a:txBody>
-                    <a:bodyPr/>
-                    <a:lstStyle/>
-                    <a:p>
-                      <a:pPr algn="ctr" rtl="0" fontAlgn="b"/>
-                      <a:r>
-                        <a:rPr lang="en-US" sz="1100" u="none" strike="noStrike">
-                          <a:effectLst/>
-                        </a:rPr>
-                        <a:t> </a:t>
-                      </a:r>
-                      <a:endParaRPr lang="en-US" sz="1100" b="0" i="0" u="none" strike="noStrike">
-                        <a:solidFill>
-                          <a:srgbClr val="000000"/>
-                        </a:solidFill>
-                        <a:effectLst/>
-                        <a:latin typeface="Calibri" panose="020F0502020204030204" pitchFamily="34" charset="0"/>
-                      </a:endParaRPr>
-                    </a:p>
-                  </a:txBody>
-                  <a:tcPr marL="9423" marR="9423" marT="9423" marB="0" anchor="ctr"/>
-                </a:tc>
-                <a:tc>
-                  <a:txBody>
-                    <a:bodyPr/>
-                    <a:lstStyle/>
-                    <a:p>
-                      <a:pPr algn="ctr" rtl="0" fontAlgn="b"/>
-                      <a:r>
-                        <a:rPr lang="en-US" sz="1100" u="none" strike="noStrike">
-                          <a:effectLst/>
-                        </a:rPr>
-                        <a:t> </a:t>
-                      </a:r>
-                      <a:endParaRPr lang="en-US" sz="1100" b="0" i="0" u="none" strike="noStrike">
-                        <a:solidFill>
-                          <a:srgbClr val="000000"/>
-                        </a:solidFill>
-                        <a:effectLst/>
-                        <a:latin typeface="Calibri" panose="020F0502020204030204" pitchFamily="34" charset="0"/>
-                      </a:endParaRPr>
-                    </a:p>
-                  </a:txBody>
-                  <a:tcPr marL="9423" marR="9423" marT="9423" marB="0" anchor="ctr"/>
-                </a:tc>
-                <a:tc>
-                  <a:txBody>
-                    <a:bodyPr/>
-                    <a:lstStyle/>
-                    <a:p>
-                      <a:pPr algn="ctr" rtl="0" fontAlgn="b"/>
-                      <a:r>
-                        <a:rPr lang="en-US" sz="1100" u="none" strike="noStrike">
-                          <a:effectLst/>
-                        </a:rPr>
-                        <a:t> </a:t>
-                      </a:r>
-                      <a:endParaRPr lang="en-US" sz="1100" b="0" i="0" u="none" strike="noStrike">
-                        <a:solidFill>
-                          <a:srgbClr val="000000"/>
-                        </a:solidFill>
-                        <a:effectLst/>
-                        <a:latin typeface="Calibri" panose="020F0502020204030204" pitchFamily="34" charset="0"/>
-                      </a:endParaRPr>
-                    </a:p>
-                  </a:txBody>
-                  <a:tcPr marL="9423" marR="9423" marT="9423" marB="0" anchor="ctr"/>
-                </a:tc>
-                <a:tc>
-                  <a:txBody>
-                    <a:bodyPr/>
-                    <a:lstStyle/>
-                    <a:p>
-                      <a:pPr algn="ctr" rtl="0" fontAlgn="b"/>
-                      <a:r>
-                        <a:rPr lang="en-US" sz="1100" u="none" strike="noStrike">
-                          <a:effectLst/>
-                        </a:rPr>
-                        <a:t> </a:t>
-                      </a:r>
-                      <a:endParaRPr lang="en-US" sz="1100" b="0" i="0" u="none" strike="noStrike">
-                        <a:solidFill>
-                          <a:srgbClr val="000000"/>
-                        </a:solidFill>
-                        <a:effectLst/>
-                        <a:latin typeface="Calibri" panose="020F0502020204030204" pitchFamily="34" charset="0"/>
-                      </a:endParaRPr>
-                    </a:p>
-                  </a:txBody>
-                  <a:tcPr marL="9423" marR="9423" marT="9423" marB="0" anchor="ctr"/>
-                </a:tc>
-                <a:tc>
-                  <a:txBody>
-                    <a:bodyPr/>
-                    <a:lstStyle/>
-                    <a:p>
-                      <a:pPr algn="ctr" rtl="0" fontAlgn="b"/>
-                      <a:r>
-                        <a:rPr lang="en-US" sz="1100" u="none" strike="noStrike">
-                          <a:effectLst/>
-                        </a:rPr>
-                        <a:t> </a:t>
-                      </a:r>
-                      <a:endParaRPr lang="en-US" sz="1100" b="0" i="0" u="none" strike="noStrike">
-                        <a:solidFill>
-                          <a:srgbClr val="000000"/>
-                        </a:solidFill>
-                        <a:effectLst/>
-                        <a:latin typeface="Calibri" panose="020F0502020204030204" pitchFamily="34" charset="0"/>
-                      </a:endParaRPr>
-                    </a:p>
-                  </a:txBody>
-                  <a:tcPr marL="9423" marR="9423" marT="9423" marB="0" anchor="ctr"/>
+                  <a:tcPr marL="9423" marR="9423" marT="9423" marB="0" anchor="ctr">
+                    <a:solidFill>
+                      <a:schemeClr val="accent6">
+                        <a:lumMod val="60000"/>
+                        <a:lumOff val="40000"/>
+                      </a:schemeClr>
+                    </a:solidFill>
+                  </a:tcPr>
+                </a:tc>
+                <a:tc>
+                  <a:txBody>
+                    <a:bodyPr/>
+                    <a:lstStyle/>
+                    <a:p>
+                      <a:pPr algn="ctr" rtl="0" fontAlgn="b"/>
+                      <a:r>
+                        <a:rPr lang="en-US" sz="1100" u="none" strike="noStrike">
+                          <a:effectLst/>
+                        </a:rPr>
+                        <a:t> </a:t>
+                      </a:r>
+                      <a:endParaRPr lang="en-US" sz="1100" b="0" i="0" u="none" strike="noStrike">
+                        <a:solidFill>
+                          <a:srgbClr val="000000"/>
+                        </a:solidFill>
+                        <a:effectLst/>
+                        <a:latin typeface="Calibri" panose="020F0502020204030204" pitchFamily="34" charset="0"/>
+                      </a:endParaRPr>
+                    </a:p>
+                  </a:txBody>
+                  <a:tcPr marL="9423" marR="9423" marT="9423" marB="0" anchor="ctr">
+                    <a:solidFill>
+                      <a:schemeClr val="accent2">
+                        <a:lumMod val="60000"/>
+                        <a:lumOff val="40000"/>
+                      </a:schemeClr>
+                    </a:solidFill>
+                  </a:tcPr>
+                </a:tc>
+                <a:tc>
+                  <a:txBody>
+                    <a:bodyPr/>
+                    <a:lstStyle/>
+                    <a:p>
+                      <a:pPr algn="ctr" rtl="0" fontAlgn="b"/>
+                      <a:r>
+                        <a:rPr lang="en-US" sz="1100" u="none" strike="noStrike">
+                          <a:effectLst/>
+                        </a:rPr>
+                        <a:t> </a:t>
+                      </a:r>
+                      <a:endParaRPr lang="en-US" sz="1100" b="0" i="0" u="none" strike="noStrike">
+                        <a:solidFill>
+                          <a:srgbClr val="000000"/>
+                        </a:solidFill>
+                        <a:effectLst/>
+                        <a:latin typeface="Calibri" panose="020F0502020204030204" pitchFamily="34" charset="0"/>
+                      </a:endParaRPr>
+                    </a:p>
+                  </a:txBody>
+                  <a:tcPr marL="9423" marR="9423" marT="9423" marB="0" anchor="ctr">
+                    <a:solidFill>
+                      <a:schemeClr val="accent2">
+                        <a:lumMod val="60000"/>
+                        <a:lumOff val="40000"/>
+                      </a:schemeClr>
+                    </a:solidFill>
+                  </a:tcPr>
+                </a:tc>
+                <a:tc>
+                  <a:txBody>
+                    <a:bodyPr/>
+                    <a:lstStyle/>
+                    <a:p>
+                      <a:pPr algn="ctr" rtl="0" fontAlgn="b"/>
+                      <a:r>
+                        <a:rPr lang="en-US" sz="1100" u="none" strike="noStrike">
+                          <a:effectLst/>
+                        </a:rPr>
+                        <a:t> </a:t>
+                      </a:r>
+                      <a:endParaRPr lang="en-US" sz="1100" b="0" i="0" u="none" strike="noStrike">
+                        <a:solidFill>
+                          <a:srgbClr val="000000"/>
+                        </a:solidFill>
+                        <a:effectLst/>
+                        <a:latin typeface="Calibri" panose="020F0502020204030204" pitchFamily="34" charset="0"/>
+                      </a:endParaRPr>
+                    </a:p>
+                  </a:txBody>
+                  <a:tcPr marL="9423" marR="9423" marT="9423" marB="0" anchor="ctr">
+                    <a:solidFill>
+                      <a:schemeClr val="accent2">
+                        <a:lumMod val="60000"/>
+                        <a:lumOff val="40000"/>
+                      </a:schemeClr>
+                    </a:solidFill>
+                  </a:tcPr>
+                </a:tc>
+                <a:tc>
+                  <a:txBody>
+                    <a:bodyPr/>
+                    <a:lstStyle/>
+                    <a:p>
+                      <a:pPr algn="ctr" rtl="0" fontAlgn="b"/>
+                      <a:r>
+                        <a:rPr lang="en-US" sz="1100" u="none" strike="noStrike">
+                          <a:effectLst/>
+                        </a:rPr>
+                        <a:t> </a:t>
+                      </a:r>
+                      <a:endParaRPr lang="en-US" sz="1100" b="0" i="0" u="none" strike="noStrike">
+                        <a:solidFill>
+                          <a:srgbClr val="000000"/>
+                        </a:solidFill>
+                        <a:effectLst/>
+                        <a:latin typeface="Calibri" panose="020F0502020204030204" pitchFamily="34" charset="0"/>
+                      </a:endParaRPr>
+                    </a:p>
+                  </a:txBody>
+                  <a:tcPr marL="9423" marR="9423" marT="9423" marB="0" anchor="ctr">
+                    <a:solidFill>
+                      <a:schemeClr val="accent5">
+                        <a:lumMod val="60000"/>
+                        <a:lumOff val="40000"/>
+                      </a:schemeClr>
+                    </a:solidFill>
+                  </a:tcPr>
+                </a:tc>
+                <a:tc>
+                  <a:txBody>
+                    <a:bodyPr/>
+                    <a:lstStyle/>
+                    <a:p>
+                      <a:pPr algn="ctr" rtl="0" fontAlgn="b"/>
+                      <a:r>
+                        <a:rPr lang="en-US" sz="1100" u="none" strike="noStrike">
+                          <a:effectLst/>
+                        </a:rPr>
+                        <a:t> </a:t>
+                      </a:r>
+                      <a:endParaRPr lang="en-US" sz="1100" b="0" i="0" u="none" strike="noStrike">
+                        <a:solidFill>
+                          <a:srgbClr val="000000"/>
+                        </a:solidFill>
+                        <a:effectLst/>
+                        <a:latin typeface="Calibri" panose="020F0502020204030204" pitchFamily="34" charset="0"/>
+                      </a:endParaRPr>
+                    </a:p>
+                  </a:txBody>
+                  <a:tcPr marL="9423" marR="9423" marT="9423" marB="0" anchor="ctr">
+                    <a:solidFill>
+                      <a:schemeClr val="accent5">
+                        <a:lumMod val="60000"/>
+                        <a:lumOff val="40000"/>
+                      </a:schemeClr>
+                    </a:solidFill>
+                  </a:tcPr>
+                </a:tc>
+                <a:tc>
+                  <a:txBody>
+                    <a:bodyPr/>
+                    <a:lstStyle/>
+                    <a:p>
+                      <a:pPr algn="ctr" rtl="0" fontAlgn="b"/>
+                      <a:r>
+                        <a:rPr lang="en-US" sz="1100" u="none" strike="noStrike">
+                          <a:effectLst/>
+                        </a:rPr>
+                        <a:t> </a:t>
+                      </a:r>
+                      <a:endParaRPr lang="en-US" sz="1100" b="0" i="0" u="none" strike="noStrike">
+                        <a:solidFill>
+                          <a:srgbClr val="000000"/>
+                        </a:solidFill>
+                        <a:effectLst/>
+                        <a:latin typeface="Calibri" panose="020F0502020204030204" pitchFamily="34" charset="0"/>
+                      </a:endParaRPr>
+                    </a:p>
+                  </a:txBody>
+                  <a:tcPr marL="9423" marR="9423" marT="9423" marB="0" anchor="ctr">
+                    <a:solidFill>
+                      <a:schemeClr val="accent5">
+                        <a:lumMod val="60000"/>
+                        <a:lumOff val="40000"/>
+                      </a:schemeClr>
+                    </a:solidFill>
+                  </a:tcPr>
+                </a:tc>
+                <a:tc>
+                  <a:txBody>
+                    <a:bodyPr/>
+                    <a:lstStyle/>
+                    <a:p>
+                      <a:pPr algn="ctr" rtl="0" fontAlgn="b"/>
+                      <a:r>
+                        <a:rPr lang="en-US" sz="1100" u="none" strike="noStrike">
+                          <a:effectLst/>
+                        </a:rPr>
+                        <a:t> </a:t>
+                      </a:r>
+                      <a:endParaRPr lang="en-US" sz="1100" b="0" i="0" u="none" strike="noStrike">
+                        <a:solidFill>
+                          <a:srgbClr val="000000"/>
+                        </a:solidFill>
+                        <a:effectLst/>
+                        <a:latin typeface="Calibri" panose="020F0502020204030204" pitchFamily="34" charset="0"/>
+                      </a:endParaRPr>
+                    </a:p>
+                  </a:txBody>
+                  <a:tcPr marL="9423" marR="9423" marT="9423" marB="0" anchor="ctr">
+                    <a:solidFill>
+                      <a:schemeClr val="accent5">
+                        <a:lumMod val="60000"/>
+                        <a:lumOff val="40000"/>
+                      </a:schemeClr>
+                    </a:solidFill>
+                  </a:tcPr>
                 </a:tc>
                 <a:tc>
                   <a:txBody>
@@ -7643,7 +8682,14 @@
                       </a:endParaRPr>
                     </a:p>
                   </a:txBody>
-                  <a:tcPr marL="9423" marR="9423" marT="9423" marB="0" anchor="ctr"/>
+                  <a:tcPr marL="9423" marR="9423" marT="9423" marB="0" anchor="ctr">
+                    <a:solidFill>
+                      <a:schemeClr val="accent5">
+                        <a:lumMod val="60000"/>
+                        <a:lumOff val="40000"/>
+                      </a:schemeClr>
+                    </a:solidFill>
+                  </a:tcPr>
                 </a:tc>
                 <a:tc>
                   <a:txBody>
@@ -7666,7 +8712,14 @@
                       </a:endParaRPr>
                     </a:p>
                   </a:txBody>
-                  <a:tcPr marL="9423" marR="9423" marT="9423" marB="0" anchor="ctr"/>
+                  <a:tcPr marL="9423" marR="9423" marT="9423" marB="0" anchor="ctr">
+                    <a:solidFill>
+                      <a:schemeClr val="accent5">
+                        <a:lumMod val="60000"/>
+                        <a:lumOff val="40000"/>
+                      </a:schemeClr>
+                    </a:solidFill>
+                  </a:tcPr>
                 </a:tc>
                 <a:tc>
                   <a:txBody>
@@ -7689,7 +8742,14 @@
                       </a:endParaRPr>
                     </a:p>
                   </a:txBody>
-                  <a:tcPr marL="9423" marR="9423" marT="9423" marB="0" anchor="ctr"/>
+                  <a:tcPr marL="9423" marR="9423" marT="9423" marB="0" anchor="ctr">
+                    <a:solidFill>
+                      <a:schemeClr val="accent5">
+                        <a:lumMod val="60000"/>
+                        <a:lumOff val="40000"/>
+                      </a:schemeClr>
+                    </a:solidFill>
+                  </a:tcPr>
                 </a:tc>
                 <a:tc>
                   <a:txBody>
@@ -7712,7 +8772,14 @@
                       </a:endParaRPr>
                     </a:p>
                   </a:txBody>
-                  <a:tcPr marL="9423" marR="9423" marT="9423" marB="0" anchor="ctr"/>
+                  <a:tcPr marL="9423" marR="9423" marT="9423" marB="0" anchor="ctr">
+                    <a:solidFill>
+                      <a:schemeClr val="accent5">
+                        <a:lumMod val="60000"/>
+                        <a:lumOff val="40000"/>
+                      </a:schemeClr>
+                    </a:solidFill>
+                  </a:tcPr>
                 </a:tc>
                 <a:tc>
                   <a:txBody>
@@ -7735,7 +8802,14 @@
                       </a:endParaRPr>
                     </a:p>
                   </a:txBody>
-                  <a:tcPr marL="9423" marR="9423" marT="9423" marB="0" anchor="ctr"/>
+                  <a:tcPr marL="9423" marR="9423" marT="9423" marB="0" anchor="ctr">
+                    <a:solidFill>
+                      <a:schemeClr val="accent5">
+                        <a:lumMod val="60000"/>
+                        <a:lumOff val="40000"/>
+                      </a:schemeClr>
+                    </a:solidFill>
+                  </a:tcPr>
                 </a:tc>
                 <a:tc>
                   <a:txBody>
@@ -7758,7 +8832,14 @@
                       </a:endParaRPr>
                     </a:p>
                   </a:txBody>
-                  <a:tcPr marL="9423" marR="9423" marT="9423" marB="0" anchor="ctr"/>
+                  <a:tcPr marL="9423" marR="9423" marT="9423" marB="0" anchor="ctr">
+                    <a:solidFill>
+                      <a:schemeClr val="accent5">
+                        <a:lumMod val="60000"/>
+                        <a:lumOff val="40000"/>
+                      </a:schemeClr>
+                    </a:solidFill>
+                  </a:tcPr>
                 </a:tc>
                 <a:tc>
                   <a:txBody>
@@ -7781,7 +8862,14 @@
                       </a:endParaRPr>
                     </a:p>
                   </a:txBody>
-                  <a:tcPr marL="9423" marR="9423" marT="9423" marB="0" anchor="ctr"/>
+                  <a:tcPr marL="9423" marR="9423" marT="9423" marB="0" anchor="ctr">
+                    <a:solidFill>
+                      <a:schemeClr val="accent5">
+                        <a:lumMod val="60000"/>
+                        <a:lumOff val="40000"/>
+                      </a:schemeClr>
+                    </a:solidFill>
+                  </a:tcPr>
                 </a:tc>
                 <a:tc>
                   <a:txBody>
@@ -7804,7 +8892,14 @@
                       </a:endParaRPr>
                     </a:p>
                   </a:txBody>
-                  <a:tcPr marL="9423" marR="9423" marT="9423" marB="0" anchor="ctr"/>
+                  <a:tcPr marL="9423" marR="9423" marT="9423" marB="0" anchor="ctr">
+                    <a:solidFill>
+                      <a:schemeClr val="accent5">
+                        <a:lumMod val="60000"/>
+                        <a:lumOff val="40000"/>
+                      </a:schemeClr>
+                    </a:solidFill>
+                  </a:tcPr>
                 </a:tc>
               </a:tr>
               <a:tr h="386326">
@@ -7825,67 +8920,27 @@
                     <a:p>
                       <a:pPr algn="l" rtl="0" fontAlgn="t"/>
                       <a:r>
-                        <a:rPr lang="es-ES" sz="1100" u="none" strike="noStrike">
+                        <a:rPr lang="es-ES" sz="1100" u="none" strike="noStrike" dirty="0">
                           <a:effectLst/>
                         </a:rPr>
                         <a:t>Preservar el hábitat de las especies pesqueras </a:t>
                       </a:r>
-                      <a:endParaRPr lang="es-ES" sz="1100" b="0" i="0" u="none" strike="noStrike">
-                        <a:solidFill>
-                          <a:srgbClr val="000000"/>
-                        </a:solidFill>
-                        <a:effectLst/>
-                        <a:latin typeface="Calibri" panose="020F0502020204030204" pitchFamily="34" charset="0"/>
-                      </a:endParaRPr>
-                    </a:p>
-                  </a:txBody>
-                  <a:tcPr marL="9423" marR="9423" marT="9423" marB="0" anchor="ctr"/>
-                </a:tc>
-                <a:tc>
-                  <a:txBody>
-                    <a:bodyPr/>
-                    <a:lstStyle/>
-                    <a:p>
-                      <a:pPr algn="ctr" rtl="0" fontAlgn="b"/>
-                      <a:r>
-                        <a:rPr lang="en-US" sz="1100" u="none" strike="noStrike">
-                          <a:effectLst/>
-                        </a:rPr>
-                        <a:t> </a:t>
-                      </a:r>
-                      <a:endParaRPr lang="en-US" sz="1100" b="0" i="0" u="none" strike="noStrike">
-                        <a:solidFill>
-                          <a:srgbClr val="000000"/>
-                        </a:solidFill>
-                        <a:effectLst/>
-                        <a:latin typeface="Calibri" panose="020F0502020204030204" pitchFamily="34" charset="0"/>
-                      </a:endParaRPr>
-                    </a:p>
-                  </a:txBody>
-                  <a:tcPr marL="9423" marR="9423" marT="9423" marB="0" anchor="ctr"/>
-                </a:tc>
-                <a:tc>
-                  <a:txBody>
-                    <a:bodyPr/>
-                    <a:lstStyle/>
-                    <a:p>
-                      <a:pPr algn="ctr" rtl="0" fontAlgn="b"/>
-                      <a:r>
-                        <a:rPr lang="en-US" sz="1100" u="none" strike="noStrike">
-                          <a:effectLst/>
-                        </a:rPr>
-                        <a:t> </a:t>
-                      </a:r>
-                      <a:endParaRPr lang="en-US" sz="1100" b="0" i="0" u="none" strike="noStrike">
-                        <a:solidFill>
-                          <a:srgbClr val="000000"/>
-                        </a:solidFill>
-                        <a:effectLst/>
-                        <a:latin typeface="Calibri" panose="020F0502020204030204" pitchFamily="34" charset="0"/>
-                      </a:endParaRPr>
-                    </a:p>
-                  </a:txBody>
-                  <a:tcPr marL="9423" marR="9423" marT="9423" marB="0" anchor="ctr"/>
+                      <a:endParaRPr lang="es-ES" sz="1100" b="0" i="0" u="none" strike="noStrike" dirty="0">
+                        <a:solidFill>
+                          <a:srgbClr val="000000"/>
+                        </a:solidFill>
+                        <a:effectLst/>
+                        <a:latin typeface="Calibri" panose="020F0502020204030204" pitchFamily="34" charset="0"/>
+                      </a:endParaRPr>
+                    </a:p>
+                  </a:txBody>
+                  <a:tcPr marL="9423" marR="9423" marT="9423" marB="0" anchor="ctr">
+                    <a:solidFill>
+                      <a:schemeClr val="bg1">
+                        <a:lumMod val="85000"/>
+                      </a:schemeClr>
+                    </a:solidFill>
+                  </a:tcPr>
                 </a:tc>
                 <a:tc>
                   <a:txBody>
@@ -7908,7 +8963,14 @@
                       </a:endParaRPr>
                     </a:p>
                   </a:txBody>
-                  <a:tcPr marL="9423" marR="9423" marT="9423" marB="0" anchor="ctr"/>
+                  <a:tcPr marL="9423" marR="9423" marT="9423" marB="0" anchor="ctr">
+                    <a:solidFill>
+                      <a:schemeClr val="accent6">
+                        <a:lumMod val="60000"/>
+                        <a:lumOff val="40000"/>
+                      </a:schemeClr>
+                    </a:solidFill>
+                  </a:tcPr>
                 </a:tc>
                 <a:tc>
                   <a:txBody>
@@ -7931,7 +8993,14 @@
                       </a:endParaRPr>
                     </a:p>
                   </a:txBody>
-                  <a:tcPr marL="9423" marR="9423" marT="9423" marB="0" anchor="ctr"/>
+                  <a:tcPr marL="9423" marR="9423" marT="9423" marB="0" anchor="ctr">
+                    <a:solidFill>
+                      <a:schemeClr val="accent6">
+                        <a:lumMod val="60000"/>
+                        <a:lumOff val="40000"/>
+                      </a:schemeClr>
+                    </a:solidFill>
+                  </a:tcPr>
                 </a:tc>
                 <a:tc>
                   <a:txBody>
@@ -7954,30 +9023,14 @@
                       </a:endParaRPr>
                     </a:p>
                   </a:txBody>
-                  <a:tcPr marL="9423" marR="9423" marT="9423" marB="0" anchor="ctr"/>
-                </a:tc>
-                <a:tc>
-                  <a:txBody>
-                    <a:bodyPr/>
-                    <a:lstStyle/>
-                    <a:p>
-                      <a:pPr algn="ctr" rtl="0" fontAlgn="b"/>
-                      <a:r>
-                        <a:rPr lang="en-US" sz="1100" u="none" strike="noStrike">
-                          <a:effectLst/>
-                        </a:rPr>
-                        <a:t> </a:t>
-                      </a:r>
-                      <a:endParaRPr lang="en-US" sz="1100" b="0" i="0" u="none" strike="noStrike">
-                        <a:solidFill>
-                          <a:srgbClr val="000000"/>
-                        </a:solidFill>
-                        <a:effectLst/>
-                        <a:latin typeface="Calibri" panose="020F0502020204030204" pitchFamily="34" charset="0"/>
-                      </a:endParaRPr>
-                    </a:p>
-                  </a:txBody>
-                  <a:tcPr marL="9423" marR="9423" marT="9423" marB="0" anchor="ctr"/>
+                  <a:tcPr marL="9423" marR="9423" marT="9423" marB="0" anchor="ctr">
+                    <a:solidFill>
+                      <a:schemeClr val="accent6">
+                        <a:lumMod val="60000"/>
+                        <a:lumOff val="40000"/>
+                      </a:schemeClr>
+                    </a:solidFill>
+                  </a:tcPr>
                 </a:tc>
                 <a:tc>
                   <a:txBody>
@@ -8000,30 +9053,14 @@
                       </a:endParaRPr>
                     </a:p>
                   </a:txBody>
-                  <a:tcPr marL="9423" marR="9423" marT="9423" marB="0" anchor="ctr"/>
-                </a:tc>
-                <a:tc>
-                  <a:txBody>
-                    <a:bodyPr/>
-                    <a:lstStyle/>
-                    <a:p>
-                      <a:pPr algn="ctr" rtl="0" fontAlgn="b"/>
-                      <a:r>
-                        <a:rPr lang="en-US" sz="1100" u="none" strike="noStrike">
-                          <a:effectLst/>
-                        </a:rPr>
-                        <a:t> </a:t>
-                      </a:r>
-                      <a:endParaRPr lang="en-US" sz="1100" b="0" i="0" u="none" strike="noStrike">
-                        <a:solidFill>
-                          <a:srgbClr val="000000"/>
-                        </a:solidFill>
-                        <a:effectLst/>
-                        <a:latin typeface="Calibri" panose="020F0502020204030204" pitchFamily="34" charset="0"/>
-                      </a:endParaRPr>
-                    </a:p>
-                  </a:txBody>
-                  <a:tcPr marL="9423" marR="9423" marT="9423" marB="0" anchor="ctr"/>
+                  <a:tcPr marL="9423" marR="9423" marT="9423" marB="0" anchor="ctr">
+                    <a:solidFill>
+                      <a:schemeClr val="accent6">
+                        <a:lumMod val="60000"/>
+                        <a:lumOff val="40000"/>
+                      </a:schemeClr>
+                    </a:solidFill>
+                  </a:tcPr>
                 </a:tc>
                 <a:tc>
                   <a:txBody>
@@ -8046,30 +9083,14 @@
                       </a:endParaRPr>
                     </a:p>
                   </a:txBody>
-                  <a:tcPr marL="9423" marR="9423" marT="9423" marB="0" anchor="ctr"/>
-                </a:tc>
-                <a:tc>
-                  <a:txBody>
-                    <a:bodyPr/>
-                    <a:lstStyle/>
-                    <a:p>
-                      <a:pPr algn="ctr" rtl="0" fontAlgn="b"/>
-                      <a:r>
-                        <a:rPr lang="en-US" sz="1100" u="none" strike="noStrike">
-                          <a:effectLst/>
-                        </a:rPr>
-                        <a:t> </a:t>
-                      </a:r>
-                      <a:endParaRPr lang="en-US" sz="1100" b="0" i="0" u="none" strike="noStrike">
-                        <a:solidFill>
-                          <a:srgbClr val="000000"/>
-                        </a:solidFill>
-                        <a:effectLst/>
-                        <a:latin typeface="Calibri" panose="020F0502020204030204" pitchFamily="34" charset="0"/>
-                      </a:endParaRPr>
-                    </a:p>
-                  </a:txBody>
-                  <a:tcPr marL="9423" marR="9423" marT="9423" marB="0" anchor="ctr"/>
+                  <a:tcPr marL="9423" marR="9423" marT="9423" marB="0" anchor="ctr">
+                    <a:solidFill>
+                      <a:schemeClr val="accent6">
+                        <a:lumMod val="60000"/>
+                        <a:lumOff val="40000"/>
+                      </a:schemeClr>
+                    </a:solidFill>
+                  </a:tcPr>
                 </a:tc>
                 <a:tc>
                   <a:txBody>
@@ -8092,7 +9113,14 @@
                       </a:endParaRPr>
                     </a:p>
                   </a:txBody>
-                  <a:tcPr marL="9423" marR="9423" marT="9423" marB="0" anchor="ctr"/>
+                  <a:tcPr marL="9423" marR="9423" marT="9423" marB="0" anchor="ctr">
+                    <a:solidFill>
+                      <a:schemeClr val="accent6">
+                        <a:lumMod val="60000"/>
+                        <a:lumOff val="40000"/>
+                      </a:schemeClr>
+                    </a:solidFill>
+                  </a:tcPr>
                 </a:tc>
                 <a:tc>
                   <a:txBody>
@@ -8115,7 +9143,14 @@
                       </a:endParaRPr>
                     </a:p>
                   </a:txBody>
-                  <a:tcPr marL="9423" marR="9423" marT="9423" marB="0" anchor="ctr"/>
+                  <a:tcPr marL="9423" marR="9423" marT="9423" marB="0" anchor="ctr">
+                    <a:solidFill>
+                      <a:schemeClr val="accent2">
+                        <a:lumMod val="60000"/>
+                        <a:lumOff val="40000"/>
+                      </a:schemeClr>
+                    </a:solidFill>
+                  </a:tcPr>
                 </a:tc>
                 <a:tc>
                   <a:txBody>
@@ -8138,99 +9173,14 @@
                       </a:endParaRPr>
                     </a:p>
                   </a:txBody>
-                  <a:tcPr marL="9423" marR="9423" marT="9423" marB="0" anchor="ctr"/>
-                </a:tc>
-                <a:tc>
-                  <a:txBody>
-                    <a:bodyPr/>
-                    <a:lstStyle/>
-                    <a:p>
-                      <a:pPr algn="ctr" rtl="0" fontAlgn="b"/>
-                      <a:r>
-                        <a:rPr lang="en-US" sz="1100" u="none" strike="noStrike">
-                          <a:effectLst/>
-                        </a:rPr>
-                        <a:t> </a:t>
-                      </a:r>
-                      <a:endParaRPr lang="en-US" sz="1100" b="0" i="0" u="none" strike="noStrike">
-                        <a:solidFill>
-                          <a:srgbClr val="000000"/>
-                        </a:solidFill>
-                        <a:effectLst/>
-                        <a:latin typeface="Calibri" panose="020F0502020204030204" pitchFamily="34" charset="0"/>
-                      </a:endParaRPr>
-                    </a:p>
-                  </a:txBody>
-                  <a:tcPr marL="9423" marR="9423" marT="9423" marB="0" anchor="ctr"/>
-                </a:tc>
-                <a:tc>
-                  <a:txBody>
-                    <a:bodyPr/>
-                    <a:lstStyle/>
-                    <a:p>
-                      <a:pPr algn="ctr" rtl="0" fontAlgn="b"/>
-                      <a:r>
-                        <a:rPr lang="en-US" sz="1100" u="none" strike="noStrike">
-                          <a:effectLst/>
-                        </a:rPr>
-                        <a:t> </a:t>
-                      </a:r>
-                      <a:endParaRPr lang="en-US" sz="1100" b="0" i="0" u="none" strike="noStrike">
-                        <a:solidFill>
-                          <a:srgbClr val="000000"/>
-                        </a:solidFill>
-                        <a:effectLst/>
-                        <a:latin typeface="Calibri" panose="020F0502020204030204" pitchFamily="34" charset="0"/>
-                      </a:endParaRPr>
-                    </a:p>
-                  </a:txBody>
-                  <a:tcPr marL="9423" marR="9423" marT="9423" marB="0" anchor="ctr"/>
-                </a:tc>
-                <a:tc>
-                  <a:txBody>
-                    <a:bodyPr/>
-                    <a:lstStyle/>
-                    <a:p>
-                      <a:pPr algn="ctr" rtl="0" fontAlgn="b"/>
-                      <a:r>
-                        <a:rPr lang="en-US" sz="1100" u="none" strike="noStrike">
-                          <a:effectLst/>
-                        </a:rPr>
-                        <a:t> </a:t>
-                      </a:r>
-                      <a:endParaRPr lang="en-US" sz="1100" b="0" i="0" u="none" strike="noStrike">
-                        <a:solidFill>
-                          <a:srgbClr val="000000"/>
-                        </a:solidFill>
-                        <a:effectLst/>
-                        <a:latin typeface="Calibri" panose="020F0502020204030204" pitchFamily="34" charset="0"/>
-                      </a:endParaRPr>
-                    </a:p>
-                  </a:txBody>
-                  <a:tcPr marL="9423" marR="9423" marT="9423" marB="0" anchor="ctr"/>
-                </a:tc>
-                <a:tc>
-                  <a:txBody>
-                    <a:bodyPr/>
-                    <a:lstStyle/>
-                    <a:p>
-                      <a:pPr algn="ctr" rtl="0" fontAlgn="b"/>
-                      <a:r>
-                        <a:rPr lang="en-US" sz="1100" u="none" strike="noStrike">
-                          <a:effectLst/>
-                        </a:rPr>
-                        <a:t> </a:t>
-                      </a:r>
-                      <a:endParaRPr lang="en-US" sz="1100" b="0" i="0" u="none" strike="noStrike">
-                        <a:solidFill>
-                          <a:srgbClr val="000000"/>
-                        </a:solidFill>
-                        <a:effectLst/>
-                        <a:latin typeface="Calibri" panose="020F0502020204030204" pitchFamily="34" charset="0"/>
-                      </a:endParaRPr>
-                    </a:p>
-                  </a:txBody>
-                  <a:tcPr marL="9423" marR="9423" marT="9423" marB="0" anchor="ctr"/>
+                  <a:tcPr marL="9423" marR="9423" marT="9423" marB="0" anchor="ctr">
+                    <a:solidFill>
+                      <a:schemeClr val="accent2">
+                        <a:lumMod val="60000"/>
+                        <a:lumOff val="40000"/>
+                      </a:schemeClr>
+                    </a:solidFill>
+                  </a:tcPr>
                 </a:tc>
                 <a:tc>
                   <a:txBody>
@@ -8253,7 +9203,14 @@
                       </a:endParaRPr>
                     </a:p>
                   </a:txBody>
-                  <a:tcPr marL="9423" marR="9423" marT="9423" marB="0" anchor="ctr"/>
+                  <a:tcPr marL="9423" marR="9423" marT="9423" marB="0" anchor="ctr">
+                    <a:solidFill>
+                      <a:schemeClr val="accent2">
+                        <a:lumMod val="60000"/>
+                        <a:lumOff val="40000"/>
+                      </a:schemeClr>
+                    </a:solidFill>
+                  </a:tcPr>
                 </a:tc>
                 <a:tc>
                   <a:txBody>
@@ -8276,7 +9233,14 @@
                       </a:endParaRPr>
                     </a:p>
                   </a:txBody>
-                  <a:tcPr marL="9423" marR="9423" marT="9423" marB="0" anchor="ctr"/>
+                  <a:tcPr marL="9423" marR="9423" marT="9423" marB="0" anchor="ctr">
+                    <a:solidFill>
+                      <a:schemeClr val="accent5">
+                        <a:lumMod val="60000"/>
+                        <a:lumOff val="40000"/>
+                      </a:schemeClr>
+                    </a:solidFill>
+                  </a:tcPr>
                 </a:tc>
                 <a:tc>
                   <a:txBody>
@@ -8299,7 +9263,14 @@
                       </a:endParaRPr>
                     </a:p>
                   </a:txBody>
-                  <a:tcPr marL="9423" marR="9423" marT="9423" marB="0" anchor="ctr"/>
+                  <a:tcPr marL="9423" marR="9423" marT="9423" marB="0" anchor="ctr">
+                    <a:solidFill>
+                      <a:schemeClr val="accent5">
+                        <a:lumMod val="60000"/>
+                        <a:lumOff val="40000"/>
+                      </a:schemeClr>
+                    </a:solidFill>
+                  </a:tcPr>
                 </a:tc>
                 <a:tc>
                   <a:txBody>
@@ -8322,7 +9293,284 @@
                       </a:endParaRPr>
                     </a:p>
                   </a:txBody>
-                  <a:tcPr marL="9423" marR="9423" marT="9423" marB="0" anchor="ctr"/>
+                  <a:tcPr marL="9423" marR="9423" marT="9423" marB="0" anchor="ctr">
+                    <a:solidFill>
+                      <a:schemeClr val="accent5">
+                        <a:lumMod val="60000"/>
+                        <a:lumOff val="40000"/>
+                      </a:schemeClr>
+                    </a:solidFill>
+                  </a:tcPr>
+                </a:tc>
+                <a:tc>
+                  <a:txBody>
+                    <a:bodyPr/>
+                    <a:lstStyle/>
+                    <a:p>
+                      <a:pPr algn="ctr" rtl="0" fontAlgn="b"/>
+                      <a:r>
+                        <a:rPr lang="en-US" sz="1100" u="none" strike="noStrike" dirty="0">
+                          <a:effectLst/>
+                        </a:rPr>
+                        <a:t> </a:t>
+                      </a:r>
+                      <a:endParaRPr lang="en-US" sz="1100" b="0" i="0" u="none" strike="noStrike" dirty="0">
+                        <a:solidFill>
+                          <a:srgbClr val="000000"/>
+                        </a:solidFill>
+                        <a:effectLst/>
+                        <a:latin typeface="Calibri" panose="020F0502020204030204" pitchFamily="34" charset="0"/>
+                      </a:endParaRPr>
+                    </a:p>
+                  </a:txBody>
+                  <a:tcPr marL="9423" marR="9423" marT="9423" marB="0" anchor="ctr">
+                    <a:solidFill>
+                      <a:schemeClr val="accent5">
+                        <a:lumMod val="60000"/>
+                        <a:lumOff val="40000"/>
+                      </a:schemeClr>
+                    </a:solidFill>
+                  </a:tcPr>
+                </a:tc>
+                <a:tc>
+                  <a:txBody>
+                    <a:bodyPr/>
+                    <a:lstStyle/>
+                    <a:p>
+                      <a:pPr algn="ctr" rtl="0" fontAlgn="b"/>
+                      <a:r>
+                        <a:rPr lang="en-US" sz="1100" u="none" strike="noStrike" dirty="0">
+                          <a:effectLst/>
+                        </a:rPr>
+                        <a:t> </a:t>
+                      </a:r>
+                      <a:endParaRPr lang="en-US" sz="1100" b="0" i="0" u="none" strike="noStrike" dirty="0">
+                        <a:solidFill>
+                          <a:srgbClr val="000000"/>
+                        </a:solidFill>
+                        <a:effectLst/>
+                        <a:latin typeface="Calibri" panose="020F0502020204030204" pitchFamily="34" charset="0"/>
+                      </a:endParaRPr>
+                    </a:p>
+                  </a:txBody>
+                  <a:tcPr marL="9423" marR="9423" marT="9423" marB="0" anchor="ctr">
+                    <a:solidFill>
+                      <a:schemeClr val="accent5">
+                        <a:lumMod val="60000"/>
+                        <a:lumOff val="40000"/>
+                      </a:schemeClr>
+                    </a:solidFill>
+                  </a:tcPr>
+                </a:tc>
+                <a:tc>
+                  <a:txBody>
+                    <a:bodyPr/>
+                    <a:lstStyle/>
+                    <a:p>
+                      <a:pPr algn="ctr" rtl="0" fontAlgn="b"/>
+                      <a:r>
+                        <a:rPr lang="en-US" sz="1100" u="none" strike="noStrike" dirty="0">
+                          <a:effectLst/>
+                        </a:rPr>
+                        <a:t> </a:t>
+                      </a:r>
+                      <a:endParaRPr lang="en-US" sz="1100" b="0" i="0" u="none" strike="noStrike" dirty="0">
+                        <a:solidFill>
+                          <a:srgbClr val="000000"/>
+                        </a:solidFill>
+                        <a:effectLst/>
+                        <a:latin typeface="Calibri" panose="020F0502020204030204" pitchFamily="34" charset="0"/>
+                      </a:endParaRPr>
+                    </a:p>
+                  </a:txBody>
+                  <a:tcPr marL="9423" marR="9423" marT="9423" marB="0" anchor="ctr">
+                    <a:solidFill>
+                      <a:schemeClr val="accent5">
+                        <a:lumMod val="60000"/>
+                        <a:lumOff val="40000"/>
+                      </a:schemeClr>
+                    </a:solidFill>
+                  </a:tcPr>
+                </a:tc>
+                <a:tc>
+                  <a:txBody>
+                    <a:bodyPr/>
+                    <a:lstStyle/>
+                    <a:p>
+                      <a:pPr algn="ctr" rtl="0" fontAlgn="b"/>
+                      <a:r>
+                        <a:rPr lang="en-US" sz="1100" u="none" strike="noStrike" dirty="0">
+                          <a:effectLst/>
+                        </a:rPr>
+                        <a:t> </a:t>
+                      </a:r>
+                      <a:endParaRPr lang="en-US" sz="1100" b="0" i="0" u="none" strike="noStrike" dirty="0">
+                        <a:solidFill>
+                          <a:srgbClr val="000000"/>
+                        </a:solidFill>
+                        <a:effectLst/>
+                        <a:latin typeface="Calibri" panose="020F0502020204030204" pitchFamily="34" charset="0"/>
+                      </a:endParaRPr>
+                    </a:p>
+                  </a:txBody>
+                  <a:tcPr marL="9423" marR="9423" marT="9423" marB="0" anchor="ctr">
+                    <a:solidFill>
+                      <a:schemeClr val="accent5">
+                        <a:lumMod val="60000"/>
+                        <a:lumOff val="40000"/>
+                      </a:schemeClr>
+                    </a:solidFill>
+                  </a:tcPr>
+                </a:tc>
+                <a:tc>
+                  <a:txBody>
+                    <a:bodyPr/>
+                    <a:lstStyle/>
+                    <a:p>
+                      <a:pPr algn="ctr" rtl="0" fontAlgn="b"/>
+                      <a:r>
+                        <a:rPr lang="en-US" sz="1100" u="none" strike="noStrike" dirty="0">
+                          <a:effectLst/>
+                        </a:rPr>
+                        <a:t> </a:t>
+                      </a:r>
+                      <a:endParaRPr lang="en-US" sz="1100" b="0" i="0" u="none" strike="noStrike" dirty="0">
+                        <a:solidFill>
+                          <a:srgbClr val="000000"/>
+                        </a:solidFill>
+                        <a:effectLst/>
+                        <a:latin typeface="Calibri" panose="020F0502020204030204" pitchFamily="34" charset="0"/>
+                      </a:endParaRPr>
+                    </a:p>
+                  </a:txBody>
+                  <a:tcPr marL="9423" marR="9423" marT="9423" marB="0" anchor="ctr">
+                    <a:solidFill>
+                      <a:schemeClr val="accent5">
+                        <a:lumMod val="60000"/>
+                        <a:lumOff val="40000"/>
+                      </a:schemeClr>
+                    </a:solidFill>
+                  </a:tcPr>
+                </a:tc>
+                <a:tc>
+                  <a:txBody>
+                    <a:bodyPr/>
+                    <a:lstStyle/>
+                    <a:p>
+                      <a:pPr algn="ctr" rtl="0" fontAlgn="b"/>
+                      <a:r>
+                        <a:rPr lang="en-US" sz="1100" u="none" strike="noStrike" dirty="0">
+                          <a:effectLst/>
+                        </a:rPr>
+                        <a:t> </a:t>
+                      </a:r>
+                      <a:endParaRPr lang="en-US" sz="1100" b="0" i="0" u="none" strike="noStrike" dirty="0">
+                        <a:solidFill>
+                          <a:srgbClr val="000000"/>
+                        </a:solidFill>
+                        <a:effectLst/>
+                        <a:latin typeface="Calibri" panose="020F0502020204030204" pitchFamily="34" charset="0"/>
+                      </a:endParaRPr>
+                    </a:p>
+                  </a:txBody>
+                  <a:tcPr marL="9423" marR="9423" marT="9423" marB="0" anchor="ctr">
+                    <a:solidFill>
+                      <a:schemeClr val="accent5">
+                        <a:lumMod val="60000"/>
+                        <a:lumOff val="40000"/>
+                      </a:schemeClr>
+                    </a:solidFill>
+                  </a:tcPr>
+                </a:tc>
+                <a:tc>
+                  <a:txBody>
+                    <a:bodyPr/>
+                    <a:lstStyle/>
+                    <a:p>
+                      <a:pPr algn="ctr" rtl="0" fontAlgn="b"/>
+                      <a:r>
+                        <a:rPr lang="en-US" sz="1100" u="none" strike="noStrike" dirty="0">
+                          <a:effectLst/>
+                        </a:rPr>
+                        <a:t> </a:t>
+                      </a:r>
+                      <a:endParaRPr lang="en-US" sz="1100" b="0" i="0" u="none" strike="noStrike" dirty="0">
+                        <a:solidFill>
+                          <a:srgbClr val="000000"/>
+                        </a:solidFill>
+                        <a:effectLst/>
+                        <a:latin typeface="Calibri" panose="020F0502020204030204" pitchFamily="34" charset="0"/>
+                      </a:endParaRPr>
+                    </a:p>
+                  </a:txBody>
+                  <a:tcPr marL="9423" marR="9423" marT="9423" marB="0" anchor="ctr">
+                    <a:solidFill>
+                      <a:schemeClr val="accent5">
+                        <a:lumMod val="60000"/>
+                        <a:lumOff val="40000"/>
+                      </a:schemeClr>
+                    </a:solidFill>
+                  </a:tcPr>
+                </a:tc>
+                <a:tc>
+                  <a:txBody>
+                    <a:bodyPr/>
+                    <a:lstStyle/>
+                    <a:p>
+                      <a:pPr algn="ctr" rtl="0" fontAlgn="b"/>
+                      <a:r>
+                        <a:rPr lang="en-US" sz="1100" u="none" strike="noStrike" dirty="0">
+                          <a:effectLst/>
+                        </a:rPr>
+                        <a:t> </a:t>
+                      </a:r>
+                      <a:endParaRPr lang="en-US" sz="1100" b="0" i="0" u="none" strike="noStrike" dirty="0">
+                        <a:solidFill>
+                          <a:srgbClr val="000000"/>
+                        </a:solidFill>
+                        <a:effectLst/>
+                        <a:latin typeface="Calibri" panose="020F0502020204030204" pitchFamily="34" charset="0"/>
+                      </a:endParaRPr>
+                    </a:p>
+                  </a:txBody>
+                  <a:tcPr marL="9423" marR="9423" marT="9423" marB="0" anchor="ctr">
+                    <a:solidFill>
+                      <a:schemeClr val="accent5">
+                        <a:lumMod val="60000"/>
+                        <a:lumOff val="40000"/>
+                      </a:schemeClr>
+                    </a:solidFill>
+                  </a:tcPr>
+                </a:tc>
+                <a:tc>
+                  <a:txBody>
+                    <a:bodyPr/>
+                    <a:lstStyle/>
+                    <a:p>
+                      <a:pPr algn="ctr" rtl="0" fontAlgn="b"/>
+                      <a:r>
+                        <a:rPr lang="en-US" sz="1100" u="none" strike="noStrike" dirty="0">
+                          <a:effectLst/>
+                        </a:rPr>
+                        <a:t> </a:t>
+                      </a:r>
+                      <a:endParaRPr lang="en-US" sz="1100" b="0" i="0" u="none" strike="noStrike" dirty="0">
+                        <a:solidFill>
+                          <a:srgbClr val="000000"/>
+                        </a:solidFill>
+                        <a:effectLst/>
+                        <a:latin typeface="Calibri" panose="020F0502020204030204" pitchFamily="34" charset="0"/>
+                      </a:endParaRPr>
+                    </a:p>
+                  </a:txBody>
+                  <a:tcPr marL="9423" marR="9423" marT="9423" marB="0" anchor="ctr">
+                    <a:solidFill>
+                      <a:schemeClr val="accent5">
+                        <a:lumMod val="60000"/>
+                        <a:lumOff val="40000"/>
+                      </a:schemeClr>
+                    </a:solidFill>
+                  </a:tcPr>
                 </a:tc>
               </a:tr>
             </a:tbl>
@@ -8339,6 +9587,13 @@
   <p:clrMapOvr>
     <a:masterClrMapping/>
   </p:clrMapOvr>
+  <p:timing>
+    <p:tnLst>
+      <p:par>
+        <p:cTn id="1" dur="indefinite" restart="never" nodeType="tmRoot"/>
+      </p:par>
+    </p:tnLst>
+  </p:timing>
 </p:sld>
 </file>
 
@@ -8470,8 +9725,13 @@
                   <a:schemeClr val="bg1"/>
                 </a:solidFill>
               </a:rPr>
-              <a:t>New tests in 1 week</a:t>
-            </a:r>
+              <a:t>Final tests</a:t>
+            </a:r>
+            <a:endParaRPr lang="en-US" dirty="0" smtClean="0">
+              <a:solidFill>
+                <a:schemeClr val="bg1"/>
+              </a:solidFill>
+            </a:endParaRPr>
           </a:p>
           <a:p>
             <a:endParaRPr lang="en-US" dirty="0">
@@ -8498,17 +9758,6 @@
                   <a:schemeClr val="bg1"/>
                 </a:solidFill>
               </a:rPr>
-              <a:t>Changed Methods</a:t>
-            </a:r>
-          </a:p>
-          <a:p>
-            <a:pPr lvl="1"/>
-            <a:r>
-              <a:rPr lang="en-US" dirty="0" smtClean="0">
-                <a:solidFill>
-                  <a:schemeClr val="bg1"/>
-                </a:solidFill>
-              </a:rPr>
               <a:t>Improved </a:t>
             </a:r>
             <a:r>
@@ -8528,7 +9777,15 @@
                   <a:schemeClr val="bg1"/>
                 </a:solidFill>
               </a:rPr>
-              <a:t>Deciding how to input Governance indicators</a:t>
+              <a:t>Governance </a:t>
+            </a:r>
+            <a:r>
+              <a:rPr lang="en-US" dirty="0" smtClean="0">
+                <a:solidFill>
+                  <a:schemeClr val="bg1"/>
+                </a:solidFill>
+              </a:rPr>
+              <a:t>indicators</a:t>
             </a:r>
             <a:endParaRPr lang="en-US" dirty="0">
               <a:solidFill>
@@ -9137,40 +10394,24 @@
                   <a:schemeClr val="bg1"/>
                 </a:solidFill>
               </a:rPr>
-              <a:t>Field trip to </a:t>
-            </a:r>
+              <a:t>Field trip to El Rosario, Mexico – November 10 to 13, 2016</a:t>
+            </a:r>
+          </a:p>
+          <a:p>
+            <a:endParaRPr lang="en-US" dirty="0" smtClean="0">
+              <a:solidFill>
+                <a:schemeClr val="bg1"/>
+              </a:solidFill>
+            </a:endParaRPr>
+          </a:p>
+          <a:p>
             <a:r>
               <a:rPr lang="en-US" dirty="0" smtClean="0">
                 <a:solidFill>
                   <a:schemeClr val="bg1"/>
                 </a:solidFill>
               </a:rPr>
-              <a:t>El Rosario, Mexico – November 10 to 13, 2016</a:t>
-            </a:r>
-          </a:p>
-          <a:p>
-            <a:endParaRPr lang="en-US" dirty="0" smtClean="0">
-              <a:solidFill>
-                <a:schemeClr val="bg1"/>
-              </a:solidFill>
-            </a:endParaRPr>
-          </a:p>
-          <a:p>
-            <a:r>
-              <a:rPr lang="en-US" dirty="0" smtClean="0">
-                <a:solidFill>
-                  <a:schemeClr val="bg1"/>
-                </a:solidFill>
-              </a:rPr>
-              <a:t>Guidebook </a:t>
-            </a:r>
-            <a:r>
-              <a:rPr lang="en-US" dirty="0" smtClean="0">
-                <a:solidFill>
-                  <a:schemeClr val="bg1"/>
-                </a:solidFill>
-              </a:rPr>
-              <a:t>outline</a:t>
+              <a:t>Guidebook outline</a:t>
             </a:r>
           </a:p>
           <a:p>
@@ -9204,15 +10445,7 @@
                   <a:schemeClr val="bg1"/>
                 </a:solidFill>
               </a:rPr>
-              <a:t>Final </a:t>
-            </a:r>
-            <a:r>
-              <a:rPr lang="en-US" dirty="0" smtClean="0">
-                <a:solidFill>
-                  <a:schemeClr val="bg1"/>
-                </a:solidFill>
-              </a:rPr>
-              <a:t>Report outline</a:t>
+              <a:t>Final Report outline</a:t>
             </a:r>
           </a:p>
           <a:p>
@@ -9324,15 +10557,7 @@
                   <a:schemeClr val="bg1"/>
                 </a:solidFill>
               </a:rPr>
-              <a:t>Academic </a:t>
-            </a:r>
-            <a:r>
-              <a:rPr lang="en-US" dirty="0" smtClean="0">
-                <a:solidFill>
-                  <a:schemeClr val="bg1"/>
-                </a:solidFill>
-              </a:rPr>
-              <a:t>defense – March 3 or 10, 2017</a:t>
+              <a:t>Academic defense – March 3 or 10, 2017</a:t>
             </a:r>
           </a:p>
           <a:p>
@@ -9351,11 +10576,6 @@
               </a:rPr>
               <a:t>Final report – March 24, 2017</a:t>
             </a:r>
-            <a:endParaRPr lang="en-US" dirty="0" smtClean="0">
-              <a:solidFill>
-                <a:schemeClr val="bg1"/>
-              </a:solidFill>
-            </a:endParaRPr>
           </a:p>
           <a:p>
             <a:endParaRPr lang="en-US" dirty="0">
@@ -9371,45 +10591,24 @@
                   <a:schemeClr val="bg1"/>
                 </a:solidFill>
               </a:rPr>
-              <a:t>Project brief and </a:t>
-            </a:r>
+              <a:t>Project brief and poster – April 14, 2017</a:t>
+            </a:r>
+          </a:p>
+          <a:p>
+            <a:endParaRPr lang="en-US" dirty="0">
+              <a:solidFill>
+                <a:schemeClr val="bg1"/>
+              </a:solidFill>
+            </a:endParaRPr>
+          </a:p>
+          <a:p>
             <a:r>
               <a:rPr lang="en-US" dirty="0" smtClean="0">
                 <a:solidFill>
                   <a:schemeClr val="bg1"/>
                 </a:solidFill>
               </a:rPr>
-              <a:t>poster – April 14, 2017</a:t>
-            </a:r>
-            <a:endParaRPr lang="en-US" dirty="0" smtClean="0">
-              <a:solidFill>
-                <a:schemeClr val="bg1"/>
-              </a:solidFill>
-            </a:endParaRPr>
-          </a:p>
-          <a:p>
-            <a:endParaRPr lang="en-US" dirty="0">
-              <a:solidFill>
-                <a:schemeClr val="bg1"/>
-              </a:solidFill>
-            </a:endParaRPr>
-          </a:p>
-          <a:p>
-            <a:r>
-              <a:rPr lang="en-US" dirty="0" smtClean="0">
-                <a:solidFill>
-                  <a:schemeClr val="bg1"/>
-                </a:solidFill>
-              </a:rPr>
-              <a:t>Public </a:t>
-            </a:r>
-            <a:r>
-              <a:rPr lang="en-US" dirty="0" smtClean="0">
-                <a:solidFill>
-                  <a:schemeClr val="bg1"/>
-                </a:solidFill>
-              </a:rPr>
-              <a:t>presentation – April 21, 2017</a:t>
+              <a:t>Public presentation – April 21, 2017</a:t>
             </a:r>
             <a:endParaRPr lang="en-US" dirty="0">
               <a:solidFill>

--- a/Presentations/Fall Review Meeting/A FRAMEWORK TO EVALUATE MARINE RESERVES IN MEXICO.pptx
+++ b/Presentations/Fall Review Meeting/A FRAMEWORK TO EVALUATE MARINE RESERVES IN MEXICO.pptx
@@ -3652,34 +3652,18 @@
                   <a:schemeClr val="bg1"/>
                 </a:solidFill>
               </a:rPr>
-              <a:t>Data </a:t>
-            </a:r>
+              <a:t>Data Collection</a:t>
+            </a:r>
+          </a:p>
+          <a:p>
+            <a:pPr lvl="1"/>
             <a:r>
               <a:rPr lang="en-US" dirty="0" smtClean="0">
                 <a:solidFill>
                   <a:schemeClr val="bg1"/>
                 </a:solidFill>
               </a:rPr>
-              <a:t>Collection</a:t>
-            </a:r>
-          </a:p>
-          <a:p>
-            <a:pPr lvl="1"/>
-            <a:r>
-              <a:rPr lang="en-US" dirty="0" smtClean="0">
-                <a:solidFill>
-                  <a:schemeClr val="bg1"/>
-                </a:solidFill>
-              </a:rPr>
-              <a:t>Started </a:t>
-            </a:r>
-            <a:r>
-              <a:rPr lang="en-US" dirty="0" smtClean="0">
-                <a:solidFill>
-                  <a:schemeClr val="bg1"/>
-                </a:solidFill>
-              </a:rPr>
-              <a:t>during Spring quarter and continued over the summer</a:t>
+              <a:t>Started during Spring quarter and continued over the Summer</a:t>
             </a:r>
           </a:p>
           <a:p>
@@ -3766,7 +3750,7 @@
                   <a:schemeClr val="bg1"/>
                 </a:solidFill>
               </a:rPr>
-              <a:t>Redefined indicators</a:t>
+              <a:t>Refined indicators</a:t>
             </a:r>
           </a:p>
           <a:p>
@@ -9643,21 +9627,6 @@
               </a:rPr>
               <a:t>Summer and Fall Progress</a:t>
             </a:r>
-            <a:br>
-              <a:rPr lang="en-US" b="1" dirty="0" smtClean="0">
-                <a:solidFill>
-                  <a:schemeClr val="bg1"/>
-                </a:solidFill>
-              </a:rPr>
-            </a:br>
-            <a:r>
-              <a:rPr lang="en-US" sz="2400" b="1" dirty="0" smtClean="0">
-                <a:solidFill>
-                  <a:schemeClr val="bg1"/>
-                </a:solidFill>
-              </a:rPr>
-              <a:t>Survey</a:t>
-            </a:r>
             <a:endParaRPr lang="en-US" sz="2400" b="1" dirty="0">
               <a:solidFill>
                 <a:schemeClr val="bg1"/>
@@ -9727,11 +9696,6 @@
               </a:rPr>
               <a:t>Final tests</a:t>
             </a:r>
-            <a:endParaRPr lang="en-US" dirty="0" smtClean="0">
-              <a:solidFill>
-                <a:schemeClr val="bg1"/>
-              </a:solidFill>
-            </a:endParaRPr>
           </a:p>
           <a:p>
             <a:endParaRPr lang="en-US" dirty="0">
@@ -9758,34 +9722,18 @@
                   <a:schemeClr val="bg1"/>
                 </a:solidFill>
               </a:rPr>
-              <a:t>Improved </a:t>
-            </a:r>
+              <a:t>Improved analysis</a:t>
+            </a:r>
+          </a:p>
+          <a:p>
+            <a:pPr lvl="1"/>
             <a:r>
               <a:rPr lang="en-US" dirty="0" smtClean="0">
                 <a:solidFill>
                   <a:schemeClr val="bg1"/>
                 </a:solidFill>
               </a:rPr>
-              <a:t>analysis</a:t>
-            </a:r>
-          </a:p>
-          <a:p>
-            <a:pPr lvl="1"/>
-            <a:r>
-              <a:rPr lang="en-US" dirty="0" smtClean="0">
-                <a:solidFill>
-                  <a:schemeClr val="bg1"/>
-                </a:solidFill>
-              </a:rPr>
-              <a:t>Governance </a:t>
-            </a:r>
-            <a:r>
-              <a:rPr lang="en-US" dirty="0" smtClean="0">
-                <a:solidFill>
-                  <a:schemeClr val="bg1"/>
-                </a:solidFill>
-              </a:rPr>
-              <a:t>indicators</a:t>
+              <a:t>Governance indicators</a:t>
             </a:r>
             <a:endParaRPr lang="en-US" dirty="0">
               <a:solidFill>
@@ -9834,6 +9782,54 @@
       </p:grpSpPr>
       <p:sp>
         <p:nvSpPr>
+          <p:cNvPr id="8" name="Retângulo 7">
+            <a:hlinkClick r:id="rId2"/>
+          </p:cNvPr>
+          <p:cNvSpPr/>
+          <p:nvPr/>
+        </p:nvSpPr>
+        <p:spPr>
+          <a:xfrm>
+            <a:off x="1479176" y="4392572"/>
+            <a:ext cx="2151530" cy="555946"/>
+          </a:xfrm>
+          <a:prstGeom prst="rect">
+            <a:avLst/>
+          </a:prstGeom>
+          <a:solidFill>
+            <a:srgbClr val="2E75B5"/>
+          </a:solidFill>
+          <a:ln>
+            <a:noFill/>
+          </a:ln>
+        </p:spPr>
+        <p:style>
+          <a:lnRef idx="2">
+            <a:schemeClr val="accent1">
+              <a:shade val="50000"/>
+            </a:schemeClr>
+          </a:lnRef>
+          <a:fillRef idx="1">
+            <a:schemeClr val="accent1"/>
+          </a:fillRef>
+          <a:effectRef idx="0">
+            <a:schemeClr val="accent1"/>
+          </a:effectRef>
+          <a:fontRef idx="minor">
+            <a:schemeClr val="lt1"/>
+          </a:fontRef>
+        </p:style>
+        <p:txBody>
+          <a:bodyPr rtlCol="0" anchor="ctr"/>
+          <a:lstStyle/>
+          <a:p>
+            <a:pPr algn="ctr"/>
+            <a:endParaRPr lang="en-US"/>
+          </a:p>
+        </p:txBody>
+      </p:sp>
+      <p:sp>
+        <p:nvSpPr>
           <p:cNvPr id="2" name="Title 1"/>
           <p:cNvSpPr>
             <a:spLocks noGrp="1"/>
@@ -9862,21 +9858,6 @@
                 </a:solidFill>
               </a:rPr>
               <a:t>Summer and Fall Progress</a:t>
-            </a:r>
-            <a:br>
-              <a:rPr lang="en-US" b="1" dirty="0" smtClean="0">
-                <a:solidFill>
-                  <a:schemeClr val="bg1"/>
-                </a:solidFill>
-              </a:rPr>
-            </a:br>
-            <a:r>
-              <a:rPr lang="en-US" sz="2400" dirty="0" smtClean="0">
-                <a:solidFill>
-                  <a:schemeClr val="bg1"/>
-                </a:solidFill>
-              </a:rPr>
-              <a:t>Outreach and Feedback</a:t>
             </a:r>
             <a:endParaRPr lang="en-US" sz="2400" b="1" dirty="0">
               <a:solidFill>
@@ -10016,8 +9997,11 @@
                   <a:schemeClr val="bg1"/>
                 </a:solidFill>
               </a:rPr>
-              <a:t>.</a:t>
-            </a:r>
+              <a:t>.		</a:t>
+            </a:r>
+          </a:p>
+          <a:p>
+            <a:pPr lvl="1"/>
             <a:endParaRPr lang="en-US" dirty="0">
               <a:solidFill>
                 <a:schemeClr val="bg1"/>
@@ -10059,7 +10043,7 @@
           <p:nvPr/>
         </p:nvPicPr>
         <p:blipFill>
-          <a:blip r:embed="rId2" cstate="print">
+          <a:blip r:embed="rId3" cstate="print">
             <a:extLst>
               <a:ext uri="{28A0092B-C50C-407E-A947-70E740481C1C}">
                 <a14:useLocalDpi xmlns:a14="http://schemas.microsoft.com/office/drawing/2010/main" val="0"/>
@@ -10089,7 +10073,7 @@
           <p:nvPr/>
         </p:nvPicPr>
         <p:blipFill>
-          <a:blip r:embed="rId3" cstate="print">
+          <a:blip r:embed="rId4" cstate="print">
             <a:extLst>
               <a:ext uri="{28A0092B-C50C-407E-A947-70E740481C1C}">
                 <a14:useLocalDpi xmlns:a14="http://schemas.microsoft.com/office/drawing/2010/main" val="0"/>
@@ -10428,7 +10412,23 @@
                   <a:schemeClr val="bg1"/>
                 </a:solidFill>
               </a:rPr>
-              <a:t>Shiny app (beta version)</a:t>
+              <a:t>Shiny app </a:t>
+            </a:r>
+            <a:r>
+              <a:rPr lang="en-US" dirty="0" smtClean="0">
+                <a:solidFill>
+                  <a:schemeClr val="bg1"/>
+                </a:solidFill>
+              </a:rPr>
+              <a:t>(Beta </a:t>
+            </a:r>
+            <a:r>
+              <a:rPr lang="en-US" dirty="0" smtClean="0">
+                <a:solidFill>
+                  <a:schemeClr val="bg1"/>
+                </a:solidFill>
+              </a:rPr>
+              <a:t>version)</a:t>
             </a:r>
           </a:p>
           <a:p>
